--- a/Slides/Lesson 5.5 Rewriting Your Function Using Map and Foldr.pptx
+++ b/Slides/Lesson 5.5 Rewriting Your Function Using Map and Foldr.pptx
@@ -251,7 +251,7 @@
             <a:fld id="{CF8F25F6-E1EF-4065-8525-42EDEBD9BD22}" type="datetimeFigureOut">
               <a:rPr lang="en-US" smtClean="0"/>
               <a:pPr/>
-              <a:t>8/29/2015</a:t>
+              <a:t>10/10/2015</a:t>
             </a:fld>
             <a:endParaRPr lang="en-US"/>
           </a:p>
@@ -1858,7 +1858,7 @@
           <a:p>
             <a:fld id="{2F1F79F5-7BEC-496A-AFC7-876E38F64D71}" type="datetime1">
               <a:rPr lang="en-US" smtClean="0"/>
-              <a:t>8/29/2015</a:t>
+              <a:t>10/10/2015</a:t>
             </a:fld>
             <a:endParaRPr lang="en-US"/>
           </a:p>
@@ -1960,7 +1960,7 @@
           <a:p>
             <a:fld id="{0A05703A-7669-4FEA-9056-25299B4D29D4}" type="datetime1">
               <a:rPr lang="en-US" smtClean="0"/>
-              <a:t>8/29/2015</a:t>
+              <a:t>10/10/2015</a:t>
             </a:fld>
             <a:endParaRPr lang="en-US"/>
           </a:p>
@@ -2237,7 +2237,7 @@
           <a:p>
             <a:fld id="{6E5077B5-BB57-49DB-88CA-226A139E5C01}" type="datetime1">
               <a:rPr lang="en-US" smtClean="0"/>
-              <a:t>8/29/2015</a:t>
+              <a:t>10/10/2015</a:t>
             </a:fld>
             <a:endParaRPr lang="en-US"/>
           </a:p>
@@ -2490,7 +2490,7 @@
           <a:p>
             <a:fld id="{C48D9447-CBD6-49A1-89FD-8512A8CF8999}" type="datetime1">
               <a:rPr lang="en-US" smtClean="0"/>
-              <a:t>8/29/2015</a:t>
+              <a:t>10/10/2015</a:t>
             </a:fld>
             <a:endParaRPr lang="en-US"/>
           </a:p>
@@ -2660,7 +2660,7 @@
           <a:p>
             <a:fld id="{A3639A2A-823D-48B7-9ACE-7FAF42870BA9}" type="datetime1">
               <a:rPr lang="en-US" smtClean="0"/>
-              <a:t>8/29/2015</a:t>
+              <a:t>10/10/2015</a:t>
             </a:fld>
             <a:endParaRPr lang="en-US"/>
           </a:p>
@@ -2840,7 +2840,7 @@
           <a:p>
             <a:fld id="{ED1B6996-82E9-463C-972C-7B56056E426C}" type="datetime1">
               <a:rPr lang="en-US" smtClean="0"/>
-              <a:t>8/29/2015</a:t>
+              <a:t>10/10/2015</a:t>
             </a:fld>
             <a:endParaRPr lang="en-US"/>
           </a:p>
@@ -3016,7 +3016,7 @@
           <a:p>
             <a:fld id="{E22ED4DA-448D-4BB1-B935-CC112220207B}" type="datetime1">
               <a:rPr lang="en-US" smtClean="0"/>
-              <a:t>8/29/2015</a:t>
+              <a:t>10/10/2015</a:t>
             </a:fld>
             <a:endParaRPr lang="en-US"/>
           </a:p>
@@ -3198,7 +3198,7 @@
           <a:p>
             <a:fld id="{E22ED4DA-448D-4BB1-B935-CC112220207B}" type="datetime1">
               <a:rPr lang="en-US" smtClean="0"/>
-              <a:t>8/29/2015</a:t>
+              <a:t>10/10/2015</a:t>
             </a:fld>
             <a:endParaRPr lang="en-US"/>
           </a:p>
@@ -3467,7 +3467,7 @@
           <a:p>
             <a:fld id="{FF5D65A6-AB94-4435-B0B7-3743215FA46C}" type="datetime1">
               <a:rPr lang="en-US" smtClean="0"/>
-              <a:t>8/29/2015</a:t>
+              <a:t>10/10/2015</a:t>
             </a:fld>
             <a:endParaRPr lang="en-US"/>
           </a:p>
@@ -3652,7 +3652,7 @@
           <a:p>
             <a:fld id="{FF5D65A6-AB94-4435-B0B7-3743215FA46C}" type="datetime1">
               <a:rPr lang="en-US" smtClean="0"/>
-              <a:t>8/29/2015</a:t>
+              <a:t>10/10/2015</a:t>
             </a:fld>
             <a:endParaRPr lang="en-US"/>
           </a:p>
@@ -3954,7 +3954,7 @@
           <a:p>
             <a:fld id="{7C193DC4-6EF0-48C9-B29C-616106A645E1}" type="datetime1">
               <a:rPr lang="en-US" smtClean="0"/>
-              <a:t>8/29/2015</a:t>
+              <a:t>10/10/2015</a:t>
             </a:fld>
             <a:endParaRPr lang="en-US"/>
           </a:p>
@@ -4242,7 +4242,7 @@
           <a:p>
             <a:fld id="{5D1846AD-9252-4647-9435-4C2AC365653A}" type="datetime1">
               <a:rPr lang="en-US" smtClean="0"/>
-              <a:t>8/29/2015</a:t>
+              <a:t>10/10/2015</a:t>
             </a:fld>
             <a:endParaRPr lang="en-US"/>
           </a:p>
@@ -4664,7 +4664,7 @@
           <a:p>
             <a:fld id="{CE56DC10-3561-4063-A6AF-C1CC7A41040A}" type="datetime1">
               <a:rPr lang="en-US" smtClean="0"/>
-              <a:t>8/29/2015</a:t>
+              <a:t>10/10/2015</a:t>
             </a:fld>
             <a:endParaRPr lang="en-US"/>
           </a:p>
@@ -4782,7 +4782,7 @@
           <a:p>
             <a:fld id="{2F7B77F5-1464-4F6B-92A8-64FC8A508293}" type="datetime1">
               <a:rPr lang="en-US" smtClean="0"/>
-              <a:t>8/29/2015</a:t>
+              <a:t>10/10/2015</a:t>
             </a:fld>
             <a:endParaRPr lang="en-US"/>
           </a:p>
@@ -5014,7 +5014,7 @@
           <a:p>
             <a:fld id="{02B3F677-983B-48DB-ADFD-63FE6CBC7FB2}" type="datetime1">
               <a:rPr lang="en-US" smtClean="0"/>
-              <a:t>8/29/2015</a:t>
+              <a:t>10/10/2015</a:t>
             </a:fld>
             <a:endParaRPr lang="en-US"/>
           </a:p>
@@ -5728,10 +5728,18 @@
           <a:p>
             <a:r>
               <a:rPr lang="en-US" dirty="0" smtClean="0"/>
-              <a:t>A candidate for map or </a:t>
-            </a:r>
-            <a:r>
-              <a:rPr lang="en-US" dirty="0" err="1" smtClean="0"/>
+              <a:t>A candidate for </a:t>
+            </a:r>
+            <a:r>
+              <a:rPr lang="en-US" b="1" dirty="0" smtClean="0"/>
+              <a:t>map</a:t>
+            </a:r>
+            <a:r>
+              <a:rPr lang="en-US" dirty="0" smtClean="0"/>
+              <a:t> or </a:t>
+            </a:r>
+            <a:r>
+              <a:rPr lang="en-US" b="1" dirty="0" err="1" smtClean="0"/>
               <a:t>foldr</a:t>
             </a:r>
             <a:r>
@@ -6050,7 +6058,7 @@
         <p:spPr>
           <a:xfrm>
             <a:off x="304800" y="5082570"/>
-            <a:ext cx="4724400" cy="1569660"/>
+            <a:ext cx="4724400" cy="1200329"/>
           </a:xfrm>
           <a:prstGeom prst="rect">
             <a:avLst/>
@@ -6078,7 +6086,15 @@
           <a:p>
             <a:r>
               <a:rPr lang="en-US" sz="2400" dirty="0" smtClean="0"/>
-              <a:t>Here are the things that make your structural decomposition a candidate for one of the list abstractions.</a:t>
+              <a:t>Here are the things that make your </a:t>
+            </a:r>
+            <a:r>
+              <a:rPr lang="en-US" sz="2400" dirty="0" smtClean="0"/>
+              <a:t>use of a template a </a:t>
+            </a:r>
+            <a:r>
+              <a:rPr lang="en-US" sz="2400" dirty="0" smtClean="0"/>
+              <a:t>candidate for one of the list abstractions.</a:t>
             </a:r>
             <a:endParaRPr lang="en-US" sz="2400" dirty="0"/>
           </a:p>
@@ -6292,14 +6308,7 @@
                 <a:latin typeface="Consolas" pitchFamily="49" charset="0"/>
                 <a:cs typeface="Consolas" pitchFamily="49" charset="0"/>
               </a:rPr>
-              <a:t>(</a:t>
-            </a:r>
-            <a:r>
-              <a:rPr lang="en-US" sz="2600" b="1" dirty="0" smtClean="0">
-                <a:latin typeface="Consolas" pitchFamily="49" charset="0"/>
-                <a:cs typeface="Consolas" pitchFamily="49" charset="0"/>
-              </a:rPr>
-              <a:t>define (f </a:t>
+              <a:t>(define (f </a:t>
             </a:r>
             <a:r>
               <a:rPr lang="en-US" sz="2600" b="1" dirty="0" err="1" smtClean="0">
@@ -6905,14 +6914,7 @@
                 <a:latin typeface="Consolas" pitchFamily="49" charset="0"/>
                 <a:cs typeface="Consolas" pitchFamily="49" charset="0"/>
               </a:rPr>
-              <a:t>(</a:t>
-            </a:r>
-            <a:r>
-              <a:rPr lang="en-US" sz="2600" b="1" dirty="0" smtClean="0">
-                <a:latin typeface="Consolas" pitchFamily="49" charset="0"/>
-                <a:cs typeface="Consolas" pitchFamily="49" charset="0"/>
-              </a:rPr>
-              <a:t>define (f </a:t>
+              <a:t>(define (f </a:t>
             </a:r>
             <a:r>
               <a:rPr lang="en-US" sz="2600" b="1" dirty="0" err="1" smtClean="0">
@@ -7461,22 +7463,11 @@
                 <a:latin typeface="Consolas" pitchFamily="49" charset="0"/>
                 <a:cs typeface="Consolas" pitchFamily="49" charset="0"/>
               </a:rPr>
-              <a:t>or</a:t>
-            </a:r>
-            <a:r>
-              <a:rPr lang="en-US" b="1" dirty="0" err="1" smtClean="0">
-                <a:latin typeface="Consolas" pitchFamily="49" charset="0"/>
-                <a:cs typeface="Consolas" pitchFamily="49" charset="0"/>
-              </a:rPr>
-              <a:t>map</a:t>
+              <a:t>ormap</a:t>
             </a:r>
             <a:r>
               <a:rPr lang="en-US" dirty="0" smtClean="0"/>
-              <a:t> </a:t>
-            </a:r>
-            <a:r>
-              <a:rPr lang="en-US" dirty="0" smtClean="0"/>
-              <a:t>looks like this:</a:t>
+              <a:t> looks like this:</a:t>
             </a:r>
             <a:endParaRPr lang="en-US" dirty="0"/>
           </a:p>
@@ -7533,14 +7524,7 @@
                 <a:latin typeface="Consolas" pitchFamily="49" charset="0"/>
                 <a:cs typeface="Consolas" pitchFamily="49" charset="0"/>
               </a:rPr>
-              <a:t>(</a:t>
-            </a:r>
-            <a:r>
-              <a:rPr lang="en-US" sz="2600" b="1" dirty="0" smtClean="0">
-                <a:latin typeface="Consolas" pitchFamily="49" charset="0"/>
-                <a:cs typeface="Consolas" pitchFamily="49" charset="0"/>
-              </a:rPr>
-              <a:t>define (f </a:t>
+              <a:t>(define (f </a:t>
             </a:r>
             <a:r>
               <a:rPr lang="en-US" sz="2600" b="1" dirty="0" err="1" smtClean="0">
@@ -7640,14 +7624,7 @@
                 <a:latin typeface="Consolas" pitchFamily="49" charset="0"/>
                 <a:cs typeface="Consolas" pitchFamily="49" charset="0"/>
               </a:rPr>
-              <a:t>  [else </a:t>
-            </a:r>
-            <a:r>
-              <a:rPr lang="en-US" sz="2600" b="1" dirty="0" smtClean="0">
-                <a:latin typeface="Consolas" pitchFamily="49" charset="0"/>
-                <a:cs typeface="Consolas" pitchFamily="49" charset="0"/>
-              </a:rPr>
-              <a:t>(</a:t>
+              <a:t>  [else (</a:t>
             </a:r>
             <a:r>
               <a:rPr lang="en-US" sz="2600" b="1" dirty="0" smtClean="0">
@@ -7808,7 +7785,6 @@
               <a:rPr lang="en-US" dirty="0" smtClean="0"/>
               <a:t>here</a:t>
             </a:r>
-            <a:endParaRPr lang="en-US" dirty="0" smtClean="0"/>
           </a:p>
         </p:txBody>
       </p:sp>
@@ -7855,20 +7831,12 @@
                 <a:latin typeface="Consolas" pitchFamily="49" charset="0"/>
                 <a:cs typeface="Consolas" pitchFamily="49" charset="0"/>
               </a:rPr>
-              <a:t>or</a:t>
-            </a:r>
-            <a:r>
-              <a:rPr lang="en-US" b="1" dirty="0" smtClean="0">
-                <a:latin typeface="Consolas" pitchFamily="49" charset="0"/>
-                <a:cs typeface="Consolas" pitchFamily="49" charset="0"/>
-              </a:rPr>
-              <a:t> </a:t>
+              <a:t>or </a:t>
             </a:r>
             <a:r>
               <a:rPr lang="en-US" dirty="0" smtClean="0"/>
               <a:t>here</a:t>
             </a:r>
-            <a:endParaRPr lang="en-US" dirty="0" smtClean="0"/>
           </a:p>
         </p:txBody>
       </p:sp>
@@ -8166,14 +8134,7 @@
                 <a:latin typeface="Consolas" pitchFamily="49" charset="0"/>
                 <a:cs typeface="Consolas" pitchFamily="49" charset="0"/>
               </a:rPr>
-              <a:t>(</a:t>
-            </a:r>
-            <a:r>
-              <a:rPr lang="en-US" sz="2600" b="1" dirty="0" smtClean="0">
-                <a:latin typeface="Consolas" pitchFamily="49" charset="0"/>
-                <a:cs typeface="Consolas" pitchFamily="49" charset="0"/>
-              </a:rPr>
-              <a:t>define (f </a:t>
+              <a:t>(define (f </a:t>
             </a:r>
             <a:r>
               <a:rPr lang="en-US" sz="2600" b="1" dirty="0" err="1" smtClean="0">
@@ -8568,14 +8529,7 @@
                 <a:latin typeface="Consolas" pitchFamily="49" charset="0"/>
                 <a:cs typeface="Consolas" pitchFamily="49" charset="0"/>
               </a:rPr>
-              <a:t>(</a:t>
-            </a:r>
-            <a:r>
-              <a:rPr lang="en-US" sz="2600" b="1" dirty="0" smtClean="0">
-                <a:latin typeface="Consolas" pitchFamily="49" charset="0"/>
-                <a:cs typeface="Consolas" pitchFamily="49" charset="0"/>
-              </a:rPr>
-              <a:t>define (f </a:t>
+              <a:t>(define (f </a:t>
             </a:r>
             <a:r>
               <a:rPr lang="en-US" sz="2600" b="1" dirty="0" err="1" smtClean="0">
@@ -8910,23 +8864,7 @@
             <a:pPr algn="ctr"/>
             <a:r>
               <a:rPr lang="en-US" dirty="0" smtClean="0"/>
-              <a:t>makes a decision </a:t>
-            </a:r>
-            <a:r>
-              <a:rPr lang="en-US" dirty="0" smtClean="0"/>
-              <a:t>based </a:t>
-            </a:r>
-            <a:r>
-              <a:rPr lang="en-US" dirty="0" smtClean="0"/>
-              <a:t>on the first </a:t>
-            </a:r>
-            <a:r>
-              <a:rPr lang="en-US" dirty="0" smtClean="0"/>
-              <a:t>element of </a:t>
-            </a:r>
-            <a:r>
-              <a:rPr lang="en-US" dirty="0" smtClean="0"/>
-              <a:t>the list</a:t>
+              <a:t>makes a decision based on the first element of the list</a:t>
             </a:r>
             <a:endParaRPr lang="en-US" dirty="0"/>
           </a:p>
@@ -9325,11 +9263,7 @@
           <a:p>
             <a:r>
               <a:rPr lang="en-US" dirty="0" smtClean="0"/>
-              <a:t>Patterns for </a:t>
-            </a:r>
-            <a:r>
-              <a:rPr lang="en-US" dirty="0" smtClean="0"/>
-              <a:t>using higher-order functions</a:t>
+              <a:t>Patterns for using higher-order functions</a:t>
             </a:r>
             <a:endParaRPr lang="en-US" dirty="0"/>
           </a:p>
@@ -9368,7 +9302,6 @@
               <a:rPr lang="en-US" dirty="0" smtClean="0"/>
               <a:t>using higher-order functions.</a:t>
             </a:r>
-            <a:endParaRPr lang="en-US" dirty="0" smtClean="0"/>
           </a:p>
           <a:p>
             <a:r>
@@ -9512,7 +9445,11 @@
           <a:p>
             <a:r>
               <a:rPr lang="en-US" dirty="0" smtClean="0"/>
-              <a:t>General pattern for higher-order function composition</a:t>
+              <a:t>General pattern for </a:t>
+            </a:r>
+            <a:r>
+              <a:rPr lang="en-US" dirty="0" smtClean="0"/>
+              <a:t>using a HOF on lists</a:t>
             </a:r>
             <a:endParaRPr lang="en-US" dirty="0"/>
           </a:p>
@@ -9564,14 +9501,7 @@
                 <a:latin typeface="Consolas" pitchFamily="49" charset="0"/>
                 <a:cs typeface="Consolas" pitchFamily="49" charset="0"/>
               </a:rPr>
-              <a:t> </a:t>
-            </a:r>
-            <a:r>
-              <a:rPr lang="en-US" sz="2800" b="1" dirty="0" smtClean="0">
-                <a:latin typeface="Consolas" pitchFamily="49" charset="0"/>
-                <a:cs typeface="Consolas" pitchFamily="49" charset="0"/>
-              </a:rPr>
-              <a:t>-&gt; ??</a:t>
+              <a:t> -&gt; ??</a:t>
             </a:r>
           </a:p>
           <a:p>
@@ -9737,11 +9667,7 @@
             <a:p>
               <a:r>
                 <a:rPr lang="en-US" dirty="0" smtClean="0"/>
-                <a:t>Choose your abstraction from the ones in </a:t>
-              </a:r>
-              <a:r>
-                <a:rPr lang="en-US" dirty="0" smtClean="0"/>
-                <a:t>Chapter 18.</a:t>
+                <a:t>Choose your abstraction from the ones in Chapter 18.</a:t>
               </a:r>
               <a:endParaRPr lang="en-US" dirty="0"/>
             </a:p>
@@ -10330,13 +10256,17 @@
         <p:spPr/>
         <p:txBody>
           <a:bodyPr>
-            <a:normAutofit fontScale="90000"/>
+            <a:normAutofit/>
           </a:bodyPr>
           <a:lstStyle/>
           <a:p>
             <a:r>
               <a:rPr lang="en-US" dirty="0" smtClean="0"/>
-              <a:t>Pattern for higher-order function composition: </a:t>
+              <a:t>Pattern for </a:t>
+            </a:r>
+            <a:r>
+              <a:rPr lang="en-US" dirty="0" smtClean="0"/>
+              <a:t>using an HOF: </a:t>
             </a:r>
             <a:r>
               <a:rPr lang="en-US" b="1" dirty="0" smtClean="0">
@@ -10397,14 +10327,7 @@
                 <a:latin typeface="Consolas" pitchFamily="49" charset="0"/>
                 <a:cs typeface="Consolas" pitchFamily="49" charset="0"/>
               </a:rPr>
-              <a:t> </a:t>
-            </a:r>
-            <a:r>
-              <a:rPr lang="en-US" sz="2800" b="1" dirty="0" smtClean="0">
-                <a:latin typeface="Consolas" pitchFamily="49" charset="0"/>
-                <a:cs typeface="Consolas" pitchFamily="49" charset="0"/>
-              </a:rPr>
-              <a:t>-&gt; </a:t>
+              <a:t> -&gt; </a:t>
             </a:r>
             <a:r>
               <a:rPr lang="en-US" sz="2800" b="1" dirty="0" err="1" smtClean="0">
@@ -10457,10 +10380,6 @@
               </a:rPr>
               <a:t>)</a:t>
             </a:r>
-            <a:endParaRPr lang="en-US" sz="2800" b="1" dirty="0" smtClean="0">
-              <a:latin typeface="Consolas" pitchFamily="49" charset="0"/>
-              <a:cs typeface="Consolas" pitchFamily="49" charset="0"/>
-            </a:endParaRPr>
           </a:p>
           <a:p>
             <a:pPr>
@@ -10471,21 +10390,7 @@
                 <a:latin typeface="Consolas" pitchFamily="49" charset="0"/>
                 <a:cs typeface="Consolas" pitchFamily="49" charset="0"/>
               </a:rPr>
-              <a:t>  (local (; </a:t>
-            </a:r>
-            <a:r>
-              <a:rPr lang="en-US" sz="2800" b="1" dirty="0" smtClean="0">
-                <a:latin typeface="Consolas" pitchFamily="49" charset="0"/>
-                <a:cs typeface="Consolas" pitchFamily="49" charset="0"/>
-              </a:rPr>
-              <a:t>operator : X </a:t>
-            </a:r>
-            <a:r>
-              <a:rPr lang="en-US" sz="2800" b="1" dirty="0" smtClean="0">
-                <a:latin typeface="Consolas" pitchFamily="49" charset="0"/>
-                <a:cs typeface="Consolas" pitchFamily="49" charset="0"/>
-              </a:rPr>
-              <a:t>-&gt; Y</a:t>
+              <a:t>  (local (; operator : X -&gt; Y</a:t>
             </a:r>
           </a:p>
           <a:p>
@@ -10544,10 +10449,6 @@
               </a:rPr>
               <a:t>)))</a:t>
             </a:r>
-            <a:endParaRPr lang="en-US" sz="2800" b="1" dirty="0" smtClean="0">
-              <a:latin typeface="Consolas" pitchFamily="49" charset="0"/>
-              <a:cs typeface="Consolas" pitchFamily="49" charset="0"/>
-            </a:endParaRPr>
           </a:p>
           <a:p>
             <a:pPr>
@@ -10797,14 +10698,7 @@
                 <a:latin typeface="Consolas" pitchFamily="49" charset="0"/>
                 <a:cs typeface="Consolas" pitchFamily="49" charset="0"/>
               </a:rPr>
-              <a:t> </a:t>
-            </a:r>
-            <a:r>
-              <a:rPr lang="en-US" sz="2800" b="1" dirty="0" smtClean="0">
-                <a:latin typeface="Consolas" pitchFamily="49" charset="0"/>
-                <a:cs typeface="Consolas" pitchFamily="49" charset="0"/>
-              </a:rPr>
-              <a:t>-&gt; </a:t>
+              <a:t> -&gt; </a:t>
             </a:r>
             <a:r>
               <a:rPr lang="en-US" sz="2800" b="1" dirty="0" err="1" smtClean="0">
@@ -10857,10 +10751,6 @@
               </a:rPr>
               <a:t>)</a:t>
             </a:r>
-            <a:endParaRPr lang="en-US" sz="2800" b="1" dirty="0" smtClean="0">
-              <a:latin typeface="Consolas" pitchFamily="49" charset="0"/>
-              <a:cs typeface="Consolas" pitchFamily="49" charset="0"/>
-            </a:endParaRPr>
           </a:p>
           <a:p>
             <a:pPr>
@@ -10956,10 +10846,6 @@
               </a:rPr>
               <a:t>)))</a:t>
             </a:r>
-            <a:endParaRPr lang="en-US" sz="2800" b="1" dirty="0" smtClean="0">
-              <a:latin typeface="Consolas" pitchFamily="49" charset="0"/>
-              <a:cs typeface="Consolas" pitchFamily="49" charset="0"/>
-            </a:endParaRPr>
           </a:p>
           <a:p>
             <a:pPr>
@@ -11075,7 +10961,11 @@
           <a:p>
             <a:r>
               <a:rPr lang="en-US" dirty="0" smtClean="0"/>
-              <a:t>In this lesson, we will learn to recognize when your function is suitable for replacement by one of the abstraction functions (</a:t>
+              <a:t>In this lesson, we will learn to recognize when your function is suitable for replacement by one of the </a:t>
+            </a:r>
+            <a:r>
+              <a:rPr lang="en-US" dirty="0" smtClean="0"/>
+              <a:t>built-in HOFs (</a:t>
             </a:r>
             <a:r>
               <a:rPr lang="en-US" b="1" dirty="0" smtClean="0"/>
@@ -11590,13 +11480,17 @@
         <p:spPr/>
         <p:txBody>
           <a:bodyPr>
-            <a:normAutofit fontScale="90000"/>
+            <a:normAutofit/>
           </a:bodyPr>
           <a:lstStyle/>
           <a:p>
             <a:r>
               <a:rPr lang="en-US" dirty="0" smtClean="0"/>
-              <a:t>Pattern for higher-order function composition: </a:t>
+              <a:t>Pattern for </a:t>
+            </a:r>
+            <a:r>
+              <a:rPr lang="en-US" dirty="0" smtClean="0"/>
+              <a:t>using a HOF: </a:t>
             </a:r>
             <a:r>
               <a:rPr lang="en-US" b="1" dirty="0" smtClean="0">
@@ -11651,14 +11545,7 @@
                 <a:latin typeface="Consolas" pitchFamily="49" charset="0"/>
                 <a:cs typeface="Consolas" pitchFamily="49" charset="0"/>
               </a:rPr>
-              <a:t> </a:t>
-            </a:r>
-            <a:r>
-              <a:rPr lang="en-US" sz="2800" b="1" dirty="0" smtClean="0">
-                <a:latin typeface="Consolas" pitchFamily="49" charset="0"/>
-                <a:cs typeface="Consolas" pitchFamily="49" charset="0"/>
-              </a:rPr>
-              <a:t>-&gt; </a:t>
+              <a:t> -&gt; </a:t>
             </a:r>
             <a:r>
               <a:rPr lang="en-US" sz="2800" b="1" dirty="0" err="1" smtClean="0">
@@ -11711,10 +11598,6 @@
               </a:rPr>
               <a:t>)</a:t>
             </a:r>
-            <a:endParaRPr lang="en-US" sz="2800" b="1" dirty="0" smtClean="0">
-              <a:latin typeface="Consolas" pitchFamily="49" charset="0"/>
-              <a:cs typeface="Consolas" pitchFamily="49" charset="0"/>
-            </a:endParaRPr>
           </a:p>
           <a:p>
             <a:pPr>
@@ -11784,10 +11667,6 @@
               </a:rPr>
               <a:t>)))</a:t>
             </a:r>
-            <a:endParaRPr lang="en-US" sz="2800" b="1" dirty="0" smtClean="0">
-              <a:latin typeface="Consolas" pitchFamily="49" charset="0"/>
-              <a:cs typeface="Consolas" pitchFamily="49" charset="0"/>
-            </a:endParaRPr>
           </a:p>
           <a:p>
             <a:pPr>
@@ -12135,10 +12014,14 @@
           <a:p>
             <a:r>
               <a:rPr lang="en-US" dirty="0" smtClean="0"/>
-              <a:t>Pattern for higher-order function composition: </a:t>
-            </a:r>
-            <a:r>
-              <a:rPr lang="en-US" dirty="0" err="1" smtClean="0"/>
+              <a:t>Pattern for </a:t>
+            </a:r>
+            <a:r>
+              <a:rPr lang="en-US" dirty="0" smtClean="0"/>
+              <a:t>using an HOF: </a:t>
+            </a:r>
+            <a:r>
+              <a:rPr lang="en-US" b="1" dirty="0" err="1" smtClean="0"/>
               <a:t>andmap</a:t>
             </a:r>
             <a:r>
@@ -12146,14 +12029,14 @@
               <a:t>/</a:t>
             </a:r>
             <a:r>
-              <a:rPr lang="en-US" dirty="0" err="1" smtClean="0"/>
+              <a:rPr lang="en-US" b="1" dirty="0" err="1" smtClean="0"/>
               <a:t>ormap</a:t>
             </a:r>
             <a:r>
-              <a:rPr lang="en-US" dirty="0" smtClean="0"/>
+              <a:rPr lang="en-US" b="1" dirty="0" smtClean="0"/>
               <a:t> </a:t>
             </a:r>
-            <a:endParaRPr lang="en-US" dirty="0"/>
+            <a:endParaRPr lang="en-US" b="1" dirty="0"/>
           </a:p>
         </p:txBody>
       </p:sp>
@@ -12196,14 +12079,7 @@
                 <a:latin typeface="Consolas" pitchFamily="49" charset="0"/>
                 <a:cs typeface="Consolas" pitchFamily="49" charset="0"/>
               </a:rPr>
-              <a:t> </a:t>
-            </a:r>
-            <a:r>
-              <a:rPr lang="en-US" sz="2800" b="1" dirty="0" smtClean="0">
-                <a:latin typeface="Consolas" pitchFamily="49" charset="0"/>
-                <a:cs typeface="Consolas" pitchFamily="49" charset="0"/>
-              </a:rPr>
-              <a:t>-&gt; Boolean</a:t>
+              <a:t> -&gt; Boolean</a:t>
             </a:r>
           </a:p>
           <a:p>
@@ -12245,10 +12121,6 @@
               </a:rPr>
               <a:t>)</a:t>
             </a:r>
-            <a:endParaRPr lang="en-US" sz="2800" b="1" dirty="0" smtClean="0">
-              <a:latin typeface="Consolas" pitchFamily="49" charset="0"/>
-              <a:cs typeface="Consolas" pitchFamily="49" charset="0"/>
-            </a:endParaRPr>
           </a:p>
           <a:p>
             <a:pPr>
@@ -12343,10 +12215,6 @@
               </a:rPr>
               <a:t>)))</a:t>
             </a:r>
-            <a:endParaRPr lang="en-US" sz="2800" b="1" dirty="0" smtClean="0">
-              <a:latin typeface="Consolas" pitchFamily="49" charset="0"/>
-              <a:cs typeface="Consolas" pitchFamily="49" charset="0"/>
-            </a:endParaRPr>
           </a:p>
           <a:p>
             <a:pPr>
@@ -12535,8 +12403,16 @@
           <a:lstStyle/>
           <a:p>
             <a:r>
-              <a:rPr lang="en-US" dirty="0"/>
-              <a:t>Higher-order function composition using </a:t>
+              <a:rPr lang="en-US" dirty="0" smtClean="0"/>
+              <a:t>Using  </a:t>
+            </a:r>
+            <a:r>
+              <a:rPr lang="en-US" dirty="0" smtClean="0"/>
+              <a:t>an HOF with</a:t>
+            </a:r>
+            <a:r>
+              <a:rPr lang="en-US" dirty="0" smtClean="0"/>
+              <a:t> </a:t>
             </a:r>
             <a:r>
               <a:rPr lang="en-US" b="1" dirty="0">
@@ -12550,7 +12426,7 @@
               <a:t> : </a:t>
             </a:r>
             <a:r>
-              <a:rPr lang="en-US" dirty="0" err="1" smtClean="0"/>
+              <a:rPr lang="en-US" b="1" dirty="0" err="1" smtClean="0"/>
               <a:t>andmap</a:t>
             </a:r>
             <a:r>
@@ -12558,14 +12434,14 @@
               <a:t>/</a:t>
             </a:r>
             <a:r>
-              <a:rPr lang="en-US" dirty="0" err="1" smtClean="0"/>
+              <a:rPr lang="en-US" b="1" dirty="0" err="1" smtClean="0"/>
               <a:t>ormap</a:t>
             </a:r>
             <a:r>
-              <a:rPr lang="en-US" dirty="0" smtClean="0"/>
+              <a:rPr lang="en-US" b="1" dirty="0" smtClean="0"/>
               <a:t> </a:t>
             </a:r>
-            <a:endParaRPr lang="en-US" dirty="0"/>
+            <a:endParaRPr lang="en-US" b="1" dirty="0"/>
           </a:p>
         </p:txBody>
       </p:sp>
@@ -12608,14 +12484,7 @@
                 <a:latin typeface="Consolas" pitchFamily="49" charset="0"/>
                 <a:cs typeface="Consolas" pitchFamily="49" charset="0"/>
               </a:rPr>
-              <a:t> </a:t>
-            </a:r>
-            <a:r>
-              <a:rPr lang="en-US" sz="2800" b="1" dirty="0" smtClean="0">
-                <a:latin typeface="Consolas" pitchFamily="49" charset="0"/>
-                <a:cs typeface="Consolas" pitchFamily="49" charset="0"/>
-              </a:rPr>
-              <a:t>-&gt; Boolean</a:t>
+              <a:t> -&gt; Boolean</a:t>
             </a:r>
           </a:p>
           <a:p>
@@ -12656,6 +12525,46 @@
                 <a:cs typeface="Consolas" pitchFamily="49" charset="0"/>
               </a:rPr>
               <a:t>)</a:t>
+            </a:r>
+          </a:p>
+          <a:p>
+            <a:pPr>
+              <a:buNone/>
+            </a:pPr>
+            <a:r>
+              <a:rPr lang="en-US" sz="2800" b="1" dirty="0">
+                <a:latin typeface="Consolas" pitchFamily="49" charset="0"/>
+                <a:cs typeface="Consolas" pitchFamily="49" charset="0"/>
+              </a:rPr>
+              <a:t> </a:t>
+            </a:r>
+            <a:r>
+              <a:rPr lang="en-US" sz="2800" b="1" dirty="0" smtClean="0">
+                <a:latin typeface="Consolas" pitchFamily="49" charset="0"/>
+                <a:cs typeface="Consolas" pitchFamily="49" charset="0"/>
+              </a:rPr>
+              <a:t> (</a:t>
+            </a:r>
+            <a:r>
+              <a:rPr lang="en-US" sz="2800" b="1" dirty="0" err="1" smtClean="0">
+                <a:latin typeface="Consolas" pitchFamily="49" charset="0"/>
+                <a:cs typeface="Consolas" pitchFamily="49" charset="0"/>
+              </a:rPr>
+              <a:t>andmap</a:t>
+            </a:r>
+            <a:r>
+              <a:rPr lang="en-US" sz="2800" b="1" dirty="0" smtClean="0">
+                <a:latin typeface="Consolas" pitchFamily="49" charset="0"/>
+                <a:cs typeface="Consolas" pitchFamily="49" charset="0"/>
+              </a:rPr>
+              <a:t>/</a:t>
+            </a:r>
+            <a:r>
+              <a:rPr lang="en-US" sz="2800" b="1" dirty="0" err="1" smtClean="0">
+                <a:latin typeface="Consolas" pitchFamily="49" charset="0"/>
+                <a:cs typeface="Consolas" pitchFamily="49" charset="0"/>
+              </a:rPr>
+              <a:t>ormap</a:t>
             </a:r>
             <a:endParaRPr lang="en-US" sz="2800" b="1" dirty="0" smtClean="0">
               <a:latin typeface="Consolas" pitchFamily="49" charset="0"/>
@@ -12667,55 +12576,30 @@
               <a:buNone/>
             </a:pPr>
             <a:r>
-              <a:rPr lang="en-US" sz="2800" b="1" dirty="0">
-                <a:latin typeface="Consolas" pitchFamily="49" charset="0"/>
-                <a:cs typeface="Consolas" pitchFamily="49" charset="0"/>
-              </a:rPr>
-              <a:t> </a:t>
-            </a:r>
-            <a:r>
               <a:rPr lang="en-US" sz="2800" b="1" dirty="0" smtClean="0">
                 <a:latin typeface="Consolas" pitchFamily="49" charset="0"/>
                 <a:cs typeface="Consolas" pitchFamily="49" charset="0"/>
               </a:rPr>
-              <a:t> (</a:t>
-            </a:r>
-            <a:r>
-              <a:rPr lang="en-US" sz="2800" b="1" dirty="0" err="1" smtClean="0">
-                <a:latin typeface="Consolas" pitchFamily="49" charset="0"/>
-                <a:cs typeface="Consolas" pitchFamily="49" charset="0"/>
-              </a:rPr>
-              <a:t>andmap</a:t>
-            </a:r>
-            <a:r>
-              <a:rPr lang="en-US" sz="2800" b="1" dirty="0" smtClean="0">
-                <a:latin typeface="Consolas" pitchFamily="49" charset="0"/>
-                <a:cs typeface="Consolas" pitchFamily="49" charset="0"/>
-              </a:rPr>
-              <a:t>/</a:t>
-            </a:r>
-            <a:r>
-              <a:rPr lang="en-US" sz="2800" b="1" dirty="0" err="1" smtClean="0">
-                <a:latin typeface="Consolas" pitchFamily="49" charset="0"/>
-                <a:cs typeface="Consolas" pitchFamily="49" charset="0"/>
-              </a:rPr>
-              <a:t>ormap</a:t>
-            </a:r>
-            <a:endParaRPr lang="en-US" sz="2800" b="1" dirty="0" smtClean="0">
-              <a:latin typeface="Consolas" pitchFamily="49" charset="0"/>
-              <a:cs typeface="Consolas" pitchFamily="49" charset="0"/>
-            </a:endParaRPr>
+              <a:t>    ; X -&gt; Boolean</a:t>
+            </a:r>
           </a:p>
           <a:p>
             <a:pPr>
               <a:buNone/>
             </a:pPr>
             <a:r>
+              <a:rPr lang="en-US" sz="2800" b="1" dirty="0">
+                <a:latin typeface="Consolas" pitchFamily="49" charset="0"/>
+                <a:cs typeface="Consolas" pitchFamily="49" charset="0"/>
+              </a:rPr>
+              <a:t> </a:t>
+            </a:r>
+            <a:r>
               <a:rPr lang="en-US" sz="2800" b="1" dirty="0" smtClean="0">
                 <a:latin typeface="Consolas" pitchFamily="49" charset="0"/>
                 <a:cs typeface="Consolas" pitchFamily="49" charset="0"/>
               </a:rPr>
-              <a:t>    ; X -&gt; Boolean</a:t>
+              <a:t>   ; purpose statement for the test</a:t>
             </a:r>
           </a:p>
           <a:p>
@@ -12723,18 +12607,11 @@
               <a:buNone/>
             </a:pPr>
             <a:r>
-              <a:rPr lang="en-US" sz="2800" b="1" dirty="0">
-                <a:latin typeface="Consolas" pitchFamily="49" charset="0"/>
-                <a:cs typeface="Consolas" pitchFamily="49" charset="0"/>
-              </a:rPr>
-              <a:t> </a:t>
-            </a:r>
-            <a:r>
               <a:rPr lang="en-US" sz="2800" b="1" dirty="0" smtClean="0">
                 <a:latin typeface="Consolas" pitchFamily="49" charset="0"/>
                 <a:cs typeface="Consolas" pitchFamily="49" charset="0"/>
               </a:rPr>
-              <a:t>   ; purpose statement for the test</a:t>
+              <a:t>    (lambda (x) ...)</a:t>
             </a:r>
           </a:p>
           <a:p>
@@ -12742,49 +12619,33 @@
               <a:buNone/>
             </a:pPr>
             <a:r>
+              <a:rPr lang="en-US" sz="2800" b="1" dirty="0">
+                <a:latin typeface="Consolas" pitchFamily="49" charset="0"/>
+                <a:cs typeface="Consolas" pitchFamily="49" charset="0"/>
+              </a:rPr>
+              <a:t> </a:t>
+            </a:r>
+            <a:r>
               <a:rPr lang="en-US" sz="2800" b="1" dirty="0" smtClean="0">
                 <a:latin typeface="Consolas" pitchFamily="49" charset="0"/>
                 <a:cs typeface="Consolas" pitchFamily="49" charset="0"/>
               </a:rPr>
-              <a:t>    (lambda (x) ...)</a:t>
-            </a:r>
-          </a:p>
-          <a:p>
-            <a:pPr>
-              <a:buNone/>
-            </a:pPr>
-            <a:r>
-              <a:rPr lang="en-US" sz="2800" b="1" dirty="0">
-                <a:latin typeface="Consolas" pitchFamily="49" charset="0"/>
-                <a:cs typeface="Consolas" pitchFamily="49" charset="0"/>
-              </a:rPr>
-              <a:t> </a:t>
+              <a:t>   </a:t>
+            </a:r>
+            <a:r>
+              <a:rPr lang="en-US" sz="2800" b="1" dirty="0" err="1" smtClean="0">
+                <a:latin typeface="Consolas" pitchFamily="49" charset="0"/>
+                <a:cs typeface="Consolas" pitchFamily="49" charset="0"/>
+              </a:rPr>
+              <a:t>lst</a:t>
             </a:r>
             <a:r>
               <a:rPr lang="en-US" sz="2800" b="1" dirty="0" smtClean="0">
                 <a:latin typeface="Consolas" pitchFamily="49" charset="0"/>
                 <a:cs typeface="Consolas" pitchFamily="49" charset="0"/>
               </a:rPr>
-              <a:t>   </a:t>
-            </a:r>
-            <a:r>
-              <a:rPr lang="en-US" sz="2800" b="1" dirty="0" err="1" smtClean="0">
-                <a:latin typeface="Consolas" pitchFamily="49" charset="0"/>
-                <a:cs typeface="Consolas" pitchFamily="49" charset="0"/>
-              </a:rPr>
-              <a:t>lst</a:t>
-            </a:r>
-            <a:r>
-              <a:rPr lang="en-US" sz="2800" b="1" dirty="0" smtClean="0">
-                <a:latin typeface="Consolas" pitchFamily="49" charset="0"/>
-                <a:cs typeface="Consolas" pitchFamily="49" charset="0"/>
-              </a:rPr>
               <a:t>))</a:t>
             </a:r>
-            <a:endParaRPr lang="en-US" sz="2800" b="1" dirty="0" smtClean="0">
-              <a:latin typeface="Consolas" pitchFamily="49" charset="0"/>
-              <a:cs typeface="Consolas" pitchFamily="49" charset="0"/>
-            </a:endParaRPr>
           </a:p>
           <a:p>
             <a:pPr>
@@ -12878,23 +12739,27 @@
         <p:spPr/>
         <p:txBody>
           <a:bodyPr>
-            <a:normAutofit fontScale="90000"/>
+            <a:normAutofit/>
           </a:bodyPr>
           <a:lstStyle/>
           <a:p>
             <a:r>
               <a:rPr lang="en-US" dirty="0" smtClean="0"/>
-              <a:t>Pattern for higher-order function composition: </a:t>
-            </a:r>
-            <a:r>
-              <a:rPr lang="en-US" dirty="0" err="1" smtClean="0"/>
+              <a:t>Pattern for </a:t>
+            </a:r>
+            <a:r>
+              <a:rPr lang="en-US" dirty="0" smtClean="0"/>
+              <a:t>using an HOF: </a:t>
+            </a:r>
+            <a:r>
+              <a:rPr lang="en-US" b="1" dirty="0" err="1" smtClean="0"/>
               <a:t>foldr</a:t>
             </a:r>
             <a:r>
-              <a:rPr lang="en-US" dirty="0" smtClean="0"/>
+              <a:rPr lang="en-US" b="1" dirty="0" smtClean="0"/>
               <a:t> </a:t>
             </a:r>
-            <a:endParaRPr lang="en-US" dirty="0"/>
+            <a:endParaRPr lang="en-US" b="1" dirty="0"/>
           </a:p>
         </p:txBody>
       </p:sp>
@@ -12942,14 +12807,7 @@
                 <a:latin typeface="Consolas" pitchFamily="49" charset="0"/>
                 <a:cs typeface="Consolas" pitchFamily="49" charset="0"/>
               </a:rPr>
-              <a:t> </a:t>
-            </a:r>
-            <a:r>
-              <a:rPr lang="en-US" sz="2800" b="1" dirty="0" smtClean="0">
-                <a:latin typeface="Consolas" pitchFamily="49" charset="0"/>
-                <a:cs typeface="Consolas" pitchFamily="49" charset="0"/>
-              </a:rPr>
-              <a:t>-&gt; Y</a:t>
+              <a:t> -&gt; Y</a:t>
             </a:r>
           </a:p>
           <a:p>
@@ -12991,10 +12849,6 @@
               </a:rPr>
               <a:t>)</a:t>
             </a:r>
-            <a:endParaRPr lang="en-US" sz="2800" b="1" dirty="0" smtClean="0">
-              <a:latin typeface="Consolas" pitchFamily="49" charset="0"/>
-              <a:cs typeface="Consolas" pitchFamily="49" charset="0"/>
-            </a:endParaRPr>
           </a:p>
           <a:p>
             <a:pPr>
@@ -13092,10 +12946,6 @@
               </a:rPr>
               <a:t>)))</a:t>
             </a:r>
-            <a:endParaRPr lang="en-US" sz="2800" b="1" dirty="0" smtClean="0">
-              <a:latin typeface="Consolas" pitchFamily="49" charset="0"/>
-              <a:cs typeface="Consolas" pitchFamily="49" charset="0"/>
-            </a:endParaRPr>
           </a:p>
           <a:p>
             <a:pPr>
@@ -13238,29 +13088,29 @@
           <a:lstStyle/>
           <a:p>
             <a:r>
-              <a:rPr lang="en-US" dirty="0"/>
-              <a:t>Higher-order function composition using </a:t>
-            </a:r>
-            <a:r>
-              <a:rPr lang="en-US" b="1" dirty="0">
+              <a:rPr lang="en-US" dirty="0" smtClean="0"/>
+              <a:t>Pattern for using an HOF with </a:t>
+            </a:r>
+            <a:r>
+              <a:rPr lang="en-US" b="1" dirty="0" smtClean="0">
                 <a:latin typeface="Consolas" pitchFamily="49" charset="0"/>
                 <a:cs typeface="Consolas" pitchFamily="49" charset="0"/>
               </a:rPr>
               <a:t>lambda</a:t>
             </a:r>
             <a:r>
-              <a:rPr lang="en-US" dirty="0"/>
-              <a:t> : </a:t>
-            </a:r>
-            <a:r>
-              <a:rPr lang="en-US" dirty="0" err="1" smtClean="0"/>
+              <a:rPr lang="en-US" dirty="0" smtClean="0"/>
+              <a:t>: </a:t>
+            </a:r>
+            <a:r>
+              <a:rPr lang="en-US" b="1" dirty="0" err="1" smtClean="0"/>
               <a:t>foldr</a:t>
             </a:r>
             <a:r>
-              <a:rPr lang="en-US" dirty="0" smtClean="0"/>
+              <a:rPr lang="en-US" b="1" dirty="0" smtClean="0"/>
               <a:t> </a:t>
             </a:r>
-            <a:endParaRPr lang="en-US" dirty="0"/>
+            <a:endParaRPr lang="en-US" b="1" dirty="0"/>
           </a:p>
         </p:txBody>
       </p:sp>
@@ -13344,6 +13194,32 @@
                 <a:cs typeface="Consolas" pitchFamily="49" charset="0"/>
               </a:rPr>
               <a:t>)</a:t>
+            </a:r>
+          </a:p>
+          <a:p>
+            <a:pPr>
+              <a:buNone/>
+            </a:pPr>
+            <a:r>
+              <a:rPr lang="en-US" sz="2800" b="1" dirty="0">
+                <a:latin typeface="Consolas" pitchFamily="49" charset="0"/>
+                <a:cs typeface="Consolas" pitchFamily="49" charset="0"/>
+              </a:rPr>
+              <a:t> </a:t>
+            </a:r>
+            <a:r>
+              <a:rPr lang="en-US" sz="2800" b="1" dirty="0" smtClean="0">
+                <a:latin typeface="Consolas" pitchFamily="49" charset="0"/>
+                <a:cs typeface="Consolas" pitchFamily="49" charset="0"/>
+              </a:rPr>
+              <a:t> (</a:t>
+            </a:r>
+            <a:r>
+              <a:rPr lang="en-US" sz="2800" b="1" dirty="0" err="1" smtClean="0">
+                <a:latin typeface="Consolas" pitchFamily="49" charset="0"/>
+                <a:cs typeface="Consolas" pitchFamily="49" charset="0"/>
+              </a:rPr>
+              <a:t>foldr</a:t>
             </a:r>
             <a:endParaRPr lang="en-US" sz="2800" b="1" dirty="0" smtClean="0">
               <a:latin typeface="Consolas" pitchFamily="49" charset="0"/>
@@ -13355,6 +13231,18 @@
               <a:buNone/>
             </a:pPr>
             <a:r>
+              <a:rPr lang="en-US" sz="2800" b="1" dirty="0" smtClean="0">
+                <a:latin typeface="Consolas" pitchFamily="49" charset="0"/>
+                <a:cs typeface="Consolas" pitchFamily="49" charset="0"/>
+              </a:rPr>
+              <a:t>    ; X Y -&gt; Y</a:t>
+            </a:r>
+          </a:p>
+          <a:p>
+            <a:pPr>
+              <a:buNone/>
+            </a:pPr>
+            <a:r>
               <a:rPr lang="en-US" sz="2800" b="1" dirty="0">
                 <a:latin typeface="Consolas" pitchFamily="49" charset="0"/>
                 <a:cs typeface="Consolas" pitchFamily="49" charset="0"/>
@@ -13366,14 +13254,73 @@
                 <a:latin typeface="Consolas" pitchFamily="49" charset="0"/>
                 <a:cs typeface="Consolas" pitchFamily="49" charset="0"/>
               </a:rPr>
-              <a:t> (</a:t>
+              <a:t>   ; purpose statement for combiner</a:t>
+            </a:r>
+          </a:p>
+          <a:p>
+            <a:pPr>
+              <a:buNone/>
+            </a:pPr>
+            <a:r>
+              <a:rPr lang="en-US" sz="2800" b="1" dirty="0">
+                <a:latin typeface="Consolas" pitchFamily="49" charset="0"/>
+                <a:cs typeface="Consolas" pitchFamily="49" charset="0"/>
+              </a:rPr>
+              <a:t> </a:t>
+            </a:r>
+            <a:r>
+              <a:rPr lang="en-US" sz="2800" b="1" dirty="0" smtClean="0">
+                <a:latin typeface="Consolas" pitchFamily="49" charset="0"/>
+                <a:cs typeface="Consolas" pitchFamily="49" charset="0"/>
+              </a:rPr>
+              <a:t>   (lambda (first-</a:t>
             </a:r>
             <a:r>
               <a:rPr lang="en-US" sz="2800" b="1" dirty="0" err="1" smtClean="0">
                 <a:latin typeface="Consolas" pitchFamily="49" charset="0"/>
                 <a:cs typeface="Consolas" pitchFamily="49" charset="0"/>
               </a:rPr>
-              <a:t>foldr</a:t>
+              <a:t>elt</a:t>
+            </a:r>
+            <a:r>
+              <a:rPr lang="en-US" sz="2800" b="1" dirty="0" smtClean="0">
+                <a:latin typeface="Consolas" pitchFamily="49" charset="0"/>
+                <a:cs typeface="Consolas" pitchFamily="49" charset="0"/>
+              </a:rPr>
+              <a:t> </a:t>
+            </a:r>
+            <a:r>
+              <a:rPr lang="en-US" sz="2800" b="1" dirty="0" err="1" smtClean="0">
+                <a:latin typeface="Consolas" pitchFamily="49" charset="0"/>
+                <a:cs typeface="Consolas" pitchFamily="49" charset="0"/>
+              </a:rPr>
+              <a:t>ans</a:t>
+            </a:r>
+            <a:r>
+              <a:rPr lang="en-US" sz="2800" b="1" dirty="0" smtClean="0">
+                <a:latin typeface="Consolas" pitchFamily="49" charset="0"/>
+                <a:cs typeface="Consolas" pitchFamily="49" charset="0"/>
+              </a:rPr>
+              <a:t>-for-rest) ...)</a:t>
+            </a:r>
+          </a:p>
+          <a:p>
+            <a:pPr>
+              <a:buNone/>
+            </a:pPr>
+            <a:r>
+              <a:rPr lang="en-US" sz="2800" b="1" dirty="0" smtClean="0">
+                <a:latin typeface="Consolas" pitchFamily="49" charset="0"/>
+                <a:cs typeface="Consolas" pitchFamily="49" charset="0"/>
+              </a:rPr>
+              <a:t>    base-</a:t>
+            </a:r>
+            <a:r>
+              <a:rPr lang="en-US" sz="2800" b="1" dirty="0" err="1" smtClean="0">
+                <a:latin typeface="Consolas" pitchFamily="49" charset="0"/>
+                <a:cs typeface="Consolas" pitchFamily="49" charset="0"/>
+              </a:rPr>
+              <a:t>val</a:t>
             </a:r>
             <a:endParaRPr lang="en-US" sz="2800" b="1" dirty="0" smtClean="0">
               <a:latin typeface="Consolas" pitchFamily="49" charset="0"/>
@@ -13385,138 +13332,33 @@
               <a:buNone/>
             </a:pPr>
             <a:r>
+              <a:rPr lang="en-US" sz="2800" b="1" dirty="0">
+                <a:latin typeface="Consolas" pitchFamily="49" charset="0"/>
+                <a:cs typeface="Consolas" pitchFamily="49" charset="0"/>
+              </a:rPr>
+              <a:t> </a:t>
+            </a:r>
+            <a:r>
               <a:rPr lang="en-US" sz="2800" b="1" dirty="0" smtClean="0">
                 <a:latin typeface="Consolas" pitchFamily="49" charset="0"/>
                 <a:cs typeface="Consolas" pitchFamily="49" charset="0"/>
               </a:rPr>
-              <a:t>    ; X Y -&gt; Y</a:t>
-            </a:r>
-          </a:p>
-          <a:p>
-            <a:pPr>
-              <a:buNone/>
-            </a:pPr>
-            <a:r>
-              <a:rPr lang="en-US" sz="2800" b="1" dirty="0">
-                <a:latin typeface="Consolas" pitchFamily="49" charset="0"/>
-                <a:cs typeface="Consolas" pitchFamily="49" charset="0"/>
-              </a:rPr>
-              <a:t> </a:t>
+              <a:t>   </a:t>
+            </a:r>
+            <a:r>
+              <a:rPr lang="en-US" sz="2800" b="1" dirty="0" err="1" smtClean="0">
+                <a:latin typeface="Consolas" pitchFamily="49" charset="0"/>
+                <a:cs typeface="Consolas" pitchFamily="49" charset="0"/>
+              </a:rPr>
+              <a:t>lst</a:t>
             </a:r>
             <a:r>
               <a:rPr lang="en-US" sz="2800" b="1" dirty="0" smtClean="0">
                 <a:latin typeface="Consolas" pitchFamily="49" charset="0"/>
                 <a:cs typeface="Consolas" pitchFamily="49" charset="0"/>
               </a:rPr>
-              <a:t>   ; purpose statement for combiner</a:t>
-            </a:r>
-          </a:p>
-          <a:p>
-            <a:pPr>
-              <a:buNone/>
-            </a:pPr>
-            <a:r>
-              <a:rPr lang="en-US" sz="2800" b="1" dirty="0">
-                <a:latin typeface="Consolas" pitchFamily="49" charset="0"/>
-                <a:cs typeface="Consolas" pitchFamily="49" charset="0"/>
-              </a:rPr>
-              <a:t> </a:t>
-            </a:r>
-            <a:r>
-              <a:rPr lang="en-US" sz="2800" b="1" dirty="0" smtClean="0">
-                <a:latin typeface="Consolas" pitchFamily="49" charset="0"/>
-                <a:cs typeface="Consolas" pitchFamily="49" charset="0"/>
-              </a:rPr>
-              <a:t>   (lambda (first-</a:t>
-            </a:r>
-            <a:r>
-              <a:rPr lang="en-US" sz="2800" b="1" dirty="0" err="1" smtClean="0">
-                <a:latin typeface="Consolas" pitchFamily="49" charset="0"/>
-                <a:cs typeface="Consolas" pitchFamily="49" charset="0"/>
-              </a:rPr>
-              <a:t>elt</a:t>
-            </a:r>
-            <a:r>
-              <a:rPr lang="en-US" sz="2800" b="1" dirty="0" smtClean="0">
-                <a:latin typeface="Consolas" pitchFamily="49" charset="0"/>
-                <a:cs typeface="Consolas" pitchFamily="49" charset="0"/>
-              </a:rPr>
-              <a:t> </a:t>
-            </a:r>
-            <a:r>
-              <a:rPr lang="en-US" sz="2800" b="1" dirty="0" err="1" smtClean="0">
-                <a:latin typeface="Consolas" pitchFamily="49" charset="0"/>
-                <a:cs typeface="Consolas" pitchFamily="49" charset="0"/>
-              </a:rPr>
-              <a:t>ans</a:t>
-            </a:r>
-            <a:r>
-              <a:rPr lang="en-US" sz="2800" b="1" dirty="0" smtClean="0">
-                <a:latin typeface="Consolas" pitchFamily="49" charset="0"/>
-                <a:cs typeface="Consolas" pitchFamily="49" charset="0"/>
-              </a:rPr>
-              <a:t>-for-rest) ...)</a:t>
-            </a:r>
-          </a:p>
-          <a:p>
-            <a:pPr>
-              <a:buNone/>
-            </a:pPr>
-            <a:r>
-              <a:rPr lang="en-US" sz="2800" b="1" dirty="0" smtClean="0">
-                <a:latin typeface="Consolas" pitchFamily="49" charset="0"/>
-                <a:cs typeface="Consolas" pitchFamily="49" charset="0"/>
-              </a:rPr>
-              <a:t>    base-</a:t>
-            </a:r>
-            <a:r>
-              <a:rPr lang="en-US" sz="2800" b="1" dirty="0" err="1" smtClean="0">
-                <a:latin typeface="Consolas" pitchFamily="49" charset="0"/>
-                <a:cs typeface="Consolas" pitchFamily="49" charset="0"/>
-              </a:rPr>
-              <a:t>val</a:t>
-            </a:r>
-            <a:endParaRPr lang="en-US" sz="2800" b="1" dirty="0" smtClean="0">
-              <a:latin typeface="Consolas" pitchFamily="49" charset="0"/>
-              <a:cs typeface="Consolas" pitchFamily="49" charset="0"/>
-            </a:endParaRPr>
-          </a:p>
-          <a:p>
-            <a:pPr>
-              <a:buNone/>
-            </a:pPr>
-            <a:r>
-              <a:rPr lang="en-US" sz="2800" b="1" dirty="0">
-                <a:latin typeface="Consolas" pitchFamily="49" charset="0"/>
-                <a:cs typeface="Consolas" pitchFamily="49" charset="0"/>
-              </a:rPr>
-              <a:t> </a:t>
-            </a:r>
-            <a:r>
-              <a:rPr lang="en-US" sz="2800" b="1" dirty="0" smtClean="0">
-                <a:latin typeface="Consolas" pitchFamily="49" charset="0"/>
-                <a:cs typeface="Consolas" pitchFamily="49" charset="0"/>
-              </a:rPr>
-              <a:t>   </a:t>
-            </a:r>
-            <a:r>
-              <a:rPr lang="en-US" sz="2800" b="1" dirty="0" err="1" smtClean="0">
-                <a:latin typeface="Consolas" pitchFamily="49" charset="0"/>
-                <a:cs typeface="Consolas" pitchFamily="49" charset="0"/>
-              </a:rPr>
-              <a:t>lst</a:t>
-            </a:r>
-            <a:r>
-              <a:rPr lang="en-US" sz="2800" b="1" dirty="0" smtClean="0">
-                <a:latin typeface="Consolas" pitchFamily="49" charset="0"/>
-                <a:cs typeface="Consolas" pitchFamily="49" charset="0"/>
-              </a:rPr>
               <a:t>))          </a:t>
             </a:r>
-            <a:endParaRPr lang="en-US" sz="2800" b="1" dirty="0" smtClean="0">
-              <a:latin typeface="Consolas" pitchFamily="49" charset="0"/>
-              <a:cs typeface="Consolas" pitchFamily="49" charset="0"/>
-            </a:endParaRPr>
           </a:p>
           <a:p>
             <a:pPr>
@@ -13815,11 +13657,7 @@
           <a:p>
             <a:r>
               <a:rPr lang="en-US" dirty="0" smtClean="0"/>
-              <a:t>Recognizing Opportunities </a:t>
-            </a:r>
-            <a:r>
-              <a:rPr lang="en-US" dirty="0" smtClean="0"/>
-              <a:t>for using HOF's</a:t>
+              <a:t>Recognizing Opportunities for using HOF's</a:t>
             </a:r>
             <a:endParaRPr lang="en-US" dirty="0"/>
           </a:p>
@@ -13844,15 +13682,7 @@
           <a:p>
             <a:r>
               <a:rPr lang="en-US" dirty="0" smtClean="0"/>
-              <a:t>Once you get the idea, you can anticipate when you can use </a:t>
-            </a:r>
-            <a:r>
-              <a:rPr lang="en-US" dirty="0" smtClean="0"/>
-              <a:t>an HOF, </a:t>
-            </a:r>
-            <a:r>
-              <a:rPr lang="en-US" dirty="0" smtClean="0"/>
-              <a:t>and apply it directly.</a:t>
+              <a:t>Once you get the idea, you can anticipate when you can use an HOF, and apply it directly.</a:t>
             </a:r>
           </a:p>
           <a:p>
@@ -13999,24 +13829,14 @@
           <a:p>
             <a:r>
               <a:rPr lang="en-US" dirty="0" smtClean="0"/>
-              <a:t>From now on, </a:t>
-            </a:r>
+              <a:t>From now on, you can use HOFs anywhere.  </a:t>
+            </a:r>
+          </a:p>
+          <a:p>
             <a:r>
               <a:rPr lang="en-US" dirty="0" smtClean="0"/>
-              <a:t>you can use HOFs anywhere.  </a:t>
-            </a:r>
-            <a:endParaRPr lang="en-US" dirty="0" smtClean="0"/>
-          </a:p>
-          <a:p>
-            <a:r>
-              <a:rPr lang="en-US" dirty="0" smtClean="0"/>
-              <a:t>So </a:t>
-            </a:r>
-            <a:r>
-              <a:rPr lang="en-US" dirty="0" smtClean="0"/>
-              <a:t>you could write</a:t>
-            </a:r>
-            <a:endParaRPr lang="en-US" dirty="0" smtClean="0"/>
+              <a:t>So you could write</a:t>
+            </a:r>
           </a:p>
           <a:p>
             <a:pPr marL="0" indent="0">
@@ -14048,21 +13868,7 @@
                 <a:latin typeface="Consolas" panose="020B0609020204030204" pitchFamily="49" charset="0"/>
                 <a:cs typeface="Consolas" panose="020B0609020204030204" pitchFamily="49" charset="0"/>
               </a:rPr>
-              <a:t> (robot-history </a:t>
-            </a:r>
-            <a:r>
-              <a:rPr lang="en-US" sz="2800" b="1" dirty="0" smtClean="0">
-                <a:latin typeface="Consolas" panose="020B0609020204030204" pitchFamily="49" charset="0"/>
-                <a:cs typeface="Consolas" panose="020B0609020204030204" pitchFamily="49" charset="0"/>
-              </a:rPr>
-              <a:t>r</a:t>
-            </a:r>
-            <a:r>
-              <a:rPr lang="en-US" sz="2800" b="1" dirty="0" smtClean="0">
-                <a:latin typeface="Consolas" panose="020B0609020204030204" pitchFamily="49" charset="0"/>
-                <a:cs typeface="Consolas" panose="020B0609020204030204" pitchFamily="49" charset="0"/>
-              </a:rPr>
-              <a:t>))</a:t>
+              <a:t> (robot-history r))</a:t>
             </a:r>
           </a:p>
           <a:p>
@@ -14174,13 +13980,21 @@
         <p:spPr/>
         <p:txBody>
           <a:bodyPr>
-            <a:normAutofit fontScale="90000"/>
+            <a:normAutofit/>
           </a:bodyPr>
           <a:lstStyle/>
           <a:p>
             <a:r>
               <a:rPr lang="en-US" dirty="0" smtClean="0"/>
-              <a:t>Which abstraction function should I use?</a:t>
+              <a:t>Which </a:t>
+            </a:r>
+            <a:r>
+              <a:rPr lang="en-US" dirty="0" smtClean="0"/>
+              <a:t>HOF should </a:t>
+            </a:r>
+            <a:r>
+              <a:rPr lang="en-US" dirty="0" smtClean="0"/>
+              <a:t>I use?</a:t>
             </a:r>
             <a:endParaRPr lang="en-US" dirty="0"/>
           </a:p>
@@ -14319,7 +14133,7 @@
         <p:spPr/>
         <p:txBody>
           <a:bodyPr>
-            <a:normAutofit fontScale="92500"/>
+            <a:normAutofit lnSpcReduction="10000"/>
           </a:bodyPr>
           <a:lstStyle/>
           <a:p>
@@ -14332,36 +14146,52 @@
             <a:pPr lvl="1"/>
             <a:r>
               <a:rPr lang="en-US" dirty="0"/>
-              <a:t>Use pre-built abstractions for processing lists found in ISL.</a:t>
+              <a:t>Use </a:t>
+            </a:r>
+            <a:r>
+              <a:rPr lang="en-US" dirty="0" smtClean="0"/>
+              <a:t>the built-in HOFs for </a:t>
+            </a:r>
+            <a:r>
+              <a:rPr lang="en-US" dirty="0"/>
+              <a:t>processing lists found in ISL.</a:t>
             </a:r>
           </a:p>
           <a:p>
             <a:pPr lvl="1"/>
             <a:r>
               <a:rPr lang="en-US" dirty="0"/>
-              <a:t>Recognize the pre-built abstraction that's appropriate for your function.</a:t>
+              <a:t>Recognize the </a:t>
+            </a:r>
+            <a:r>
+              <a:rPr lang="en-US" dirty="0" smtClean="0"/>
+              <a:t>HOF that's </a:t>
+            </a:r>
+            <a:r>
+              <a:rPr lang="en-US" dirty="0"/>
+              <a:t>appropriate for your function.</a:t>
             </a:r>
           </a:p>
           <a:p>
             <a:pPr lvl="1"/>
             <a:r>
               <a:rPr lang="en-US" dirty="0"/>
-              <a:t>Follow a recipe for converting your structural-decomposition into a higher-order function composition</a:t>
+              <a:t>Follow a recipe for converting your </a:t>
             </a:r>
             <a:r>
               <a:rPr lang="en-US" dirty="0" smtClean="0"/>
-              <a:t>.</a:t>
+              <a:t>use of a template into a use of a HOF.</a:t>
             </a:r>
           </a:p>
           <a:p>
             <a:pPr lvl="1"/>
             <a:r>
               <a:rPr lang="en-US" dirty="0" smtClean="0"/>
-              <a:t>Follow a recipe for defining a new function using </a:t>
+              <a:t>Follow </a:t>
             </a:r>
             <a:r>
               <a:rPr lang="en-US" dirty="0" smtClean="0"/>
-              <a:t> a HOF.</a:t>
+              <a:t>a recipe for defining a new function using  a HOF.</a:t>
             </a:r>
             <a:endParaRPr lang="en-US" dirty="0"/>
           </a:p>
@@ -14437,7 +14267,7 @@
           <p:nvPr>
             <p:extLst>
               <p:ext uri="{D42A27DB-BD31-4B8C-83A1-F6EECF244321}">
-                <p14:modId xmlns:p14="http://schemas.microsoft.com/office/powerpoint/2010/main" val="1613206987"/>
+                <p14:modId xmlns:p14="http://schemas.microsoft.com/office/powerpoint/2010/main" val="2386220955"/>
               </p:ext>
             </p:extLst>
           </p:nvPr>
@@ -14464,7 +14294,19 @@
                       <a:pPr algn="ctr"/>
                       <a:r>
                         <a:rPr lang="en-US" sz="3600" dirty="0" smtClean="0"/>
-                        <a:t>Recipe for Using Higher-Order Function Composition</a:t>
+                        <a:t>Recipe for Using </a:t>
+                      </a:r>
+                      <a:r>
+                        <a:rPr lang="en-US" sz="3600" dirty="0" smtClean="0"/>
+                        <a:t>a Higher-Order </a:t>
+                      </a:r>
+                      <a:r>
+                        <a:rPr lang="en-US" sz="3600" dirty="0" smtClean="0"/>
+                        <a:t>Function </a:t>
+                      </a:r>
+                      <a:r>
+                        <a:rPr lang="en-US" sz="3600" dirty="0" smtClean="0"/>
+                        <a:t>to process a list</a:t>
                       </a:r>
                       <a:endParaRPr lang="en-US" sz="3600" dirty="0"/>
                     </a:p>
@@ -14688,7 +14530,15 @@
           <a:p>
             <a:r>
               <a:rPr lang="en-US" dirty="0" smtClean="0"/>
-              <a:t>Video Demonstration: Using HOFC (part 1)</a:t>
+              <a:t>Video Demonstration: Using </a:t>
+            </a:r>
+            <a:r>
+              <a:rPr lang="en-US" dirty="0" smtClean="0"/>
+              <a:t>an HOF (part </a:t>
+            </a:r>
+            <a:r>
+              <a:rPr lang="en-US" dirty="0" smtClean="0"/>
+              <a:t>1)</a:t>
             </a:r>
             <a:endParaRPr lang="en-US" dirty="0"/>
           </a:p>
@@ -14953,7 +14803,15 @@
           <a:p>
             <a:r>
               <a:rPr lang="en-US" dirty="0" smtClean="0"/>
-              <a:t>Video Demonstration: Using HOFC (part 2)</a:t>
+              <a:t>Video Demonstration: Using </a:t>
+            </a:r>
+            <a:r>
+              <a:rPr lang="en-US" dirty="0" smtClean="0"/>
+              <a:t>an HOF </a:t>
+            </a:r>
+            <a:r>
+              <a:rPr lang="en-US" dirty="0" smtClean="0"/>
+              <a:t>(part 2)</a:t>
             </a:r>
             <a:endParaRPr lang="en-US" dirty="0"/>
           </a:p>
@@ -15213,14 +15071,30 @@
             <a:pPr lvl="1"/>
             <a:r>
               <a:rPr lang="en-US" dirty="0"/>
-              <a:t>Use pre-built abstractions for processing lists found in ISL.</a:t>
+              <a:t>Use pre-built </a:t>
+            </a:r>
+            <a:r>
+              <a:rPr lang="en-US" dirty="0" smtClean="0"/>
+              <a:t>HOFs for </a:t>
+            </a:r>
+            <a:r>
+              <a:rPr lang="en-US" dirty="0"/>
+              <a:t>processing lists found in ISL.</a:t>
             </a:r>
           </a:p>
           <a:p>
             <a:pPr lvl="1"/>
             <a:r>
               <a:rPr lang="en-US" dirty="0"/>
-              <a:t>Recognize the pre-built abstraction that's appropriate for your function.</a:t>
+              <a:t>Recognize the pre-built </a:t>
+            </a:r>
+            <a:r>
+              <a:rPr lang="en-US" dirty="0" smtClean="0"/>
+              <a:t>HOF that's </a:t>
+            </a:r>
+            <a:r>
+              <a:rPr lang="en-US" dirty="0"/>
+              <a:t>appropriate for your function.</a:t>
             </a:r>
           </a:p>
           <a:p>
@@ -15235,8 +15109,13 @@
             </a:r>
             <a:r>
               <a:rPr lang="en-US" dirty="0"/>
-              <a:t>recipe for converting your structural-decomposition into a higher-order function composition. </a:t>
-            </a:r>
+              <a:t>recipe for converting your </a:t>
+            </a:r>
+            <a:r>
+              <a:rPr lang="en-US" dirty="0" smtClean="0"/>
+              <a:t>use of a template into a use of an HOF</a:t>
+            </a:r>
+            <a:endParaRPr lang="en-US" dirty="0"/>
           </a:p>
         </p:txBody>
       </p:sp>
@@ -15347,32 +15226,19 @@
           <a:p>
             <a:r>
               <a:rPr lang="en-US" dirty="0" smtClean="0"/>
-              <a:t>If </a:t>
-            </a:r>
+              <a:t>If you have questions about this lesson, ask them on the </a:t>
+            </a:r>
+            <a:r>
+              <a:rPr lang="en-US" smtClean="0"/>
+              <a:t>Discussion Board.</a:t>
+            </a:r>
+            <a:endParaRPr lang="en-US" dirty="0" smtClean="0"/>
+          </a:p>
+          <a:p>
             <a:r>
               <a:rPr lang="en-US" dirty="0" smtClean="0"/>
-              <a:t>you have questions about this lesson, ask them on the </a:t>
-            </a:r>
-            <a:r>
-              <a:rPr lang="en-US" smtClean="0"/>
-              <a:t>Discussion </a:t>
-            </a:r>
-            <a:r>
-              <a:rPr lang="en-US" smtClean="0"/>
-              <a:t>Board.</a:t>
-            </a:r>
-            <a:endParaRPr lang="en-US" dirty="0" smtClean="0"/>
-          </a:p>
-          <a:p>
-            <a:r>
-              <a:rPr lang="en-US" dirty="0" smtClean="0"/>
-              <a:t>Do </a:t>
-            </a:r>
-            <a:r>
-              <a:rPr lang="en-US" dirty="0" smtClean="0"/>
-              <a:t>Guided Practice 5.5</a:t>
-            </a:r>
-            <a:endParaRPr lang="en-US" dirty="0" smtClean="0"/>
+              <a:t>Do Guided Practice 5.5</a:t>
+            </a:r>
           </a:p>
           <a:p>
             <a:r>
@@ -15924,7 +15790,19 @@
           <a:p>
             <a:r>
               <a:rPr lang="en-US" dirty="0" smtClean="0"/>
-              <a:t>Pre-built list abstractions (1)</a:t>
+              <a:t>Pre-built </a:t>
+            </a:r>
+            <a:r>
+              <a:rPr lang="en-US" dirty="0" smtClean="0"/>
+              <a:t>HOFs for lists</a:t>
+            </a:r>
+            <a:r>
+              <a:rPr lang="en-US" dirty="0" smtClean="0"/>
+              <a:t> </a:t>
+            </a:r>
+            <a:r>
+              <a:rPr lang="en-US" dirty="0" smtClean="0"/>
+              <a:t>(1)</a:t>
             </a:r>
             <a:br>
               <a:rPr lang="en-US" dirty="0" smtClean="0"/>
@@ -16154,104 +16032,93 @@
                 <a:latin typeface="Consolas" pitchFamily="49" charset="0"/>
                 <a:cs typeface="Consolas" pitchFamily="49" charset="0"/>
               </a:rPr>
+              <a:t> -&gt; </a:t>
+            </a:r>
+            <a:r>
+              <a:rPr lang="en-US" sz="2000" b="1" dirty="0" err="1" smtClean="0">
+                <a:latin typeface="Consolas" pitchFamily="49" charset="0"/>
+                <a:cs typeface="Consolas" pitchFamily="49" charset="0"/>
+              </a:rPr>
+              <a:t>ListOfX</a:t>
+            </a:r>
+            <a:r>
+              <a:rPr lang="en-US" sz="2000" b="1" dirty="0" smtClean="0">
+                <a:latin typeface="Consolas" pitchFamily="49" charset="0"/>
+                <a:cs typeface="Consolas" pitchFamily="49" charset="0"/>
+              </a:rPr>
               <a:t> </a:t>
             </a:r>
+          </a:p>
+          <a:p>
             <a:r>
               <a:rPr lang="en-US" sz="2000" b="1" dirty="0" smtClean="0">
                 <a:latin typeface="Consolas" pitchFamily="49" charset="0"/>
                 <a:cs typeface="Consolas" pitchFamily="49" charset="0"/>
               </a:rPr>
-              <a:t>-&gt; </a:t>
+              <a:t>;; construct the list from all items on </a:t>
             </a:r>
             <a:r>
               <a:rPr lang="en-US" sz="2000" b="1" dirty="0" err="1" smtClean="0">
                 <a:latin typeface="Consolas" pitchFamily="49" charset="0"/>
                 <a:cs typeface="Consolas" pitchFamily="49" charset="0"/>
               </a:rPr>
-              <a:t>ListOfX</a:t>
+              <a:t>alox</a:t>
             </a:r>
             <a:r>
               <a:rPr lang="en-US" sz="2000" b="1" dirty="0" smtClean="0">
                 <a:latin typeface="Consolas" pitchFamily="49" charset="0"/>
                 <a:cs typeface="Consolas" pitchFamily="49" charset="0"/>
               </a:rPr>
+              <a:t> for which p </a:t>
+            </a:r>
+          </a:p>
+          <a:p>
+            <a:r>
+              <a:rPr lang="en-US" sz="2000" b="1" dirty="0" smtClean="0">
+                <a:latin typeface="Consolas" pitchFamily="49" charset="0"/>
+                <a:cs typeface="Consolas" pitchFamily="49" charset="0"/>
+              </a:rPr>
+              <a:t>;; holds </a:t>
+            </a:r>
+          </a:p>
+          <a:p>
+            <a:r>
+              <a:rPr lang="en-US" sz="2000" b="1" dirty="0" smtClean="0">
+                <a:latin typeface="Consolas" pitchFamily="49" charset="0"/>
+                <a:cs typeface="Consolas" pitchFamily="49" charset="0"/>
+              </a:rPr>
+              <a:t>(define (filter p </a:t>
+            </a:r>
+            <a:r>
+              <a:rPr lang="en-US" sz="2000" b="1" dirty="0" err="1" smtClean="0">
+                <a:latin typeface="Consolas" pitchFamily="49" charset="0"/>
+                <a:cs typeface="Consolas" pitchFamily="49" charset="0"/>
+              </a:rPr>
+              <a:t>alox</a:t>
+            </a:r>
+            <a:r>
+              <a:rPr lang="en-US" sz="2000" b="1" dirty="0" smtClean="0">
+                <a:latin typeface="Consolas" pitchFamily="49" charset="0"/>
+                <a:cs typeface="Consolas" pitchFamily="49" charset="0"/>
+              </a:rPr>
+              <a:t>) ...) </a:t>
+            </a:r>
+          </a:p>
+          <a:p>
+            <a:r>
+              <a:rPr lang="en-US" sz="2000" b="1" dirty="0" smtClean="0">
+                <a:latin typeface="Consolas" pitchFamily="49" charset="0"/>
+                <a:cs typeface="Consolas" pitchFamily="49" charset="0"/>
+              </a:rPr>
               <a:t> </a:t>
             </a:r>
+          </a:p>
+          <a:p>
             <a:endParaRPr lang="en-US" sz="2000" b="1" dirty="0" smtClean="0">
               <a:latin typeface="Consolas" pitchFamily="49" charset="0"/>
               <a:cs typeface="Consolas" pitchFamily="49" charset="0"/>
             </a:endParaRPr>
           </a:p>
-          <a:p>
-            <a:r>
-              <a:rPr lang="en-US" sz="2000" b="1" dirty="0" smtClean="0">
-                <a:latin typeface="Consolas" pitchFamily="49" charset="0"/>
-                <a:cs typeface="Consolas" pitchFamily="49" charset="0"/>
-              </a:rPr>
-              <a:t>;; construct the list from all items on </a:t>
-            </a:r>
-            <a:r>
-              <a:rPr lang="en-US" sz="2000" b="1" dirty="0" err="1" smtClean="0">
-                <a:latin typeface="Consolas" pitchFamily="49" charset="0"/>
-                <a:cs typeface="Consolas" pitchFamily="49" charset="0"/>
-              </a:rPr>
-              <a:t>alox</a:t>
-            </a:r>
-            <a:r>
-              <a:rPr lang="en-US" sz="2000" b="1" dirty="0" smtClean="0">
-                <a:latin typeface="Consolas" pitchFamily="49" charset="0"/>
-                <a:cs typeface="Consolas" pitchFamily="49" charset="0"/>
-              </a:rPr>
-              <a:t> for which p </a:t>
-            </a:r>
-          </a:p>
-          <a:p>
-            <a:r>
-              <a:rPr lang="en-US" sz="2000" b="1" dirty="0" smtClean="0">
-                <a:latin typeface="Consolas" pitchFamily="49" charset="0"/>
-                <a:cs typeface="Consolas" pitchFamily="49" charset="0"/>
-              </a:rPr>
-              <a:t>;; holds </a:t>
-            </a:r>
-          </a:p>
-          <a:p>
-            <a:r>
-              <a:rPr lang="en-US" sz="2000" b="1" dirty="0" smtClean="0">
-                <a:latin typeface="Consolas" pitchFamily="49" charset="0"/>
-                <a:cs typeface="Consolas" pitchFamily="49" charset="0"/>
-              </a:rPr>
-              <a:t>(define (filter p </a:t>
-            </a:r>
-            <a:r>
-              <a:rPr lang="en-US" sz="2000" b="1" dirty="0" err="1" smtClean="0">
-                <a:latin typeface="Consolas" pitchFamily="49" charset="0"/>
-                <a:cs typeface="Consolas" pitchFamily="49" charset="0"/>
-              </a:rPr>
-              <a:t>alox</a:t>
-            </a:r>
-            <a:r>
-              <a:rPr lang="en-US" sz="2000" b="1" dirty="0" smtClean="0">
-                <a:latin typeface="Consolas" pitchFamily="49" charset="0"/>
-                <a:cs typeface="Consolas" pitchFamily="49" charset="0"/>
-              </a:rPr>
-              <a:t>) ...) </a:t>
-            </a:r>
-          </a:p>
-          <a:p>
-            <a:r>
-              <a:rPr lang="en-US" sz="2000" b="1" dirty="0" smtClean="0">
-                <a:latin typeface="Consolas" pitchFamily="49" charset="0"/>
-                <a:cs typeface="Consolas" pitchFamily="49" charset="0"/>
-              </a:rPr>
-              <a:t> </a:t>
-            </a:r>
-          </a:p>
-          <a:p>
-            <a:endParaRPr lang="en-US" sz="2000" b="1" dirty="0" smtClean="0">
-              <a:latin typeface="Consolas" pitchFamily="49" charset="0"/>
-              <a:cs typeface="Consolas" pitchFamily="49" charset="0"/>
-            </a:endParaRPr>
-          </a:p>
         </p:txBody>
       </p:sp>
       <p:sp>
@@ -16273,7 +16140,15 @@
           <a:p>
             <a:r>
               <a:rPr lang="en-US" dirty="0" smtClean="0"/>
-              <a:t>Pre-built list abstractions (2)</a:t>
+              <a:t>Pre-built </a:t>
+            </a:r>
+            <a:r>
+              <a:rPr lang="en-US" dirty="0" smtClean="0"/>
+              <a:t>HOFs for lists (2</a:t>
+            </a:r>
+            <a:r>
+              <a:rPr lang="en-US" dirty="0" smtClean="0"/>
+              <a:t>)</a:t>
             </a:r>
             <a:br>
               <a:rPr lang="en-US" dirty="0" smtClean="0"/>
@@ -16407,14 +16282,7 @@
                 <a:latin typeface="Consolas" pitchFamily="49" charset="0"/>
                 <a:cs typeface="Consolas" pitchFamily="49" charset="0"/>
               </a:rPr>
-              <a:t> </a:t>
-            </a:r>
-            <a:r>
-              <a:rPr lang="en-US" b="1" dirty="0" smtClean="0">
-                <a:latin typeface="Consolas" pitchFamily="49" charset="0"/>
-                <a:cs typeface="Consolas" pitchFamily="49" charset="0"/>
-              </a:rPr>
-              <a:t>-&gt; Boolean </a:t>
+              <a:t> -&gt; Boolean </a:t>
             </a:r>
           </a:p>
           <a:p>
@@ -16577,14 +16445,7 @@
                 <a:latin typeface="Consolas" pitchFamily="49" charset="0"/>
                 <a:cs typeface="Consolas" pitchFamily="49" charset="0"/>
               </a:rPr>
-              <a:t> </a:t>
-            </a:r>
-            <a:r>
-              <a:rPr lang="en-US" b="1" dirty="0" smtClean="0">
-                <a:latin typeface="Consolas" pitchFamily="49" charset="0"/>
-                <a:cs typeface="Consolas" pitchFamily="49" charset="0"/>
-              </a:rPr>
-              <a:t>-&gt; Boolean </a:t>
+              <a:t> -&gt; Boolean </a:t>
             </a:r>
           </a:p>
           <a:p>
@@ -16728,7 +16589,15 @@
           <a:p>
             <a:r>
               <a:rPr lang="en-US" dirty="0" smtClean="0"/>
-              <a:t>Pre-built list abstractions (3)</a:t>
+              <a:t>Pre-built </a:t>
+            </a:r>
+            <a:r>
+              <a:rPr lang="en-US" dirty="0" smtClean="0"/>
+              <a:t>HOFs for lists (3</a:t>
+            </a:r>
+            <a:r>
+              <a:rPr lang="en-US" dirty="0" smtClean="0"/>
+              <a:t>)</a:t>
             </a:r>
             <a:br>
               <a:rPr lang="en-US" dirty="0" smtClean="0"/>
@@ -16918,7 +16787,7 @@
           <p:nvPr>
             <p:extLst>
               <p:ext uri="{D42A27DB-BD31-4B8C-83A1-F6EECF244321}">
-                <p14:modId xmlns:p14="http://schemas.microsoft.com/office/powerpoint/2010/main" val="460534300"/>
+                <p14:modId xmlns:p14="http://schemas.microsoft.com/office/powerpoint/2010/main" val="1960902964"/>
               </p:ext>
             </p:extLst>
           </p:nvPr>
@@ -16957,7 +16826,11 @@
                       </a:r>
                       <a:r>
                         <a:rPr lang="en-US" sz="2400" baseline="0" dirty="0" smtClean="0"/>
-                        <a:t> List Abstractions</a:t>
+                        <a:t> </a:t>
+                      </a:r>
+                      <a:r>
+                        <a:rPr lang="en-US" sz="2400" baseline="0" dirty="0" smtClean="0"/>
+                        <a:t>HOFs for lists</a:t>
                       </a:r>
                       <a:endParaRPr lang="en-US" sz="2400" dirty="0"/>
                     </a:p>
@@ -16977,11 +16850,7 @@
                       </a:r>
                       <a:r>
                         <a:rPr lang="en-US" sz="2400" baseline="0" dirty="0" smtClean="0"/>
-                        <a:t> Start with your function definition, written using </a:t>
-                      </a:r>
-                      <a:r>
-                        <a:rPr lang="en-US" sz="2400" baseline="0" dirty="0" smtClean="0"/>
-                        <a:t>the template for some list data.</a:t>
+                        <a:t> Start with your function definition, written using the template for some list data.</a:t>
                       </a:r>
                       <a:endParaRPr lang="en-US" sz="2400" dirty="0"/>
                     </a:p>
@@ -17001,7 +16870,11 @@
                       </a:r>
                       <a:r>
                         <a:rPr lang="en-US" sz="2400" baseline="0" dirty="0" smtClean="0"/>
-                        <a:t> the function is a candidate for using one of the built-in abstractions</a:t>
+                        <a:t> the function is a candidate for using one of the built-in </a:t>
+                      </a:r>
+                      <a:r>
+                        <a:rPr lang="en-US" sz="2400" baseline="0" dirty="0" smtClean="0"/>
+                        <a:t>HOFs</a:t>
                       </a:r>
                       <a:endParaRPr lang="en-US" sz="2400" dirty="0"/>
                     </a:p>
@@ -17017,7 +16890,15 @@
                     <a:p>
                       <a:r>
                         <a:rPr lang="en-US" sz="2400" dirty="0" smtClean="0"/>
-                        <a:t>3. Determine which built-in abstraction is appropriate</a:t>
+                        <a:t>3. Determine which built-in </a:t>
+                      </a:r>
+                      <a:r>
+                        <a:rPr lang="en-US" sz="2400" dirty="0" smtClean="0"/>
+                        <a:t>HOF is </a:t>
+                      </a:r>
+                      <a:r>
+                        <a:rPr lang="en-US" sz="2400" dirty="0" smtClean="0"/>
+                        <a:t>appropriate</a:t>
                       </a:r>
                       <a:endParaRPr lang="en-US" sz="2400" dirty="0"/>
                     </a:p>
@@ -17037,11 +16918,7 @@
                       </a:r>
                       <a:r>
                         <a:rPr lang="en-US" sz="2400" baseline="0" dirty="0" smtClean="0"/>
-                        <a:t> abstraction.  The new strategy is </a:t>
-                      </a:r>
-                      <a:r>
-                        <a:rPr lang="en-US" sz="2400" baseline="0" dirty="0" smtClean="0"/>
-                        <a:t>"Use HOF ..."</a:t>
+                        <a:t> abstraction.  The new strategy is "Use HOF ..."</a:t>
                       </a:r>
                       <a:endParaRPr lang="en-US" sz="2400" dirty="0"/>
                     </a:p>
@@ -17088,7 +16965,15 @@
           <a:p>
             <a:r>
               <a:rPr lang="en-US" dirty="0" smtClean="0"/>
-              <a:t>Recipe for Rewriting Your Function to Use the Pre-Built List Abstractions</a:t>
+              <a:t>Recipe for Rewriting Your Function to Use the Pre-Built </a:t>
+            </a:r>
+            <a:r>
+              <a:rPr lang="en-US" dirty="0" smtClean="0"/>
+              <a:t>HOFs for </a:t>
+            </a:r>
+            <a:r>
+              <a:rPr lang="en-US" dirty="0" smtClean="0"/>
+              <a:t>lists</a:t>
             </a:r>
             <a:endParaRPr lang="en-US" dirty="0"/>
           </a:p>

--- a/Slides/Lesson 5.5 Rewriting Your Function Using Map and Foldr.pptx
+++ b/Slides/Lesson 5.5 Rewriting Your Function Using Map and Foldr.pptx
@@ -146,12 +146,12 @@
   <p:extLst>
     <p:ext uri="{EFAFB233-063F-42B5-8137-9DF3F51BA10A}">
       <p15:sldGuideLst xmlns:p15="http://schemas.microsoft.com/office/powerpoint/2012/main">
-        <p15:guide id="1" orient="horz" pos="2736">
+        <p15:guide id="1" orient="horz" pos="1104" userDrawn="1">
           <p15:clr>
             <a:srgbClr val="A4A3A4"/>
           </p15:clr>
         </p15:guide>
-        <p15:guide id="2" pos="2256">
+        <p15:guide id="2" pos="5232" userDrawn="1">
           <p15:clr>
             <a:srgbClr val="A4A3A4"/>
           </p15:clr>
@@ -251,7 +251,7 @@
             <a:fld id="{CF8F25F6-E1EF-4065-8525-42EDEBD9BD22}" type="datetimeFigureOut">
               <a:rPr lang="en-US" smtClean="0"/>
               <a:pPr/>
-              <a:t>10/10/2015</a:t>
+              <a:t>8/31/2016</a:t>
             </a:fld>
             <a:endParaRPr lang="en-US"/>
           </a:p>
@@ -317,38 +317,37 @@
           <a:p>
             <a:pPr lvl="0"/>
             <a:r>
-              <a:rPr lang="en-US" smtClean="0"/>
+              <a:rPr lang="en-US"/>
               <a:t>Click to edit Master text styles</a:t>
             </a:r>
           </a:p>
           <a:p>
             <a:pPr lvl="1"/>
             <a:r>
-              <a:rPr lang="en-US" smtClean="0"/>
+              <a:rPr lang="en-US"/>
               <a:t>Second level</a:t>
             </a:r>
           </a:p>
           <a:p>
             <a:pPr lvl="2"/>
             <a:r>
-              <a:rPr lang="en-US" smtClean="0"/>
+              <a:rPr lang="en-US"/>
               <a:t>Third level</a:t>
             </a:r>
           </a:p>
           <a:p>
             <a:pPr lvl="3"/>
             <a:r>
-              <a:rPr lang="en-US" smtClean="0"/>
+              <a:rPr lang="en-US"/>
               <a:t>Fourth level</a:t>
             </a:r>
           </a:p>
           <a:p>
             <a:pPr lvl="4"/>
             <a:r>
-              <a:rPr lang="en-US" smtClean="0"/>
+              <a:rPr lang="en-US"/>
               <a:t>Fifth level</a:t>
             </a:r>
-            <a:endParaRPr lang="en-US"/>
           </a:p>
         </p:txBody>
       </p:sp>
@@ -1715,10 +1714,9 @@
           <a:lstStyle/>
           <a:p>
             <a:r>
-              <a:rPr lang="en-US" smtClean="0"/>
+              <a:rPr lang="en-US"/>
               <a:t>Click to edit Master title style</a:t>
             </a:r>
-            <a:endParaRPr lang="en-US"/>
           </a:p>
         </p:txBody>
       </p:sp>
@@ -1834,10 +1832,9 @@
           </a:lstStyle>
           <a:p>
             <a:r>
-              <a:rPr lang="en-US" smtClean="0"/>
+              <a:rPr lang="en-US"/>
               <a:t>Click to edit Master subtitle style</a:t>
             </a:r>
-            <a:endParaRPr lang="en-US"/>
           </a:p>
         </p:txBody>
       </p:sp>
@@ -1858,7 +1855,7 @@
           <a:p>
             <a:fld id="{2F1F79F5-7BEC-496A-AFC7-876E38F64D71}" type="datetime1">
               <a:rPr lang="en-US" smtClean="0"/>
-              <a:t>10/10/2015</a:t>
+              <a:t>8/31/2016</a:t>
             </a:fld>
             <a:endParaRPr lang="en-US"/>
           </a:p>
@@ -1916,13 +1913,6 @@
   <p:clrMapOvr>
     <a:masterClrMapping/>
   </p:clrMapOvr>
-  <p:timing>
-    <p:tnLst>
-      <p:par>
-        <p:cTn id="1" dur="indefinite" restart="never" nodeType="tmRoot"/>
-      </p:par>
-    </p:tnLst>
-  </p:timing>
 </p:sldLayout>
 </file>
 
@@ -1960,7 +1950,7 @@
           <a:p>
             <a:fld id="{0A05703A-7669-4FEA-9056-25299B4D29D4}" type="datetime1">
               <a:rPr lang="en-US" smtClean="0"/>
-              <a:t>10/10/2015</a:t>
+              <a:t>8/31/2016</a:t>
             </a:fld>
             <a:endParaRPr lang="en-US"/>
           </a:p>
@@ -2063,10 +2053,9 @@
           </a:lstStyle>
           <a:p>
             <a:r>
-              <a:rPr lang="en-US" smtClean="0"/>
+              <a:rPr lang="en-US"/>
               <a:t>Click to edit Master title style</a:t>
             </a:r>
-            <a:endParaRPr lang="en-US"/>
           </a:p>
         </p:txBody>
       </p:sp>
@@ -2120,38 +2109,37 @@
           <a:p>
             <a:pPr lvl="0"/>
             <a:r>
-              <a:rPr lang="en-US" smtClean="0"/>
+              <a:rPr lang="en-US"/>
               <a:t>Click to edit Master text styles</a:t>
             </a:r>
           </a:p>
           <a:p>
             <a:pPr lvl="1"/>
             <a:r>
-              <a:rPr lang="en-US" smtClean="0"/>
+              <a:rPr lang="en-US"/>
               <a:t>Second level</a:t>
             </a:r>
           </a:p>
           <a:p>
             <a:pPr lvl="2"/>
             <a:r>
-              <a:rPr lang="en-US" smtClean="0"/>
+              <a:rPr lang="en-US"/>
               <a:t>Third level</a:t>
             </a:r>
           </a:p>
           <a:p>
             <a:pPr lvl="3"/>
             <a:r>
-              <a:rPr lang="en-US" smtClean="0"/>
+              <a:rPr lang="en-US"/>
               <a:t>Fourth level</a:t>
             </a:r>
           </a:p>
           <a:p>
             <a:pPr lvl="4"/>
             <a:r>
-              <a:rPr lang="en-US" smtClean="0"/>
+              <a:rPr lang="en-US"/>
               <a:t>Fifth level</a:t>
             </a:r>
-            <a:endParaRPr lang="en-US"/>
           </a:p>
         </p:txBody>
       </p:sp>
@@ -2214,7 +2202,7 @@
           <a:p>
             <a:pPr lvl="0"/>
             <a:r>
-              <a:rPr lang="en-US" smtClean="0"/>
+              <a:rPr lang="en-US"/>
               <a:t>Click to edit Master text styles</a:t>
             </a:r>
           </a:p>
@@ -2237,7 +2225,7 @@
           <a:p>
             <a:fld id="{6E5077B5-BB57-49DB-88CA-226A139E5C01}" type="datetime1">
               <a:rPr lang="en-US" smtClean="0"/>
-              <a:t>10/10/2015</a:t>
+              <a:t>8/31/2016</a:t>
             </a:fld>
             <a:endParaRPr lang="en-US"/>
           </a:p>
@@ -2340,10 +2328,9 @@
           </a:lstStyle>
           <a:p>
             <a:r>
-              <a:rPr lang="en-US" smtClean="0"/>
+              <a:rPr lang="en-US"/>
               <a:t>Click to edit Master title style</a:t>
             </a:r>
-            <a:endParaRPr lang="en-US"/>
           </a:p>
         </p:txBody>
       </p:sp>
@@ -2467,7 +2454,7 @@
           <a:p>
             <a:pPr lvl="0"/>
             <a:r>
-              <a:rPr lang="en-US" smtClean="0"/>
+              <a:rPr lang="en-US"/>
               <a:t>Click to edit Master text styles</a:t>
             </a:r>
           </a:p>
@@ -2490,7 +2477,7 @@
           <a:p>
             <a:fld id="{C48D9447-CBD6-49A1-89FD-8512A8CF8999}" type="datetime1">
               <a:rPr lang="en-US" smtClean="0"/>
-              <a:t>10/10/2015</a:t>
+              <a:t>8/31/2016</a:t>
             </a:fld>
             <a:endParaRPr lang="en-US"/>
           </a:p>
@@ -2584,10 +2571,9 @@
           <a:lstStyle/>
           <a:p>
             <a:r>
-              <a:rPr lang="en-US" smtClean="0"/>
+              <a:rPr lang="en-US"/>
               <a:t>Click to edit Master title style</a:t>
             </a:r>
-            <a:endParaRPr lang="en-US"/>
           </a:p>
         </p:txBody>
       </p:sp>
@@ -2608,38 +2594,37 @@
           <a:p>
             <a:pPr lvl="0"/>
             <a:r>
-              <a:rPr lang="en-US" smtClean="0"/>
+              <a:rPr lang="en-US"/>
               <a:t>Click to edit Master text styles</a:t>
             </a:r>
           </a:p>
           <a:p>
             <a:pPr lvl="1"/>
             <a:r>
-              <a:rPr lang="en-US" smtClean="0"/>
+              <a:rPr lang="en-US"/>
               <a:t>Second level</a:t>
             </a:r>
           </a:p>
           <a:p>
             <a:pPr lvl="2"/>
             <a:r>
-              <a:rPr lang="en-US" smtClean="0"/>
+              <a:rPr lang="en-US"/>
               <a:t>Third level</a:t>
             </a:r>
           </a:p>
           <a:p>
             <a:pPr lvl="3"/>
             <a:r>
-              <a:rPr lang="en-US" smtClean="0"/>
+              <a:rPr lang="en-US"/>
               <a:t>Fourth level</a:t>
             </a:r>
           </a:p>
           <a:p>
             <a:pPr lvl="4"/>
             <a:r>
-              <a:rPr lang="en-US" smtClean="0"/>
+              <a:rPr lang="en-US"/>
               <a:t>Fifth level</a:t>
             </a:r>
-            <a:endParaRPr lang="en-US"/>
           </a:p>
         </p:txBody>
       </p:sp>
@@ -2660,7 +2645,7 @@
           <a:p>
             <a:fld id="{A3639A2A-823D-48B7-9ACE-7FAF42870BA9}" type="datetime1">
               <a:rPr lang="en-US" smtClean="0"/>
-              <a:t>10/10/2015</a:t>
+              <a:t>8/31/2016</a:t>
             </a:fld>
             <a:endParaRPr lang="en-US"/>
           </a:p>
@@ -2759,10 +2744,9 @@
           <a:lstStyle/>
           <a:p>
             <a:r>
-              <a:rPr lang="en-US" smtClean="0"/>
+              <a:rPr lang="en-US"/>
               <a:t>Click to edit Master title style</a:t>
             </a:r>
-            <a:endParaRPr lang="en-US"/>
           </a:p>
         </p:txBody>
       </p:sp>
@@ -2788,38 +2772,37 @@
           <a:p>
             <a:pPr lvl="0"/>
             <a:r>
-              <a:rPr lang="en-US" smtClean="0"/>
+              <a:rPr lang="en-US"/>
               <a:t>Click to edit Master text styles</a:t>
             </a:r>
           </a:p>
           <a:p>
             <a:pPr lvl="1"/>
             <a:r>
-              <a:rPr lang="en-US" smtClean="0"/>
+              <a:rPr lang="en-US"/>
               <a:t>Second level</a:t>
             </a:r>
           </a:p>
           <a:p>
             <a:pPr lvl="2"/>
             <a:r>
-              <a:rPr lang="en-US" smtClean="0"/>
+              <a:rPr lang="en-US"/>
               <a:t>Third level</a:t>
             </a:r>
           </a:p>
           <a:p>
             <a:pPr lvl="3"/>
             <a:r>
-              <a:rPr lang="en-US" smtClean="0"/>
+              <a:rPr lang="en-US"/>
               <a:t>Fourth level</a:t>
             </a:r>
           </a:p>
           <a:p>
             <a:pPr lvl="4"/>
             <a:r>
-              <a:rPr lang="en-US" smtClean="0"/>
+              <a:rPr lang="en-US"/>
               <a:t>Fifth level</a:t>
             </a:r>
-            <a:endParaRPr lang="en-US"/>
           </a:p>
         </p:txBody>
       </p:sp>
@@ -2840,7 +2823,7 @@
           <a:p>
             <a:fld id="{ED1B6996-82E9-463C-972C-7B56056E426C}" type="datetime1">
               <a:rPr lang="en-US" smtClean="0"/>
-              <a:t>10/10/2015</a:t>
+              <a:t>8/31/2016</a:t>
             </a:fld>
             <a:endParaRPr lang="en-US"/>
           </a:p>
@@ -2940,10 +2923,9 @@
           <a:lstStyle/>
           <a:p>
             <a:r>
-              <a:rPr lang="en-US" dirty="0" smtClean="0"/>
+              <a:rPr lang="en-US" dirty="0"/>
               <a:t>Click to edit Master title style</a:t>
             </a:r>
-            <a:endParaRPr lang="en-US" dirty="0"/>
           </a:p>
         </p:txBody>
       </p:sp>
@@ -2964,38 +2946,37 @@
           <a:p>
             <a:pPr lvl="0"/>
             <a:r>
-              <a:rPr lang="en-US" smtClean="0"/>
+              <a:rPr lang="en-US"/>
               <a:t>Click to edit Master text styles</a:t>
             </a:r>
           </a:p>
           <a:p>
             <a:pPr lvl="1"/>
             <a:r>
-              <a:rPr lang="en-US" smtClean="0"/>
+              <a:rPr lang="en-US"/>
               <a:t>Second level</a:t>
             </a:r>
           </a:p>
           <a:p>
             <a:pPr lvl="2"/>
             <a:r>
-              <a:rPr lang="en-US" smtClean="0"/>
+              <a:rPr lang="en-US"/>
               <a:t>Third level</a:t>
             </a:r>
           </a:p>
           <a:p>
             <a:pPr lvl="3"/>
             <a:r>
-              <a:rPr lang="en-US" smtClean="0"/>
+              <a:rPr lang="en-US"/>
               <a:t>Fourth level</a:t>
             </a:r>
           </a:p>
           <a:p>
             <a:pPr lvl="4"/>
             <a:r>
-              <a:rPr lang="en-US" smtClean="0"/>
+              <a:rPr lang="en-US"/>
               <a:t>Fifth level</a:t>
             </a:r>
-            <a:endParaRPr lang="en-US"/>
           </a:p>
         </p:txBody>
       </p:sp>
@@ -3016,7 +2997,7 @@
           <a:p>
             <a:fld id="{E22ED4DA-448D-4BB1-B935-CC112220207B}" type="datetime1">
               <a:rPr lang="en-US" smtClean="0"/>
-              <a:t>10/10/2015</a:t>
+              <a:t>8/31/2016</a:t>
             </a:fld>
             <a:endParaRPr lang="en-US"/>
           </a:p>
@@ -3074,13 +3055,6 @@
   <p:clrMapOvr>
     <a:masterClrMapping/>
   </p:clrMapOvr>
-  <p:timing>
-    <p:tnLst>
-      <p:par>
-        <p:cTn id="1" dur="indefinite" restart="never" nodeType="tmRoot"/>
-      </p:par>
-    </p:tnLst>
-  </p:timing>
 </p:sldLayout>
 </file>
 
@@ -3117,10 +3091,9 @@
           <a:lstStyle/>
           <a:p>
             <a:r>
-              <a:rPr lang="en-US" smtClean="0"/>
+              <a:rPr lang="en-US"/>
               <a:t>Click to edit Master title style</a:t>
             </a:r>
-            <a:endParaRPr lang="en-US"/>
           </a:p>
         </p:txBody>
       </p:sp>
@@ -3146,38 +3119,37 @@
           <a:p>
             <a:pPr lvl="0"/>
             <a:r>
-              <a:rPr lang="en-US" dirty="0" smtClean="0"/>
+              <a:rPr lang="en-US" dirty="0"/>
               <a:t>Click to edit Master text styles</a:t>
             </a:r>
           </a:p>
           <a:p>
             <a:pPr lvl="1"/>
             <a:r>
-              <a:rPr lang="en-US" dirty="0" smtClean="0"/>
+              <a:rPr lang="en-US" dirty="0"/>
               <a:t>Second level</a:t>
             </a:r>
           </a:p>
           <a:p>
             <a:pPr lvl="2"/>
             <a:r>
-              <a:rPr lang="en-US" dirty="0" smtClean="0"/>
+              <a:rPr lang="en-US" dirty="0"/>
               <a:t>Third level</a:t>
             </a:r>
           </a:p>
           <a:p>
             <a:pPr lvl="3"/>
             <a:r>
-              <a:rPr lang="en-US" dirty="0" smtClean="0"/>
+              <a:rPr lang="en-US" dirty="0"/>
               <a:t>Fourth level</a:t>
             </a:r>
           </a:p>
           <a:p>
             <a:pPr lvl="4"/>
             <a:r>
-              <a:rPr lang="en-US" dirty="0" smtClean="0"/>
+              <a:rPr lang="en-US" dirty="0"/>
               <a:t>Fifth level</a:t>
             </a:r>
-            <a:endParaRPr lang="en-US" dirty="0"/>
           </a:p>
         </p:txBody>
       </p:sp>
@@ -3198,7 +3170,7 @@
           <a:p>
             <a:fld id="{E22ED4DA-448D-4BB1-B935-CC112220207B}" type="datetime1">
               <a:rPr lang="en-US" smtClean="0"/>
-              <a:t>10/10/2015</a:t>
+              <a:t>8/31/2016</a:t>
             </a:fld>
             <a:endParaRPr lang="en-US"/>
           </a:p>
@@ -3288,7 +3260,7 @@
           <a:lstStyle/>
           <a:p>
             <a:pPr algn="ctr"/>
-            <a:endParaRPr lang="en-US" dirty="0" smtClean="0">
+            <a:endParaRPr lang="en-US" dirty="0">
               <a:solidFill>
                 <a:schemeClr val="tx1"/>
               </a:solidFill>
@@ -3319,11 +3291,11 @@
           <a:lstStyle/>
           <a:p>
             <a:r>
-              <a:rPr lang="en-US" dirty="0" smtClean="0"/>
+              <a:rPr lang="en-US" dirty="0"/>
               <a:t>Resize video to this</a:t>
             </a:r>
             <a:r>
-              <a:rPr lang="en-US" baseline="0" dirty="0" smtClean="0"/>
+              <a:rPr lang="en-US" baseline="0" dirty="0"/>
               <a:t> box.</a:t>
             </a:r>
             <a:endParaRPr lang="en-US" dirty="0"/>
@@ -3340,13 +3312,6 @@
   <p:clrMapOvr>
     <a:masterClrMapping/>
   </p:clrMapOvr>
-  <p:timing>
-    <p:tnLst>
-      <p:par>
-        <p:cTn id="1" dur="indefinite" restart="never" nodeType="tmRoot"/>
-      </p:par>
-    </p:tnLst>
-  </p:timing>
 </p:sldLayout>
 </file>
 
@@ -3383,10 +3348,9 @@
           <a:lstStyle/>
           <a:p>
             <a:r>
-              <a:rPr lang="en-US" smtClean="0"/>
+              <a:rPr lang="en-US"/>
               <a:t>Click to edit Master title style</a:t>
             </a:r>
-            <a:endParaRPr lang="en-US"/>
           </a:p>
         </p:txBody>
       </p:sp>
@@ -3415,38 +3379,37 @@
           <a:p>
             <a:pPr lvl="0"/>
             <a:r>
-              <a:rPr lang="en-US" dirty="0" smtClean="0"/>
+              <a:rPr lang="en-US" dirty="0"/>
               <a:t>Click to edit Master text styles</a:t>
             </a:r>
           </a:p>
           <a:p>
             <a:pPr lvl="1"/>
             <a:r>
-              <a:rPr lang="en-US" dirty="0" smtClean="0"/>
+              <a:rPr lang="en-US" dirty="0"/>
               <a:t>Second level</a:t>
             </a:r>
           </a:p>
           <a:p>
             <a:pPr lvl="2"/>
             <a:r>
-              <a:rPr lang="en-US" dirty="0" smtClean="0"/>
+              <a:rPr lang="en-US" dirty="0"/>
               <a:t>Third level</a:t>
             </a:r>
           </a:p>
           <a:p>
             <a:pPr lvl="3"/>
             <a:r>
-              <a:rPr lang="en-US" dirty="0" smtClean="0"/>
+              <a:rPr lang="en-US" dirty="0"/>
               <a:t>Fourth level</a:t>
             </a:r>
           </a:p>
           <a:p>
             <a:pPr lvl="4"/>
             <a:r>
-              <a:rPr lang="en-US" dirty="0" smtClean="0"/>
+              <a:rPr lang="en-US" dirty="0"/>
               <a:t>Fifth level</a:t>
             </a:r>
-            <a:endParaRPr lang="en-US" dirty="0"/>
           </a:p>
         </p:txBody>
       </p:sp>
@@ -3467,7 +3430,7 @@
           <a:p>
             <a:fld id="{FF5D65A6-AB94-4435-B0B7-3743215FA46C}" type="datetime1">
               <a:rPr lang="en-US" smtClean="0"/>
-              <a:t>10/10/2015</a:t>
+              <a:t>8/31/2016</a:t>
             </a:fld>
             <a:endParaRPr lang="en-US"/>
           </a:p>
@@ -3525,13 +3488,6 @@
   <p:clrMapOvr>
     <a:masterClrMapping/>
   </p:clrMapOvr>
-  <p:timing>
-    <p:tnLst>
-      <p:par>
-        <p:cTn id="1" dur="indefinite" restart="never" nodeType="tmRoot"/>
-      </p:par>
-    </p:tnLst>
-  </p:timing>
 </p:sldLayout>
 </file>
 
@@ -3568,10 +3524,9 @@
           <a:lstStyle/>
           <a:p>
             <a:r>
-              <a:rPr lang="en-US" smtClean="0"/>
+              <a:rPr lang="en-US"/>
               <a:t>Click to edit Master title style</a:t>
             </a:r>
-            <a:endParaRPr lang="en-US"/>
           </a:p>
         </p:txBody>
       </p:sp>
@@ -3600,38 +3555,37 @@
           <a:p>
             <a:pPr lvl="0"/>
             <a:r>
-              <a:rPr lang="en-US" dirty="0" smtClean="0"/>
+              <a:rPr lang="en-US" dirty="0"/>
               <a:t>Click to edit Master text styles</a:t>
             </a:r>
           </a:p>
           <a:p>
             <a:pPr lvl="1"/>
             <a:r>
-              <a:rPr lang="en-US" dirty="0" smtClean="0"/>
+              <a:rPr lang="en-US" dirty="0"/>
               <a:t>Second level</a:t>
             </a:r>
           </a:p>
           <a:p>
             <a:pPr lvl="2"/>
             <a:r>
-              <a:rPr lang="en-US" dirty="0" smtClean="0"/>
+              <a:rPr lang="en-US" dirty="0"/>
               <a:t>Third level</a:t>
             </a:r>
           </a:p>
           <a:p>
             <a:pPr lvl="3"/>
             <a:r>
-              <a:rPr lang="en-US" dirty="0" smtClean="0"/>
+              <a:rPr lang="en-US" dirty="0"/>
               <a:t>Fourth level</a:t>
             </a:r>
           </a:p>
           <a:p>
             <a:pPr lvl="4"/>
             <a:r>
-              <a:rPr lang="en-US" dirty="0" smtClean="0"/>
+              <a:rPr lang="en-US" dirty="0"/>
               <a:t>Fifth level</a:t>
             </a:r>
-            <a:endParaRPr lang="en-US" dirty="0"/>
           </a:p>
         </p:txBody>
       </p:sp>
@@ -3652,7 +3606,7 @@
           <a:p>
             <a:fld id="{FF5D65A6-AB94-4435-B0B7-3743215FA46C}" type="datetime1">
               <a:rPr lang="en-US" smtClean="0"/>
-              <a:t>10/10/2015</a:t>
+              <a:t>8/31/2016</a:t>
             </a:fld>
             <a:endParaRPr lang="en-US"/>
           </a:p>
@@ -3759,13 +3713,6 @@
   <p:clrMapOvr>
     <a:masterClrMapping/>
   </p:clrMapOvr>
-  <p:timing>
-    <p:tnLst>
-      <p:par>
-        <p:cTn id="1" dur="indefinite" restart="never" nodeType="tmRoot"/>
-      </p:par>
-    </p:tnLst>
-  </p:timing>
 </p:sldLayout>
 </file>
 
@@ -3811,10 +3758,9 @@
           </a:lstStyle>
           <a:p>
             <a:r>
-              <a:rPr lang="en-US" smtClean="0"/>
+              <a:rPr lang="en-US"/>
               <a:t>Click to edit Master title style</a:t>
             </a:r>
-            <a:endParaRPr lang="en-US"/>
           </a:p>
         </p:txBody>
       </p:sp>
@@ -3931,7 +3877,7 @@
           <a:p>
             <a:pPr lvl="0"/>
             <a:r>
-              <a:rPr lang="en-US" smtClean="0"/>
+              <a:rPr lang="en-US"/>
               <a:t>Click to edit Master text styles</a:t>
             </a:r>
           </a:p>
@@ -3954,7 +3900,7 @@
           <a:p>
             <a:fld id="{7C193DC4-6EF0-48C9-B29C-616106A645E1}" type="datetime1">
               <a:rPr lang="en-US" smtClean="0"/>
-              <a:t>10/10/2015</a:t>
+              <a:t>8/31/2016</a:t>
             </a:fld>
             <a:endParaRPr lang="en-US"/>
           </a:p>
@@ -4048,10 +3994,9 @@
           <a:lstStyle/>
           <a:p>
             <a:r>
-              <a:rPr lang="en-US" smtClean="0"/>
+              <a:rPr lang="en-US"/>
               <a:t>Click to edit Master title style</a:t>
             </a:r>
-            <a:endParaRPr lang="en-US"/>
           </a:p>
         </p:txBody>
       </p:sp>
@@ -4105,38 +4050,37 @@
           <a:p>
             <a:pPr lvl="0"/>
             <a:r>
-              <a:rPr lang="en-US" smtClean="0"/>
+              <a:rPr lang="en-US"/>
               <a:t>Click to edit Master text styles</a:t>
             </a:r>
           </a:p>
           <a:p>
             <a:pPr lvl="1"/>
             <a:r>
-              <a:rPr lang="en-US" smtClean="0"/>
+              <a:rPr lang="en-US"/>
               <a:t>Second level</a:t>
             </a:r>
           </a:p>
           <a:p>
             <a:pPr lvl="2"/>
             <a:r>
-              <a:rPr lang="en-US" smtClean="0"/>
+              <a:rPr lang="en-US"/>
               <a:t>Third level</a:t>
             </a:r>
           </a:p>
           <a:p>
             <a:pPr lvl="3"/>
             <a:r>
-              <a:rPr lang="en-US" smtClean="0"/>
+              <a:rPr lang="en-US"/>
               <a:t>Fourth level</a:t>
             </a:r>
           </a:p>
           <a:p>
             <a:pPr lvl="4"/>
             <a:r>
-              <a:rPr lang="en-US" smtClean="0"/>
+              <a:rPr lang="en-US"/>
               <a:t>Fifth level</a:t>
             </a:r>
-            <a:endParaRPr lang="en-US"/>
           </a:p>
         </p:txBody>
       </p:sp>
@@ -4190,38 +4134,37 @@
           <a:p>
             <a:pPr lvl="0"/>
             <a:r>
-              <a:rPr lang="en-US" smtClean="0"/>
+              <a:rPr lang="en-US"/>
               <a:t>Click to edit Master text styles</a:t>
             </a:r>
           </a:p>
           <a:p>
             <a:pPr lvl="1"/>
             <a:r>
-              <a:rPr lang="en-US" smtClean="0"/>
+              <a:rPr lang="en-US"/>
               <a:t>Second level</a:t>
             </a:r>
           </a:p>
           <a:p>
             <a:pPr lvl="2"/>
             <a:r>
-              <a:rPr lang="en-US" smtClean="0"/>
+              <a:rPr lang="en-US"/>
               <a:t>Third level</a:t>
             </a:r>
           </a:p>
           <a:p>
             <a:pPr lvl="3"/>
             <a:r>
-              <a:rPr lang="en-US" smtClean="0"/>
+              <a:rPr lang="en-US"/>
               <a:t>Fourth level</a:t>
             </a:r>
           </a:p>
           <a:p>
             <a:pPr lvl="4"/>
             <a:r>
-              <a:rPr lang="en-US" smtClean="0"/>
+              <a:rPr lang="en-US"/>
               <a:t>Fifth level</a:t>
             </a:r>
-            <a:endParaRPr lang="en-US"/>
           </a:p>
         </p:txBody>
       </p:sp>
@@ -4242,7 +4185,7 @@
           <a:p>
             <a:fld id="{5D1846AD-9252-4647-9435-4C2AC365653A}" type="datetime1">
               <a:rPr lang="en-US" smtClean="0"/>
-              <a:t>10/10/2015</a:t>
+              <a:t>8/31/2016</a:t>
             </a:fld>
             <a:endParaRPr lang="en-US"/>
           </a:p>
@@ -4340,10 +4283,9 @@
           </a:lstStyle>
           <a:p>
             <a:r>
-              <a:rPr lang="en-US" smtClean="0"/>
+              <a:rPr lang="en-US"/>
               <a:t>Click to edit Master title style</a:t>
             </a:r>
-            <a:endParaRPr lang="en-US"/>
           </a:p>
         </p:txBody>
       </p:sp>
@@ -4406,7 +4348,7 @@
           <a:p>
             <a:pPr lvl="0"/>
             <a:r>
-              <a:rPr lang="en-US" smtClean="0"/>
+              <a:rPr lang="en-US"/>
               <a:t>Click to edit Master text styles</a:t>
             </a:r>
           </a:p>
@@ -4462,38 +4404,37 @@
           <a:p>
             <a:pPr lvl="0"/>
             <a:r>
-              <a:rPr lang="en-US" smtClean="0"/>
+              <a:rPr lang="en-US"/>
               <a:t>Click to edit Master text styles</a:t>
             </a:r>
           </a:p>
           <a:p>
             <a:pPr lvl="1"/>
             <a:r>
-              <a:rPr lang="en-US" smtClean="0"/>
+              <a:rPr lang="en-US"/>
               <a:t>Second level</a:t>
             </a:r>
           </a:p>
           <a:p>
             <a:pPr lvl="2"/>
             <a:r>
-              <a:rPr lang="en-US" smtClean="0"/>
+              <a:rPr lang="en-US"/>
               <a:t>Third level</a:t>
             </a:r>
           </a:p>
           <a:p>
             <a:pPr lvl="3"/>
             <a:r>
-              <a:rPr lang="en-US" smtClean="0"/>
+              <a:rPr lang="en-US"/>
               <a:t>Fourth level</a:t>
             </a:r>
           </a:p>
           <a:p>
             <a:pPr lvl="4"/>
             <a:r>
-              <a:rPr lang="en-US" smtClean="0"/>
+              <a:rPr lang="en-US"/>
               <a:t>Fifth level</a:t>
             </a:r>
-            <a:endParaRPr lang="en-US"/>
           </a:p>
         </p:txBody>
       </p:sp>
@@ -4556,7 +4497,7 @@
           <a:p>
             <a:pPr lvl="0"/>
             <a:r>
-              <a:rPr lang="en-US" smtClean="0"/>
+              <a:rPr lang="en-US"/>
               <a:t>Click to edit Master text styles</a:t>
             </a:r>
           </a:p>
@@ -4612,38 +4553,37 @@
           <a:p>
             <a:pPr lvl="0"/>
             <a:r>
-              <a:rPr lang="en-US" smtClean="0"/>
+              <a:rPr lang="en-US"/>
               <a:t>Click to edit Master text styles</a:t>
             </a:r>
           </a:p>
           <a:p>
             <a:pPr lvl="1"/>
             <a:r>
-              <a:rPr lang="en-US" smtClean="0"/>
+              <a:rPr lang="en-US"/>
               <a:t>Second level</a:t>
             </a:r>
           </a:p>
           <a:p>
             <a:pPr lvl="2"/>
             <a:r>
-              <a:rPr lang="en-US" smtClean="0"/>
+              <a:rPr lang="en-US"/>
               <a:t>Third level</a:t>
             </a:r>
           </a:p>
           <a:p>
             <a:pPr lvl="3"/>
             <a:r>
-              <a:rPr lang="en-US" smtClean="0"/>
+              <a:rPr lang="en-US"/>
               <a:t>Fourth level</a:t>
             </a:r>
           </a:p>
           <a:p>
             <a:pPr lvl="4"/>
             <a:r>
-              <a:rPr lang="en-US" smtClean="0"/>
+              <a:rPr lang="en-US"/>
               <a:t>Fifth level</a:t>
             </a:r>
-            <a:endParaRPr lang="en-US"/>
           </a:p>
         </p:txBody>
       </p:sp>
@@ -4664,7 +4604,7 @@
           <a:p>
             <a:fld id="{CE56DC10-3561-4063-A6AF-C1CC7A41040A}" type="datetime1">
               <a:rPr lang="en-US" smtClean="0"/>
-              <a:t>10/10/2015</a:t>
+              <a:t>8/31/2016</a:t>
             </a:fld>
             <a:endParaRPr lang="en-US"/>
           </a:p>
@@ -4758,10 +4698,9 @@
           <a:lstStyle/>
           <a:p>
             <a:r>
-              <a:rPr lang="en-US" smtClean="0"/>
+              <a:rPr lang="en-US"/>
               <a:t>Click to edit Master title style</a:t>
             </a:r>
-            <a:endParaRPr lang="en-US"/>
           </a:p>
         </p:txBody>
       </p:sp>
@@ -4782,7 +4721,7 @@
           <a:p>
             <a:fld id="{2F7B77F5-1464-4F6B-92A8-64FC8A508293}" type="datetime1">
               <a:rPr lang="en-US" smtClean="0"/>
-              <a:t>10/10/2015</a:t>
+              <a:t>8/31/2016</a:t>
             </a:fld>
             <a:endParaRPr lang="en-US"/>
           </a:p>
@@ -4840,13 +4779,6 @@
   <p:clrMapOvr>
     <a:masterClrMapping/>
   </p:clrMapOvr>
-  <p:timing>
-    <p:tnLst>
-      <p:par>
-        <p:cTn id="1" dur="indefinite" restart="never" nodeType="tmRoot"/>
-      </p:par>
-    </p:tnLst>
-  </p:timing>
 </p:sldLayout>
 </file>
 
@@ -4910,10 +4842,9 @@
           <a:lstStyle/>
           <a:p>
             <a:r>
-              <a:rPr lang="en-US" smtClean="0"/>
+              <a:rPr lang="en-US"/>
               <a:t>Click to edit Master title style</a:t>
             </a:r>
-            <a:endParaRPr lang="en-US"/>
           </a:p>
         </p:txBody>
       </p:sp>
@@ -4944,38 +4875,37 @@
           <a:p>
             <a:pPr lvl="0"/>
             <a:r>
-              <a:rPr lang="en-US" smtClean="0"/>
+              <a:rPr lang="en-US"/>
               <a:t>Click to edit Master text styles</a:t>
             </a:r>
           </a:p>
           <a:p>
             <a:pPr lvl="1"/>
             <a:r>
-              <a:rPr lang="en-US" smtClean="0"/>
+              <a:rPr lang="en-US"/>
               <a:t>Second level</a:t>
             </a:r>
           </a:p>
           <a:p>
             <a:pPr lvl="2"/>
             <a:r>
-              <a:rPr lang="en-US" smtClean="0"/>
+              <a:rPr lang="en-US"/>
               <a:t>Third level</a:t>
             </a:r>
           </a:p>
           <a:p>
             <a:pPr lvl="3"/>
             <a:r>
-              <a:rPr lang="en-US" smtClean="0"/>
+              <a:rPr lang="en-US"/>
               <a:t>Fourth level</a:t>
             </a:r>
           </a:p>
           <a:p>
             <a:pPr lvl="4"/>
             <a:r>
-              <a:rPr lang="en-US" smtClean="0"/>
+              <a:rPr lang="en-US"/>
               <a:t>Fifth level</a:t>
             </a:r>
-            <a:endParaRPr lang="en-US"/>
           </a:p>
         </p:txBody>
       </p:sp>
@@ -5014,7 +4944,7 @@
           <a:p>
             <a:fld id="{02B3F677-983B-48DB-ADFD-63FE6CBC7FB2}" type="datetime1">
               <a:rPr lang="en-US" smtClean="0"/>
-              <a:t>10/10/2015</a:t>
+              <a:t>8/31/2016</a:t>
             </a:fld>
             <a:endParaRPr lang="en-US"/>
           </a:p>
@@ -5122,13 +5052,6 @@
     <p:sldLayoutId id="2147483674" r:id="rId13"/>
     <p:sldLayoutId id="2147483675" r:id="rId14"/>
   </p:sldLayoutIdLst>
-  <p:timing>
-    <p:tnLst>
-      <p:par>
-        <p:cTn id="1" dur="indefinite" restart="never" nodeType="tmRoot"/>
-      </p:par>
-    </p:tnLst>
-  </p:timing>
   <p:hf hdr="0" ftr="0" dt="0"/>
   <p:txStyles>
     <p:titleStyle>
@@ -5416,11 +5339,11 @@
           <a:lstStyle/>
           <a:p>
             <a:r>
-              <a:rPr lang="en-US" dirty="0" smtClean="0"/>
+              <a:rPr lang="en-US" dirty="0"/>
               <a:t>Rewriting your function using map and </a:t>
             </a:r>
             <a:r>
-              <a:rPr lang="en-US" dirty="0" err="1" smtClean="0"/>
+              <a:rPr lang="en-US" dirty="0" err="1"/>
               <a:t>foldr</a:t>
             </a:r>
             <a:endParaRPr lang="en-US" dirty="0"/>
@@ -5443,21 +5366,21 @@
           <a:lstStyle/>
           <a:p>
             <a:r>
-              <a:rPr lang="en-US" dirty="0" smtClean="0"/>
+              <a:rPr lang="en-US" dirty="0"/>
               <a:t>CS 5010 Program Design Paradigms “</a:t>
             </a:r>
             <a:r>
-              <a:rPr lang="en-US" dirty="0" err="1" smtClean="0"/>
+              <a:rPr lang="en-US" dirty="0" err="1"/>
               <a:t>Bootcamp</a:t>
             </a:r>
             <a:r>
-              <a:rPr lang="en-US" dirty="0" smtClean="0"/>
+              <a:rPr lang="en-US" dirty="0"/>
               <a:t>”</a:t>
             </a:r>
           </a:p>
           <a:p>
             <a:r>
-              <a:rPr lang="en-US" dirty="0" smtClean="0"/>
+              <a:rPr lang="en-US" dirty="0"/>
               <a:t>Lesson 5.5</a:t>
             </a:r>
           </a:p>
@@ -5517,29 +5440,29 @@
           <a:lstStyle/>
           <a:p>
             <a:r>
-              <a:rPr lang="en-US" smtClean="0"/>
+              <a:rPr lang="en-US"/>
               <a:t>TexPoint fonts used in EMF. </a:t>
             </a:r>
           </a:p>
           <a:p>
             <a:r>
-              <a:rPr lang="en-US" smtClean="0"/>
+              <a:rPr lang="en-US"/>
               <a:t>Read the TexPoint manual before you delete this box.: </a:t>
             </a:r>
             <a:r>
-              <a:rPr lang="en-US" smtClean="0">
+              <a:rPr lang="en-US">
                 <a:latin typeface="CMMI10"/>
               </a:rPr>
               <a:t>A</a:t>
             </a:r>
             <a:r>
-              <a:rPr lang="en-US" smtClean="0">
+              <a:rPr lang="en-US">
                 <a:latin typeface="CMR10"/>
               </a:rPr>
               <a:t>A</a:t>
             </a:r>
             <a:r>
-              <a:rPr lang="en-US" smtClean="0">
+              <a:rPr lang="en-US">
                 <a:latin typeface="CMSY10ORIG"/>
               </a:rPr>
               <a:t>A</a:t>
@@ -5616,27 +5539,13 @@
             <a:p>
               <a:r>
                 <a:rPr lang="en-US" sz="1000" dirty="0"/>
-                <a:t>© Mitchell Wand, </a:t>
-              </a:r>
-              <a:r>
-                <a:rPr lang="en-US" sz="1000" dirty="0" smtClean="0"/>
-                <a:t>2012-2014</a:t>
+                <a:t>© Mitchell Wand, 2012-2014</a:t>
               </a:r>
             </a:p>
             <a:p>
               <a:r>
-                <a:rPr lang="en-US" sz="1000" dirty="0" smtClean="0"/>
+                <a:rPr lang="en-US" sz="1000" dirty="0"/>
                 <a:t>This work is licensed under a </a:t>
-              </a:r>
-              <a:r>
-                <a:rPr lang="en-US" altLang="en-US" sz="1000" dirty="0" smtClean="0">
-                  <a:solidFill>
-                    <a:srgbClr val="4374B7"/>
-                  </a:solidFill>
-                  <a:latin typeface="Helvetica Neue"/>
-                  <a:hlinkClick r:id="rId5"/>
-                </a:rPr>
-                <a:t>Creative </a:t>
               </a:r>
               <a:r>
                 <a:rPr lang="en-US" altLang="en-US" sz="1000" dirty="0">
@@ -5646,7 +5555,7 @@
                   <a:latin typeface="Helvetica Neue"/>
                   <a:hlinkClick r:id="rId5"/>
                 </a:rPr>
-                <a:t>Commons Attribution-</a:t>
+                <a:t>Creative Commons Attribution-</a:t>
               </a:r>
               <a:r>
                 <a:rPr lang="en-US" altLang="en-US" sz="1000" dirty="0" err="1">
@@ -5669,10 +5578,9 @@
                 <a:t> 4.0 International License</a:t>
               </a:r>
               <a:r>
-                <a:rPr lang="en-US" sz="1000" dirty="0" smtClean="0"/>
+                <a:rPr lang="en-US" sz="1000" dirty="0"/>
                 <a:t>.</a:t>
               </a:r>
-              <a:endParaRPr lang="en-US" sz="1000" dirty="0"/>
             </a:p>
           </p:txBody>
         </p:sp>
@@ -5682,13 +5590,6 @@
   <p:clrMapOvr>
     <a:masterClrMapping/>
   </p:clrMapOvr>
-  <p:timing>
-    <p:tnLst>
-      <p:par>
-        <p:cTn id="1" dur="indefinite" restart="never" nodeType="tmRoot"/>
-      </p:par>
-    </p:tnLst>
-  </p:timing>
 </p:sld>
 </file>
 
@@ -5727,26 +5628,25 @@
           <a:lstStyle/>
           <a:p>
             <a:r>
-              <a:rPr lang="en-US" dirty="0" smtClean="0"/>
+              <a:rPr lang="en-US" dirty="0"/>
               <a:t>A candidate for </a:t>
             </a:r>
             <a:r>
-              <a:rPr lang="en-US" b="1" dirty="0" smtClean="0"/>
+              <a:rPr lang="en-US" b="1" dirty="0"/>
               <a:t>map</a:t>
             </a:r>
             <a:r>
-              <a:rPr lang="en-US" dirty="0" smtClean="0"/>
+              <a:rPr lang="en-US" dirty="0"/>
               <a:t> or </a:t>
             </a:r>
             <a:r>
-              <a:rPr lang="en-US" b="1" dirty="0" err="1" smtClean="0"/>
+              <a:rPr lang="en-US" b="1" dirty="0" err="1"/>
               <a:t>foldr</a:t>
             </a:r>
             <a:r>
-              <a:rPr lang="en-US" dirty="0" smtClean="0"/>
+              <a:rPr lang="en-US" dirty="0"/>
               <a:t> looks like this:</a:t>
             </a:r>
-            <a:endParaRPr lang="en-US" dirty="0"/>
           </a:p>
         </p:txBody>
       </p:sp>
@@ -5771,27 +5671,27 @@
               <a:buNone/>
             </a:pPr>
             <a:r>
-              <a:rPr lang="en-US" sz="2600" b="1" dirty="0" smtClean="0">
+              <a:rPr lang="en-US" sz="2600" b="1" dirty="0">
                 <a:latin typeface="Consolas" pitchFamily="49" charset="0"/>
                 <a:cs typeface="Consolas" pitchFamily="49" charset="0"/>
               </a:rPr>
               <a:t>(define (f </a:t>
             </a:r>
             <a:r>
-              <a:rPr lang="en-US" sz="2600" b="1" dirty="0" err="1" smtClean="0">
+              <a:rPr lang="en-US" sz="2600" b="1" dirty="0" err="1">
                 <a:latin typeface="Consolas" pitchFamily="49" charset="0"/>
                 <a:cs typeface="Consolas" pitchFamily="49" charset="0"/>
               </a:rPr>
               <a:t>lst</a:t>
             </a:r>
             <a:r>
-              <a:rPr lang="en-US" sz="2600" b="1" dirty="0" smtClean="0">
+              <a:rPr lang="en-US" sz="2600" b="1" dirty="0">
                 <a:latin typeface="Consolas" pitchFamily="49" charset="0"/>
                 <a:cs typeface="Consolas" pitchFamily="49" charset="0"/>
               </a:rPr>
               <a:t> a b c)</a:t>
             </a:r>
-            <a:endParaRPr lang="en-US" sz="2600" dirty="0" smtClean="0">
+            <a:endParaRPr lang="en-US" sz="2600" dirty="0">
               <a:latin typeface="Consolas" pitchFamily="49" charset="0"/>
               <a:cs typeface="Consolas" pitchFamily="49" charset="0"/>
             </a:endParaRPr>
@@ -5801,20 +5701,20 @@
               <a:buNone/>
             </a:pPr>
             <a:r>
-              <a:rPr lang="en-US" sz="2600" b="1" dirty="0" smtClean="0">
+              <a:rPr lang="en-US" sz="2600" b="1" dirty="0">
                 <a:latin typeface="Consolas" pitchFamily="49" charset="0"/>
                 <a:cs typeface="Consolas" pitchFamily="49" charset="0"/>
               </a:rPr>
               <a:t> (</a:t>
             </a:r>
             <a:r>
-              <a:rPr lang="en-US" sz="2600" b="1" dirty="0" err="1" smtClean="0">
+              <a:rPr lang="en-US" sz="2600" b="1" dirty="0" err="1">
                 <a:latin typeface="Consolas" pitchFamily="49" charset="0"/>
                 <a:cs typeface="Consolas" pitchFamily="49" charset="0"/>
               </a:rPr>
               <a:t>cond</a:t>
             </a:r>
-            <a:endParaRPr lang="en-US" sz="2600" dirty="0" smtClean="0">
+            <a:endParaRPr lang="en-US" sz="2600" dirty="0">
               <a:latin typeface="Consolas" pitchFamily="49" charset="0"/>
               <a:cs typeface="Consolas" pitchFamily="49" charset="0"/>
             </a:endParaRPr>
@@ -5824,27 +5724,27 @@
               <a:buNone/>
             </a:pPr>
             <a:r>
-              <a:rPr lang="en-US" sz="2600" b="1" dirty="0" smtClean="0">
+              <a:rPr lang="en-US" sz="2600" b="1" dirty="0">
                 <a:latin typeface="Consolas" pitchFamily="49" charset="0"/>
                 <a:cs typeface="Consolas" pitchFamily="49" charset="0"/>
               </a:rPr>
               <a:t>  [(empty? </a:t>
             </a:r>
             <a:r>
-              <a:rPr lang="en-US" sz="2600" b="1" dirty="0" err="1" smtClean="0">
+              <a:rPr lang="en-US" sz="2600" b="1" dirty="0" err="1">
                 <a:latin typeface="Consolas" pitchFamily="49" charset="0"/>
                 <a:cs typeface="Consolas" pitchFamily="49" charset="0"/>
               </a:rPr>
               <a:t>lst</a:t>
             </a:r>
             <a:r>
-              <a:rPr lang="en-US" sz="2600" b="1" dirty="0" smtClean="0">
+              <a:rPr lang="en-US" sz="2600" b="1" dirty="0">
                 <a:latin typeface="Consolas" pitchFamily="49" charset="0"/>
                 <a:cs typeface="Consolas" pitchFamily="49" charset="0"/>
               </a:rPr>
               <a:t>) ...]</a:t>
             </a:r>
-            <a:endParaRPr lang="en-US" sz="2600" dirty="0" smtClean="0">
+            <a:endParaRPr lang="en-US" sz="2600" dirty="0">
               <a:latin typeface="Consolas" pitchFamily="49" charset="0"/>
               <a:cs typeface="Consolas" pitchFamily="49" charset="0"/>
             </a:endParaRPr>
@@ -5854,13 +5754,13 @@
               <a:buNone/>
             </a:pPr>
             <a:r>
-              <a:rPr lang="en-US" sz="2600" b="1" dirty="0" smtClean="0">
+              <a:rPr lang="en-US" sz="2600" b="1" dirty="0">
                 <a:latin typeface="Consolas" pitchFamily="49" charset="0"/>
                 <a:cs typeface="Consolas" pitchFamily="49" charset="0"/>
               </a:rPr>
               <a:t>  [else (...</a:t>
             </a:r>
-            <a:endParaRPr lang="en-US" sz="2600" dirty="0" smtClean="0">
+            <a:endParaRPr lang="en-US" sz="2600" dirty="0">
               <a:latin typeface="Consolas" pitchFamily="49" charset="0"/>
               <a:cs typeface="Consolas" pitchFamily="49" charset="0"/>
             </a:endParaRPr>
@@ -5870,27 +5770,27 @@
               <a:buNone/>
             </a:pPr>
             <a:r>
-              <a:rPr lang="en-US" sz="2600" b="1" dirty="0" smtClean="0">
+              <a:rPr lang="en-US" sz="2600" b="1" dirty="0">
                 <a:latin typeface="Consolas" pitchFamily="49" charset="0"/>
                 <a:cs typeface="Consolas" pitchFamily="49" charset="0"/>
               </a:rPr>
               <a:t>           (first </a:t>
             </a:r>
             <a:r>
-              <a:rPr lang="en-US" sz="2600" b="1" dirty="0" err="1" smtClean="0">
+              <a:rPr lang="en-US" sz="2600" b="1" dirty="0" err="1">
                 <a:latin typeface="Consolas" pitchFamily="49" charset="0"/>
                 <a:cs typeface="Consolas" pitchFamily="49" charset="0"/>
               </a:rPr>
               <a:t>lst</a:t>
             </a:r>
             <a:r>
-              <a:rPr lang="en-US" sz="2600" b="1" dirty="0" smtClean="0">
+              <a:rPr lang="en-US" sz="2600" b="1" dirty="0">
                 <a:latin typeface="Consolas" pitchFamily="49" charset="0"/>
                 <a:cs typeface="Consolas" pitchFamily="49" charset="0"/>
               </a:rPr>
               <a:t>)</a:t>
             </a:r>
-            <a:endParaRPr lang="en-US" sz="2600" dirty="0" smtClean="0">
+            <a:endParaRPr lang="en-US" sz="2600" dirty="0">
               <a:latin typeface="Consolas" pitchFamily="49" charset="0"/>
               <a:cs typeface="Consolas" pitchFamily="49" charset="0"/>
             </a:endParaRPr>
@@ -5900,27 +5800,27 @@
               <a:buNone/>
             </a:pPr>
             <a:r>
-              <a:rPr lang="en-US" sz="2600" b="1" dirty="0" smtClean="0">
+              <a:rPr lang="en-US" sz="2600" b="1" dirty="0">
                 <a:latin typeface="Consolas" pitchFamily="49" charset="0"/>
                 <a:cs typeface="Consolas" pitchFamily="49" charset="0"/>
               </a:rPr>
               <a:t>           (f (rest </a:t>
             </a:r>
             <a:r>
-              <a:rPr lang="en-US" sz="2600" b="1" dirty="0" err="1" smtClean="0">
+              <a:rPr lang="en-US" sz="2600" b="1" dirty="0" err="1">
                 <a:latin typeface="Consolas" pitchFamily="49" charset="0"/>
                 <a:cs typeface="Consolas" pitchFamily="49" charset="0"/>
               </a:rPr>
               <a:t>lst</a:t>
             </a:r>
             <a:r>
-              <a:rPr lang="en-US" sz="2600" b="1" dirty="0" smtClean="0">
+              <a:rPr lang="en-US" sz="2600" b="1" dirty="0">
                 <a:latin typeface="Consolas" pitchFamily="49" charset="0"/>
                 <a:cs typeface="Consolas" pitchFamily="49" charset="0"/>
               </a:rPr>
               <a:t>) a b c))]))</a:t>
             </a:r>
-            <a:endParaRPr lang="en-US" sz="2600" dirty="0" smtClean="0">
+            <a:endParaRPr lang="en-US" sz="2600" dirty="0">
               <a:latin typeface="Consolas" pitchFamily="49" charset="0"/>
               <a:cs typeface="Consolas" pitchFamily="49" charset="0"/>
             </a:endParaRPr>
@@ -5996,10 +5896,9 @@
           <a:p>
             <a:pPr algn="ctr"/>
             <a:r>
-              <a:rPr lang="en-US" dirty="0" smtClean="0"/>
+              <a:rPr lang="en-US" dirty="0"/>
               <a:t>takes a list and some other arguments</a:t>
             </a:r>
-            <a:endParaRPr lang="en-US" dirty="0"/>
           </a:p>
         </p:txBody>
       </p:sp>
@@ -6042,10 +5941,9 @@
           <a:p>
             <a:pPr algn="ctr"/>
             <a:r>
-              <a:rPr lang="en-US" dirty="0" smtClean="0"/>
+              <a:rPr lang="en-US" dirty="0"/>
               <a:t>recurs on the rest of the list; other arguments don't change</a:t>
             </a:r>
-            <a:endParaRPr lang="en-US" dirty="0"/>
           </a:p>
         </p:txBody>
       </p:sp>
@@ -6085,18 +5983,9 @@
           <a:lstStyle/>
           <a:p>
             <a:r>
-              <a:rPr lang="en-US" sz="2400" dirty="0" smtClean="0"/>
-              <a:t>Here are the things that make your </a:t>
-            </a:r>
-            <a:r>
-              <a:rPr lang="en-US" sz="2400" dirty="0" smtClean="0"/>
-              <a:t>use of a template a </a:t>
-            </a:r>
-            <a:r>
-              <a:rPr lang="en-US" sz="2400" dirty="0" smtClean="0"/>
-              <a:t>candidate for one of the list abstractions.</a:t>
-            </a:r>
-            <a:endParaRPr lang="en-US" sz="2400" dirty="0"/>
+              <a:rPr lang="en-US" sz="2400" dirty="0"/>
+              <a:t>Here are the things that make your use of a template a candidate for one of the list abstractions.</a:t>
+            </a:r>
           </a:p>
         </p:txBody>
       </p:sp>
@@ -6186,13 +6075,6 @@
   <p:clrMapOvr>
     <a:masterClrMapping/>
   </p:clrMapOvr>
-  <p:timing>
-    <p:tnLst>
-      <p:par>
-        <p:cTn id="1" dur="indefinite" restart="never" nodeType="tmRoot"/>
-      </p:par>
-    </p:tnLst>
-  </p:timing>
 </p:sld>
 </file>
 
@@ -6231,18 +6113,17 @@
           <a:lstStyle/>
           <a:p>
             <a:r>
-              <a:rPr lang="en-US" dirty="0" smtClean="0"/>
+              <a:rPr lang="en-US" dirty="0"/>
               <a:t>A candidate for </a:t>
             </a:r>
             <a:r>
-              <a:rPr lang="en-US" b="1" dirty="0" smtClean="0"/>
+              <a:rPr lang="en-US" b="1" dirty="0"/>
               <a:t>map</a:t>
             </a:r>
             <a:r>
-              <a:rPr lang="en-US" dirty="0" smtClean="0"/>
+              <a:rPr lang="en-US" dirty="0"/>
               <a:t> looks like this:</a:t>
             </a:r>
-            <a:endParaRPr lang="en-US" dirty="0"/>
           </a:p>
         </p:txBody>
       </p:sp>
@@ -6267,34 +6148,34 @@
               <a:buNone/>
             </a:pPr>
             <a:r>
-              <a:rPr lang="en-US" sz="2600" b="1" dirty="0" smtClean="0">
+              <a:rPr lang="en-US" sz="2600" b="1" dirty="0">
                 <a:latin typeface="Consolas" pitchFamily="49" charset="0"/>
                 <a:cs typeface="Consolas" pitchFamily="49" charset="0"/>
               </a:rPr>
               <a:t>;; f : </a:t>
             </a:r>
             <a:r>
-              <a:rPr lang="en-US" sz="2600" b="1" dirty="0" err="1" smtClean="0">
+              <a:rPr lang="en-US" sz="2600" b="1" dirty="0" err="1">
                 <a:latin typeface="Consolas" pitchFamily="49" charset="0"/>
                 <a:cs typeface="Consolas" pitchFamily="49" charset="0"/>
               </a:rPr>
               <a:t>ListOfX</a:t>
             </a:r>
             <a:r>
-              <a:rPr lang="en-US" sz="2600" b="1" dirty="0" smtClean="0">
+              <a:rPr lang="en-US" sz="2600" b="1" dirty="0">
                 <a:latin typeface="Consolas" pitchFamily="49" charset="0"/>
                 <a:cs typeface="Consolas" pitchFamily="49" charset="0"/>
               </a:rPr>
               <a:t> ...  -&gt; </a:t>
             </a:r>
             <a:r>
-              <a:rPr lang="en-US" sz="2600" b="1" dirty="0" err="1" smtClean="0">
+              <a:rPr lang="en-US" sz="2600" b="1" dirty="0" err="1">
                 <a:latin typeface="Consolas" pitchFamily="49" charset="0"/>
                 <a:cs typeface="Consolas" pitchFamily="49" charset="0"/>
               </a:rPr>
               <a:t>ListOfY</a:t>
             </a:r>
-            <a:endParaRPr lang="en-US" sz="2600" b="1" dirty="0" smtClean="0">
+            <a:endParaRPr lang="en-US" sz="2600" b="1" dirty="0">
               <a:latin typeface="Consolas" pitchFamily="49" charset="0"/>
               <a:cs typeface="Consolas" pitchFamily="49" charset="0"/>
             </a:endParaRPr>
@@ -6304,27 +6185,27 @@
               <a:buNone/>
             </a:pPr>
             <a:r>
-              <a:rPr lang="en-US" sz="2600" b="1" dirty="0" smtClean="0">
+              <a:rPr lang="en-US" sz="2600" b="1" dirty="0">
                 <a:latin typeface="Consolas" pitchFamily="49" charset="0"/>
                 <a:cs typeface="Consolas" pitchFamily="49" charset="0"/>
               </a:rPr>
               <a:t>(define (f </a:t>
             </a:r>
             <a:r>
-              <a:rPr lang="en-US" sz="2600" b="1" dirty="0" err="1" smtClean="0">
+              <a:rPr lang="en-US" sz="2600" b="1" dirty="0" err="1">
                 <a:latin typeface="Consolas" pitchFamily="49" charset="0"/>
                 <a:cs typeface="Consolas" pitchFamily="49" charset="0"/>
               </a:rPr>
               <a:t>lst</a:t>
             </a:r>
             <a:r>
-              <a:rPr lang="en-US" sz="2600" b="1" dirty="0" smtClean="0">
+              <a:rPr lang="en-US" sz="2600" b="1" dirty="0">
                 <a:latin typeface="Consolas" pitchFamily="49" charset="0"/>
                 <a:cs typeface="Consolas" pitchFamily="49" charset="0"/>
               </a:rPr>
               <a:t> a b c)</a:t>
             </a:r>
-            <a:endParaRPr lang="en-US" sz="2600" dirty="0" smtClean="0">
+            <a:endParaRPr lang="en-US" sz="2600" dirty="0">
               <a:latin typeface="Consolas" pitchFamily="49" charset="0"/>
               <a:cs typeface="Consolas" pitchFamily="49" charset="0"/>
             </a:endParaRPr>
@@ -6334,20 +6215,20 @@
               <a:buNone/>
             </a:pPr>
             <a:r>
-              <a:rPr lang="en-US" sz="2600" b="1" dirty="0" smtClean="0">
+              <a:rPr lang="en-US" sz="2600" b="1" dirty="0">
                 <a:latin typeface="Consolas" pitchFamily="49" charset="0"/>
                 <a:cs typeface="Consolas" pitchFamily="49" charset="0"/>
               </a:rPr>
               <a:t> (</a:t>
             </a:r>
             <a:r>
-              <a:rPr lang="en-US" sz="2600" b="1" dirty="0" err="1" smtClean="0">
+              <a:rPr lang="en-US" sz="2600" b="1" dirty="0" err="1">
                 <a:latin typeface="Consolas" pitchFamily="49" charset="0"/>
                 <a:cs typeface="Consolas" pitchFamily="49" charset="0"/>
               </a:rPr>
               <a:t>cond</a:t>
             </a:r>
-            <a:endParaRPr lang="en-US" sz="2600" dirty="0" smtClean="0">
+            <a:endParaRPr lang="en-US" sz="2600" dirty="0">
               <a:latin typeface="Consolas" pitchFamily="49" charset="0"/>
               <a:cs typeface="Consolas" pitchFamily="49" charset="0"/>
             </a:endParaRPr>
@@ -6357,28 +6238,28 @@
               <a:buNone/>
             </a:pPr>
             <a:r>
-              <a:rPr lang="en-US" sz="2600" b="1" dirty="0" smtClean="0">
+              <a:rPr lang="en-US" sz="2600" b="1" dirty="0">
                 <a:latin typeface="Consolas" pitchFamily="49" charset="0"/>
                 <a:cs typeface="Consolas" pitchFamily="49" charset="0"/>
               </a:rPr>
               <a:t>  [(empty? </a:t>
             </a:r>
             <a:r>
-              <a:rPr lang="en-US" sz="2600" b="1" dirty="0" err="1" smtClean="0">
+              <a:rPr lang="en-US" sz="2600" b="1" dirty="0" err="1">
                 <a:latin typeface="Consolas" pitchFamily="49" charset="0"/>
                 <a:cs typeface="Consolas" pitchFamily="49" charset="0"/>
               </a:rPr>
               <a:t>lst</a:t>
             </a:r>
             <a:r>
-              <a:rPr lang="en-US" sz="2600" b="1" dirty="0" smtClean="0">
+              <a:rPr lang="en-US" sz="2600" b="1" dirty="0">
                 <a:latin typeface="Consolas" pitchFamily="49" charset="0"/>
                 <a:cs typeface="Consolas" pitchFamily="49" charset="0"/>
               </a:rPr>
               <a:t>) </a:t>
             </a:r>
             <a:r>
-              <a:rPr lang="en-US" sz="2600" b="1" dirty="0" smtClean="0">
+              <a:rPr lang="en-US" sz="2600" b="1" dirty="0">
                 <a:solidFill>
                   <a:srgbClr val="FF0000"/>
                 </a:solidFill>
@@ -6388,13 +6269,13 @@
               <a:t>empty</a:t>
             </a:r>
             <a:r>
-              <a:rPr lang="en-US" sz="2600" b="1" dirty="0" smtClean="0">
+              <a:rPr lang="en-US" sz="2600" b="1" dirty="0">
                 <a:latin typeface="Consolas" pitchFamily="49" charset="0"/>
                 <a:cs typeface="Consolas" pitchFamily="49" charset="0"/>
               </a:rPr>
               <a:t>]</a:t>
             </a:r>
-            <a:endParaRPr lang="en-US" sz="2600" dirty="0" smtClean="0">
+            <a:endParaRPr lang="en-US" sz="2600" dirty="0">
               <a:latin typeface="Consolas" pitchFamily="49" charset="0"/>
               <a:cs typeface="Consolas" pitchFamily="49" charset="0"/>
             </a:endParaRPr>
@@ -6404,14 +6285,14 @@
               <a:buNone/>
             </a:pPr>
             <a:r>
-              <a:rPr lang="en-US" sz="2600" b="1" dirty="0" smtClean="0">
+              <a:rPr lang="en-US" sz="2600" b="1" dirty="0">
                 <a:latin typeface="Consolas" pitchFamily="49" charset="0"/>
                 <a:cs typeface="Consolas" pitchFamily="49" charset="0"/>
               </a:rPr>
               <a:t>  [else (</a:t>
             </a:r>
             <a:r>
-              <a:rPr lang="en-US" sz="2600" b="1" dirty="0" smtClean="0">
+              <a:rPr lang="en-US" sz="2600" b="1" dirty="0">
                 <a:solidFill>
                   <a:srgbClr val="FF0000"/>
                 </a:solidFill>
@@ -6420,7 +6301,7 @@
               </a:rPr>
               <a:t>cons</a:t>
             </a:r>
-            <a:endParaRPr lang="en-US" sz="2600" dirty="0" smtClean="0">
+            <a:endParaRPr lang="en-US" sz="2600" dirty="0">
               <a:solidFill>
                 <a:srgbClr val="FF0000"/>
               </a:solidFill>
@@ -6433,27 +6314,27 @@
               <a:buNone/>
             </a:pPr>
             <a:r>
-              <a:rPr lang="en-US" sz="2600" b="1" dirty="0" smtClean="0">
+              <a:rPr lang="en-US" sz="2600" b="1" dirty="0">
                 <a:latin typeface="Consolas" pitchFamily="49" charset="0"/>
                 <a:cs typeface="Consolas" pitchFamily="49" charset="0"/>
               </a:rPr>
               <a:t>           (... (first </a:t>
             </a:r>
             <a:r>
-              <a:rPr lang="en-US" sz="2600" b="1" dirty="0" err="1" smtClean="0">
+              <a:rPr lang="en-US" sz="2600" b="1" dirty="0" err="1">
                 <a:latin typeface="Consolas" pitchFamily="49" charset="0"/>
                 <a:cs typeface="Consolas" pitchFamily="49" charset="0"/>
               </a:rPr>
               <a:t>lst</a:t>
             </a:r>
             <a:r>
-              <a:rPr lang="en-US" sz="2600" b="1" dirty="0" smtClean="0">
+              <a:rPr lang="en-US" sz="2600" b="1" dirty="0">
                 <a:latin typeface="Consolas" pitchFamily="49" charset="0"/>
                 <a:cs typeface="Consolas" pitchFamily="49" charset="0"/>
               </a:rPr>
               <a:t>) a b c)</a:t>
             </a:r>
-            <a:endParaRPr lang="en-US" sz="2600" dirty="0" smtClean="0">
+            <a:endParaRPr lang="en-US" sz="2600" dirty="0">
               <a:latin typeface="Consolas" pitchFamily="49" charset="0"/>
               <a:cs typeface="Consolas" pitchFamily="49" charset="0"/>
             </a:endParaRPr>
@@ -6463,27 +6344,27 @@
               <a:buNone/>
             </a:pPr>
             <a:r>
-              <a:rPr lang="en-US" sz="2600" b="1" dirty="0" smtClean="0">
+              <a:rPr lang="en-US" sz="2600" b="1" dirty="0">
                 <a:latin typeface="Consolas" pitchFamily="49" charset="0"/>
                 <a:cs typeface="Consolas" pitchFamily="49" charset="0"/>
               </a:rPr>
               <a:t>           (f (rest </a:t>
             </a:r>
             <a:r>
-              <a:rPr lang="en-US" sz="2600" b="1" dirty="0" err="1" smtClean="0">
+              <a:rPr lang="en-US" sz="2600" b="1" dirty="0" err="1">
                 <a:latin typeface="Consolas" pitchFamily="49" charset="0"/>
                 <a:cs typeface="Consolas" pitchFamily="49" charset="0"/>
               </a:rPr>
               <a:t>lst</a:t>
             </a:r>
             <a:r>
-              <a:rPr lang="en-US" sz="2600" b="1" dirty="0" smtClean="0">
+              <a:rPr lang="en-US" sz="2600" b="1" dirty="0">
                 <a:latin typeface="Consolas" pitchFamily="49" charset="0"/>
                 <a:cs typeface="Consolas" pitchFamily="49" charset="0"/>
               </a:rPr>
               <a:t>) a b c))]))</a:t>
             </a:r>
-            <a:endParaRPr lang="en-US" sz="2600" dirty="0" smtClean="0">
+            <a:endParaRPr lang="en-US" sz="2600" dirty="0">
               <a:latin typeface="Consolas" pitchFamily="49" charset="0"/>
               <a:cs typeface="Consolas" pitchFamily="49" charset="0"/>
             </a:endParaRPr>
@@ -6559,14 +6440,14 @@
           <a:p>
             <a:pPr algn="ctr"/>
             <a:r>
-              <a:rPr lang="en-US" b="1" dirty="0" smtClean="0">
+              <a:rPr lang="en-US" b="1" dirty="0">
                 <a:latin typeface="Consolas" pitchFamily="49" charset="0"/>
                 <a:cs typeface="Consolas" pitchFamily="49" charset="0"/>
               </a:rPr>
               <a:t>empty</a:t>
             </a:r>
             <a:r>
-              <a:rPr lang="en-US" dirty="0" smtClean="0"/>
+              <a:rPr lang="en-US" dirty="0"/>
               <a:t> here</a:t>
             </a:r>
           </a:p>
@@ -6611,14 +6492,14 @@
           <a:p>
             <a:pPr algn="ctr"/>
             <a:r>
-              <a:rPr lang="en-US" b="1" dirty="0" smtClean="0">
+              <a:rPr lang="en-US" b="1" dirty="0">
                 <a:latin typeface="Consolas" pitchFamily="49" charset="0"/>
                 <a:cs typeface="Consolas" pitchFamily="49" charset="0"/>
               </a:rPr>
               <a:t>cons</a:t>
             </a:r>
             <a:r>
-              <a:rPr lang="en-US" dirty="0" smtClean="0"/>
+              <a:rPr lang="en-US" dirty="0"/>
               <a:t> here</a:t>
             </a:r>
           </a:p>
@@ -6739,16 +6620,12 @@
           <a:p>
             <a:pPr algn="ctr"/>
             <a:r>
-              <a:rPr lang="en-US" dirty="0" smtClean="0">
+              <a:rPr lang="en-US" dirty="0">
                 <a:latin typeface="+mj-lt"/>
                 <a:cs typeface="Consolas" pitchFamily="49" charset="0"/>
               </a:rPr>
               <a:t>Function takes a list and some other arguments, and  returns a list</a:t>
             </a:r>
-            <a:endParaRPr lang="en-US" dirty="0">
-              <a:latin typeface="+mj-lt"/>
-              <a:cs typeface="Consolas" pitchFamily="49" charset="0"/>
-            </a:endParaRPr>
           </a:p>
         </p:txBody>
       </p:sp>
@@ -6800,13 +6677,6 @@
   <p:clrMapOvr>
     <a:masterClrMapping/>
   </p:clrMapOvr>
-  <p:timing>
-    <p:tnLst>
-      <p:par>
-        <p:cTn id="1" dur="indefinite" restart="never" nodeType="tmRoot"/>
-      </p:par>
-    </p:tnLst>
-  </p:timing>
 </p:sld>
 </file>
 
@@ -6845,21 +6715,20 @@
           <a:lstStyle/>
           <a:p>
             <a:r>
-              <a:rPr lang="en-US" dirty="0" smtClean="0"/>
+              <a:rPr lang="en-US" dirty="0"/>
               <a:t>A candidate for </a:t>
             </a:r>
             <a:r>
-              <a:rPr lang="en-US" b="1" dirty="0" err="1" smtClean="0">
+              <a:rPr lang="en-US" b="1" dirty="0" err="1">
                 <a:latin typeface="Consolas" pitchFamily="49" charset="0"/>
                 <a:cs typeface="Consolas" pitchFamily="49" charset="0"/>
               </a:rPr>
               <a:t>andmap</a:t>
             </a:r>
             <a:r>
-              <a:rPr lang="en-US" dirty="0" smtClean="0"/>
+              <a:rPr lang="en-US" dirty="0"/>
               <a:t> looks like this:</a:t>
             </a:r>
-            <a:endParaRPr lang="en-US" dirty="0"/>
           </a:p>
         </p:txBody>
       </p:sp>
@@ -6884,21 +6753,21 @@
               <a:buNone/>
             </a:pPr>
             <a:r>
-              <a:rPr lang="en-US" sz="2600" b="1" dirty="0" smtClean="0">
+              <a:rPr lang="en-US" sz="2600" b="1" dirty="0">
                 <a:latin typeface="Consolas" pitchFamily="49" charset="0"/>
                 <a:cs typeface="Consolas" pitchFamily="49" charset="0"/>
               </a:rPr>
               <a:t>;; f : </a:t>
             </a:r>
             <a:r>
-              <a:rPr lang="en-US" sz="2600" b="1" dirty="0" err="1" smtClean="0">
+              <a:rPr lang="en-US" sz="2600" b="1" dirty="0" err="1">
                 <a:latin typeface="Consolas" pitchFamily="49" charset="0"/>
                 <a:cs typeface="Consolas" pitchFamily="49" charset="0"/>
               </a:rPr>
               <a:t>ListOfX</a:t>
             </a:r>
             <a:r>
-              <a:rPr lang="en-US" sz="2600" b="1" dirty="0" smtClean="0">
+              <a:rPr lang="en-US" sz="2600" b="1" dirty="0">
                 <a:latin typeface="Consolas" pitchFamily="49" charset="0"/>
                 <a:cs typeface="Consolas" pitchFamily="49" charset="0"/>
               </a:rPr>
@@ -6910,27 +6779,27 @@
               <a:buNone/>
             </a:pPr>
             <a:r>
-              <a:rPr lang="en-US" sz="2600" b="1" dirty="0" smtClean="0">
+              <a:rPr lang="en-US" sz="2600" b="1" dirty="0">
                 <a:latin typeface="Consolas" pitchFamily="49" charset="0"/>
                 <a:cs typeface="Consolas" pitchFamily="49" charset="0"/>
               </a:rPr>
               <a:t>(define (f </a:t>
             </a:r>
             <a:r>
-              <a:rPr lang="en-US" sz="2600" b="1" dirty="0" err="1" smtClean="0">
+              <a:rPr lang="en-US" sz="2600" b="1" dirty="0" err="1">
                 <a:latin typeface="Consolas" pitchFamily="49" charset="0"/>
                 <a:cs typeface="Consolas" pitchFamily="49" charset="0"/>
               </a:rPr>
               <a:t>lst</a:t>
             </a:r>
             <a:r>
-              <a:rPr lang="en-US" sz="2600" b="1" dirty="0" smtClean="0">
+              <a:rPr lang="en-US" sz="2600" b="1" dirty="0">
                 <a:latin typeface="Consolas" pitchFamily="49" charset="0"/>
                 <a:cs typeface="Consolas" pitchFamily="49" charset="0"/>
               </a:rPr>
               <a:t> a b c)</a:t>
             </a:r>
-            <a:endParaRPr lang="en-US" sz="2600" dirty="0" smtClean="0">
+            <a:endParaRPr lang="en-US" sz="2600" dirty="0">
               <a:latin typeface="Consolas" pitchFamily="49" charset="0"/>
               <a:cs typeface="Consolas" pitchFamily="49" charset="0"/>
             </a:endParaRPr>
@@ -6940,20 +6809,20 @@
               <a:buNone/>
             </a:pPr>
             <a:r>
-              <a:rPr lang="en-US" sz="2600" b="1" dirty="0" smtClean="0">
+              <a:rPr lang="en-US" sz="2600" b="1" dirty="0">
                 <a:latin typeface="Consolas" pitchFamily="49" charset="0"/>
                 <a:cs typeface="Consolas" pitchFamily="49" charset="0"/>
               </a:rPr>
               <a:t> (</a:t>
             </a:r>
             <a:r>
-              <a:rPr lang="en-US" sz="2600" b="1" dirty="0" err="1" smtClean="0">
+              <a:rPr lang="en-US" sz="2600" b="1" dirty="0" err="1">
                 <a:latin typeface="Consolas" pitchFamily="49" charset="0"/>
                 <a:cs typeface="Consolas" pitchFamily="49" charset="0"/>
               </a:rPr>
               <a:t>cond</a:t>
             </a:r>
-            <a:endParaRPr lang="en-US" sz="2600" dirty="0" smtClean="0">
+            <a:endParaRPr lang="en-US" sz="2600" dirty="0">
               <a:latin typeface="Consolas" pitchFamily="49" charset="0"/>
               <a:cs typeface="Consolas" pitchFamily="49" charset="0"/>
             </a:endParaRPr>
@@ -6963,28 +6832,28 @@
               <a:buNone/>
             </a:pPr>
             <a:r>
-              <a:rPr lang="en-US" sz="2600" b="1" dirty="0" smtClean="0">
+              <a:rPr lang="en-US" sz="2600" b="1" dirty="0">
                 <a:latin typeface="Consolas" pitchFamily="49" charset="0"/>
                 <a:cs typeface="Consolas" pitchFamily="49" charset="0"/>
               </a:rPr>
               <a:t>  [(empty? </a:t>
             </a:r>
             <a:r>
-              <a:rPr lang="en-US" sz="2600" b="1" dirty="0" err="1" smtClean="0">
+              <a:rPr lang="en-US" sz="2600" b="1" dirty="0" err="1">
                 <a:latin typeface="Consolas" pitchFamily="49" charset="0"/>
                 <a:cs typeface="Consolas" pitchFamily="49" charset="0"/>
               </a:rPr>
               <a:t>lst</a:t>
             </a:r>
             <a:r>
-              <a:rPr lang="en-US" sz="2600" b="1" dirty="0" smtClean="0">
+              <a:rPr lang="en-US" sz="2600" b="1" dirty="0">
                 <a:latin typeface="Consolas" pitchFamily="49" charset="0"/>
                 <a:cs typeface="Consolas" pitchFamily="49" charset="0"/>
               </a:rPr>
               <a:t>) </a:t>
             </a:r>
             <a:r>
-              <a:rPr lang="en-US" sz="2600" b="1" dirty="0" smtClean="0">
+              <a:rPr lang="en-US" sz="2600" b="1" dirty="0">
                 <a:solidFill>
                   <a:srgbClr val="FF0000"/>
                 </a:solidFill>
@@ -6994,13 +6863,13 @@
               <a:t>true</a:t>
             </a:r>
             <a:r>
-              <a:rPr lang="en-US" sz="2600" b="1" dirty="0" smtClean="0">
+              <a:rPr lang="en-US" sz="2600" b="1" dirty="0">
                 <a:latin typeface="Consolas" pitchFamily="49" charset="0"/>
                 <a:cs typeface="Consolas" pitchFamily="49" charset="0"/>
               </a:rPr>
               <a:t>]</a:t>
             </a:r>
-            <a:endParaRPr lang="en-US" sz="2600" dirty="0" smtClean="0">
+            <a:endParaRPr lang="en-US" sz="2600" dirty="0">
               <a:latin typeface="Consolas" pitchFamily="49" charset="0"/>
               <a:cs typeface="Consolas" pitchFamily="49" charset="0"/>
             </a:endParaRPr>
@@ -7010,14 +6879,14 @@
               <a:buNone/>
             </a:pPr>
             <a:r>
-              <a:rPr lang="en-US" sz="2600" b="1" dirty="0" smtClean="0">
+              <a:rPr lang="en-US" sz="2600" b="1" dirty="0">
                 <a:latin typeface="Consolas" pitchFamily="49" charset="0"/>
                 <a:cs typeface="Consolas" pitchFamily="49" charset="0"/>
               </a:rPr>
               <a:t>  [else (</a:t>
             </a:r>
             <a:r>
-              <a:rPr lang="en-US" sz="2600" b="1" dirty="0" smtClean="0">
+              <a:rPr lang="en-US" sz="2600" b="1" dirty="0">
                 <a:solidFill>
                   <a:srgbClr val="FF0000"/>
                 </a:solidFill>
@@ -7026,7 +6895,7 @@
               </a:rPr>
               <a:t>and</a:t>
             </a:r>
-            <a:endParaRPr lang="en-US" sz="2600" dirty="0" smtClean="0">
+            <a:endParaRPr lang="en-US" sz="2600" dirty="0">
               <a:solidFill>
                 <a:srgbClr val="FF0000"/>
               </a:solidFill>
@@ -7039,27 +6908,27 @@
               <a:buNone/>
             </a:pPr>
             <a:r>
-              <a:rPr lang="en-US" sz="2600" b="1" dirty="0" smtClean="0">
+              <a:rPr lang="en-US" sz="2600" b="1" dirty="0">
                 <a:latin typeface="Consolas" pitchFamily="49" charset="0"/>
                 <a:cs typeface="Consolas" pitchFamily="49" charset="0"/>
               </a:rPr>
               <a:t>           (... (first </a:t>
             </a:r>
             <a:r>
-              <a:rPr lang="en-US" sz="2600" b="1" dirty="0" err="1" smtClean="0">
+              <a:rPr lang="en-US" sz="2600" b="1" dirty="0" err="1">
                 <a:latin typeface="Consolas" pitchFamily="49" charset="0"/>
                 <a:cs typeface="Consolas" pitchFamily="49" charset="0"/>
               </a:rPr>
               <a:t>lst</a:t>
             </a:r>
             <a:r>
-              <a:rPr lang="en-US" sz="2600" b="1" dirty="0" smtClean="0">
+              <a:rPr lang="en-US" sz="2600" b="1" dirty="0">
                 <a:latin typeface="Consolas" pitchFamily="49" charset="0"/>
                 <a:cs typeface="Consolas" pitchFamily="49" charset="0"/>
               </a:rPr>
               <a:t>) a b c)</a:t>
             </a:r>
-            <a:endParaRPr lang="en-US" sz="2600" dirty="0" smtClean="0">
+            <a:endParaRPr lang="en-US" sz="2600" dirty="0">
               <a:latin typeface="Consolas" pitchFamily="49" charset="0"/>
               <a:cs typeface="Consolas" pitchFamily="49" charset="0"/>
             </a:endParaRPr>
@@ -7069,27 +6938,27 @@
               <a:buNone/>
             </a:pPr>
             <a:r>
-              <a:rPr lang="en-US" sz="2600" b="1" dirty="0" smtClean="0">
+              <a:rPr lang="en-US" sz="2600" b="1" dirty="0">
                 <a:latin typeface="Consolas" pitchFamily="49" charset="0"/>
                 <a:cs typeface="Consolas" pitchFamily="49" charset="0"/>
               </a:rPr>
               <a:t>           (f (rest </a:t>
             </a:r>
             <a:r>
-              <a:rPr lang="en-US" sz="2600" b="1" dirty="0" err="1" smtClean="0">
+              <a:rPr lang="en-US" sz="2600" b="1" dirty="0" err="1">
                 <a:latin typeface="Consolas" pitchFamily="49" charset="0"/>
                 <a:cs typeface="Consolas" pitchFamily="49" charset="0"/>
               </a:rPr>
               <a:t>lst</a:t>
             </a:r>
             <a:r>
-              <a:rPr lang="en-US" sz="2600" b="1" dirty="0" smtClean="0">
+              <a:rPr lang="en-US" sz="2600" b="1" dirty="0">
                 <a:latin typeface="Consolas" pitchFamily="49" charset="0"/>
                 <a:cs typeface="Consolas" pitchFamily="49" charset="0"/>
               </a:rPr>
               <a:t>) a b c))]))</a:t>
             </a:r>
-            <a:endParaRPr lang="en-US" sz="2600" dirty="0" smtClean="0">
+            <a:endParaRPr lang="en-US" sz="2600" dirty="0">
               <a:latin typeface="Consolas" pitchFamily="49" charset="0"/>
               <a:cs typeface="Consolas" pitchFamily="49" charset="0"/>
             </a:endParaRPr>
@@ -7165,14 +7034,14 @@
           <a:p>
             <a:pPr algn="ctr"/>
             <a:r>
-              <a:rPr lang="en-US" b="1" dirty="0" smtClean="0">
+              <a:rPr lang="en-US" b="1" dirty="0">
                 <a:latin typeface="Consolas" pitchFamily="49" charset="0"/>
                 <a:cs typeface="Consolas" pitchFamily="49" charset="0"/>
               </a:rPr>
               <a:t>true</a:t>
             </a:r>
             <a:r>
-              <a:rPr lang="en-US" dirty="0" smtClean="0"/>
+              <a:rPr lang="en-US" dirty="0"/>
               <a:t> here</a:t>
             </a:r>
           </a:p>
@@ -7217,14 +7086,14 @@
           <a:p>
             <a:pPr algn="ctr"/>
             <a:r>
-              <a:rPr lang="en-US" b="1" dirty="0" smtClean="0">
+              <a:rPr lang="en-US" b="1" dirty="0">
                 <a:latin typeface="Consolas" pitchFamily="49" charset="0"/>
                 <a:cs typeface="Consolas" pitchFamily="49" charset="0"/>
               </a:rPr>
               <a:t>and</a:t>
             </a:r>
             <a:r>
-              <a:rPr lang="en-US" dirty="0" smtClean="0"/>
+              <a:rPr lang="en-US" dirty="0"/>
               <a:t> here</a:t>
             </a:r>
           </a:p>
@@ -7351,7 +7220,7 @@
               <a:t>Function takes a list and some other arguments, and  returns a </a:t>
             </a:r>
             <a:r>
-              <a:rPr lang="en-US" dirty="0" err="1" smtClean="0">
+              <a:rPr lang="en-US" dirty="0" err="1">
                 <a:cs typeface="Consolas" pitchFamily="49" charset="0"/>
               </a:rPr>
               <a:t>boolean</a:t>
@@ -7410,13 +7279,6 @@
   <p:clrMapOvr>
     <a:masterClrMapping/>
   </p:clrMapOvr>
-  <p:timing>
-    <p:tnLst>
-      <p:par>
-        <p:cTn id="1" dur="indefinite" restart="never" nodeType="tmRoot"/>
-      </p:par>
-    </p:tnLst>
-  </p:timing>
 </p:sld>
 </file>
 
@@ -7455,21 +7317,20 @@
           <a:lstStyle/>
           <a:p>
             <a:r>
-              <a:rPr lang="en-US" dirty="0" smtClean="0"/>
+              <a:rPr lang="en-US" dirty="0"/>
               <a:t>A candidate for </a:t>
             </a:r>
             <a:r>
-              <a:rPr lang="en-US" b="1" dirty="0" err="1" smtClean="0">
+              <a:rPr lang="en-US" b="1" dirty="0" err="1">
                 <a:latin typeface="Consolas" pitchFamily="49" charset="0"/>
                 <a:cs typeface="Consolas" pitchFamily="49" charset="0"/>
               </a:rPr>
               <a:t>ormap</a:t>
             </a:r>
             <a:r>
-              <a:rPr lang="en-US" dirty="0" smtClean="0"/>
+              <a:rPr lang="en-US" dirty="0"/>
               <a:t> looks like this:</a:t>
             </a:r>
-            <a:endParaRPr lang="en-US" dirty="0"/>
           </a:p>
         </p:txBody>
       </p:sp>
@@ -7494,21 +7355,21 @@
               <a:buNone/>
             </a:pPr>
             <a:r>
-              <a:rPr lang="en-US" sz="2600" b="1" dirty="0" smtClean="0">
+              <a:rPr lang="en-US" sz="2600" b="1" dirty="0">
                 <a:latin typeface="Consolas" pitchFamily="49" charset="0"/>
                 <a:cs typeface="Consolas" pitchFamily="49" charset="0"/>
               </a:rPr>
               <a:t>;; f : </a:t>
             </a:r>
             <a:r>
-              <a:rPr lang="en-US" sz="2600" b="1" dirty="0" err="1" smtClean="0">
+              <a:rPr lang="en-US" sz="2600" b="1" dirty="0" err="1">
                 <a:latin typeface="Consolas" pitchFamily="49" charset="0"/>
                 <a:cs typeface="Consolas" pitchFamily="49" charset="0"/>
               </a:rPr>
               <a:t>ListOfX</a:t>
             </a:r>
             <a:r>
-              <a:rPr lang="en-US" sz="2600" b="1" dirty="0" smtClean="0">
+              <a:rPr lang="en-US" sz="2600" b="1" dirty="0">
                 <a:latin typeface="Consolas" pitchFamily="49" charset="0"/>
                 <a:cs typeface="Consolas" pitchFamily="49" charset="0"/>
               </a:rPr>
@@ -7520,27 +7381,27 @@
               <a:buNone/>
             </a:pPr>
             <a:r>
-              <a:rPr lang="en-US" sz="2600" b="1" dirty="0" smtClean="0">
+              <a:rPr lang="en-US" sz="2600" b="1" dirty="0">
                 <a:latin typeface="Consolas" pitchFamily="49" charset="0"/>
                 <a:cs typeface="Consolas" pitchFamily="49" charset="0"/>
               </a:rPr>
               <a:t>(define (f </a:t>
             </a:r>
             <a:r>
-              <a:rPr lang="en-US" sz="2600" b="1" dirty="0" err="1" smtClean="0">
+              <a:rPr lang="en-US" sz="2600" b="1" dirty="0" err="1">
                 <a:latin typeface="Consolas" pitchFamily="49" charset="0"/>
                 <a:cs typeface="Consolas" pitchFamily="49" charset="0"/>
               </a:rPr>
               <a:t>lst</a:t>
             </a:r>
             <a:r>
-              <a:rPr lang="en-US" sz="2600" b="1" dirty="0" smtClean="0">
+              <a:rPr lang="en-US" sz="2600" b="1" dirty="0">
                 <a:latin typeface="Consolas" pitchFamily="49" charset="0"/>
                 <a:cs typeface="Consolas" pitchFamily="49" charset="0"/>
               </a:rPr>
               <a:t> a b c)</a:t>
             </a:r>
-            <a:endParaRPr lang="en-US" sz="2600" dirty="0" smtClean="0">
+            <a:endParaRPr lang="en-US" sz="2600" dirty="0">
               <a:latin typeface="Consolas" pitchFamily="49" charset="0"/>
               <a:cs typeface="Consolas" pitchFamily="49" charset="0"/>
             </a:endParaRPr>
@@ -7550,20 +7411,20 @@
               <a:buNone/>
             </a:pPr>
             <a:r>
-              <a:rPr lang="en-US" sz="2600" b="1" dirty="0" smtClean="0">
+              <a:rPr lang="en-US" sz="2600" b="1" dirty="0">
                 <a:latin typeface="Consolas" pitchFamily="49" charset="0"/>
                 <a:cs typeface="Consolas" pitchFamily="49" charset="0"/>
               </a:rPr>
               <a:t> (</a:t>
             </a:r>
             <a:r>
-              <a:rPr lang="en-US" sz="2600" b="1" dirty="0" err="1" smtClean="0">
+              <a:rPr lang="en-US" sz="2600" b="1" dirty="0" err="1">
                 <a:latin typeface="Consolas" pitchFamily="49" charset="0"/>
                 <a:cs typeface="Consolas" pitchFamily="49" charset="0"/>
               </a:rPr>
               <a:t>cond</a:t>
             </a:r>
-            <a:endParaRPr lang="en-US" sz="2600" dirty="0" smtClean="0">
+            <a:endParaRPr lang="en-US" sz="2600" dirty="0">
               <a:latin typeface="Consolas" pitchFamily="49" charset="0"/>
               <a:cs typeface="Consolas" pitchFamily="49" charset="0"/>
             </a:endParaRPr>
@@ -7573,28 +7434,28 @@
               <a:buNone/>
             </a:pPr>
             <a:r>
-              <a:rPr lang="en-US" sz="2600" b="1" dirty="0" smtClean="0">
+              <a:rPr lang="en-US" sz="2600" b="1" dirty="0">
                 <a:latin typeface="Consolas" pitchFamily="49" charset="0"/>
                 <a:cs typeface="Consolas" pitchFamily="49" charset="0"/>
               </a:rPr>
               <a:t>  [(empty? </a:t>
             </a:r>
             <a:r>
-              <a:rPr lang="en-US" sz="2600" b="1" dirty="0" err="1" smtClean="0">
+              <a:rPr lang="en-US" sz="2600" b="1" dirty="0" err="1">
                 <a:latin typeface="Consolas" pitchFamily="49" charset="0"/>
                 <a:cs typeface="Consolas" pitchFamily="49" charset="0"/>
               </a:rPr>
               <a:t>lst</a:t>
             </a:r>
             <a:r>
-              <a:rPr lang="en-US" sz="2600" b="1" dirty="0" smtClean="0">
+              <a:rPr lang="en-US" sz="2600" b="1" dirty="0">
                 <a:latin typeface="Consolas" pitchFamily="49" charset="0"/>
                 <a:cs typeface="Consolas" pitchFamily="49" charset="0"/>
               </a:rPr>
               <a:t>) </a:t>
             </a:r>
             <a:r>
-              <a:rPr lang="en-US" sz="2600" b="1" dirty="0" smtClean="0">
+              <a:rPr lang="en-US" sz="2600" b="1" dirty="0">
                 <a:solidFill>
                   <a:srgbClr val="FF0000"/>
                 </a:solidFill>
@@ -7604,13 +7465,13 @@
               <a:t>false</a:t>
             </a:r>
             <a:r>
-              <a:rPr lang="en-US" sz="2600" b="1" dirty="0" smtClean="0">
+              <a:rPr lang="en-US" sz="2600" b="1" dirty="0">
                 <a:latin typeface="Consolas" pitchFamily="49" charset="0"/>
                 <a:cs typeface="Consolas" pitchFamily="49" charset="0"/>
               </a:rPr>
               <a:t>]</a:t>
             </a:r>
-            <a:endParaRPr lang="en-US" sz="2600" dirty="0" smtClean="0">
+            <a:endParaRPr lang="en-US" sz="2600" dirty="0">
               <a:latin typeface="Consolas" pitchFamily="49" charset="0"/>
               <a:cs typeface="Consolas" pitchFamily="49" charset="0"/>
             </a:endParaRPr>
@@ -7620,14 +7481,14 @@
               <a:buNone/>
             </a:pPr>
             <a:r>
-              <a:rPr lang="en-US" sz="2600" b="1" dirty="0" smtClean="0">
+              <a:rPr lang="en-US" sz="2600" b="1" dirty="0">
                 <a:latin typeface="Consolas" pitchFamily="49" charset="0"/>
                 <a:cs typeface="Consolas" pitchFamily="49" charset="0"/>
               </a:rPr>
               <a:t>  [else (</a:t>
             </a:r>
             <a:r>
-              <a:rPr lang="en-US" sz="2600" b="1" dirty="0" smtClean="0">
+              <a:rPr lang="en-US" sz="2600" b="1" dirty="0">
                 <a:solidFill>
                   <a:srgbClr val="FF0000"/>
                 </a:solidFill>
@@ -7636,7 +7497,7 @@
               </a:rPr>
               <a:t>or</a:t>
             </a:r>
-            <a:endParaRPr lang="en-US" sz="2600" dirty="0" smtClean="0">
+            <a:endParaRPr lang="en-US" sz="2600" dirty="0">
               <a:solidFill>
                 <a:srgbClr val="FF0000"/>
               </a:solidFill>
@@ -7649,27 +7510,27 @@
               <a:buNone/>
             </a:pPr>
             <a:r>
-              <a:rPr lang="en-US" sz="2600" b="1" dirty="0" smtClean="0">
+              <a:rPr lang="en-US" sz="2600" b="1" dirty="0">
                 <a:latin typeface="Consolas" pitchFamily="49" charset="0"/>
                 <a:cs typeface="Consolas" pitchFamily="49" charset="0"/>
               </a:rPr>
               <a:t>           (... (first </a:t>
             </a:r>
             <a:r>
-              <a:rPr lang="en-US" sz="2600" b="1" dirty="0" err="1" smtClean="0">
+              <a:rPr lang="en-US" sz="2600" b="1" dirty="0" err="1">
                 <a:latin typeface="Consolas" pitchFamily="49" charset="0"/>
                 <a:cs typeface="Consolas" pitchFamily="49" charset="0"/>
               </a:rPr>
               <a:t>lst</a:t>
             </a:r>
             <a:r>
-              <a:rPr lang="en-US" sz="2600" b="1" dirty="0" smtClean="0">
+              <a:rPr lang="en-US" sz="2600" b="1" dirty="0">
                 <a:latin typeface="Consolas" pitchFamily="49" charset="0"/>
                 <a:cs typeface="Consolas" pitchFamily="49" charset="0"/>
               </a:rPr>
               <a:t>) a b c)</a:t>
             </a:r>
-            <a:endParaRPr lang="en-US" sz="2600" dirty="0" smtClean="0">
+            <a:endParaRPr lang="en-US" sz="2600" dirty="0">
               <a:latin typeface="Consolas" pitchFamily="49" charset="0"/>
               <a:cs typeface="Consolas" pitchFamily="49" charset="0"/>
             </a:endParaRPr>
@@ -7679,27 +7540,27 @@
               <a:buNone/>
             </a:pPr>
             <a:r>
-              <a:rPr lang="en-US" sz="2600" b="1" dirty="0" smtClean="0">
+              <a:rPr lang="en-US" sz="2600" b="1" dirty="0">
                 <a:latin typeface="Consolas" pitchFamily="49" charset="0"/>
                 <a:cs typeface="Consolas" pitchFamily="49" charset="0"/>
               </a:rPr>
               <a:t>           (f (rest </a:t>
             </a:r>
             <a:r>
-              <a:rPr lang="en-US" sz="2600" b="1" dirty="0" err="1" smtClean="0">
+              <a:rPr lang="en-US" sz="2600" b="1" dirty="0" err="1">
                 <a:latin typeface="Consolas" pitchFamily="49" charset="0"/>
                 <a:cs typeface="Consolas" pitchFamily="49" charset="0"/>
               </a:rPr>
               <a:t>lst</a:t>
             </a:r>
             <a:r>
-              <a:rPr lang="en-US" sz="2600" b="1" dirty="0" smtClean="0">
+              <a:rPr lang="en-US" sz="2600" b="1" dirty="0">
                 <a:latin typeface="Consolas" pitchFamily="49" charset="0"/>
                 <a:cs typeface="Consolas" pitchFamily="49" charset="0"/>
               </a:rPr>
               <a:t>) a b c))]))</a:t>
             </a:r>
-            <a:endParaRPr lang="en-US" sz="2600" dirty="0" smtClean="0">
+            <a:endParaRPr lang="en-US" sz="2600" dirty="0">
               <a:latin typeface="Consolas" pitchFamily="49" charset="0"/>
               <a:cs typeface="Consolas" pitchFamily="49" charset="0"/>
             </a:endParaRPr>
@@ -7775,14 +7636,14 @@
           <a:p>
             <a:pPr algn="ctr"/>
             <a:r>
-              <a:rPr lang="en-US" b="1" dirty="0" smtClean="0">
+              <a:rPr lang="en-US" b="1" dirty="0">
                 <a:latin typeface="Consolas" pitchFamily="49" charset="0"/>
                 <a:cs typeface="Consolas" pitchFamily="49" charset="0"/>
               </a:rPr>
               <a:t>False </a:t>
             </a:r>
             <a:r>
-              <a:rPr lang="en-US" dirty="0" smtClean="0"/>
+              <a:rPr lang="en-US" dirty="0"/>
               <a:t>here</a:t>
             </a:r>
           </a:p>
@@ -7827,14 +7688,14 @@
           <a:p>
             <a:pPr algn="ctr"/>
             <a:r>
-              <a:rPr lang="en-US" b="1" dirty="0" smtClean="0">
+              <a:rPr lang="en-US" b="1" dirty="0">
                 <a:latin typeface="Consolas" pitchFamily="49" charset="0"/>
                 <a:cs typeface="Consolas" pitchFamily="49" charset="0"/>
               </a:rPr>
               <a:t>or </a:t>
             </a:r>
             <a:r>
-              <a:rPr lang="en-US" dirty="0" smtClean="0"/>
+              <a:rPr lang="en-US" dirty="0"/>
               <a:t>here</a:t>
             </a:r>
           </a:p>
@@ -7999,7 +7860,7 @@
               <a:t>Function takes a list and some other arguments, and  returns a </a:t>
             </a:r>
             <a:r>
-              <a:rPr lang="en-US" dirty="0" err="1" smtClean="0">
+              <a:rPr lang="en-US" dirty="0" err="1">
                 <a:cs typeface="Consolas" pitchFamily="49" charset="0"/>
               </a:rPr>
               <a:t>boolean</a:t>
@@ -8020,13 +7881,6 @@
   <p:clrMapOvr>
     <a:masterClrMapping/>
   </p:clrMapOvr>
-  <p:timing>
-    <p:tnLst>
-      <p:par>
-        <p:cTn id="1" dur="indefinite" restart="never" nodeType="tmRoot"/>
-      </p:par>
-    </p:tnLst>
-  </p:timing>
 </p:sld>
 </file>
 
@@ -8065,21 +7919,20 @@
           <a:lstStyle/>
           <a:p>
             <a:r>
-              <a:rPr lang="en-US" dirty="0" smtClean="0"/>
+              <a:rPr lang="en-US" dirty="0"/>
               <a:t>A candidate for </a:t>
             </a:r>
             <a:r>
-              <a:rPr lang="en-US" b="1" dirty="0" err="1" smtClean="0">
+              <a:rPr lang="en-US" b="1" dirty="0" err="1">
                 <a:latin typeface="Consolas" pitchFamily="49" charset="0"/>
                 <a:cs typeface="Consolas" pitchFamily="49" charset="0"/>
               </a:rPr>
               <a:t>foldr</a:t>
             </a:r>
             <a:r>
-              <a:rPr lang="en-US" dirty="0" smtClean="0"/>
+              <a:rPr lang="en-US" dirty="0"/>
               <a:t> looks like this:</a:t>
             </a:r>
-            <a:endParaRPr lang="en-US" dirty="0"/>
           </a:p>
         </p:txBody>
       </p:sp>
@@ -8104,21 +7957,21 @@
               <a:buNone/>
             </a:pPr>
             <a:r>
-              <a:rPr lang="en-US" sz="2600" b="1" dirty="0" smtClean="0">
+              <a:rPr lang="en-US" sz="2600" b="1" dirty="0">
                 <a:latin typeface="Consolas" pitchFamily="49" charset="0"/>
                 <a:cs typeface="Consolas" pitchFamily="49" charset="0"/>
               </a:rPr>
               <a:t>;; f : </a:t>
             </a:r>
             <a:r>
-              <a:rPr lang="en-US" sz="2600" b="1" dirty="0" err="1" smtClean="0">
+              <a:rPr lang="en-US" sz="2600" b="1" dirty="0" err="1">
                 <a:latin typeface="Consolas" pitchFamily="49" charset="0"/>
                 <a:cs typeface="Consolas" pitchFamily="49" charset="0"/>
               </a:rPr>
               <a:t>ListOfX</a:t>
             </a:r>
             <a:r>
-              <a:rPr lang="en-US" sz="2600" b="1" dirty="0" smtClean="0">
+              <a:rPr lang="en-US" sz="2600" b="1" dirty="0">
                 <a:latin typeface="Consolas" pitchFamily="49" charset="0"/>
                 <a:cs typeface="Consolas" pitchFamily="49" charset="0"/>
               </a:rPr>
@@ -8130,27 +7983,27 @@
               <a:buNone/>
             </a:pPr>
             <a:r>
-              <a:rPr lang="en-US" sz="2600" b="1" dirty="0" smtClean="0">
+              <a:rPr lang="en-US" sz="2600" b="1" dirty="0">
                 <a:latin typeface="Consolas" pitchFamily="49" charset="0"/>
                 <a:cs typeface="Consolas" pitchFamily="49" charset="0"/>
               </a:rPr>
               <a:t>(define (f </a:t>
             </a:r>
             <a:r>
-              <a:rPr lang="en-US" sz="2600" b="1" dirty="0" err="1" smtClean="0">
+              <a:rPr lang="en-US" sz="2600" b="1" dirty="0" err="1">
                 <a:latin typeface="Consolas" pitchFamily="49" charset="0"/>
                 <a:cs typeface="Consolas" pitchFamily="49" charset="0"/>
               </a:rPr>
               <a:t>lst</a:t>
             </a:r>
             <a:r>
-              <a:rPr lang="en-US" sz="2600" b="1" dirty="0" smtClean="0">
+              <a:rPr lang="en-US" sz="2600" b="1" dirty="0">
                 <a:latin typeface="Consolas" pitchFamily="49" charset="0"/>
                 <a:cs typeface="Consolas" pitchFamily="49" charset="0"/>
               </a:rPr>
               <a:t> a b c)</a:t>
             </a:r>
-            <a:endParaRPr lang="en-US" sz="2600" dirty="0" smtClean="0">
+            <a:endParaRPr lang="en-US" sz="2600" dirty="0">
               <a:latin typeface="Consolas" pitchFamily="49" charset="0"/>
               <a:cs typeface="Consolas" pitchFamily="49" charset="0"/>
             </a:endParaRPr>
@@ -8160,20 +8013,20 @@
               <a:buNone/>
             </a:pPr>
             <a:r>
-              <a:rPr lang="en-US" sz="2600" b="1" dirty="0" smtClean="0">
+              <a:rPr lang="en-US" sz="2600" b="1" dirty="0">
                 <a:latin typeface="Consolas" pitchFamily="49" charset="0"/>
                 <a:cs typeface="Consolas" pitchFamily="49" charset="0"/>
               </a:rPr>
               <a:t> (</a:t>
             </a:r>
             <a:r>
-              <a:rPr lang="en-US" sz="2600" b="1" dirty="0" err="1" smtClean="0">
+              <a:rPr lang="en-US" sz="2600" b="1" dirty="0" err="1">
                 <a:latin typeface="Consolas" pitchFamily="49" charset="0"/>
                 <a:cs typeface="Consolas" pitchFamily="49" charset="0"/>
               </a:rPr>
               <a:t>cond</a:t>
             </a:r>
-            <a:endParaRPr lang="en-US" sz="2600" dirty="0" smtClean="0">
+            <a:endParaRPr lang="en-US" sz="2600" dirty="0">
               <a:latin typeface="Consolas" pitchFamily="49" charset="0"/>
               <a:cs typeface="Consolas" pitchFamily="49" charset="0"/>
             </a:endParaRPr>
@@ -8183,27 +8036,27 @@
               <a:buNone/>
             </a:pPr>
             <a:r>
-              <a:rPr lang="en-US" sz="2600" b="1" dirty="0" smtClean="0">
+              <a:rPr lang="en-US" sz="2600" b="1" dirty="0">
                 <a:latin typeface="Consolas" pitchFamily="49" charset="0"/>
                 <a:cs typeface="Consolas" pitchFamily="49" charset="0"/>
               </a:rPr>
               <a:t>  [(empty? </a:t>
             </a:r>
             <a:r>
-              <a:rPr lang="en-US" sz="2600" b="1" dirty="0" err="1" smtClean="0">
+              <a:rPr lang="en-US" sz="2600" b="1" dirty="0" err="1">
                 <a:latin typeface="Consolas" pitchFamily="49" charset="0"/>
                 <a:cs typeface="Consolas" pitchFamily="49" charset="0"/>
               </a:rPr>
               <a:t>lst</a:t>
             </a:r>
             <a:r>
-              <a:rPr lang="en-US" sz="2600" b="1" dirty="0" smtClean="0">
+              <a:rPr lang="en-US" sz="2600" b="1" dirty="0">
                 <a:latin typeface="Consolas" pitchFamily="49" charset="0"/>
                 <a:cs typeface="Consolas" pitchFamily="49" charset="0"/>
               </a:rPr>
               <a:t>) ...]</a:t>
             </a:r>
-            <a:endParaRPr lang="en-US" sz="2600" dirty="0" smtClean="0">
+            <a:endParaRPr lang="en-US" sz="2600" dirty="0">
               <a:latin typeface="Consolas" pitchFamily="49" charset="0"/>
               <a:cs typeface="Consolas" pitchFamily="49" charset="0"/>
             </a:endParaRPr>
@@ -8213,13 +8066,13 @@
               <a:buNone/>
             </a:pPr>
             <a:r>
-              <a:rPr lang="en-US" sz="2600" b="1" dirty="0" smtClean="0">
+              <a:rPr lang="en-US" sz="2600" b="1" dirty="0">
                 <a:latin typeface="Consolas" pitchFamily="49" charset="0"/>
                 <a:cs typeface="Consolas" pitchFamily="49" charset="0"/>
               </a:rPr>
               <a:t>  [else (...</a:t>
             </a:r>
-            <a:endParaRPr lang="en-US" sz="2600" dirty="0" smtClean="0">
+            <a:endParaRPr lang="en-US" sz="2600" dirty="0">
               <a:latin typeface="Consolas" pitchFamily="49" charset="0"/>
               <a:cs typeface="Consolas" pitchFamily="49" charset="0"/>
             </a:endParaRPr>
@@ -8229,27 +8082,27 @@
               <a:buNone/>
             </a:pPr>
             <a:r>
-              <a:rPr lang="en-US" sz="2600" b="1" dirty="0" smtClean="0">
+              <a:rPr lang="en-US" sz="2600" b="1" dirty="0">
                 <a:latin typeface="Consolas" pitchFamily="49" charset="0"/>
                 <a:cs typeface="Consolas" pitchFamily="49" charset="0"/>
               </a:rPr>
               <a:t>           (first </a:t>
             </a:r>
             <a:r>
-              <a:rPr lang="en-US" sz="2600" b="1" dirty="0" err="1" smtClean="0">
+              <a:rPr lang="en-US" sz="2600" b="1" dirty="0" err="1">
                 <a:latin typeface="Consolas" pitchFamily="49" charset="0"/>
                 <a:cs typeface="Consolas" pitchFamily="49" charset="0"/>
               </a:rPr>
               <a:t>lst</a:t>
             </a:r>
             <a:r>
-              <a:rPr lang="en-US" sz="2600" b="1" dirty="0" smtClean="0">
+              <a:rPr lang="en-US" sz="2600" b="1" dirty="0">
                 <a:latin typeface="Consolas" pitchFamily="49" charset="0"/>
                 <a:cs typeface="Consolas" pitchFamily="49" charset="0"/>
               </a:rPr>
               <a:t>)</a:t>
             </a:r>
-            <a:endParaRPr lang="en-US" sz="2600" dirty="0" smtClean="0">
+            <a:endParaRPr lang="en-US" sz="2600" dirty="0">
               <a:latin typeface="Consolas" pitchFamily="49" charset="0"/>
               <a:cs typeface="Consolas" pitchFamily="49" charset="0"/>
             </a:endParaRPr>
@@ -8259,27 +8112,27 @@
               <a:buNone/>
             </a:pPr>
             <a:r>
-              <a:rPr lang="en-US" sz="2600" b="1" dirty="0" smtClean="0">
+              <a:rPr lang="en-US" sz="2600" b="1" dirty="0">
                 <a:latin typeface="Consolas" pitchFamily="49" charset="0"/>
                 <a:cs typeface="Consolas" pitchFamily="49" charset="0"/>
               </a:rPr>
               <a:t>           (f (rest </a:t>
             </a:r>
             <a:r>
-              <a:rPr lang="en-US" sz="2600" b="1" dirty="0" err="1" smtClean="0">
+              <a:rPr lang="en-US" sz="2600" b="1" dirty="0" err="1">
                 <a:latin typeface="Consolas" pitchFamily="49" charset="0"/>
                 <a:cs typeface="Consolas" pitchFamily="49" charset="0"/>
               </a:rPr>
               <a:t>lst</a:t>
             </a:r>
             <a:r>
-              <a:rPr lang="en-US" sz="2600" b="1" dirty="0" smtClean="0">
+              <a:rPr lang="en-US" sz="2600" b="1" dirty="0">
                 <a:latin typeface="Consolas" pitchFamily="49" charset="0"/>
                 <a:cs typeface="Consolas" pitchFamily="49" charset="0"/>
               </a:rPr>
               <a:t>) a b c))]))</a:t>
             </a:r>
-            <a:endParaRPr lang="en-US" sz="2600" dirty="0" smtClean="0">
+            <a:endParaRPr lang="en-US" sz="2600" dirty="0">
               <a:latin typeface="Consolas" pitchFamily="49" charset="0"/>
               <a:cs typeface="Consolas" pitchFamily="49" charset="0"/>
             </a:endParaRPr>
@@ -8355,40 +8208,40 @@
           <a:p>
             <a:pPr algn="ctr"/>
             <a:r>
-              <a:rPr lang="en-US" sz="2400" dirty="0" smtClean="0"/>
+              <a:rPr lang="en-US" sz="2400" dirty="0"/>
               <a:t>and none of the above patterns (</a:t>
             </a:r>
             <a:r>
-              <a:rPr lang="en-US" sz="2400" b="1" dirty="0" smtClean="0">
+              <a:rPr lang="en-US" sz="2400" b="1" dirty="0">
                 <a:latin typeface="Consolas" pitchFamily="49" charset="0"/>
                 <a:cs typeface="Consolas" pitchFamily="49" charset="0"/>
               </a:rPr>
               <a:t>map</a:t>
             </a:r>
             <a:r>
-              <a:rPr lang="en-US" sz="2400" dirty="0" smtClean="0"/>
+              <a:rPr lang="en-US" sz="2400" dirty="0"/>
               <a:t>, </a:t>
             </a:r>
             <a:r>
-              <a:rPr lang="en-US" sz="2400" b="1" dirty="0" err="1" smtClean="0">
+              <a:rPr lang="en-US" sz="2400" b="1" dirty="0" err="1">
                 <a:latin typeface="Consolas" pitchFamily="49" charset="0"/>
                 <a:cs typeface="Consolas" pitchFamily="49" charset="0"/>
               </a:rPr>
               <a:t>andmap</a:t>
             </a:r>
             <a:r>
-              <a:rPr lang="en-US" sz="2400" dirty="0" smtClean="0"/>
+              <a:rPr lang="en-US" sz="2400" dirty="0"/>
               <a:t>, </a:t>
             </a:r>
             <a:r>
-              <a:rPr lang="en-US" sz="2400" b="1" dirty="0" err="1" smtClean="0">
+              <a:rPr lang="en-US" sz="2400" b="1" dirty="0" err="1">
                 <a:latin typeface="Consolas" pitchFamily="49" charset="0"/>
                 <a:cs typeface="Consolas" pitchFamily="49" charset="0"/>
               </a:rPr>
               <a:t>ormap</a:t>
             </a:r>
             <a:r>
-              <a:rPr lang="en-US" sz="2400" dirty="0" smtClean="0"/>
+              <a:rPr lang="en-US" sz="2400" dirty="0"/>
               <a:t>) apply. </a:t>
             </a:r>
           </a:p>
@@ -8404,13 +8257,6 @@
   <p:clrMapOvr>
     <a:masterClrMapping/>
   </p:clrMapOvr>
-  <p:timing>
-    <p:tnLst>
-      <p:par>
-        <p:cTn id="1" dur="indefinite" restart="never" nodeType="tmRoot"/>
-      </p:par>
-    </p:tnLst>
-  </p:timing>
 </p:sld>
 </file>
 
@@ -8449,21 +8295,20 @@
           <a:lstStyle/>
           <a:p>
             <a:r>
-              <a:rPr lang="en-US" dirty="0" smtClean="0"/>
+              <a:rPr lang="en-US" dirty="0"/>
               <a:t>A candidate for </a:t>
             </a:r>
             <a:r>
-              <a:rPr lang="en-US" b="1" dirty="0" smtClean="0">
+              <a:rPr lang="en-US" b="1" dirty="0">
                 <a:latin typeface="Consolas" pitchFamily="49" charset="0"/>
                 <a:cs typeface="Consolas" pitchFamily="49" charset="0"/>
               </a:rPr>
               <a:t>filter</a:t>
             </a:r>
             <a:r>
-              <a:rPr lang="en-US" dirty="0" smtClean="0"/>
+              <a:rPr lang="en-US" dirty="0"/>
               <a:t> looks like this:</a:t>
             </a:r>
-            <a:endParaRPr lang="en-US" dirty="0"/>
           </a:p>
         </p:txBody>
       </p:sp>
@@ -8488,34 +8333,34 @@
               <a:buNone/>
             </a:pPr>
             <a:r>
-              <a:rPr lang="en-US" sz="2600" b="1" dirty="0" smtClean="0">
+              <a:rPr lang="en-US" sz="2600" b="1" dirty="0">
                 <a:latin typeface="Consolas" pitchFamily="49" charset="0"/>
                 <a:cs typeface="Consolas" pitchFamily="49" charset="0"/>
               </a:rPr>
               <a:t>;; f : </a:t>
             </a:r>
             <a:r>
-              <a:rPr lang="en-US" sz="2600" b="1" dirty="0" err="1" smtClean="0">
+              <a:rPr lang="en-US" sz="2600" b="1" dirty="0" err="1">
                 <a:latin typeface="Consolas" pitchFamily="49" charset="0"/>
                 <a:cs typeface="Consolas" pitchFamily="49" charset="0"/>
               </a:rPr>
               <a:t>ListOfX</a:t>
             </a:r>
             <a:r>
-              <a:rPr lang="en-US" sz="2600" b="1" dirty="0" smtClean="0">
+              <a:rPr lang="en-US" sz="2600" b="1" dirty="0">
                 <a:latin typeface="Consolas" pitchFamily="49" charset="0"/>
                 <a:cs typeface="Consolas" pitchFamily="49" charset="0"/>
               </a:rPr>
               <a:t> ... -&gt; </a:t>
             </a:r>
             <a:r>
-              <a:rPr lang="en-US" sz="2600" b="1" dirty="0" err="1" smtClean="0">
+              <a:rPr lang="en-US" sz="2600" b="1" dirty="0" err="1">
                 <a:latin typeface="Consolas" pitchFamily="49" charset="0"/>
                 <a:cs typeface="Consolas" pitchFamily="49" charset="0"/>
               </a:rPr>
               <a:t>ListOfX</a:t>
             </a:r>
-            <a:endParaRPr lang="en-US" sz="2600" b="1" dirty="0" smtClean="0">
+            <a:endParaRPr lang="en-US" sz="2600" b="1" dirty="0">
               <a:latin typeface="Consolas" pitchFamily="49" charset="0"/>
               <a:cs typeface="Consolas" pitchFamily="49" charset="0"/>
             </a:endParaRPr>
@@ -8525,27 +8370,27 @@
               <a:buNone/>
             </a:pPr>
             <a:r>
-              <a:rPr lang="en-US" sz="2600" b="1" dirty="0" smtClean="0">
+              <a:rPr lang="en-US" sz="2600" b="1" dirty="0">
                 <a:latin typeface="Consolas" pitchFamily="49" charset="0"/>
                 <a:cs typeface="Consolas" pitchFamily="49" charset="0"/>
               </a:rPr>
               <a:t>(define (f </a:t>
             </a:r>
             <a:r>
-              <a:rPr lang="en-US" sz="2600" b="1" dirty="0" err="1" smtClean="0">
+              <a:rPr lang="en-US" sz="2600" b="1" dirty="0" err="1">
                 <a:latin typeface="Consolas" pitchFamily="49" charset="0"/>
                 <a:cs typeface="Consolas" pitchFamily="49" charset="0"/>
               </a:rPr>
               <a:t>lst</a:t>
             </a:r>
             <a:r>
-              <a:rPr lang="en-US" sz="2600" b="1" dirty="0" smtClean="0">
+              <a:rPr lang="en-US" sz="2600" b="1" dirty="0">
                 <a:latin typeface="Consolas" pitchFamily="49" charset="0"/>
                 <a:cs typeface="Consolas" pitchFamily="49" charset="0"/>
               </a:rPr>
               <a:t> a b c)</a:t>
             </a:r>
-            <a:endParaRPr lang="en-US" sz="2600" dirty="0" smtClean="0">
+            <a:endParaRPr lang="en-US" sz="2600" dirty="0">
               <a:latin typeface="Consolas" pitchFamily="49" charset="0"/>
               <a:cs typeface="Consolas" pitchFamily="49" charset="0"/>
             </a:endParaRPr>
@@ -8555,20 +8400,20 @@
               <a:buNone/>
             </a:pPr>
             <a:r>
-              <a:rPr lang="en-US" sz="2600" b="1" dirty="0" smtClean="0">
+              <a:rPr lang="en-US" sz="2600" b="1" dirty="0">
                 <a:latin typeface="Consolas" pitchFamily="49" charset="0"/>
                 <a:cs typeface="Consolas" pitchFamily="49" charset="0"/>
               </a:rPr>
               <a:t> (</a:t>
             </a:r>
             <a:r>
-              <a:rPr lang="en-US" sz="2600" b="1" dirty="0" err="1" smtClean="0">
+              <a:rPr lang="en-US" sz="2600" b="1" dirty="0" err="1">
                 <a:latin typeface="Consolas" pitchFamily="49" charset="0"/>
                 <a:cs typeface="Consolas" pitchFamily="49" charset="0"/>
               </a:rPr>
               <a:t>cond</a:t>
             </a:r>
-            <a:endParaRPr lang="en-US" sz="2600" dirty="0" smtClean="0">
+            <a:endParaRPr lang="en-US" sz="2600" dirty="0">
               <a:latin typeface="Consolas" pitchFamily="49" charset="0"/>
               <a:cs typeface="Consolas" pitchFamily="49" charset="0"/>
             </a:endParaRPr>
@@ -8578,27 +8423,27 @@
               <a:buNone/>
             </a:pPr>
             <a:r>
-              <a:rPr lang="en-US" sz="2600" b="1" dirty="0" smtClean="0">
+              <a:rPr lang="en-US" sz="2600" b="1" dirty="0">
                 <a:latin typeface="Consolas" pitchFamily="49" charset="0"/>
                 <a:cs typeface="Consolas" pitchFamily="49" charset="0"/>
               </a:rPr>
               <a:t>  [(empty? </a:t>
             </a:r>
             <a:r>
-              <a:rPr lang="en-US" sz="2600" b="1" dirty="0" err="1" smtClean="0">
+              <a:rPr lang="en-US" sz="2600" b="1" dirty="0" err="1">
                 <a:latin typeface="Consolas" pitchFamily="49" charset="0"/>
                 <a:cs typeface="Consolas" pitchFamily="49" charset="0"/>
               </a:rPr>
               <a:t>lst</a:t>
             </a:r>
             <a:r>
-              <a:rPr lang="en-US" sz="2600" b="1" dirty="0" smtClean="0">
+              <a:rPr lang="en-US" sz="2600" b="1" dirty="0">
                 <a:latin typeface="Consolas" pitchFamily="49" charset="0"/>
                 <a:cs typeface="Consolas" pitchFamily="49" charset="0"/>
               </a:rPr>
               <a:t>) empty]</a:t>
             </a:r>
-            <a:endParaRPr lang="en-US" sz="2600" dirty="0" smtClean="0">
+            <a:endParaRPr lang="en-US" sz="2600" dirty="0">
               <a:latin typeface="Consolas" pitchFamily="49" charset="0"/>
               <a:cs typeface="Consolas" pitchFamily="49" charset="0"/>
             </a:endParaRPr>
@@ -8608,34 +8453,34 @@
               <a:buNone/>
             </a:pPr>
             <a:r>
-              <a:rPr lang="en-US" sz="2600" b="1" dirty="0" smtClean="0">
+              <a:rPr lang="en-US" sz="2600" b="1" dirty="0">
                 <a:latin typeface="Consolas" pitchFamily="49" charset="0"/>
                 <a:cs typeface="Consolas" pitchFamily="49" charset="0"/>
               </a:rPr>
               <a:t>  [else </a:t>
             </a:r>
             <a:r>
-              <a:rPr lang="en-US" sz="2800" b="1" dirty="0" smtClean="0">
+              <a:rPr lang="en-US" sz="2800" b="1" dirty="0">
                 <a:latin typeface="Consolas" pitchFamily="49" charset="0"/>
                 <a:cs typeface="Consolas" pitchFamily="49" charset="0"/>
               </a:rPr>
               <a:t>(if (... (first </a:t>
             </a:r>
             <a:r>
-              <a:rPr lang="en-US" sz="2800" b="1" dirty="0" err="1" smtClean="0">
+              <a:rPr lang="en-US" sz="2800" b="1" dirty="0" err="1">
                 <a:latin typeface="Consolas" pitchFamily="49" charset="0"/>
                 <a:cs typeface="Consolas" pitchFamily="49" charset="0"/>
               </a:rPr>
               <a:t>lst</a:t>
             </a:r>
             <a:r>
-              <a:rPr lang="en-US" sz="2800" b="1" dirty="0" smtClean="0">
+              <a:rPr lang="en-US" sz="2800" b="1" dirty="0">
                 <a:latin typeface="Consolas" pitchFamily="49" charset="0"/>
                 <a:cs typeface="Consolas" pitchFamily="49" charset="0"/>
               </a:rPr>
               <a:t>) a b c)</a:t>
             </a:r>
-            <a:endParaRPr lang="en-US" sz="2800" dirty="0" smtClean="0">
+            <a:endParaRPr lang="en-US" sz="2800" dirty="0">
               <a:latin typeface="Consolas" pitchFamily="49" charset="0"/>
               <a:cs typeface="Consolas" pitchFamily="49" charset="0"/>
             </a:endParaRPr>
@@ -8645,13 +8490,13 @@
               <a:buNone/>
             </a:pPr>
             <a:r>
-              <a:rPr lang="en-US" sz="2800" b="1" dirty="0" smtClean="0">
+              <a:rPr lang="en-US" sz="2800" b="1" dirty="0">
                 <a:latin typeface="Consolas" pitchFamily="49" charset="0"/>
                 <a:cs typeface="Consolas" pitchFamily="49" charset="0"/>
               </a:rPr>
               <a:t>            (cons</a:t>
             </a:r>
-            <a:endParaRPr lang="en-US" sz="2800" dirty="0" smtClean="0">
+            <a:endParaRPr lang="en-US" sz="2800" dirty="0">
               <a:latin typeface="Consolas" pitchFamily="49" charset="0"/>
               <a:cs typeface="Consolas" pitchFamily="49" charset="0"/>
             </a:endParaRPr>
@@ -8661,27 +8506,27 @@
               <a:buNone/>
             </a:pPr>
             <a:r>
-              <a:rPr lang="en-US" sz="2800" b="1" dirty="0" smtClean="0">
+              <a:rPr lang="en-US" sz="2800" b="1" dirty="0">
                 <a:latin typeface="Consolas" pitchFamily="49" charset="0"/>
                 <a:cs typeface="Consolas" pitchFamily="49" charset="0"/>
               </a:rPr>
               <a:t>              (first </a:t>
             </a:r>
             <a:r>
-              <a:rPr lang="en-US" sz="2800" b="1" dirty="0" err="1" smtClean="0">
+              <a:rPr lang="en-US" sz="2800" b="1" dirty="0" err="1">
                 <a:latin typeface="Consolas" pitchFamily="49" charset="0"/>
                 <a:cs typeface="Consolas" pitchFamily="49" charset="0"/>
               </a:rPr>
               <a:t>lst</a:t>
             </a:r>
             <a:r>
-              <a:rPr lang="en-US" sz="2800" b="1" dirty="0" smtClean="0">
+              <a:rPr lang="en-US" sz="2800" b="1" dirty="0">
                 <a:latin typeface="Consolas" pitchFamily="49" charset="0"/>
                 <a:cs typeface="Consolas" pitchFamily="49" charset="0"/>
               </a:rPr>
               <a:t>)</a:t>
             </a:r>
-            <a:endParaRPr lang="en-US" sz="2800" dirty="0" smtClean="0">
+            <a:endParaRPr lang="en-US" sz="2800" dirty="0">
               <a:latin typeface="Consolas" pitchFamily="49" charset="0"/>
               <a:cs typeface="Consolas" pitchFamily="49" charset="0"/>
             </a:endParaRPr>
@@ -8691,27 +8536,27 @@
               <a:buNone/>
             </a:pPr>
             <a:r>
-              <a:rPr lang="en-US" sz="2800" b="1" dirty="0" smtClean="0">
+              <a:rPr lang="en-US" sz="2800" b="1" dirty="0">
                 <a:latin typeface="Consolas" pitchFamily="49" charset="0"/>
                 <a:cs typeface="Consolas" pitchFamily="49" charset="0"/>
               </a:rPr>
               <a:t>              (f (rest </a:t>
             </a:r>
             <a:r>
-              <a:rPr lang="en-US" sz="2800" b="1" dirty="0" err="1" smtClean="0">
+              <a:rPr lang="en-US" sz="2800" b="1" dirty="0" err="1">
                 <a:latin typeface="Consolas" pitchFamily="49" charset="0"/>
                 <a:cs typeface="Consolas" pitchFamily="49" charset="0"/>
               </a:rPr>
               <a:t>lst</a:t>
             </a:r>
             <a:r>
-              <a:rPr lang="en-US" sz="2800" b="1" dirty="0" smtClean="0">
+              <a:rPr lang="en-US" sz="2800" b="1" dirty="0">
                 <a:latin typeface="Consolas" pitchFamily="49" charset="0"/>
                 <a:cs typeface="Consolas" pitchFamily="49" charset="0"/>
               </a:rPr>
               <a:t>) a b c))</a:t>
             </a:r>
-            <a:endParaRPr lang="en-US" sz="2800" dirty="0" smtClean="0">
+            <a:endParaRPr lang="en-US" sz="2800" dirty="0">
               <a:latin typeface="Consolas" pitchFamily="49" charset="0"/>
               <a:cs typeface="Consolas" pitchFamily="49" charset="0"/>
             </a:endParaRPr>
@@ -8721,27 +8566,27 @@
               <a:buNone/>
             </a:pPr>
             <a:r>
-              <a:rPr lang="en-US" sz="2800" b="1" dirty="0" smtClean="0">
+              <a:rPr lang="en-US" sz="2800" b="1" dirty="0">
                 <a:latin typeface="Consolas" pitchFamily="49" charset="0"/>
                 <a:cs typeface="Consolas" pitchFamily="49" charset="0"/>
               </a:rPr>
               <a:t>            (f (rest </a:t>
             </a:r>
             <a:r>
-              <a:rPr lang="en-US" sz="2800" b="1" dirty="0" err="1" smtClean="0">
+              <a:rPr lang="en-US" sz="2800" b="1" dirty="0" err="1">
                 <a:latin typeface="Consolas" pitchFamily="49" charset="0"/>
                 <a:cs typeface="Consolas" pitchFamily="49" charset="0"/>
               </a:rPr>
               <a:t>lst</a:t>
             </a:r>
             <a:r>
-              <a:rPr lang="en-US" sz="2800" b="1" dirty="0" smtClean="0">
+              <a:rPr lang="en-US" sz="2800" b="1" dirty="0">
                 <a:latin typeface="Consolas" pitchFamily="49" charset="0"/>
                 <a:cs typeface="Consolas" pitchFamily="49" charset="0"/>
               </a:rPr>
               <a:t>) a b c))]))</a:t>
             </a:r>
-            <a:endParaRPr lang="en-US" sz="2800" dirty="0" smtClean="0">
+            <a:endParaRPr lang="en-US" sz="2800" dirty="0">
               <a:latin typeface="Consolas" pitchFamily="49" charset="0"/>
               <a:cs typeface="Consolas" pitchFamily="49" charset="0"/>
             </a:endParaRPr>
@@ -8817,10 +8662,9 @@
           <a:p>
             <a:pPr algn="ctr"/>
             <a:r>
-              <a:rPr lang="en-US" dirty="0" smtClean="0"/>
+              <a:rPr lang="en-US" dirty="0"/>
               <a:t>recurs on the rest of the list; other arguments don't change</a:t>
             </a:r>
-            <a:endParaRPr lang="en-US" dirty="0"/>
           </a:p>
         </p:txBody>
       </p:sp>
@@ -8863,10 +8707,9 @@
           <a:p>
             <a:pPr algn="ctr"/>
             <a:r>
-              <a:rPr lang="en-US" dirty="0" smtClean="0"/>
+              <a:rPr lang="en-US" dirty="0"/>
               <a:t>makes a decision based on the first element of the list</a:t>
             </a:r>
-            <a:endParaRPr lang="en-US" dirty="0"/>
           </a:p>
         </p:txBody>
       </p:sp>
@@ -8909,7 +8752,7 @@
           <a:p>
             <a:pPr algn="ctr"/>
             <a:r>
-              <a:rPr lang="en-US" dirty="0" smtClean="0"/>
+              <a:rPr lang="en-US" dirty="0"/>
               <a:t>if test is true, includes the first element in the answer</a:t>
             </a:r>
           </a:p>
@@ -9121,17 +8964,8 @@
               <a:rPr lang="en-US" dirty="0">
                 <a:cs typeface="Consolas" pitchFamily="49" charset="0"/>
               </a:rPr>
-              <a:t>Function takes a list and some other arguments, and  returns a </a:t>
-            </a:r>
-            <a:r>
-              <a:rPr lang="en-US" dirty="0" smtClean="0">
-                <a:cs typeface="Consolas" pitchFamily="49" charset="0"/>
-              </a:rPr>
-              <a:t>list of the same type.</a:t>
-            </a:r>
-            <a:endParaRPr lang="en-US" dirty="0">
-              <a:cs typeface="Consolas" pitchFamily="49" charset="0"/>
-            </a:endParaRPr>
+              <a:t>Function takes a list and some other arguments, and  returns a list of the same type.</a:t>
+            </a:r>
           </a:p>
         </p:txBody>
       </p:sp>
@@ -9217,13 +9051,6 @@
   <p:clrMapOvr>
     <a:masterClrMapping/>
   </p:clrMapOvr>
-  <p:timing>
-    <p:tnLst>
-      <p:par>
-        <p:cTn id="1" dur="indefinite" restart="never" nodeType="tmRoot"/>
-      </p:par>
-    </p:tnLst>
-  </p:timing>
 </p:sld>
 </file>
 
@@ -9262,10 +9089,9 @@
           <a:lstStyle/>
           <a:p>
             <a:r>
-              <a:rPr lang="en-US" dirty="0" smtClean="0"/>
+              <a:rPr lang="en-US" dirty="0"/>
               <a:t>Patterns for using higher-order functions</a:t>
             </a:r>
-            <a:endParaRPr lang="en-US" dirty="0"/>
           </a:p>
         </p:txBody>
       </p:sp>
@@ -9288,44 +9114,19 @@
           <a:p>
             <a:r>
               <a:rPr lang="en-US" dirty="0"/>
-              <a:t>We've looked at which </a:t>
-            </a:r>
-            <a:r>
-              <a:rPr lang="en-US" dirty="0" smtClean="0"/>
-              <a:t>uses of the list template might </a:t>
-            </a:r>
+              <a:t>We've looked at which uses of the list template might be rewritten using higher-order functions.</a:t>
+            </a:r>
+          </a:p>
+          <a:p>
             <a:r>
               <a:rPr lang="en-US" dirty="0"/>
-              <a:t>be rewritten </a:t>
-            </a:r>
-            <a:r>
-              <a:rPr lang="en-US" dirty="0" smtClean="0"/>
-              <a:t>using higher-order functions.</a:t>
-            </a:r>
-          </a:p>
-          <a:p>
-            <a:r>
-              <a:rPr lang="en-US" dirty="0" smtClean="0"/>
               <a:t>Next we'll look at what the function will look like when it's rewritten.</a:t>
             </a:r>
-            <a:endParaRPr lang="en-US" dirty="0"/>
-          </a:p>
-          <a:p>
-            <a:r>
-              <a:rPr lang="en-US" dirty="0" smtClean="0"/>
-              <a:t>The </a:t>
-            </a:r>
+          </a:p>
+          <a:p>
             <a:r>
               <a:rPr lang="en-US" dirty="0"/>
-              <a:t>exact form of the rewritten </a:t>
-            </a:r>
-            <a:r>
-              <a:rPr lang="en-US" dirty="0" smtClean="0"/>
-              <a:t>definition will </a:t>
-            </a:r>
-            <a:r>
-              <a:rPr lang="en-US" dirty="0"/>
-              <a:t>be different for each of the abstraction functions (</a:t>
+              <a:t>The exact form of the rewritten definition will be different for each of the abstraction functions (</a:t>
             </a:r>
             <a:r>
               <a:rPr lang="en-US" b="1" dirty="0"/>
@@ -9349,15 +9150,7 @@
             </a:r>
             <a:r>
               <a:rPr lang="en-US" dirty="0"/>
-              <a:t>, etc.).  </a:t>
-            </a:r>
-            <a:r>
-              <a:rPr lang="en-US" dirty="0" smtClean="0"/>
-              <a:t>Lets look </a:t>
-            </a:r>
-            <a:r>
-              <a:rPr lang="en-US" dirty="0"/>
-              <a:t>at each of those.</a:t>
+              <a:t>, etc.).  Lets look at each of those.</a:t>
             </a:r>
           </a:p>
           <a:p>
@@ -9399,13 +9192,6 @@
   <p:clrMapOvr>
     <a:masterClrMapping/>
   </p:clrMapOvr>
-  <p:timing>
-    <p:tnLst>
-      <p:par>
-        <p:cTn id="1" dur="indefinite" restart="never" nodeType="tmRoot"/>
-      </p:par>
-    </p:tnLst>
-  </p:timing>
 </p:sld>
 </file>
 
@@ -9444,14 +9230,9 @@
           <a:lstStyle/>
           <a:p>
             <a:r>
-              <a:rPr lang="en-US" dirty="0" smtClean="0"/>
-              <a:t>General pattern for </a:t>
-            </a:r>
-            <a:r>
-              <a:rPr lang="en-US" dirty="0" smtClean="0"/>
-              <a:t>using a HOF on lists</a:t>
-            </a:r>
-            <a:endParaRPr lang="en-US" dirty="0"/>
+              <a:rPr lang="en-US" dirty="0"/>
+              <a:t>General pattern for using a HOF on lists</a:t>
+            </a:r>
           </a:p>
         </p:txBody>
       </p:sp>
@@ -9476,28 +9257,21 @@
               <a:buNone/>
             </a:pPr>
             <a:r>
-              <a:rPr lang="en-US" sz="2800" b="1" dirty="0" smtClean="0">
+              <a:rPr lang="en-US" sz="2800" b="1" dirty="0">
                 <a:latin typeface="Consolas" pitchFamily="49" charset="0"/>
                 <a:cs typeface="Consolas" pitchFamily="49" charset="0"/>
               </a:rPr>
               <a:t>;; list-fn : </a:t>
             </a:r>
             <a:r>
-              <a:rPr lang="en-US" sz="2800" b="1" dirty="0" err="1" smtClean="0">
-                <a:latin typeface="Consolas" pitchFamily="49" charset="0"/>
-                <a:cs typeface="Consolas" pitchFamily="49" charset="0"/>
-              </a:rPr>
-              <a:t>ListOf</a:t>
-            </a:r>
-            <a:r>
               <a:rPr lang="en-US" sz="2800" b="1" dirty="0" err="1">
                 <a:latin typeface="Consolas" pitchFamily="49" charset="0"/>
                 <a:cs typeface="Consolas" pitchFamily="49" charset="0"/>
               </a:rPr>
-              <a:t>X</a:t>
-            </a:r>
-            <a:r>
-              <a:rPr lang="en-US" sz="2800" b="1" dirty="0" smtClean="0">
+              <a:t>ListOfX</a:t>
+            </a:r>
+            <a:r>
+              <a:rPr lang="en-US" sz="2800" b="1" dirty="0">
                 <a:latin typeface="Consolas" pitchFamily="49" charset="0"/>
                 <a:cs typeface="Consolas" pitchFamily="49" charset="0"/>
               </a:rPr>
@@ -9509,21 +9283,21 @@
               <a:buNone/>
             </a:pPr>
             <a:r>
-              <a:rPr lang="en-US" sz="2800" b="1" dirty="0" smtClean="0">
+              <a:rPr lang="en-US" sz="2800" b="1" dirty="0">
                 <a:latin typeface="Consolas" pitchFamily="49" charset="0"/>
                 <a:cs typeface="Consolas" pitchFamily="49" charset="0"/>
               </a:rPr>
               <a:t>(define (list-fn </a:t>
             </a:r>
             <a:r>
-              <a:rPr lang="en-US" sz="2800" b="1" dirty="0" err="1" smtClean="0">
+              <a:rPr lang="en-US" sz="2800" b="1" dirty="0" err="1">
                 <a:latin typeface="Consolas" pitchFamily="49" charset="0"/>
                 <a:cs typeface="Consolas" pitchFamily="49" charset="0"/>
               </a:rPr>
               <a:t>lst</a:t>
             </a:r>
             <a:r>
-              <a:rPr lang="en-US" sz="2800" b="1" dirty="0" smtClean="0">
+              <a:rPr lang="en-US" sz="2800" b="1" dirty="0">
                 <a:latin typeface="Consolas" pitchFamily="49" charset="0"/>
                 <a:cs typeface="Consolas" pitchFamily="49" charset="0"/>
               </a:rPr>
@@ -9535,7 +9309,7 @@
               <a:buNone/>
             </a:pPr>
             <a:r>
-              <a:rPr lang="en-US" sz="2800" b="1" dirty="0" smtClean="0">
+              <a:rPr lang="en-US" sz="2800" b="1" dirty="0">
                 <a:latin typeface="Consolas" pitchFamily="49" charset="0"/>
                 <a:cs typeface="Consolas" pitchFamily="49" charset="0"/>
               </a:rPr>
@@ -9547,7 +9321,7 @@
               <a:buNone/>
             </a:pPr>
             <a:r>
-              <a:rPr lang="en-US" sz="2800" b="1" dirty="0" smtClean="0">
+              <a:rPr lang="en-US" sz="2800" b="1" dirty="0">
                 <a:latin typeface="Consolas" pitchFamily="49" charset="0"/>
                 <a:cs typeface="Consolas" pitchFamily="49" charset="0"/>
               </a:rPr>
@@ -9559,21 +9333,21 @@
               <a:buNone/>
             </a:pPr>
             <a:r>
-              <a:rPr lang="en-US" sz="2800" b="1" dirty="0" smtClean="0">
+              <a:rPr lang="en-US" sz="2800" b="1" dirty="0">
                 <a:latin typeface="Consolas" pitchFamily="49" charset="0"/>
                 <a:cs typeface="Consolas" pitchFamily="49" charset="0"/>
               </a:rPr>
               <a:t>   (abstraction combiner ... </a:t>
             </a:r>
             <a:r>
-              <a:rPr lang="en-US" sz="2800" b="1" dirty="0" err="1" smtClean="0">
+              <a:rPr lang="en-US" sz="2800" b="1" dirty="0" err="1">
                 <a:latin typeface="Consolas" pitchFamily="49" charset="0"/>
                 <a:cs typeface="Consolas" pitchFamily="49" charset="0"/>
               </a:rPr>
               <a:t>lst</a:t>
             </a:r>
             <a:r>
-              <a:rPr lang="en-US" sz="2800" b="1" dirty="0" smtClean="0">
+              <a:rPr lang="en-US" sz="2800" b="1" dirty="0">
                 <a:latin typeface="Consolas" pitchFamily="49" charset="0"/>
                 <a:cs typeface="Consolas" pitchFamily="49" charset="0"/>
               </a:rPr>
@@ -9666,10 +9440,9 @@
             <a:lstStyle/>
             <a:p>
               <a:r>
-                <a:rPr lang="en-US" dirty="0" smtClean="0"/>
+                <a:rPr lang="en-US" dirty="0"/>
                 <a:t>Choose your abstraction from the ones in Chapter 18.</a:t>
               </a:r>
-              <a:endParaRPr lang="en-US" dirty="0"/>
             </a:p>
           </p:txBody>
         </p:sp>
@@ -9803,10 +9576,9 @@
             <a:lstStyle/>
             <a:p>
               <a:r>
-                <a:rPr lang="en-US" dirty="0" smtClean="0"/>
+                <a:rPr lang="en-US" dirty="0"/>
                 <a:t>The contract for your combiner depends on which abstraction you choose.</a:t>
               </a:r>
-              <a:endParaRPr lang="en-US" dirty="0"/>
             </a:p>
           </p:txBody>
         </p:sp>
@@ -9944,24 +9716,23 @@
             <a:lstStyle/>
             <a:p>
               <a:r>
-                <a:rPr lang="en-US" dirty="0" smtClean="0"/>
+                <a:rPr lang="en-US" dirty="0"/>
                 <a:t>The arguments for  the different abstractions are different.</a:t>
               </a:r>
             </a:p>
             <a:p>
               <a:r>
-                <a:rPr lang="en-US" dirty="0" smtClean="0"/>
+                <a:rPr lang="en-US" dirty="0"/>
                 <a:t>If this were </a:t>
               </a:r>
               <a:r>
-                <a:rPr lang="en-US" dirty="0" err="1" smtClean="0"/>
+                <a:rPr lang="en-US" dirty="0" err="1"/>
                 <a:t>foldr</a:t>
               </a:r>
               <a:r>
-                <a:rPr lang="en-US" dirty="0" smtClean="0"/>
+                <a:rPr lang="en-US" dirty="0"/>
                 <a:t>, the base would go here.</a:t>
               </a:r>
-              <a:endParaRPr lang="en-US" dirty="0"/>
             </a:p>
           </p:txBody>
         </p:sp>
@@ -10261,25 +10032,20 @@
           <a:lstStyle/>
           <a:p>
             <a:r>
-              <a:rPr lang="en-US" dirty="0" smtClean="0"/>
-              <a:t>Pattern for </a:t>
-            </a:r>
-            <a:r>
-              <a:rPr lang="en-US" dirty="0" smtClean="0"/>
-              <a:t>using an HOF: </a:t>
-            </a:r>
-            <a:r>
-              <a:rPr lang="en-US" b="1" dirty="0" smtClean="0">
+              <a:rPr lang="en-US" dirty="0"/>
+              <a:t>Pattern for using an HOF: </a:t>
+            </a:r>
+            <a:r>
+              <a:rPr lang="en-US" b="1" dirty="0">
                 <a:latin typeface="Consolas" pitchFamily="49" charset="0"/>
                 <a:cs typeface="Consolas" pitchFamily="49" charset="0"/>
               </a:rPr>
               <a:t>map</a:t>
             </a:r>
             <a:r>
-              <a:rPr lang="en-US" dirty="0" smtClean="0"/>
+              <a:rPr lang="en-US" dirty="0"/>
               <a:t> </a:t>
             </a:r>
-            <a:endParaRPr lang="en-US" dirty="0"/>
           </a:p>
         </p:txBody>
       </p:sp>
@@ -10309,34 +10075,34 @@
               <a:buNone/>
             </a:pPr>
             <a:r>
-              <a:rPr lang="en-US" sz="2800" b="1" dirty="0" smtClean="0">
+              <a:rPr lang="en-US" sz="2800" b="1" dirty="0">
                 <a:latin typeface="Consolas" pitchFamily="49" charset="0"/>
                 <a:cs typeface="Consolas" pitchFamily="49" charset="0"/>
               </a:rPr>
               <a:t>;; list-fn : </a:t>
             </a:r>
             <a:r>
-              <a:rPr lang="en-US" sz="2800" b="1" dirty="0" err="1" smtClean="0">
+              <a:rPr lang="en-US" sz="2800" b="1" dirty="0" err="1">
                 <a:latin typeface="Consolas" pitchFamily="49" charset="0"/>
                 <a:cs typeface="Consolas" pitchFamily="49" charset="0"/>
               </a:rPr>
               <a:t>ListOfX</a:t>
             </a:r>
             <a:r>
-              <a:rPr lang="en-US" sz="2800" b="1" dirty="0" smtClean="0">
+              <a:rPr lang="en-US" sz="2800" b="1" dirty="0">
                 <a:latin typeface="Consolas" pitchFamily="49" charset="0"/>
                 <a:cs typeface="Consolas" pitchFamily="49" charset="0"/>
               </a:rPr>
               <a:t> -&gt; </a:t>
             </a:r>
             <a:r>
-              <a:rPr lang="en-US" sz="2800" b="1" dirty="0" err="1" smtClean="0">
+              <a:rPr lang="en-US" sz="2800" b="1" dirty="0" err="1">
                 <a:latin typeface="Consolas" pitchFamily="49" charset="0"/>
                 <a:cs typeface="Consolas" pitchFamily="49" charset="0"/>
               </a:rPr>
               <a:t>ListOfY</a:t>
             </a:r>
-            <a:endParaRPr lang="en-US" sz="2800" b="1" dirty="0" smtClean="0">
+            <a:endParaRPr lang="en-US" sz="2800" b="1" dirty="0">
               <a:latin typeface="Consolas" pitchFamily="49" charset="0"/>
               <a:cs typeface="Consolas" pitchFamily="49" charset="0"/>
             </a:endParaRPr>
@@ -10346,35 +10112,35 @@
               <a:buNone/>
             </a:pPr>
             <a:r>
-              <a:rPr lang="en-US" sz="2800" b="1" dirty="0" smtClean="0">
+              <a:rPr lang="en-US" sz="2800" b="1" dirty="0">
                 <a:latin typeface="Consolas" pitchFamily="49" charset="0"/>
                 <a:cs typeface="Consolas" pitchFamily="49" charset="0"/>
               </a:rPr>
               <a:t>(define (list-</a:t>
             </a:r>
             <a:r>
-              <a:rPr lang="en-US" sz="2800" b="1" dirty="0" err="1" smtClean="0">
+              <a:rPr lang="en-US" sz="2800" b="1" dirty="0" err="1">
                 <a:latin typeface="Consolas" pitchFamily="49" charset="0"/>
                 <a:cs typeface="Consolas" pitchFamily="49" charset="0"/>
               </a:rPr>
               <a:t>fn</a:t>
             </a:r>
             <a:r>
-              <a:rPr lang="en-US" sz="2800" b="1" dirty="0" smtClean="0">
+              <a:rPr lang="en-US" sz="2800" b="1" dirty="0">
                 <a:latin typeface="Consolas" pitchFamily="49" charset="0"/>
                 <a:cs typeface="Consolas" pitchFamily="49" charset="0"/>
               </a:rPr>
               <a:t> </a:t>
             </a:r>
             <a:r>
-              <a:rPr lang="en-US" sz="2800" b="1" dirty="0" err="1" smtClean="0">
+              <a:rPr lang="en-US" sz="2800" b="1" dirty="0" err="1">
                 <a:latin typeface="Consolas" pitchFamily="49" charset="0"/>
                 <a:cs typeface="Consolas" pitchFamily="49" charset="0"/>
               </a:rPr>
               <a:t>lst</a:t>
             </a:r>
             <a:r>
-              <a:rPr lang="en-US" sz="2800" b="1" dirty="0" smtClean="0">
+              <a:rPr lang="en-US" sz="2800" b="1" dirty="0">
                 <a:latin typeface="Consolas" pitchFamily="49" charset="0"/>
                 <a:cs typeface="Consolas" pitchFamily="49" charset="0"/>
               </a:rPr>
@@ -10386,7 +10152,7 @@
               <a:buNone/>
             </a:pPr>
             <a:r>
-              <a:rPr lang="en-US" sz="2800" b="1" dirty="0" smtClean="0">
+              <a:rPr lang="en-US" sz="2800" b="1" dirty="0">
                 <a:latin typeface="Consolas" pitchFamily="49" charset="0"/>
                 <a:cs typeface="Consolas" pitchFamily="49" charset="0"/>
               </a:rPr>
@@ -10402,14 +10168,7 @@
                 <a:latin typeface="Consolas" pitchFamily="49" charset="0"/>
                 <a:cs typeface="Consolas" pitchFamily="49" charset="0"/>
               </a:rPr>
-              <a:t> </a:t>
-            </a:r>
-            <a:r>
-              <a:rPr lang="en-US" sz="2800" b="1" dirty="0" smtClean="0">
-                <a:latin typeface="Consolas" pitchFamily="49" charset="0"/>
-                <a:cs typeface="Consolas" pitchFamily="49" charset="0"/>
-              </a:rPr>
-              <a:t>         ; purpose statement for operator</a:t>
+              <a:t>          ; purpose statement for operator</a:t>
             </a:r>
           </a:p>
           <a:p>
@@ -10417,7 +10176,7 @@
               <a:buNone/>
             </a:pPr>
             <a:r>
-              <a:rPr lang="en-US" sz="2800" b="1" dirty="0" smtClean="0">
+              <a:rPr lang="en-US" sz="2800" b="1" dirty="0">
                 <a:latin typeface="Consolas" pitchFamily="49" charset="0"/>
                 <a:cs typeface="Consolas" pitchFamily="49" charset="0"/>
               </a:rPr>
@@ -10429,21 +10188,21 @@
               <a:buNone/>
             </a:pPr>
             <a:r>
-              <a:rPr lang="en-US" sz="2800" b="1" dirty="0" smtClean="0">
+              <a:rPr lang="en-US" sz="2800" b="1" dirty="0">
                 <a:latin typeface="Consolas" pitchFamily="49" charset="0"/>
                 <a:cs typeface="Consolas" pitchFamily="49" charset="0"/>
               </a:rPr>
               <a:t>   (map operator </a:t>
             </a:r>
             <a:r>
-              <a:rPr lang="en-US" sz="2800" b="1" dirty="0" err="1" smtClean="0">
+              <a:rPr lang="en-US" sz="2800" b="1" dirty="0" err="1">
                 <a:latin typeface="Consolas" pitchFamily="49" charset="0"/>
                 <a:cs typeface="Consolas" pitchFamily="49" charset="0"/>
               </a:rPr>
               <a:t>lst</a:t>
             </a:r>
             <a:r>
-              <a:rPr lang="en-US" sz="2800" b="1" dirty="0" smtClean="0">
+              <a:rPr lang="en-US" sz="2800" b="1" dirty="0">
                 <a:latin typeface="Consolas" pitchFamily="49" charset="0"/>
                 <a:cs typeface="Consolas" pitchFamily="49" charset="0"/>
               </a:rPr>
@@ -10521,12 +10280,8 @@
           <a:lstStyle/>
           <a:p>
             <a:r>
-              <a:rPr lang="en-US" sz="2400" dirty="0" smtClean="0"/>
-              <a:t>Here is </a:t>
-            </a:r>
-            <a:r>
               <a:rPr lang="en-US" sz="2400" dirty="0"/>
-              <a:t>the pattern for a use of </a:t>
+              <a:t>Here is the pattern for a use of </a:t>
             </a:r>
             <a:r>
               <a:rPr lang="en-US" sz="2400" b="1" dirty="0"/>
@@ -10550,45 +10305,8 @@
             </a:r>
             <a:r>
               <a:rPr lang="en-US" sz="2400" dirty="0"/>
-              <a:t>. It isn’t necessary to make the operator a local </a:t>
-            </a:r>
-            <a:r>
-              <a:rPr lang="en-US" sz="2400" dirty="0" smtClean="0"/>
-              <a:t>function or lambda, </a:t>
-            </a:r>
-            <a:r>
-              <a:rPr lang="en-US" sz="2400" dirty="0"/>
-              <a:t>but </a:t>
-            </a:r>
-            <a:r>
-              <a:rPr lang="en-US" sz="2400" dirty="0" smtClean="0"/>
-              <a:t>if you do, you must write </a:t>
-            </a:r>
-            <a:r>
-              <a:rPr lang="en-US" sz="2400" dirty="0"/>
-              <a:t>a contract and purpose statement (</a:t>
-            </a:r>
-            <a:r>
-              <a:rPr lang="en-US" sz="2400" dirty="0" smtClean="0"/>
-              <a:t>also </a:t>
-            </a:r>
-            <a:r>
-              <a:rPr lang="en-US" sz="2400" dirty="0"/>
-              <a:t>examples if </a:t>
-            </a:r>
-            <a:r>
-              <a:rPr lang="en-US" sz="2400" dirty="0" smtClean="0"/>
-              <a:t>they are needed </a:t>
-            </a:r>
-            <a:r>
-              <a:rPr lang="en-US" sz="2400" dirty="0"/>
-              <a:t>to clarify purpose</a:t>
-            </a:r>
-            <a:r>
-              <a:rPr lang="en-US" sz="2400" dirty="0" smtClean="0"/>
-              <a:t>).</a:t>
-            </a:r>
-            <a:endParaRPr lang="en-US" sz="2400" dirty="0"/>
+              <a:t>. It isn’t necessary to make the operator a local function or lambda, but if you do, you must write a contract and purpose statement (also examples if they are needed to clarify purpose).</a:t>
+            </a:r>
           </a:p>
         </p:txBody>
       </p:sp>
@@ -10602,13 +10320,6 @@
   <p:clrMapOvr>
     <a:masterClrMapping/>
   </p:clrMapOvr>
-  <p:timing>
-    <p:tnLst>
-      <p:par>
-        <p:cTn id="1" dur="indefinite" restart="never" nodeType="tmRoot"/>
-      </p:par>
-    </p:tnLst>
-  </p:timing>
 </p:sld>
 </file>
 
@@ -10647,10 +10358,9 @@
           <a:lstStyle/>
           <a:p>
             <a:r>
-              <a:rPr lang="en-US" dirty="0" smtClean="0"/>
+              <a:rPr lang="en-US" dirty="0"/>
               <a:t>Or you could use lambda</a:t>
             </a:r>
-            <a:endParaRPr lang="en-US" dirty="0"/>
           </a:p>
         </p:txBody>
       </p:sp>
@@ -10677,75 +10387,81 @@
           <a:lstStyle/>
           <a:p>
             <a:pPr>
+              <a:spcBef>
+                <a:spcPts val="0"/>
+              </a:spcBef>
               <a:buNone/>
             </a:pPr>
             <a:r>
-              <a:rPr lang="en-US" sz="2800" b="1" dirty="0" smtClean="0">
+              <a:rPr lang="en-US" sz="2800" b="1" dirty="0">
                 <a:latin typeface="Consolas" pitchFamily="49" charset="0"/>
                 <a:cs typeface="Consolas" pitchFamily="49" charset="0"/>
               </a:rPr>
               <a:t>;; list-fn : </a:t>
             </a:r>
             <a:r>
-              <a:rPr lang="en-US" sz="2800" b="1" dirty="0" err="1" smtClean="0">
+              <a:rPr lang="en-US" sz="2800" b="1" dirty="0" err="1">
                 <a:latin typeface="Consolas" pitchFamily="49" charset="0"/>
                 <a:cs typeface="Consolas" pitchFamily="49" charset="0"/>
               </a:rPr>
               <a:t>ListOfX</a:t>
             </a:r>
             <a:r>
-              <a:rPr lang="en-US" sz="2800" b="1" dirty="0" smtClean="0">
+              <a:rPr lang="en-US" sz="2800" b="1" dirty="0">
                 <a:latin typeface="Consolas" pitchFamily="49" charset="0"/>
                 <a:cs typeface="Consolas" pitchFamily="49" charset="0"/>
               </a:rPr>
               <a:t> -&gt; </a:t>
             </a:r>
             <a:r>
-              <a:rPr lang="en-US" sz="2800" b="1" dirty="0" err="1" smtClean="0">
+              <a:rPr lang="en-US" sz="2800" b="1" dirty="0" err="1">
                 <a:latin typeface="Consolas" pitchFamily="49" charset="0"/>
                 <a:cs typeface="Consolas" pitchFamily="49" charset="0"/>
               </a:rPr>
               <a:t>ListOfY</a:t>
             </a:r>
-            <a:endParaRPr lang="en-US" sz="2800" b="1" dirty="0" smtClean="0">
+            <a:endParaRPr lang="en-US" sz="2800" b="1" dirty="0">
               <a:latin typeface="Consolas" pitchFamily="49" charset="0"/>
               <a:cs typeface="Consolas" pitchFamily="49" charset="0"/>
             </a:endParaRPr>
           </a:p>
           <a:p>
             <a:pPr>
+              <a:spcBef>
+                <a:spcPts val="0"/>
+              </a:spcBef>
               <a:buNone/>
             </a:pPr>
             <a:r>
-              <a:rPr lang="en-US" sz="2800" b="1" dirty="0" smtClean="0">
+              <a:rPr lang="en-US" sz="2800" b="1" dirty="0">
                 <a:latin typeface="Consolas" pitchFamily="49" charset="0"/>
                 <a:cs typeface="Consolas" pitchFamily="49" charset="0"/>
               </a:rPr>
               <a:t>(define (list-</a:t>
             </a:r>
             <a:r>
-              <a:rPr lang="en-US" sz="2800" b="1" dirty="0" err="1" smtClean="0">
+              <a:rPr lang="en-US" sz="2800" b="1" dirty="0" err="1">
                 <a:latin typeface="Consolas" pitchFamily="49" charset="0"/>
                 <a:cs typeface="Consolas" pitchFamily="49" charset="0"/>
               </a:rPr>
               <a:t>fn</a:t>
             </a:r>
             <a:r>
-              <a:rPr lang="en-US" sz="2800" b="1" dirty="0" smtClean="0">
+              <a:rPr lang="en-US" sz="2800" b="1" dirty="0">
                 <a:latin typeface="Consolas" pitchFamily="49" charset="0"/>
                 <a:cs typeface="Consolas" pitchFamily="49" charset="0"/>
               </a:rPr>
               <a:t> </a:t>
             </a:r>
             <a:r>
-              <a:rPr lang="en-US" sz="2800" b="1" dirty="0" err="1" smtClean="0">
+              <a:rPr lang="en-US" sz="2800" b="1" dirty="0" err="1">
                 <a:latin typeface="Consolas" pitchFamily="49" charset="0"/>
                 <a:cs typeface="Consolas" pitchFamily="49" charset="0"/>
               </a:rPr>
               <a:t>lst</a:t>
             </a:r>
             <a:r>
-              <a:rPr lang="en-US" sz="2800" b="1" dirty="0" smtClean="0">
+              <a:rPr lang="en-US" sz="2800" b="1" dirty="0">
                 <a:latin typeface="Consolas" pitchFamily="49" charset="0"/>
                 <a:cs typeface="Consolas" pitchFamily="49" charset="0"/>
               </a:rPr>
@@ -10754,6 +10470,9 @@
           </a:p>
           <a:p>
             <a:pPr>
+              <a:spcBef>
+                <a:spcPts val="0"/>
+              </a:spcBef>
               <a:buNone/>
             </a:pPr>
             <a:r>
@@ -10761,22 +10480,18 @@
                 <a:latin typeface="Consolas" pitchFamily="49" charset="0"/>
                 <a:cs typeface="Consolas" pitchFamily="49" charset="0"/>
               </a:rPr>
-              <a:t> </a:t>
-            </a:r>
-            <a:r>
-              <a:rPr lang="en-US" sz="2800" b="1" dirty="0" smtClean="0">
-                <a:latin typeface="Consolas" pitchFamily="49" charset="0"/>
-                <a:cs typeface="Consolas" pitchFamily="49" charset="0"/>
-              </a:rPr>
-              <a:t> (map</a:t>
+              <a:t>  (map</a:t>
             </a:r>
           </a:p>
           <a:p>
             <a:pPr>
+              <a:spcBef>
+                <a:spcPts val="0"/>
+              </a:spcBef>
               <a:buNone/>
             </a:pPr>
             <a:r>
-              <a:rPr lang="en-US" sz="2800" b="1" dirty="0" smtClean="0">
+              <a:rPr lang="en-US" sz="2800" b="1" dirty="0">
                 <a:latin typeface="Consolas" pitchFamily="49" charset="0"/>
                 <a:cs typeface="Consolas" pitchFamily="49" charset="0"/>
               </a:rPr>
@@ -10785,6 +10500,9 @@
           </a:p>
           <a:p>
             <a:pPr>
+              <a:spcBef>
+                <a:spcPts val="0"/>
+              </a:spcBef>
               <a:buNone/>
             </a:pPr>
             <a:r>
@@ -10792,22 +10510,18 @@
                 <a:latin typeface="Consolas" pitchFamily="49" charset="0"/>
                 <a:cs typeface="Consolas" pitchFamily="49" charset="0"/>
               </a:rPr>
-              <a:t> </a:t>
-            </a:r>
-            <a:r>
-              <a:rPr lang="en-US" sz="2800" b="1" dirty="0" smtClean="0">
-                <a:latin typeface="Consolas" pitchFamily="49" charset="0"/>
-                <a:cs typeface="Consolas" pitchFamily="49" charset="0"/>
-              </a:rPr>
-              <a:t>   ; purpose statement for operator</a:t>
+              <a:t>    ; purpose statement for operator</a:t>
             </a:r>
           </a:p>
           <a:p>
             <a:pPr>
+              <a:spcBef>
+                <a:spcPts val="0"/>
+              </a:spcBef>
               <a:buNone/>
             </a:pPr>
             <a:r>
-              <a:rPr lang="en-US" sz="2800" b="1" dirty="0" smtClean="0">
+              <a:rPr lang="en-US" sz="2800" b="1" dirty="0">
                 <a:latin typeface="Consolas" pitchFamily="49" charset="0"/>
                 <a:cs typeface="Consolas" pitchFamily="49" charset="0"/>
               </a:rPr>
@@ -10816,31 +10530,27 @@
           </a:p>
           <a:p>
             <a:pPr>
+              <a:spcBef>
+                <a:spcPts val="0"/>
+              </a:spcBef>
               <a:buNone/>
             </a:pPr>
             <a:r>
-              <a:rPr lang="en-US" sz="2800" b="1" dirty="0" smtClean="0">
-                <a:latin typeface="Consolas" pitchFamily="49" charset="0"/>
-                <a:cs typeface="Consolas" pitchFamily="49" charset="0"/>
-              </a:rPr>
-              <a:t>   </a:t>
-            </a:r>
-            <a:r>
               <a:rPr lang="en-US" sz="2800" b="1" dirty="0">
                 <a:latin typeface="Consolas" pitchFamily="49" charset="0"/>
                 <a:cs typeface="Consolas" pitchFamily="49" charset="0"/>
               </a:rPr>
-              <a:t> </a:t>
-            </a:r>
-            <a:r>
-              <a:rPr lang="en-US" sz="2800" b="1" dirty="0" err="1" smtClean="0">
+              <a:t>    </a:t>
+            </a:r>
+            <a:r>
+              <a:rPr lang="en-US" sz="2800" b="1" dirty="0" err="1">
                 <a:latin typeface="Consolas" pitchFamily="49" charset="0"/>
                 <a:cs typeface="Consolas" pitchFamily="49" charset="0"/>
               </a:rPr>
               <a:t>lst</a:t>
             </a:r>
             <a:r>
-              <a:rPr lang="en-US" sz="2800" b="1" dirty="0" smtClean="0">
+              <a:rPr lang="en-US" sz="2800" b="1" dirty="0">
                 <a:latin typeface="Consolas" pitchFamily="49" charset="0"/>
                 <a:cs typeface="Consolas" pitchFamily="49" charset="0"/>
               </a:rPr>
@@ -10892,13 +10602,6 @@
   <p:clrMapOvr>
     <a:masterClrMapping/>
   </p:clrMapOvr>
-  <p:timing>
-    <p:tnLst>
-      <p:par>
-        <p:cTn id="1" dur="indefinite" restart="never" nodeType="tmRoot"/>
-      </p:par>
-    </p:tnLst>
-  </p:timing>
 </p:sld>
 </file>
 
@@ -10935,10 +10638,9 @@
           <a:lstStyle/>
           <a:p>
             <a:r>
-              <a:rPr lang="en-US" dirty="0" smtClean="0"/>
+              <a:rPr lang="en-US" dirty="0"/>
               <a:t>Introduction</a:t>
             </a:r>
-            <a:endParaRPr lang="en-US" dirty="0"/>
           </a:p>
         </p:txBody>
       </p:sp>
@@ -10960,35 +10662,31 @@
           <a:lstStyle/>
           <a:p>
             <a:r>
-              <a:rPr lang="en-US" dirty="0" smtClean="0"/>
-              <a:t>In this lesson, we will learn to recognize when your function is suitable for replacement by one of the </a:t>
-            </a:r>
-            <a:r>
-              <a:rPr lang="en-US" dirty="0" smtClean="0"/>
-              <a:t>built-in HOFs (</a:t>
-            </a:r>
-            <a:r>
-              <a:rPr lang="en-US" b="1" dirty="0" smtClean="0"/>
+              <a:rPr lang="en-US" dirty="0"/>
+              <a:t>In this lesson, we will learn to recognize when your function is suitable for replacement by one of the built-in HOFs (</a:t>
+            </a:r>
+            <a:r>
+              <a:rPr lang="en-US" b="1" dirty="0"/>
               <a:t>map</a:t>
             </a:r>
             <a:r>
-              <a:rPr lang="en-US" dirty="0" smtClean="0"/>
+              <a:rPr lang="en-US" dirty="0"/>
               <a:t>, </a:t>
             </a:r>
             <a:r>
-              <a:rPr lang="en-US" b="1" dirty="0" smtClean="0"/>
+              <a:rPr lang="en-US" b="1" dirty="0"/>
               <a:t>filter</a:t>
             </a:r>
             <a:r>
-              <a:rPr lang="en-US" dirty="0" smtClean="0"/>
+              <a:rPr lang="en-US" dirty="0"/>
               <a:t>, </a:t>
             </a:r>
             <a:r>
-              <a:rPr lang="en-US" b="1" dirty="0" err="1" smtClean="0"/>
+              <a:rPr lang="en-US" b="1" dirty="0" err="1"/>
               <a:t>foldr</a:t>
             </a:r>
             <a:r>
-              <a:rPr lang="en-US" dirty="0" smtClean="0"/>
+              <a:rPr lang="en-US" dirty="0"/>
               <a:t>, etc.)</a:t>
             </a:r>
           </a:p>
@@ -11028,13 +10726,6 @@
   <p:clrMapOvr>
     <a:masterClrMapping/>
   </p:clrMapOvr>
-  <p:timing>
-    <p:tnLst>
-      <p:par>
-        <p:cTn id="1" dur="indefinite" restart="never" nodeType="tmRoot"/>
-      </p:par>
-    </p:tnLst>
-  </p:timing>
 </p:sld>
 </file>
 
@@ -11071,10 +10762,9 @@
           <a:lstStyle/>
           <a:p>
             <a:r>
-              <a:rPr lang="en-US" dirty="0" smtClean="0"/>
+              <a:rPr lang="en-US" dirty="0"/>
               <a:t>Example</a:t>
             </a:r>
-            <a:endParaRPr lang="en-US" dirty="0"/>
           </a:p>
         </p:txBody>
       </p:sp>
@@ -11102,22 +10792,18 @@
           <a:p>
             <a:r>
               <a:rPr lang="en-US" dirty="0"/>
-              <a:t>;; </a:t>
-            </a:r>
-            <a:r>
-              <a:rPr lang="en-US" dirty="0" smtClean="0"/>
-              <a:t>STRATEGY: Use template for </a:t>
-            </a:r>
-            <a:r>
-              <a:rPr lang="en-US" dirty="0" err="1" smtClean="0"/>
+              <a:t>;; STRATEGY: Use template for </a:t>
+            </a:r>
+            <a:r>
+              <a:rPr lang="en-US" dirty="0" err="1"/>
               <a:t>ListOfNumber</a:t>
             </a:r>
             <a:r>
-              <a:rPr lang="en-US" dirty="0" smtClean="0"/>
+              <a:rPr lang="en-US" dirty="0"/>
               <a:t> on </a:t>
             </a:r>
             <a:r>
-              <a:rPr lang="en-US" dirty="0" err="1" smtClean="0"/>
+              <a:rPr lang="en-US" dirty="0" err="1"/>
               <a:t>lon</a:t>
             </a:r>
             <a:endParaRPr lang="en-US" dirty="0"/>
@@ -11125,21 +10811,16 @@
           <a:p>
             <a:r>
               <a:rPr lang="en-US" dirty="0"/>
-              <a:t>(define (</a:t>
-            </a:r>
-            <a:r>
-              <a:rPr lang="en-US" dirty="0" smtClean="0"/>
-              <a:t>add-x-to-each x </a:t>
-            </a:r>
-            <a:r>
-              <a:rPr lang="en-US" dirty="0" err="1" smtClean="0"/>
+              <a:t>(define (add-x-to-each x </a:t>
+            </a:r>
+            <a:r>
+              <a:rPr lang="en-US" dirty="0" err="1"/>
               <a:t>lon</a:t>
             </a:r>
             <a:r>
-              <a:rPr lang="en-US" dirty="0" smtClean="0"/>
+              <a:rPr lang="en-US" dirty="0"/>
               <a:t>)</a:t>
             </a:r>
-            <a:endParaRPr lang="en-US" dirty="0"/>
           </a:p>
           <a:p>
             <a:r>
@@ -11175,14 +10856,10 @@
           <a:p>
             <a:r>
               <a:rPr lang="en-US" dirty="0"/>
-              <a:t>               </a:t>
-            </a:r>
-            <a:r>
-              <a:rPr lang="en-US" dirty="0" smtClean="0"/>
-              <a:t>(</a:t>
-            </a:r>
-            <a:r>
-              <a:rPr lang="en-US" dirty="0" smtClean="0">
+              <a:t>               (</a:t>
+            </a:r>
+            <a:r>
+              <a:rPr lang="en-US" dirty="0">
                 <a:solidFill>
                   <a:srgbClr val="92D050"/>
                 </a:solidFill>
@@ -11190,7 +10867,7 @@
               <a:t>+ x </a:t>
             </a:r>
             <a:r>
-              <a:rPr lang="en-US" dirty="0" smtClean="0"/>
+              <a:rPr lang="en-US" dirty="0"/>
               <a:t>(first </a:t>
             </a:r>
             <a:r>
@@ -11205,18 +10882,14 @@
           <a:p>
             <a:r>
               <a:rPr lang="en-US" dirty="0"/>
-              <a:t>               (add1-to-each </a:t>
-            </a:r>
-            <a:r>
-              <a:rPr lang="en-US" dirty="0" smtClean="0"/>
-              <a:t>x (rest </a:t>
+              <a:t>               (add1-to-each x (rest </a:t>
             </a:r>
             <a:r>
               <a:rPr lang="en-US" dirty="0" err="1"/>
               <a:t>lon</a:t>
             </a:r>
             <a:r>
-              <a:rPr lang="en-US" dirty="0" smtClean="0"/>
+              <a:rPr lang="en-US" dirty="0"/>
               <a:t>))))]))</a:t>
             </a:r>
           </a:p>
@@ -11226,37 +10899,24 @@
           <a:p>
             <a:r>
               <a:rPr lang="en-US" dirty="0"/>
-              <a:t>;; strategy: </a:t>
-            </a:r>
-            <a:r>
-              <a:rPr lang="en-US" dirty="0" smtClean="0"/>
-              <a:t>Use HOF map on </a:t>
-            </a:r>
-            <a:r>
-              <a:rPr lang="en-US" dirty="0" err="1" smtClean="0"/>
+              <a:t>;; strategy: Use HOF map on </a:t>
+            </a:r>
+            <a:r>
+              <a:rPr lang="en-US" dirty="0" err="1"/>
               <a:t>lon</a:t>
             </a:r>
             <a:r>
-              <a:rPr lang="en-US" dirty="0" smtClean="0"/>
+              <a:rPr lang="en-US" dirty="0"/>
               <a:t>.</a:t>
             </a:r>
-            <a:endParaRPr lang="en-US" dirty="0"/>
-          </a:p>
-          <a:p>
-            <a:r>
-              <a:rPr lang="en-US" dirty="0" smtClean="0"/>
-              <a:t>(</a:t>
-            </a:r>
+          </a:p>
+          <a:p>
             <a:r>
               <a:rPr lang="en-US" dirty="0"/>
-              <a:t>define (</a:t>
-            </a:r>
-            <a:r>
-              <a:rPr lang="en-US" dirty="0" smtClean="0"/>
-              <a:t>add-x-to-each x </a:t>
-            </a:r>
-            <a:r>
-              <a:rPr lang="en-US" dirty="0" err="1" smtClean="0"/>
+              <a:t>(define (add-x-to-each x </a:t>
+            </a:r>
+            <a:r>
+              <a:rPr lang="en-US" dirty="0" err="1"/>
               <a:t>lon</a:t>
             </a:r>
             <a:r>
@@ -11267,40 +10927,28 @@
           <a:p>
             <a:r>
               <a:rPr lang="en-US" dirty="0"/>
-              <a:t>   </a:t>
-            </a:r>
-            <a:r>
-              <a:rPr lang="en-US" dirty="0" smtClean="0"/>
-              <a:t>(map</a:t>
+              <a:t>   (map</a:t>
             </a:r>
           </a:p>
           <a:p>
             <a:r>
               <a:rPr lang="en-US" dirty="0"/>
-              <a:t> </a:t>
-            </a:r>
-            <a:r>
-              <a:rPr lang="en-US" dirty="0" smtClean="0"/>
-              <a:t>    ;; Number -&gt; Number</a:t>
+              <a:t>     ;; Number -&gt; Number</a:t>
             </a:r>
           </a:p>
           <a:p>
             <a:r>
               <a:rPr lang="en-US" dirty="0"/>
-              <a:t> </a:t>
-            </a:r>
-            <a:r>
-              <a:rPr lang="en-US" dirty="0" smtClean="0"/>
-              <a:t>    (lambda (n) (+ x n))</a:t>
-            </a:r>
-          </a:p>
-          <a:p>
-            <a:r>
-              <a:rPr lang="en-US" dirty="0" smtClean="0"/>
+              <a:t>     (lambda (n) (+ x n))</a:t>
+            </a:r>
+          </a:p>
+          <a:p>
+            <a:r>
+              <a:rPr lang="en-US" dirty="0"/>
               <a:t>     </a:t>
             </a:r>
             <a:r>
-              <a:rPr lang="en-US" dirty="0" err="1" smtClean="0"/>
+              <a:rPr lang="en-US" dirty="0" err="1"/>
               <a:t>lon</a:t>
             </a:r>
             <a:r>
@@ -11372,10 +11020,9 @@
           <a:lstStyle/>
           <a:p>
             <a:r>
-              <a:rPr lang="en-US" sz="2400" dirty="0" smtClean="0"/>
+              <a:rPr lang="en-US" sz="2400" dirty="0"/>
               <a:t>Here's an original function, and  what we get after we've converted it to use map.  Here I've used lambda, but that isn't necessary.</a:t>
             </a:r>
-            <a:endParaRPr lang="en-US" sz="2400" dirty="0"/>
           </a:p>
         </p:txBody>
       </p:sp>
@@ -11415,18 +11062,17 @@
           <a:lstStyle/>
           <a:p>
             <a:r>
-              <a:rPr lang="en-US" dirty="0" smtClean="0"/>
+              <a:rPr lang="en-US" dirty="0"/>
               <a:t>This one is so simple you don't need a purpose statement for the </a:t>
             </a:r>
             <a:r>
-              <a:rPr lang="en-US" b="1" dirty="0" smtClean="0"/>
+              <a:rPr lang="en-US" b="1" dirty="0"/>
               <a:t>lambda</a:t>
             </a:r>
             <a:r>
-              <a:rPr lang="en-US" dirty="0" smtClean="0"/>
+              <a:rPr lang="en-US" dirty="0"/>
               <a:t>.</a:t>
             </a:r>
-            <a:endParaRPr lang="en-US" dirty="0"/>
           </a:p>
         </p:txBody>
       </p:sp>
@@ -11440,13 +11086,6 @@
   <p:clrMapOvr>
     <a:masterClrMapping/>
   </p:clrMapOvr>
-  <p:timing>
-    <p:tnLst>
-      <p:par>
-        <p:cTn id="1" dur="indefinite" restart="never" nodeType="tmRoot"/>
-      </p:par>
-    </p:tnLst>
-  </p:timing>
 </p:sld>
 </file>
 
@@ -11485,183 +11124,186 @@
           <a:lstStyle/>
           <a:p>
             <a:r>
-              <a:rPr lang="en-US" dirty="0" smtClean="0"/>
-              <a:t>Pattern for </a:t>
-            </a:r>
-            <a:r>
-              <a:rPr lang="en-US" dirty="0" smtClean="0"/>
-              <a:t>using a HOF: </a:t>
-            </a:r>
-            <a:r>
-              <a:rPr lang="en-US" b="1" dirty="0" smtClean="0">
+              <a:rPr lang="en-US" dirty="0"/>
+              <a:t>Pattern for using a HOF: </a:t>
+            </a:r>
+            <a:r>
+              <a:rPr lang="en-US" b="1" dirty="0">
                 <a:latin typeface="Consolas" pitchFamily="49" charset="0"/>
                 <a:cs typeface="Consolas" pitchFamily="49" charset="0"/>
               </a:rPr>
               <a:t>filter</a:t>
             </a:r>
-            <a:endParaRPr lang="en-US" b="1" dirty="0">
+          </a:p>
+        </p:txBody>
+      </p:sp>
+      <p:sp>
+        <p:nvSpPr>
+          <p:cNvPr id="3" name="Content Placeholder 2"/>
+          <p:cNvSpPr>
+            <a:spLocks noGrp="1"/>
+          </p:cNvSpPr>
+          <p:nvPr>
+            <p:ph idx="1"/>
+          </p:nvPr>
+        </p:nvSpPr>
+        <p:spPr/>
+        <p:txBody>
+          <a:bodyPr>
+            <a:normAutofit/>
+          </a:bodyPr>
+          <a:lstStyle/>
+          <a:p>
+            <a:pPr>
+              <a:spcBef>
+                <a:spcPts val="0"/>
+              </a:spcBef>
+              <a:buNone/>
+            </a:pPr>
+            <a:r>
+              <a:rPr lang="en-US" sz="2800" b="1" dirty="0">
+                <a:latin typeface="Consolas" pitchFamily="49" charset="0"/>
+                <a:cs typeface="Consolas" pitchFamily="49" charset="0"/>
+              </a:rPr>
+              <a:t>;; list-fn : </a:t>
+            </a:r>
+            <a:r>
+              <a:rPr lang="en-US" sz="2800" b="1" dirty="0" err="1">
+                <a:latin typeface="Consolas" pitchFamily="49" charset="0"/>
+                <a:cs typeface="Consolas" pitchFamily="49" charset="0"/>
+              </a:rPr>
+              <a:t>ListOfX</a:t>
+            </a:r>
+            <a:r>
+              <a:rPr lang="en-US" sz="2800" b="1" dirty="0">
+                <a:latin typeface="Consolas" pitchFamily="49" charset="0"/>
+                <a:cs typeface="Consolas" pitchFamily="49" charset="0"/>
+              </a:rPr>
+              <a:t> -&gt; </a:t>
+            </a:r>
+            <a:r>
+              <a:rPr lang="en-US" sz="2800" b="1" dirty="0" err="1">
+                <a:latin typeface="Consolas" pitchFamily="49" charset="0"/>
+                <a:cs typeface="Consolas" pitchFamily="49" charset="0"/>
+              </a:rPr>
+              <a:t>ListOfX</a:t>
+            </a:r>
+            <a:endParaRPr lang="en-US" sz="2800" b="1" dirty="0">
               <a:latin typeface="Consolas" pitchFamily="49" charset="0"/>
               <a:cs typeface="Consolas" pitchFamily="49" charset="0"/>
             </a:endParaRPr>
           </a:p>
-        </p:txBody>
-      </p:sp>
-      <p:sp>
-        <p:nvSpPr>
-          <p:cNvPr id="3" name="Content Placeholder 2"/>
-          <p:cNvSpPr>
-            <a:spLocks noGrp="1"/>
-          </p:cNvSpPr>
-          <p:nvPr>
-            <p:ph idx="1"/>
-          </p:nvPr>
-        </p:nvSpPr>
-        <p:spPr/>
-        <p:txBody>
-          <a:bodyPr>
-            <a:normAutofit/>
-          </a:bodyPr>
-          <a:lstStyle/>
           <a:p>
             <a:pPr>
+              <a:spcBef>
+                <a:spcPts val="0"/>
+              </a:spcBef>
               <a:buNone/>
             </a:pPr>
             <a:r>
-              <a:rPr lang="en-US" sz="2800" b="1" dirty="0" smtClean="0">
-                <a:latin typeface="Consolas" pitchFamily="49" charset="0"/>
-                <a:cs typeface="Consolas" pitchFamily="49" charset="0"/>
-              </a:rPr>
-              <a:t>;; list-fn : </a:t>
-            </a:r>
-            <a:r>
-              <a:rPr lang="en-US" sz="2800" b="1" dirty="0" err="1" smtClean="0">
-                <a:latin typeface="Consolas" pitchFamily="49" charset="0"/>
-                <a:cs typeface="Consolas" pitchFamily="49" charset="0"/>
-              </a:rPr>
-              <a:t>ListOfX</a:t>
-            </a:r>
-            <a:r>
-              <a:rPr lang="en-US" sz="2800" b="1" dirty="0" smtClean="0">
-                <a:latin typeface="Consolas" pitchFamily="49" charset="0"/>
-                <a:cs typeface="Consolas" pitchFamily="49" charset="0"/>
-              </a:rPr>
-              <a:t> -&gt; </a:t>
-            </a:r>
-            <a:r>
-              <a:rPr lang="en-US" sz="2800" b="1" dirty="0" err="1" smtClean="0">
-                <a:latin typeface="Consolas" pitchFamily="49" charset="0"/>
-                <a:cs typeface="Consolas" pitchFamily="49" charset="0"/>
-              </a:rPr>
-              <a:t>ListOfX</a:t>
-            </a:r>
-            <a:endParaRPr lang="en-US" sz="2800" b="1" dirty="0" smtClean="0">
-              <a:latin typeface="Consolas" pitchFamily="49" charset="0"/>
-              <a:cs typeface="Consolas" pitchFamily="49" charset="0"/>
-            </a:endParaRPr>
+              <a:rPr lang="en-US" sz="2800" b="1" dirty="0">
+                <a:latin typeface="Consolas" pitchFamily="49" charset="0"/>
+                <a:cs typeface="Consolas" pitchFamily="49" charset="0"/>
+              </a:rPr>
+              <a:t>(define (list-</a:t>
+            </a:r>
+            <a:r>
+              <a:rPr lang="en-US" sz="2800" b="1" dirty="0" err="1">
+                <a:latin typeface="Consolas" pitchFamily="49" charset="0"/>
+                <a:cs typeface="Consolas" pitchFamily="49" charset="0"/>
+              </a:rPr>
+              <a:t>fn</a:t>
+            </a:r>
+            <a:r>
+              <a:rPr lang="en-US" sz="2800" b="1" dirty="0">
+                <a:latin typeface="Consolas" pitchFamily="49" charset="0"/>
+                <a:cs typeface="Consolas" pitchFamily="49" charset="0"/>
+              </a:rPr>
+              <a:t> </a:t>
+            </a:r>
+            <a:r>
+              <a:rPr lang="en-US" sz="2800" b="1" dirty="0" err="1">
+                <a:latin typeface="Consolas" pitchFamily="49" charset="0"/>
+                <a:cs typeface="Consolas" pitchFamily="49" charset="0"/>
+              </a:rPr>
+              <a:t>lst</a:t>
+            </a:r>
+            <a:r>
+              <a:rPr lang="en-US" sz="2800" b="1" dirty="0">
+                <a:latin typeface="Consolas" pitchFamily="49" charset="0"/>
+                <a:cs typeface="Consolas" pitchFamily="49" charset="0"/>
+              </a:rPr>
+              <a:t>)</a:t>
+            </a:r>
           </a:p>
           <a:p>
             <a:pPr>
+              <a:spcBef>
+                <a:spcPts val="0"/>
+              </a:spcBef>
               <a:buNone/>
             </a:pPr>
             <a:r>
-              <a:rPr lang="en-US" sz="2800" b="1" dirty="0" smtClean="0">
-                <a:latin typeface="Consolas" pitchFamily="49" charset="0"/>
-                <a:cs typeface="Consolas" pitchFamily="49" charset="0"/>
-              </a:rPr>
-              <a:t>(define (list-</a:t>
-            </a:r>
-            <a:r>
-              <a:rPr lang="en-US" sz="2800" b="1" dirty="0" err="1" smtClean="0">
-                <a:latin typeface="Consolas" pitchFamily="49" charset="0"/>
-                <a:cs typeface="Consolas" pitchFamily="49" charset="0"/>
-              </a:rPr>
-              <a:t>fn</a:t>
-            </a:r>
-            <a:r>
-              <a:rPr lang="en-US" sz="2800" b="1" dirty="0" smtClean="0">
-                <a:latin typeface="Consolas" pitchFamily="49" charset="0"/>
-                <a:cs typeface="Consolas" pitchFamily="49" charset="0"/>
-              </a:rPr>
-              <a:t> </a:t>
-            </a:r>
-            <a:r>
-              <a:rPr lang="en-US" sz="2800" b="1" dirty="0" err="1" smtClean="0">
+              <a:rPr lang="en-US" sz="2800" b="1" dirty="0">
+                <a:latin typeface="Consolas" pitchFamily="49" charset="0"/>
+                <a:cs typeface="Consolas" pitchFamily="49" charset="0"/>
+              </a:rPr>
+              <a:t>  (local (; X -&gt; Boolean</a:t>
+            </a:r>
+          </a:p>
+          <a:p>
+            <a:pPr>
+              <a:spcBef>
+                <a:spcPts val="0"/>
+              </a:spcBef>
+              <a:buNone/>
+            </a:pPr>
+            <a:r>
+              <a:rPr lang="en-US" sz="2800" b="1" dirty="0">
+                <a:latin typeface="Consolas" pitchFamily="49" charset="0"/>
+                <a:cs typeface="Consolas" pitchFamily="49" charset="0"/>
+              </a:rPr>
+              <a:t>          ; purpose statement for test</a:t>
+            </a:r>
+          </a:p>
+          <a:p>
+            <a:pPr>
+              <a:spcBef>
+                <a:spcPts val="0"/>
+              </a:spcBef>
+              <a:buNone/>
+            </a:pPr>
+            <a:r>
+              <a:rPr lang="en-US" sz="2800" b="1" dirty="0">
+                <a:latin typeface="Consolas" pitchFamily="49" charset="0"/>
+                <a:cs typeface="Consolas" pitchFamily="49" charset="0"/>
+              </a:rPr>
+              <a:t>          (define (test x) ...))</a:t>
+            </a:r>
+          </a:p>
+          <a:p>
+            <a:pPr>
+              <a:spcBef>
+                <a:spcPts val="0"/>
+              </a:spcBef>
+              <a:buNone/>
+            </a:pPr>
+            <a:r>
+              <a:rPr lang="en-US" sz="2800" b="1" dirty="0">
+                <a:latin typeface="Consolas" pitchFamily="49" charset="0"/>
+                <a:cs typeface="Consolas" pitchFamily="49" charset="0"/>
+              </a:rPr>
+              <a:t>   (filter test </a:t>
+            </a:r>
+            <a:r>
+              <a:rPr lang="en-US" sz="2800" b="1" dirty="0" err="1">
                 <a:latin typeface="Consolas" pitchFamily="49" charset="0"/>
                 <a:cs typeface="Consolas" pitchFamily="49" charset="0"/>
               </a:rPr>
               <a:t>lst</a:t>
             </a:r>
             <a:r>
-              <a:rPr lang="en-US" sz="2800" b="1" dirty="0" smtClean="0">
-                <a:latin typeface="Consolas" pitchFamily="49" charset="0"/>
-                <a:cs typeface="Consolas" pitchFamily="49" charset="0"/>
-              </a:rPr>
-              <a:t>)</a:t>
-            </a:r>
-          </a:p>
-          <a:p>
-            <a:pPr>
-              <a:buNone/>
-            </a:pPr>
-            <a:r>
-              <a:rPr lang="en-US" sz="2800" b="1" dirty="0" smtClean="0">
-                <a:latin typeface="Consolas" pitchFamily="49" charset="0"/>
-                <a:cs typeface="Consolas" pitchFamily="49" charset="0"/>
-              </a:rPr>
-              <a:t>  (local (; X -&gt; Boolean</a:t>
-            </a:r>
-          </a:p>
-          <a:p>
-            <a:pPr>
-              <a:buNone/>
-            </a:pPr>
-            <a:r>
               <a:rPr lang="en-US" sz="2800" b="1" dirty="0">
-                <a:latin typeface="Consolas" pitchFamily="49" charset="0"/>
-                <a:cs typeface="Consolas" pitchFamily="49" charset="0"/>
-              </a:rPr>
-              <a:t> </a:t>
-            </a:r>
-            <a:r>
-              <a:rPr lang="en-US" sz="2800" b="1" dirty="0" smtClean="0">
-                <a:latin typeface="Consolas" pitchFamily="49" charset="0"/>
-                <a:cs typeface="Consolas" pitchFamily="49" charset="0"/>
-              </a:rPr>
-              <a:t>         ; purpose statement for test</a:t>
-            </a:r>
-          </a:p>
-          <a:p>
-            <a:pPr>
-              <a:buNone/>
-            </a:pPr>
-            <a:r>
-              <a:rPr lang="en-US" sz="2800" b="1" dirty="0" smtClean="0">
-                <a:latin typeface="Consolas" pitchFamily="49" charset="0"/>
-                <a:cs typeface="Consolas" pitchFamily="49" charset="0"/>
-              </a:rPr>
-              <a:t>          (define (test x) ...))</a:t>
-            </a:r>
-          </a:p>
-          <a:p>
-            <a:pPr>
-              <a:buNone/>
-            </a:pPr>
-            <a:r>
-              <a:rPr lang="en-US" sz="2800" b="1" dirty="0" smtClean="0">
-                <a:latin typeface="Consolas" pitchFamily="49" charset="0"/>
-                <a:cs typeface="Consolas" pitchFamily="49" charset="0"/>
-              </a:rPr>
-              <a:t>   (filter test </a:t>
-            </a:r>
-            <a:r>
-              <a:rPr lang="en-US" sz="2800" b="1" dirty="0" err="1" smtClean="0">
-                <a:latin typeface="Consolas" pitchFamily="49" charset="0"/>
-                <a:cs typeface="Consolas" pitchFamily="49" charset="0"/>
-              </a:rPr>
-              <a:t>lst</a:t>
-            </a:r>
-            <a:r>
-              <a:rPr lang="en-US" sz="2800" b="1" dirty="0" smtClean="0">
                 <a:latin typeface="Consolas" pitchFamily="49" charset="0"/>
                 <a:cs typeface="Consolas" pitchFamily="49" charset="0"/>
               </a:rPr>
@@ -11763,13 +11405,6 @@
   <p:clrMapOvr>
     <a:masterClrMapping/>
   </p:clrMapOvr>
-  <p:timing>
-    <p:tnLst>
-      <p:par>
-        <p:cTn id="1" dur="indefinite" restart="never" nodeType="tmRoot"/>
-      </p:par>
-    </p:tnLst>
-  </p:timing>
 </p:sld>
 </file>
 
@@ -11806,10 +11441,9 @@
           <a:lstStyle/>
           <a:p>
             <a:r>
-              <a:rPr lang="en-US" dirty="0" smtClean="0"/>
+              <a:rPr lang="en-US" dirty="0"/>
               <a:t>Or you could use lambda</a:t>
             </a:r>
-            <a:endParaRPr lang="en-US" dirty="0"/>
           </a:p>
         </p:txBody>
       </p:sp>
@@ -11843,19 +11477,15 @@
               <a:t> : </a:t>
             </a:r>
             <a:r>
-              <a:rPr lang="en-US" sz="2800" dirty="0" err="1" smtClean="0"/>
+              <a:rPr lang="en-US" sz="2800" dirty="0" err="1"/>
               <a:t>ListOfX</a:t>
             </a:r>
             <a:r>
-              <a:rPr lang="en-US" sz="2800" dirty="0" smtClean="0"/>
-              <a:t> </a:t>
-            </a:r>
-            <a:r>
               <a:rPr lang="en-US" sz="2800" dirty="0"/>
-              <a:t>-&gt; </a:t>
-            </a:r>
-            <a:r>
-              <a:rPr lang="en-US" sz="2800" dirty="0" err="1" smtClean="0"/>
+              <a:t> -&gt; </a:t>
+            </a:r>
+            <a:r>
+              <a:rPr lang="en-US" sz="2800" dirty="0" err="1"/>
               <a:t>ListOfX</a:t>
             </a:r>
             <a:endParaRPr lang="en-US" sz="2800" dirty="0"/>
@@ -11874,14 +11504,13 @@
               <a:t> </a:t>
             </a:r>
             <a:r>
-              <a:rPr lang="en-US" sz="2800" dirty="0" err="1" smtClean="0"/>
+              <a:rPr lang="en-US" sz="2800" dirty="0" err="1"/>
               <a:t>lst</a:t>
             </a:r>
             <a:r>
-              <a:rPr lang="en-US" sz="2800" dirty="0" smtClean="0"/>
+              <a:rPr lang="en-US" sz="2800" dirty="0"/>
               <a:t>)</a:t>
             </a:r>
-            <a:endParaRPr lang="en-US" sz="2800" dirty="0"/>
           </a:p>
           <a:p>
             <a:r>
@@ -11898,15 +11527,7 @@
           <a:p>
             <a:r>
               <a:rPr lang="en-US" sz="2800" dirty="0"/>
-              <a:t>    ; purpose statement for </a:t>
-            </a:r>
-            <a:r>
-              <a:rPr lang="en-US" sz="2800" dirty="0" smtClean="0"/>
-              <a:t>the </a:t>
-            </a:r>
-            <a:r>
-              <a:rPr lang="en-US" sz="2800" dirty="0"/>
-              <a:t>test</a:t>
+              <a:t>    ; purpose statement for the test</a:t>
             </a:r>
           </a:p>
           <a:p>
@@ -11921,14 +11542,13 @@
               <a:t>    </a:t>
             </a:r>
             <a:r>
-              <a:rPr lang="en-US" sz="2800" dirty="0" err="1" smtClean="0"/>
+              <a:rPr lang="en-US" sz="2800" dirty="0" err="1"/>
               <a:t>lst</a:t>
             </a:r>
             <a:r>
-              <a:rPr lang="en-US" sz="2800" dirty="0" smtClean="0"/>
+              <a:rPr lang="en-US" sz="2800" dirty="0"/>
               <a:t>))</a:t>
             </a:r>
-            <a:endParaRPr lang="en-US" sz="2800" dirty="0"/>
           </a:p>
           <a:p>
             <a:endParaRPr lang="en-US" dirty="0"/>
@@ -11968,13 +11588,6 @@
   <p:clrMapOvr>
     <a:masterClrMapping/>
   </p:clrMapOvr>
-  <p:timing>
-    <p:tnLst>
-      <p:par>
-        <p:cTn id="1" dur="indefinite" restart="never" nodeType="tmRoot"/>
-      </p:par>
-    </p:tnLst>
-  </p:timing>
 </p:sld>
 </file>
 
@@ -12013,30 +11626,25 @@
           <a:lstStyle/>
           <a:p>
             <a:r>
-              <a:rPr lang="en-US" dirty="0" smtClean="0"/>
-              <a:t>Pattern for </a:t>
-            </a:r>
-            <a:r>
-              <a:rPr lang="en-US" dirty="0" smtClean="0"/>
-              <a:t>using an HOF: </a:t>
-            </a:r>
-            <a:r>
-              <a:rPr lang="en-US" b="1" dirty="0" err="1" smtClean="0"/>
+              <a:rPr lang="en-US" dirty="0"/>
+              <a:t>Pattern for using an HOF: </a:t>
+            </a:r>
+            <a:r>
+              <a:rPr lang="en-US" b="1" dirty="0" err="1"/>
               <a:t>andmap</a:t>
             </a:r>
             <a:r>
-              <a:rPr lang="en-US" dirty="0" smtClean="0"/>
+              <a:rPr lang="en-US" dirty="0"/>
               <a:t>/</a:t>
             </a:r>
             <a:r>
-              <a:rPr lang="en-US" b="1" dirty="0" err="1" smtClean="0"/>
+              <a:rPr lang="en-US" b="1" dirty="0" err="1"/>
               <a:t>ormap</a:t>
             </a:r>
             <a:r>
-              <a:rPr lang="en-US" b="1" dirty="0" smtClean="0"/>
+              <a:rPr lang="en-US" b="1" dirty="0"/>
               <a:t> </a:t>
             </a:r>
-            <a:endParaRPr lang="en-US" b="1" dirty="0"/>
           </a:p>
         </p:txBody>
       </p:sp>
@@ -12061,21 +11669,21 @@
               <a:buNone/>
             </a:pPr>
             <a:r>
-              <a:rPr lang="en-US" sz="2800" b="1" dirty="0" smtClean="0">
+              <a:rPr lang="en-US" sz="2800" b="1" dirty="0">
                 <a:latin typeface="Consolas" pitchFamily="49" charset="0"/>
                 <a:cs typeface="Consolas" pitchFamily="49" charset="0"/>
               </a:rPr>
               <a:t>;; list-fn : </a:t>
             </a:r>
             <a:r>
-              <a:rPr lang="en-US" sz="2800" b="1" dirty="0" err="1" smtClean="0">
+              <a:rPr lang="en-US" sz="2800" b="1" dirty="0" err="1">
                 <a:latin typeface="Consolas" pitchFamily="49" charset="0"/>
                 <a:cs typeface="Consolas" pitchFamily="49" charset="0"/>
               </a:rPr>
               <a:t>ListOfX</a:t>
             </a:r>
             <a:r>
-              <a:rPr lang="en-US" sz="2800" b="1" dirty="0" smtClean="0">
+              <a:rPr lang="en-US" sz="2800" b="1" dirty="0">
                 <a:latin typeface="Consolas" pitchFamily="49" charset="0"/>
                 <a:cs typeface="Consolas" pitchFamily="49" charset="0"/>
               </a:rPr>
@@ -12087,35 +11695,35 @@
               <a:buNone/>
             </a:pPr>
             <a:r>
-              <a:rPr lang="en-US" sz="2800" b="1" dirty="0" smtClean="0">
+              <a:rPr lang="en-US" sz="2800" b="1" dirty="0">
                 <a:latin typeface="Consolas" pitchFamily="49" charset="0"/>
                 <a:cs typeface="Consolas" pitchFamily="49" charset="0"/>
               </a:rPr>
               <a:t>(define (list-</a:t>
             </a:r>
             <a:r>
-              <a:rPr lang="en-US" sz="2800" b="1" dirty="0" err="1" smtClean="0">
+              <a:rPr lang="en-US" sz="2800" b="1" dirty="0" err="1">
                 <a:latin typeface="Consolas" pitchFamily="49" charset="0"/>
                 <a:cs typeface="Consolas" pitchFamily="49" charset="0"/>
               </a:rPr>
               <a:t>fn</a:t>
             </a:r>
             <a:r>
-              <a:rPr lang="en-US" sz="2800" b="1" dirty="0" smtClean="0">
+              <a:rPr lang="en-US" sz="2800" b="1" dirty="0">
                 <a:latin typeface="Consolas" pitchFamily="49" charset="0"/>
                 <a:cs typeface="Consolas" pitchFamily="49" charset="0"/>
               </a:rPr>
               <a:t> </a:t>
             </a:r>
             <a:r>
-              <a:rPr lang="en-US" sz="2800" b="1" dirty="0" err="1" smtClean="0">
+              <a:rPr lang="en-US" sz="2800" b="1" dirty="0" err="1">
                 <a:latin typeface="Consolas" pitchFamily="49" charset="0"/>
                 <a:cs typeface="Consolas" pitchFamily="49" charset="0"/>
               </a:rPr>
               <a:t>lst</a:t>
             </a:r>
             <a:r>
-              <a:rPr lang="en-US" sz="2800" b="1" dirty="0" smtClean="0">
+              <a:rPr lang="en-US" sz="2800" b="1" dirty="0">
                 <a:latin typeface="Consolas" pitchFamily="49" charset="0"/>
                 <a:cs typeface="Consolas" pitchFamily="49" charset="0"/>
               </a:rPr>
@@ -12127,7 +11735,7 @@
               <a:buNone/>
             </a:pPr>
             <a:r>
-              <a:rPr lang="en-US" sz="2800" b="1" dirty="0" smtClean="0">
+              <a:rPr lang="en-US" sz="2800" b="1" dirty="0">
                 <a:latin typeface="Consolas" pitchFamily="49" charset="0"/>
                 <a:cs typeface="Consolas" pitchFamily="49" charset="0"/>
               </a:rPr>
@@ -12139,23 +11747,19 @@
               <a:buNone/>
             </a:pPr>
             <a:r>
-              <a:rPr lang="en-US" sz="2800" b="1" dirty="0" smtClean="0">
+              <a:rPr lang="en-US" sz="2800" b="1" dirty="0">
                 <a:latin typeface="Consolas" pitchFamily="49" charset="0"/>
                 <a:cs typeface="Consolas" pitchFamily="49" charset="0"/>
               </a:rPr>
               <a:t>          ; purpose statement for test</a:t>
             </a:r>
-            <a:endParaRPr lang="en-US" sz="2800" b="1" dirty="0">
-              <a:latin typeface="Consolas" pitchFamily="49" charset="0"/>
-              <a:cs typeface="Consolas" pitchFamily="49" charset="0"/>
-            </a:endParaRPr>
           </a:p>
           <a:p>
             <a:pPr>
               <a:buNone/>
             </a:pPr>
             <a:r>
-              <a:rPr lang="en-US" sz="2800" b="1" dirty="0" smtClean="0">
+              <a:rPr lang="en-US" sz="2800" b="1" dirty="0">
                 <a:latin typeface="Consolas" pitchFamily="49" charset="0"/>
                 <a:cs typeface="Consolas" pitchFamily="49" charset="0"/>
               </a:rPr>
@@ -12167,49 +11771,49 @@
               <a:buNone/>
             </a:pPr>
             <a:r>
-              <a:rPr lang="en-US" sz="2800" b="1" dirty="0" smtClean="0">
+              <a:rPr lang="en-US" sz="2800" b="1" dirty="0">
                 <a:latin typeface="Consolas" pitchFamily="49" charset="0"/>
                 <a:cs typeface="Consolas" pitchFamily="49" charset="0"/>
               </a:rPr>
               <a:t>   (</a:t>
             </a:r>
             <a:r>
-              <a:rPr lang="en-US" sz="2800" b="1" dirty="0" err="1" smtClean="0">
+              <a:rPr lang="en-US" sz="2800" b="1" dirty="0" err="1">
                 <a:latin typeface="Consolas" pitchFamily="49" charset="0"/>
                 <a:cs typeface="Consolas" pitchFamily="49" charset="0"/>
               </a:rPr>
               <a:t>andmap</a:t>
             </a:r>
             <a:r>
-              <a:rPr lang="en-US" sz="2800" b="1" dirty="0" smtClean="0">
+              <a:rPr lang="en-US" sz="2800" b="1" dirty="0">
                 <a:latin typeface="Consolas" pitchFamily="49" charset="0"/>
                 <a:cs typeface="Consolas" pitchFamily="49" charset="0"/>
               </a:rPr>
               <a:t>/</a:t>
             </a:r>
             <a:r>
-              <a:rPr lang="en-US" sz="2800" b="1" dirty="0" err="1" smtClean="0">
+              <a:rPr lang="en-US" sz="2800" b="1" dirty="0" err="1">
                 <a:latin typeface="Consolas" pitchFamily="49" charset="0"/>
                 <a:cs typeface="Consolas" pitchFamily="49" charset="0"/>
               </a:rPr>
               <a:t>ormap</a:t>
             </a:r>
             <a:r>
-              <a:rPr lang="en-US" sz="2800" b="1" dirty="0" smtClean="0">
+              <a:rPr lang="en-US" sz="2800" b="1" dirty="0">
                 <a:latin typeface="Consolas" pitchFamily="49" charset="0"/>
                 <a:cs typeface="Consolas" pitchFamily="49" charset="0"/>
               </a:rPr>
               <a:t> test </a:t>
             </a:r>
             <a:r>
-              <a:rPr lang="en-US" sz="2800" b="1" dirty="0" err="1" smtClean="0">
+              <a:rPr lang="en-US" sz="2800" b="1" dirty="0" err="1">
                 <a:latin typeface="Consolas" pitchFamily="49" charset="0"/>
                 <a:cs typeface="Consolas" pitchFamily="49" charset="0"/>
               </a:rPr>
               <a:t>lst</a:t>
             </a:r>
             <a:r>
-              <a:rPr lang="en-US" sz="2800" b="1" dirty="0" smtClean="0">
+              <a:rPr lang="en-US" sz="2800" b="1" dirty="0">
                 <a:latin typeface="Consolas" pitchFamily="49" charset="0"/>
                 <a:cs typeface="Consolas" pitchFamily="49" charset="0"/>
               </a:rPr>
@@ -12287,7 +11891,7 @@
           <a:lstStyle/>
           <a:p>
             <a:r>
-              <a:rPr lang="en-US" sz="2400" dirty="0" smtClean="0"/>
+              <a:rPr lang="en-US" sz="2400" dirty="0"/>
               <a:t>Either </a:t>
             </a:r>
             <a:r>
@@ -12303,10 +11907,9 @@
               <a:t>ormap</a:t>
             </a:r>
             <a:r>
-              <a:rPr lang="en-US" sz="2400" dirty="0" smtClean="0"/>
+              <a:rPr lang="en-US" sz="2400" dirty="0"/>
               <a:t>.</a:t>
             </a:r>
-            <a:endParaRPr lang="en-US" sz="2400" dirty="0"/>
           </a:p>
         </p:txBody>
       </p:sp>
@@ -12358,13 +11961,6 @@
   <p:clrMapOvr>
     <a:masterClrMapping/>
   </p:clrMapOvr>
-  <p:timing>
-    <p:tnLst>
-      <p:par>
-        <p:cTn id="1" dur="indefinite" restart="never" nodeType="tmRoot"/>
-      </p:par>
-    </p:tnLst>
-  </p:timing>
 </p:sld>
 </file>
 
@@ -12403,16 +11999,8 @@
           <a:lstStyle/>
           <a:p>
             <a:r>
-              <a:rPr lang="en-US" dirty="0" smtClean="0"/>
-              <a:t>Using  </a:t>
-            </a:r>
-            <a:r>
-              <a:rPr lang="en-US" dirty="0" smtClean="0"/>
-              <a:t>an HOF with</a:t>
-            </a:r>
-            <a:r>
-              <a:rPr lang="en-US" dirty="0" smtClean="0"/>
-              <a:t> </a:t>
+              <a:rPr lang="en-US" dirty="0"/>
+              <a:t>Using  an HOF with </a:t>
             </a:r>
             <a:r>
               <a:rPr lang="en-US" b="1" dirty="0">
@@ -12426,22 +12014,21 @@
               <a:t> : </a:t>
             </a:r>
             <a:r>
-              <a:rPr lang="en-US" b="1" dirty="0" err="1" smtClean="0"/>
+              <a:rPr lang="en-US" b="1" dirty="0" err="1"/>
               <a:t>andmap</a:t>
             </a:r>
             <a:r>
-              <a:rPr lang="en-US" dirty="0" smtClean="0"/>
+              <a:rPr lang="en-US" dirty="0"/>
               <a:t>/</a:t>
             </a:r>
             <a:r>
-              <a:rPr lang="en-US" b="1" dirty="0" err="1" smtClean="0"/>
+              <a:rPr lang="en-US" b="1" dirty="0" err="1"/>
               <a:t>ormap</a:t>
             </a:r>
             <a:r>
-              <a:rPr lang="en-US" b="1" dirty="0" smtClean="0"/>
+              <a:rPr lang="en-US" b="1" dirty="0"/>
               <a:t> </a:t>
             </a:r>
-            <a:endParaRPr lang="en-US" b="1" dirty="0"/>
           </a:p>
         </p:txBody>
       </p:sp>
@@ -12466,21 +12053,21 @@
               <a:buNone/>
             </a:pPr>
             <a:r>
-              <a:rPr lang="en-US" sz="2800" b="1" dirty="0" smtClean="0">
+              <a:rPr lang="en-US" sz="2800" b="1" dirty="0">
                 <a:latin typeface="Consolas" pitchFamily="49" charset="0"/>
                 <a:cs typeface="Consolas" pitchFamily="49" charset="0"/>
               </a:rPr>
               <a:t>;; list-fn : </a:t>
             </a:r>
             <a:r>
-              <a:rPr lang="en-US" sz="2800" b="1" dirty="0" err="1" smtClean="0">
+              <a:rPr lang="en-US" sz="2800" b="1" dirty="0" err="1">
                 <a:latin typeface="Consolas" pitchFamily="49" charset="0"/>
                 <a:cs typeface="Consolas" pitchFamily="49" charset="0"/>
               </a:rPr>
               <a:t>ListOfX</a:t>
             </a:r>
             <a:r>
-              <a:rPr lang="en-US" sz="2800" b="1" dirty="0" smtClean="0">
+              <a:rPr lang="en-US" sz="2800" b="1" dirty="0">
                 <a:latin typeface="Consolas" pitchFamily="49" charset="0"/>
                 <a:cs typeface="Consolas" pitchFamily="49" charset="0"/>
               </a:rPr>
@@ -12492,35 +12079,35 @@
               <a:buNone/>
             </a:pPr>
             <a:r>
-              <a:rPr lang="en-US" sz="2800" b="1" dirty="0" smtClean="0">
+              <a:rPr lang="en-US" sz="2800" b="1" dirty="0">
                 <a:latin typeface="Consolas" pitchFamily="49" charset="0"/>
                 <a:cs typeface="Consolas" pitchFamily="49" charset="0"/>
               </a:rPr>
               <a:t>(define (list-</a:t>
             </a:r>
             <a:r>
-              <a:rPr lang="en-US" sz="2800" b="1" dirty="0" err="1" smtClean="0">
+              <a:rPr lang="en-US" sz="2800" b="1" dirty="0" err="1">
                 <a:latin typeface="Consolas" pitchFamily="49" charset="0"/>
                 <a:cs typeface="Consolas" pitchFamily="49" charset="0"/>
               </a:rPr>
               <a:t>fn</a:t>
             </a:r>
             <a:r>
-              <a:rPr lang="en-US" sz="2800" b="1" dirty="0" smtClean="0">
+              <a:rPr lang="en-US" sz="2800" b="1" dirty="0">
                 <a:latin typeface="Consolas" pitchFamily="49" charset="0"/>
                 <a:cs typeface="Consolas" pitchFamily="49" charset="0"/>
               </a:rPr>
               <a:t> </a:t>
             </a:r>
             <a:r>
-              <a:rPr lang="en-US" sz="2800" b="1" dirty="0" err="1" smtClean="0">
+              <a:rPr lang="en-US" sz="2800" b="1" dirty="0" err="1">
                 <a:latin typeface="Consolas" pitchFamily="49" charset="0"/>
                 <a:cs typeface="Consolas" pitchFamily="49" charset="0"/>
               </a:rPr>
               <a:t>lst</a:t>
             </a:r>
             <a:r>
-              <a:rPr lang="en-US" sz="2800" b="1" dirty="0" smtClean="0">
+              <a:rPr lang="en-US" sz="2800" b="1" dirty="0">
                 <a:latin typeface="Consolas" pitchFamily="49" charset="0"/>
                 <a:cs typeface="Consolas" pitchFamily="49" charset="0"/>
               </a:rPr>
@@ -12536,132 +12123,107 @@
                 <a:latin typeface="Consolas" pitchFamily="49" charset="0"/>
                 <a:cs typeface="Consolas" pitchFamily="49" charset="0"/>
               </a:rPr>
-              <a:t> </a:t>
-            </a:r>
-            <a:r>
-              <a:rPr lang="en-US" sz="2800" b="1" dirty="0" smtClean="0">
-                <a:latin typeface="Consolas" pitchFamily="49" charset="0"/>
-                <a:cs typeface="Consolas" pitchFamily="49" charset="0"/>
-              </a:rPr>
-              <a:t> (</a:t>
-            </a:r>
-            <a:r>
-              <a:rPr lang="en-US" sz="2800" b="1" dirty="0" err="1" smtClean="0">
+              <a:t>  (</a:t>
+            </a:r>
+            <a:r>
+              <a:rPr lang="en-US" sz="2800" b="1" dirty="0" err="1">
                 <a:latin typeface="Consolas" pitchFamily="49" charset="0"/>
                 <a:cs typeface="Consolas" pitchFamily="49" charset="0"/>
               </a:rPr>
               <a:t>andmap</a:t>
             </a:r>
             <a:r>
-              <a:rPr lang="en-US" sz="2800" b="1" dirty="0" smtClean="0">
+              <a:rPr lang="en-US" sz="2800" b="1" dirty="0">
                 <a:latin typeface="Consolas" pitchFamily="49" charset="0"/>
                 <a:cs typeface="Consolas" pitchFamily="49" charset="0"/>
               </a:rPr>
               <a:t>/</a:t>
             </a:r>
             <a:r>
-              <a:rPr lang="en-US" sz="2800" b="1" dirty="0" err="1" smtClean="0">
+              <a:rPr lang="en-US" sz="2800" b="1" dirty="0" err="1">
                 <a:latin typeface="Consolas" pitchFamily="49" charset="0"/>
                 <a:cs typeface="Consolas" pitchFamily="49" charset="0"/>
               </a:rPr>
               <a:t>ormap</a:t>
-            </a:r>
-            <a:endParaRPr lang="en-US" sz="2800" b="1" dirty="0" smtClean="0">
-              <a:latin typeface="Consolas" pitchFamily="49" charset="0"/>
-              <a:cs typeface="Consolas" pitchFamily="49" charset="0"/>
-            </a:endParaRPr>
-          </a:p>
-          <a:p>
-            <a:pPr>
-              <a:buNone/>
-            </a:pPr>
-            <a:r>
-              <a:rPr lang="en-US" sz="2800" b="1" dirty="0" smtClean="0">
-                <a:latin typeface="Consolas" pitchFamily="49" charset="0"/>
-                <a:cs typeface="Consolas" pitchFamily="49" charset="0"/>
-              </a:rPr>
-              <a:t>    ; X -&gt; Boolean</a:t>
-            </a:r>
-          </a:p>
-          <a:p>
-            <a:pPr>
-              <a:buNone/>
-            </a:pPr>
-            <a:r>
-              <a:rPr lang="en-US" sz="2800" b="1" dirty="0">
-                <a:latin typeface="Consolas" pitchFamily="49" charset="0"/>
-                <a:cs typeface="Consolas" pitchFamily="49" charset="0"/>
-              </a:rPr>
-              <a:t> </a:t>
-            </a:r>
-            <a:r>
-              <a:rPr lang="en-US" sz="2800" b="1" dirty="0" smtClean="0">
-                <a:latin typeface="Consolas" pitchFamily="49" charset="0"/>
-                <a:cs typeface="Consolas" pitchFamily="49" charset="0"/>
-              </a:rPr>
-              <a:t>   ; purpose statement for the test</a:t>
-            </a:r>
-          </a:p>
-          <a:p>
-            <a:pPr>
-              <a:buNone/>
-            </a:pPr>
-            <a:r>
-              <a:rPr lang="en-US" sz="2800" b="1" dirty="0" smtClean="0">
-                <a:latin typeface="Consolas" pitchFamily="49" charset="0"/>
-                <a:cs typeface="Consolas" pitchFamily="49" charset="0"/>
-              </a:rPr>
-              <a:t>    (lambda (x) ...)</a:t>
-            </a:r>
-          </a:p>
-          <a:p>
-            <a:pPr>
-              <a:buNone/>
-            </a:pPr>
-            <a:r>
-              <a:rPr lang="en-US" sz="2800" b="1" dirty="0">
-                <a:latin typeface="Consolas" pitchFamily="49" charset="0"/>
-                <a:cs typeface="Consolas" pitchFamily="49" charset="0"/>
-              </a:rPr>
-              <a:t> </a:t>
-            </a:r>
-            <a:r>
-              <a:rPr lang="en-US" sz="2800" b="1" dirty="0" smtClean="0">
-                <a:latin typeface="Consolas" pitchFamily="49" charset="0"/>
-                <a:cs typeface="Consolas" pitchFamily="49" charset="0"/>
-              </a:rPr>
-              <a:t>   </a:t>
-            </a:r>
-            <a:r>
-              <a:rPr lang="en-US" sz="2800" b="1" dirty="0" err="1" smtClean="0">
-                <a:latin typeface="Consolas" pitchFamily="49" charset="0"/>
-                <a:cs typeface="Consolas" pitchFamily="49" charset="0"/>
-              </a:rPr>
-              <a:t>lst</a:t>
-            </a:r>
-            <a:r>
-              <a:rPr lang="en-US" sz="2800" b="1" dirty="0" smtClean="0">
-                <a:latin typeface="Consolas" pitchFamily="49" charset="0"/>
-                <a:cs typeface="Consolas" pitchFamily="49" charset="0"/>
-              </a:rPr>
-              <a:t>))</a:t>
-            </a:r>
-          </a:p>
-          <a:p>
-            <a:pPr>
-              <a:buNone/>
-            </a:pPr>
-            <a:r>
-              <a:rPr lang="en-US" sz="2800" b="1" dirty="0" smtClean="0">
-                <a:latin typeface="Consolas" pitchFamily="49" charset="0"/>
-                <a:cs typeface="Consolas" pitchFamily="49" charset="0"/>
-              </a:rPr>
-              <a:t>   </a:t>
             </a:r>
             <a:endParaRPr lang="en-US" sz="2800" b="1" dirty="0">
               <a:latin typeface="Consolas" pitchFamily="49" charset="0"/>
               <a:cs typeface="Consolas" pitchFamily="49" charset="0"/>
             </a:endParaRPr>
+          </a:p>
+          <a:p>
+            <a:pPr>
+              <a:buNone/>
+            </a:pPr>
+            <a:r>
+              <a:rPr lang="en-US" sz="2800" b="1" dirty="0">
+                <a:latin typeface="Consolas" pitchFamily="49" charset="0"/>
+                <a:cs typeface="Consolas" pitchFamily="49" charset="0"/>
+              </a:rPr>
+              <a:t>    ; X -&gt; Boolean</a:t>
+            </a:r>
+          </a:p>
+          <a:p>
+            <a:pPr>
+              <a:buNone/>
+            </a:pPr>
+            <a:r>
+              <a:rPr lang="en-US" sz="2800" b="1" dirty="0">
+                <a:latin typeface="Consolas" pitchFamily="49" charset="0"/>
+                <a:cs typeface="Consolas" pitchFamily="49" charset="0"/>
+              </a:rPr>
+              <a:t>    ; purpose statement for the test</a:t>
+            </a:r>
+          </a:p>
+          <a:p>
+            <a:pPr>
+              <a:buNone/>
+            </a:pPr>
+            <a:r>
+              <a:rPr lang="en-US" sz="2800" b="1" dirty="0">
+                <a:latin typeface="Consolas" pitchFamily="49" charset="0"/>
+                <a:cs typeface="Consolas" pitchFamily="49" charset="0"/>
+              </a:rPr>
+              <a:t>    (lambda (x) ...)</a:t>
+            </a:r>
+          </a:p>
+          <a:p>
+            <a:pPr>
+              <a:buNone/>
+            </a:pPr>
+            <a:r>
+              <a:rPr lang="en-US" sz="2800" b="1" dirty="0">
+                <a:latin typeface="Consolas" pitchFamily="49" charset="0"/>
+                <a:cs typeface="Consolas" pitchFamily="49" charset="0"/>
+              </a:rPr>
+              <a:t>    </a:t>
+            </a:r>
+            <a:r>
+              <a:rPr lang="en-US" sz="2800" b="1" dirty="0" err="1">
+                <a:latin typeface="Consolas" pitchFamily="49" charset="0"/>
+                <a:cs typeface="Consolas" pitchFamily="49" charset="0"/>
+              </a:rPr>
+              <a:t>lst</a:t>
+            </a:r>
+            <a:r>
+              <a:rPr lang="en-US" sz="2800" b="1" dirty="0">
+                <a:latin typeface="Consolas" pitchFamily="49" charset="0"/>
+                <a:cs typeface="Consolas" pitchFamily="49" charset="0"/>
+              </a:rPr>
+              <a:t>))</a:t>
+            </a:r>
+          </a:p>
+          <a:p>
+            <a:pPr>
+              <a:buNone/>
+            </a:pPr>
+            <a:r>
+              <a:rPr lang="en-US" sz="2800" b="1" dirty="0">
+                <a:latin typeface="Consolas" pitchFamily="49" charset="0"/>
+                <a:cs typeface="Consolas" pitchFamily="49" charset="0"/>
+              </a:rPr>
+              <a:t>   </a:t>
+            </a:r>
           </a:p>
         </p:txBody>
       </p:sp>
@@ -12699,13 +12261,6 @@
   <p:clrMapOvr>
     <a:masterClrMapping/>
   </p:clrMapOvr>
-  <p:timing>
-    <p:tnLst>
-      <p:par>
-        <p:cTn id="1" dur="indefinite" restart="never" nodeType="tmRoot"/>
-      </p:par>
-    </p:tnLst>
-  </p:timing>
 </p:sld>
 </file>
 
@@ -12744,22 +12299,17 @@
           <a:lstStyle/>
           <a:p>
             <a:r>
-              <a:rPr lang="en-US" dirty="0" smtClean="0"/>
-              <a:t>Pattern for </a:t>
-            </a:r>
-            <a:r>
-              <a:rPr lang="en-US" dirty="0" smtClean="0"/>
-              <a:t>using an HOF: </a:t>
-            </a:r>
-            <a:r>
-              <a:rPr lang="en-US" b="1" dirty="0" err="1" smtClean="0"/>
+              <a:rPr lang="en-US" dirty="0"/>
+              <a:t>Pattern for using an HOF: </a:t>
+            </a:r>
+            <a:r>
+              <a:rPr lang="en-US" b="1" dirty="0" err="1"/>
               <a:t>foldr</a:t>
             </a:r>
             <a:r>
-              <a:rPr lang="en-US" b="1" dirty="0" smtClean="0"/>
+              <a:rPr lang="en-US" b="1" dirty="0"/>
               <a:t> </a:t>
             </a:r>
-            <a:endParaRPr lang="en-US" b="1" dirty="0"/>
           </a:p>
         </p:txBody>
       </p:sp>
@@ -12789,21 +12339,21 @@
               <a:buNone/>
             </a:pPr>
             <a:r>
-              <a:rPr lang="en-US" sz="2800" b="1" dirty="0" smtClean="0">
+              <a:rPr lang="en-US" sz="2800" b="1" dirty="0">
                 <a:latin typeface="Consolas" pitchFamily="49" charset="0"/>
                 <a:cs typeface="Consolas" pitchFamily="49" charset="0"/>
               </a:rPr>
               <a:t>;; list-fn : </a:t>
             </a:r>
             <a:r>
-              <a:rPr lang="en-US" sz="2800" b="1" dirty="0" err="1" smtClean="0">
+              <a:rPr lang="en-US" sz="2800" b="1" dirty="0" err="1">
                 <a:latin typeface="Consolas" pitchFamily="49" charset="0"/>
                 <a:cs typeface="Consolas" pitchFamily="49" charset="0"/>
               </a:rPr>
               <a:t>ListOfX</a:t>
             </a:r>
             <a:r>
-              <a:rPr lang="en-US" sz="2800" b="1" dirty="0" smtClean="0">
+              <a:rPr lang="en-US" sz="2800" b="1" dirty="0">
                 <a:latin typeface="Consolas" pitchFamily="49" charset="0"/>
                 <a:cs typeface="Consolas" pitchFamily="49" charset="0"/>
               </a:rPr>
@@ -12815,35 +12365,35 @@
               <a:buNone/>
             </a:pPr>
             <a:r>
-              <a:rPr lang="en-US" sz="2800" b="1" dirty="0" smtClean="0">
+              <a:rPr lang="en-US" sz="2800" b="1" dirty="0">
                 <a:latin typeface="Consolas" pitchFamily="49" charset="0"/>
                 <a:cs typeface="Consolas" pitchFamily="49" charset="0"/>
               </a:rPr>
               <a:t>(define (list-</a:t>
             </a:r>
             <a:r>
-              <a:rPr lang="en-US" sz="2800" b="1" dirty="0" err="1" smtClean="0">
+              <a:rPr lang="en-US" sz="2800" b="1" dirty="0" err="1">
                 <a:latin typeface="Consolas" pitchFamily="49" charset="0"/>
                 <a:cs typeface="Consolas" pitchFamily="49" charset="0"/>
               </a:rPr>
               <a:t>fn</a:t>
             </a:r>
             <a:r>
-              <a:rPr lang="en-US" sz="2800" b="1" dirty="0" smtClean="0">
+              <a:rPr lang="en-US" sz="2800" b="1" dirty="0">
                 <a:latin typeface="Consolas" pitchFamily="49" charset="0"/>
                 <a:cs typeface="Consolas" pitchFamily="49" charset="0"/>
               </a:rPr>
               <a:t> </a:t>
             </a:r>
             <a:r>
-              <a:rPr lang="en-US" sz="2800" b="1" dirty="0" err="1" smtClean="0">
+              <a:rPr lang="en-US" sz="2800" b="1" dirty="0" err="1">
                 <a:latin typeface="Consolas" pitchFamily="49" charset="0"/>
                 <a:cs typeface="Consolas" pitchFamily="49" charset="0"/>
               </a:rPr>
               <a:t>lst</a:t>
             </a:r>
             <a:r>
-              <a:rPr lang="en-US" sz="2800" b="1" dirty="0" smtClean="0">
+              <a:rPr lang="en-US" sz="2800" b="1" dirty="0">
                 <a:latin typeface="Consolas" pitchFamily="49" charset="0"/>
                 <a:cs typeface="Consolas" pitchFamily="49" charset="0"/>
               </a:rPr>
@@ -12855,7 +12405,7 @@
               <a:buNone/>
             </a:pPr>
             <a:r>
-              <a:rPr lang="en-US" sz="2800" b="1" dirty="0" smtClean="0">
+              <a:rPr lang="en-US" sz="2800" b="1" dirty="0">
                 <a:latin typeface="Consolas" pitchFamily="49" charset="0"/>
                 <a:cs typeface="Consolas" pitchFamily="49" charset="0"/>
               </a:rPr>
@@ -12871,76 +12421,69 @@
                 <a:latin typeface="Consolas" pitchFamily="49" charset="0"/>
                 <a:cs typeface="Consolas" pitchFamily="49" charset="0"/>
               </a:rPr>
+              <a:t>          ; purpose statement for combiner</a:t>
+            </a:r>
+          </a:p>
+          <a:p>
+            <a:pPr>
+              <a:buNone/>
+            </a:pPr>
+            <a:r>
+              <a:rPr lang="en-US" sz="2800" b="1" dirty="0">
+                <a:latin typeface="Consolas" pitchFamily="49" charset="0"/>
+                <a:cs typeface="Consolas" pitchFamily="49" charset="0"/>
+              </a:rPr>
+              <a:t>          (define (combiner x y) ...))</a:t>
+            </a:r>
+          </a:p>
+          <a:p>
+            <a:pPr>
+              <a:buNone/>
+            </a:pPr>
+            <a:r>
+              <a:rPr lang="en-US" sz="2800" b="1" dirty="0">
+                <a:latin typeface="Consolas" pitchFamily="49" charset="0"/>
+                <a:cs typeface="Consolas" pitchFamily="49" charset="0"/>
+              </a:rPr>
+              <a:t>   (</a:t>
+            </a:r>
+            <a:r>
+              <a:rPr lang="en-US" sz="2800" b="1" dirty="0" err="1">
+                <a:latin typeface="Consolas" pitchFamily="49" charset="0"/>
+                <a:cs typeface="Consolas" pitchFamily="49" charset="0"/>
+              </a:rPr>
+              <a:t>foldr</a:t>
+            </a:r>
+            <a:r>
+              <a:rPr lang="en-US" sz="2800" b="1" dirty="0">
+                <a:latin typeface="Consolas" pitchFamily="49" charset="0"/>
+                <a:cs typeface="Consolas" pitchFamily="49" charset="0"/>
+              </a:rPr>
+              <a:t> combiner base-</a:t>
+            </a:r>
+            <a:r>
+              <a:rPr lang="en-US" sz="2800" b="1" dirty="0" err="1">
+                <a:latin typeface="Consolas" pitchFamily="49" charset="0"/>
+                <a:cs typeface="Consolas" pitchFamily="49" charset="0"/>
+              </a:rPr>
+              <a:t>val</a:t>
+            </a:r>
+            <a:r>
+              <a:rPr lang="en-US" sz="2800" b="1" dirty="0">
+                <a:latin typeface="Consolas" pitchFamily="49" charset="0"/>
+                <a:cs typeface="Consolas" pitchFamily="49" charset="0"/>
+              </a:rPr>
               <a:t> </a:t>
             </a:r>
             <a:r>
-              <a:rPr lang="en-US" sz="2800" b="1" dirty="0" smtClean="0">
-                <a:latin typeface="Consolas" pitchFamily="49" charset="0"/>
-                <a:cs typeface="Consolas" pitchFamily="49" charset="0"/>
-              </a:rPr>
-              <a:t>         ; purpose statement for combiner</a:t>
-            </a:r>
-          </a:p>
-          <a:p>
-            <a:pPr>
-              <a:buNone/>
-            </a:pPr>
-            <a:r>
-              <a:rPr lang="en-US" sz="2800" b="1" dirty="0" smtClean="0">
-                <a:latin typeface="Consolas" pitchFamily="49" charset="0"/>
-                <a:cs typeface="Consolas" pitchFamily="49" charset="0"/>
-              </a:rPr>
-              <a:t>          (define (combiner x y) ...))</a:t>
-            </a:r>
-          </a:p>
-          <a:p>
-            <a:pPr>
-              <a:buNone/>
-            </a:pPr>
-            <a:r>
-              <a:rPr lang="en-US" sz="2800" b="1" dirty="0" smtClean="0">
-                <a:latin typeface="Consolas" pitchFamily="49" charset="0"/>
-                <a:cs typeface="Consolas" pitchFamily="49" charset="0"/>
-              </a:rPr>
-              <a:t>   (</a:t>
-            </a:r>
-            <a:r>
-              <a:rPr lang="en-US" sz="2800" b="1" dirty="0" err="1" smtClean="0">
-                <a:latin typeface="Consolas" pitchFamily="49" charset="0"/>
-                <a:cs typeface="Consolas" pitchFamily="49" charset="0"/>
-              </a:rPr>
-              <a:t>foldr</a:t>
-            </a:r>
-            <a:r>
-              <a:rPr lang="en-US" sz="2800" b="1" dirty="0" smtClean="0">
-                <a:latin typeface="Consolas" pitchFamily="49" charset="0"/>
-                <a:cs typeface="Consolas" pitchFamily="49" charset="0"/>
-              </a:rPr>
-              <a:t> combiner base-</a:t>
-            </a:r>
-            <a:r>
-              <a:rPr lang="en-US" sz="2800" b="1" dirty="0" err="1" smtClean="0">
-                <a:latin typeface="Consolas" pitchFamily="49" charset="0"/>
-                <a:cs typeface="Consolas" pitchFamily="49" charset="0"/>
-              </a:rPr>
-              <a:t>val</a:t>
-            </a:r>
-            <a:r>
-              <a:rPr lang="en-US" sz="2800" b="1" dirty="0" smtClean="0">
-                <a:latin typeface="Consolas" pitchFamily="49" charset="0"/>
-                <a:cs typeface="Consolas" pitchFamily="49" charset="0"/>
-              </a:rPr>
-              <a:t> </a:t>
-            </a:r>
-            <a:r>
-              <a:rPr lang="en-US" sz="2800" b="1" dirty="0" err="1" smtClean="0">
+              <a:rPr lang="en-US" sz="2800" b="1" dirty="0" err="1">
                 <a:latin typeface="Consolas" pitchFamily="49" charset="0"/>
                 <a:cs typeface="Consolas" pitchFamily="49" charset="0"/>
               </a:rPr>
               <a:t>lst</a:t>
             </a:r>
             <a:r>
-              <a:rPr lang="en-US" sz="2800" b="1" dirty="0" smtClean="0">
+              <a:rPr lang="en-US" sz="2800" b="1" dirty="0">
                 <a:latin typeface="Consolas" pitchFamily="49" charset="0"/>
                 <a:cs typeface="Consolas" pitchFamily="49" charset="0"/>
               </a:rPr>
@@ -13026,10 +12569,9 @@
               <a:t>foldr</a:t>
             </a:r>
             <a:r>
-              <a:rPr lang="en-US" sz="2400" dirty="0" smtClean="0"/>
+              <a:rPr lang="en-US" sz="2400" dirty="0"/>
               <a:t>.</a:t>
             </a:r>
-            <a:endParaRPr lang="en-US" sz="2400" dirty="0"/>
           </a:p>
         </p:txBody>
       </p:sp>
@@ -13043,13 +12585,6 @@
   <p:clrMapOvr>
     <a:masterClrMapping/>
   </p:clrMapOvr>
-  <p:timing>
-    <p:tnLst>
-      <p:par>
-        <p:cTn id="1" dur="indefinite" restart="never" nodeType="tmRoot"/>
-      </p:par>
-    </p:tnLst>
-  </p:timing>
 </p:sld>
 </file>
 
@@ -13088,29 +12623,28 @@
           <a:lstStyle/>
           <a:p>
             <a:r>
-              <a:rPr lang="en-US" dirty="0" smtClean="0"/>
+              <a:rPr lang="en-US" dirty="0"/>
               <a:t>Pattern for using an HOF with </a:t>
             </a:r>
             <a:r>
-              <a:rPr lang="en-US" b="1" dirty="0" smtClean="0">
+              <a:rPr lang="en-US" b="1" dirty="0">
                 <a:latin typeface="Consolas" pitchFamily="49" charset="0"/>
                 <a:cs typeface="Consolas" pitchFamily="49" charset="0"/>
               </a:rPr>
               <a:t>lambda</a:t>
             </a:r>
             <a:r>
-              <a:rPr lang="en-US" dirty="0" smtClean="0"/>
+              <a:rPr lang="en-US" dirty="0"/>
               <a:t>: </a:t>
             </a:r>
             <a:r>
-              <a:rPr lang="en-US" b="1" dirty="0" err="1" smtClean="0"/>
+              <a:rPr lang="en-US" b="1" dirty="0" err="1"/>
               <a:t>foldr</a:t>
             </a:r>
             <a:r>
-              <a:rPr lang="en-US" b="1" dirty="0" smtClean="0"/>
+              <a:rPr lang="en-US" b="1" dirty="0"/>
               <a:t> </a:t>
             </a:r>
-            <a:endParaRPr lang="en-US" b="1" dirty="0"/>
           </a:p>
         </p:txBody>
       </p:sp>
@@ -13135,21 +12669,21 @@
               <a:buNone/>
             </a:pPr>
             <a:r>
-              <a:rPr lang="en-US" sz="2800" b="1" dirty="0" smtClean="0">
+              <a:rPr lang="en-US" sz="2800" b="1" dirty="0">
                 <a:latin typeface="Consolas" pitchFamily="49" charset="0"/>
                 <a:cs typeface="Consolas" pitchFamily="49" charset="0"/>
               </a:rPr>
               <a:t>;; list-fn : </a:t>
             </a:r>
             <a:r>
-              <a:rPr lang="en-US" sz="2800" b="1" dirty="0" err="1" smtClean="0">
+              <a:rPr lang="en-US" sz="2800" b="1" dirty="0" err="1">
                 <a:latin typeface="Consolas" pitchFamily="49" charset="0"/>
                 <a:cs typeface="Consolas" pitchFamily="49" charset="0"/>
               </a:rPr>
               <a:t>ListOf</a:t>
             </a:r>
             <a:r>
-              <a:rPr lang="en-US" sz="2800" b="1" dirty="0" smtClean="0">
+              <a:rPr lang="en-US" sz="2800" b="1" dirty="0">
                 <a:latin typeface="Consolas" pitchFamily="49" charset="0"/>
                 <a:cs typeface="Consolas" pitchFamily="49" charset="0"/>
               </a:rPr>
@@ -13161,35 +12695,35 @@
               <a:buNone/>
             </a:pPr>
             <a:r>
-              <a:rPr lang="en-US" sz="2800" b="1" dirty="0" smtClean="0">
+              <a:rPr lang="en-US" sz="2800" b="1" dirty="0">
                 <a:latin typeface="Consolas" pitchFamily="49" charset="0"/>
                 <a:cs typeface="Consolas" pitchFamily="49" charset="0"/>
               </a:rPr>
               <a:t>(define (list-</a:t>
             </a:r>
             <a:r>
-              <a:rPr lang="en-US" sz="2800" b="1" dirty="0" err="1" smtClean="0">
+              <a:rPr lang="en-US" sz="2800" b="1" dirty="0" err="1">
                 <a:latin typeface="Consolas" pitchFamily="49" charset="0"/>
                 <a:cs typeface="Consolas" pitchFamily="49" charset="0"/>
               </a:rPr>
               <a:t>fn</a:t>
             </a:r>
             <a:r>
-              <a:rPr lang="en-US" sz="2800" b="1" dirty="0" smtClean="0">
+              <a:rPr lang="en-US" sz="2800" b="1" dirty="0">
                 <a:latin typeface="Consolas" pitchFamily="49" charset="0"/>
                 <a:cs typeface="Consolas" pitchFamily="49" charset="0"/>
               </a:rPr>
               <a:t> </a:t>
             </a:r>
             <a:r>
-              <a:rPr lang="en-US" sz="2800" b="1" dirty="0" err="1" smtClean="0">
+              <a:rPr lang="en-US" sz="2800" b="1" dirty="0" err="1">
                 <a:latin typeface="Consolas" pitchFamily="49" charset="0"/>
                 <a:cs typeface="Consolas" pitchFamily="49" charset="0"/>
               </a:rPr>
               <a:t>lst</a:t>
             </a:r>
             <a:r>
-              <a:rPr lang="en-US" sz="2800" b="1" dirty="0" smtClean="0">
+              <a:rPr lang="en-US" sz="2800" b="1" dirty="0">
                 <a:latin typeface="Consolas" pitchFamily="49" charset="0"/>
                 <a:cs typeface="Consolas" pitchFamily="49" charset="0"/>
               </a:rPr>
@@ -13205,23 +12739,16 @@
                 <a:latin typeface="Consolas" pitchFamily="49" charset="0"/>
                 <a:cs typeface="Consolas" pitchFamily="49" charset="0"/>
               </a:rPr>
-              <a:t> </a:t>
-            </a:r>
-            <a:r>
-              <a:rPr lang="en-US" sz="2800" b="1" dirty="0" smtClean="0">
-                <a:latin typeface="Consolas" pitchFamily="49" charset="0"/>
-                <a:cs typeface="Consolas" pitchFamily="49" charset="0"/>
-              </a:rPr>
-              <a:t> (</a:t>
-            </a:r>
-            <a:r>
-              <a:rPr lang="en-US" sz="2800" b="1" dirty="0" err="1" smtClean="0">
+              <a:t>  (</a:t>
+            </a:r>
+            <a:r>
+              <a:rPr lang="en-US" sz="2800" b="1" dirty="0" err="1">
                 <a:latin typeface="Consolas" pitchFamily="49" charset="0"/>
                 <a:cs typeface="Consolas" pitchFamily="49" charset="0"/>
               </a:rPr>
               <a:t>foldr</a:t>
             </a:r>
-            <a:endParaRPr lang="en-US" sz="2800" b="1" dirty="0" smtClean="0">
+            <a:endParaRPr lang="en-US" sz="2800" b="1" dirty="0">
               <a:latin typeface="Consolas" pitchFamily="49" charset="0"/>
               <a:cs typeface="Consolas" pitchFamily="49" charset="0"/>
             </a:endParaRPr>
@@ -13231,7 +12758,7 @@
               <a:buNone/>
             </a:pPr>
             <a:r>
-              <a:rPr lang="en-US" sz="2800" b="1" dirty="0" smtClean="0">
+              <a:rPr lang="en-US" sz="2800" b="1" dirty="0">
                 <a:latin typeface="Consolas" pitchFamily="49" charset="0"/>
                 <a:cs typeface="Consolas" pitchFamily="49" charset="0"/>
               </a:rPr>
@@ -13247,14 +12774,47 @@
                 <a:latin typeface="Consolas" pitchFamily="49" charset="0"/>
                 <a:cs typeface="Consolas" pitchFamily="49" charset="0"/>
               </a:rPr>
+              <a:t>    ; purpose statement for combiner</a:t>
+            </a:r>
+          </a:p>
+          <a:p>
+            <a:pPr>
+              <a:buNone/>
+            </a:pPr>
+            <a:r>
+              <a:rPr lang="en-US" sz="2800" b="1" dirty="0">
+                <a:latin typeface="Consolas" pitchFamily="49" charset="0"/>
+                <a:cs typeface="Consolas" pitchFamily="49" charset="0"/>
+              </a:rPr>
+              <a:t>    (lambda (first-</a:t>
+            </a:r>
+            <a:r>
+              <a:rPr lang="en-US" sz="2800" b="1" dirty="0" err="1">
+                <a:latin typeface="Consolas" pitchFamily="49" charset="0"/>
+                <a:cs typeface="Consolas" pitchFamily="49" charset="0"/>
+              </a:rPr>
+              <a:t>elt</a:t>
+            </a:r>
+            <a:r>
+              <a:rPr lang="en-US" sz="2800" b="1" dirty="0">
+                <a:latin typeface="Consolas" pitchFamily="49" charset="0"/>
+                <a:cs typeface="Consolas" pitchFamily="49" charset="0"/>
+              </a:rPr>
               <a:t> </a:t>
             </a:r>
             <a:r>
-              <a:rPr lang="en-US" sz="2800" b="1" dirty="0" smtClean="0">
-                <a:latin typeface="Consolas" pitchFamily="49" charset="0"/>
-                <a:cs typeface="Consolas" pitchFamily="49" charset="0"/>
-              </a:rPr>
-              <a:t>   ; purpose statement for combiner</a:t>
+              <a:rPr lang="en-US" sz="2800" b="1" dirty="0" err="1">
+                <a:latin typeface="Consolas" pitchFamily="49" charset="0"/>
+                <a:cs typeface="Consolas" pitchFamily="49" charset="0"/>
+              </a:rPr>
+              <a:t>ans</a:t>
+            </a:r>
+            <a:r>
+              <a:rPr lang="en-US" sz="2800" b="1" dirty="0">
+                <a:latin typeface="Consolas" pitchFamily="49" charset="0"/>
+                <a:cs typeface="Consolas" pitchFamily="49" charset="0"/>
+              </a:rPr>
+              <a:t>-for-rest) ...)</a:t>
             </a:r>
           </a:p>
           <a:p>
@@ -13266,63 +12826,16 @@
                 <a:latin typeface="Consolas" pitchFamily="49" charset="0"/>
                 <a:cs typeface="Consolas" pitchFamily="49" charset="0"/>
               </a:rPr>
-              <a:t> </a:t>
-            </a:r>
-            <a:r>
-              <a:rPr lang="en-US" sz="2800" b="1" dirty="0" smtClean="0">
-                <a:latin typeface="Consolas" pitchFamily="49" charset="0"/>
-                <a:cs typeface="Consolas" pitchFamily="49" charset="0"/>
-              </a:rPr>
-              <a:t>   (lambda (first-</a:t>
-            </a:r>
-            <a:r>
-              <a:rPr lang="en-US" sz="2800" b="1" dirty="0" err="1" smtClean="0">
-                <a:latin typeface="Consolas" pitchFamily="49" charset="0"/>
-                <a:cs typeface="Consolas" pitchFamily="49" charset="0"/>
-              </a:rPr>
-              <a:t>elt</a:t>
-            </a:r>
-            <a:r>
-              <a:rPr lang="en-US" sz="2800" b="1" dirty="0" smtClean="0">
-                <a:latin typeface="Consolas" pitchFamily="49" charset="0"/>
-                <a:cs typeface="Consolas" pitchFamily="49" charset="0"/>
-              </a:rPr>
-              <a:t> </a:t>
-            </a:r>
-            <a:r>
-              <a:rPr lang="en-US" sz="2800" b="1" dirty="0" err="1" smtClean="0">
-                <a:latin typeface="Consolas" pitchFamily="49" charset="0"/>
-                <a:cs typeface="Consolas" pitchFamily="49" charset="0"/>
-              </a:rPr>
-              <a:t>ans</a:t>
-            </a:r>
-            <a:r>
-              <a:rPr lang="en-US" sz="2800" b="1" dirty="0" smtClean="0">
-                <a:latin typeface="Consolas" pitchFamily="49" charset="0"/>
-                <a:cs typeface="Consolas" pitchFamily="49" charset="0"/>
-              </a:rPr>
-              <a:t>-for-rest) ...)</a:t>
-            </a:r>
-          </a:p>
-          <a:p>
-            <a:pPr>
-              <a:buNone/>
-            </a:pPr>
-            <a:r>
-              <a:rPr lang="en-US" sz="2800" b="1" dirty="0" smtClean="0">
-                <a:latin typeface="Consolas" pitchFamily="49" charset="0"/>
-                <a:cs typeface="Consolas" pitchFamily="49" charset="0"/>
-              </a:rPr>
               <a:t>    base-</a:t>
             </a:r>
             <a:r>
-              <a:rPr lang="en-US" sz="2800" b="1" dirty="0" err="1" smtClean="0">
+              <a:rPr lang="en-US" sz="2800" b="1" dirty="0" err="1">
                 <a:latin typeface="Consolas" pitchFamily="49" charset="0"/>
                 <a:cs typeface="Consolas" pitchFamily="49" charset="0"/>
               </a:rPr>
               <a:t>val</a:t>
             </a:r>
-            <a:endParaRPr lang="en-US" sz="2800" b="1" dirty="0" smtClean="0">
+            <a:endParaRPr lang="en-US" sz="2800" b="1" dirty="0">
               <a:latin typeface="Consolas" pitchFamily="49" charset="0"/>
               <a:cs typeface="Consolas" pitchFamily="49" charset="0"/>
             </a:endParaRPr>
@@ -13336,24 +12849,17 @@
                 <a:latin typeface="Consolas" pitchFamily="49" charset="0"/>
                 <a:cs typeface="Consolas" pitchFamily="49" charset="0"/>
               </a:rPr>
-              <a:t> </a:t>
-            </a:r>
-            <a:r>
-              <a:rPr lang="en-US" sz="2800" b="1" dirty="0" smtClean="0">
-                <a:latin typeface="Consolas" pitchFamily="49" charset="0"/>
-                <a:cs typeface="Consolas" pitchFamily="49" charset="0"/>
-              </a:rPr>
-              <a:t>   </a:t>
-            </a:r>
-            <a:r>
-              <a:rPr lang="en-US" sz="2800" b="1" dirty="0" err="1" smtClean="0">
+              <a:t>    </a:t>
+            </a:r>
+            <a:r>
+              <a:rPr lang="en-US" sz="2800" b="1" dirty="0" err="1">
                 <a:latin typeface="Consolas" pitchFamily="49" charset="0"/>
                 <a:cs typeface="Consolas" pitchFamily="49" charset="0"/>
               </a:rPr>
               <a:t>lst</a:t>
             </a:r>
             <a:r>
-              <a:rPr lang="en-US" sz="2800" b="1" dirty="0" smtClean="0">
+              <a:rPr lang="en-US" sz="2800" b="1" dirty="0">
                 <a:latin typeface="Consolas" pitchFamily="49" charset="0"/>
                 <a:cs typeface="Consolas" pitchFamily="49" charset="0"/>
               </a:rPr>
@@ -13432,10 +12938,9 @@
           <a:lstStyle/>
           <a:p>
             <a:r>
-              <a:rPr lang="en-US" dirty="0" smtClean="0"/>
+              <a:rPr lang="en-US" dirty="0"/>
               <a:t>These variable names remind you where the values come from.</a:t>
             </a:r>
-            <a:endParaRPr lang="en-US" dirty="0"/>
           </a:p>
         </p:txBody>
       </p:sp>
@@ -13611,13 +13116,6 @@
   <p:clrMapOvr>
     <a:masterClrMapping/>
   </p:clrMapOvr>
-  <p:timing>
-    <p:tnLst>
-      <p:par>
-        <p:cTn id="1" dur="indefinite" restart="never" nodeType="tmRoot"/>
-      </p:par>
-    </p:tnLst>
-  </p:timing>
 </p:sld>
 </file>
 
@@ -13656,10 +13154,9 @@
           <a:lstStyle/>
           <a:p>
             <a:r>
-              <a:rPr lang="en-US" dirty="0" smtClean="0"/>
+              <a:rPr lang="en-US" dirty="0"/>
               <a:t>Recognizing Opportunities for using HOF's</a:t>
             </a:r>
-            <a:endParaRPr lang="en-US" dirty="0"/>
           </a:p>
         </p:txBody>
       </p:sp>
@@ -13681,20 +13178,20 @@
           <a:lstStyle/>
           <a:p>
             <a:r>
-              <a:rPr lang="en-US" dirty="0" smtClean="0"/>
+              <a:rPr lang="en-US" dirty="0"/>
               <a:t>Once you get the idea, you can anticipate when you can use an HOF, and apply it directly.</a:t>
             </a:r>
           </a:p>
           <a:p>
             <a:r>
-              <a:rPr lang="en-US" dirty="0" smtClean="0"/>
+              <a:rPr lang="en-US" dirty="0"/>
               <a:t>If your function treats all members of the list in the same way, then your function is a candidate.</a:t>
             </a:r>
           </a:p>
           <a:p>
             <a:pPr lvl="1"/>
             <a:r>
-              <a:rPr lang="en-US" dirty="0" smtClean="0"/>
+              <a:rPr lang="en-US" dirty="0"/>
               <a:t>remove-evens        --Yes, all elements are included if they are even.</a:t>
             </a:r>
           </a:p>
@@ -13702,25 +13199,21 @@
             <a:pPr lvl="1"/>
             <a:r>
               <a:rPr lang="en-US" dirty="0"/>
-              <a:t>count-trues       </a:t>
-            </a:r>
-            <a:r>
-              <a:rPr lang="en-US" dirty="0" smtClean="0"/>
-              <a:t>      --Yes, all elements are counted if they are </a:t>
-            </a:r>
-            <a:r>
-              <a:rPr lang="en-US" b="1" dirty="0" smtClean="0"/>
+              <a:t>count-trues             --Yes, all elements are counted if they are </a:t>
+            </a:r>
+            <a:r>
+              <a:rPr lang="en-US" b="1" dirty="0"/>
               <a:t>true</a:t>
             </a:r>
             <a:r>
-              <a:rPr lang="en-US" dirty="0" smtClean="0"/>
+              <a:rPr lang="en-US" dirty="0"/>
               <a:t>.</a:t>
             </a:r>
           </a:p>
           <a:p>
             <a:pPr lvl="1"/>
             <a:r>
-              <a:rPr lang="en-US" dirty="0" smtClean="0"/>
+              <a:rPr lang="en-US" dirty="0"/>
               <a:t>remove-first-even  --No, elements after the first even are treated differently.</a:t>
             </a:r>
           </a:p>
@@ -13760,13 +13253,6 @@
   <p:clrMapOvr>
     <a:masterClrMapping/>
   </p:clrMapOvr>
-  <p:timing>
-    <p:tnLst>
-      <p:par>
-        <p:cTn id="1" dur="indefinite" restart="never" nodeType="tmRoot"/>
-      </p:par>
-    </p:tnLst>
-  </p:timing>
 </p:sld>
 </file>
 
@@ -13803,10 +13289,9 @@
           <a:lstStyle/>
           <a:p>
             <a:r>
-              <a:rPr lang="en-US" dirty="0" smtClean="0"/>
+              <a:rPr lang="en-US" dirty="0"/>
               <a:t>What’s the strategy?</a:t>
             </a:r>
-            <a:endParaRPr lang="en-US" dirty="0"/>
           </a:p>
         </p:txBody>
       </p:sp>
@@ -13828,13 +13313,13 @@
           <a:lstStyle/>
           <a:p>
             <a:r>
-              <a:rPr lang="en-US" dirty="0" smtClean="0"/>
+              <a:rPr lang="en-US" dirty="0"/>
               <a:t>From now on, you can use HOFs anywhere.  </a:t>
             </a:r>
           </a:p>
           <a:p>
             <a:r>
-              <a:rPr lang="en-US" dirty="0" smtClean="0"/>
+              <a:rPr lang="en-US" dirty="0"/>
               <a:t>So you could write</a:t>
             </a:r>
           </a:p>
@@ -13843,28 +13328,28 @@
               <a:buNone/>
             </a:pPr>
             <a:r>
-              <a:rPr lang="en-US" b="1" dirty="0" smtClean="0">
+              <a:rPr lang="en-US" b="1" dirty="0">
                 <a:latin typeface="Consolas" panose="020B0609020204030204" pitchFamily="49" charset="0"/>
                 <a:cs typeface="Consolas" panose="020B0609020204030204" pitchFamily="49" charset="0"/>
               </a:rPr>
               <a:t>  </a:t>
             </a:r>
             <a:r>
-              <a:rPr lang="en-US" sz="2800" b="1" dirty="0" smtClean="0">
+              <a:rPr lang="en-US" sz="2800" b="1" dirty="0">
                 <a:latin typeface="Consolas" panose="020B0609020204030204" pitchFamily="49" charset="0"/>
                 <a:cs typeface="Consolas" panose="020B0609020204030204" pitchFamily="49" charset="0"/>
               </a:rPr>
               <a:t>(filter some-</a:t>
             </a:r>
             <a:r>
-              <a:rPr lang="en-US" sz="2800" b="1" dirty="0" err="1" smtClean="0">
+              <a:rPr lang="en-US" sz="2800" b="1" dirty="0" err="1">
                 <a:latin typeface="Consolas" panose="020B0609020204030204" pitchFamily="49" charset="0"/>
                 <a:cs typeface="Consolas" panose="020B0609020204030204" pitchFamily="49" charset="0"/>
               </a:rPr>
               <a:t>fcn</a:t>
             </a:r>
             <a:r>
-              <a:rPr lang="en-US" sz="2800" b="1" dirty="0" smtClean="0">
+              <a:rPr lang="en-US" sz="2800" b="1" dirty="0">
                 <a:latin typeface="Consolas" panose="020B0609020204030204" pitchFamily="49" charset="0"/>
                 <a:cs typeface="Consolas" panose="020B0609020204030204" pitchFamily="49" charset="0"/>
               </a:rPr>
@@ -13873,30 +13358,29 @@
           </a:p>
           <a:p>
             <a:r>
-              <a:rPr lang="en-US" dirty="0" smtClean="0"/>
+              <a:rPr lang="en-US" dirty="0"/>
               <a:t>For your strategy you could write</a:t>
             </a:r>
           </a:p>
           <a:p>
             <a:pPr lvl="1"/>
             <a:r>
-              <a:rPr lang="en-US" dirty="0" smtClean="0"/>
+              <a:rPr lang="en-US" dirty="0"/>
               <a:t>Use template for Robot on r   OR</a:t>
             </a:r>
           </a:p>
           <a:p>
             <a:pPr lvl="1"/>
             <a:r>
-              <a:rPr lang="en-US" dirty="0" smtClean="0"/>
+              <a:rPr lang="en-US" dirty="0"/>
               <a:t>Use HOF filter on (robot-history r)</a:t>
             </a:r>
           </a:p>
           <a:p>
             <a:r>
-              <a:rPr lang="en-US" dirty="0" smtClean="0"/>
+              <a:rPr lang="en-US" dirty="0"/>
               <a:t>Either would be OK.  Use whichever one best describes how your whole function works.</a:t>
             </a:r>
-            <a:endParaRPr lang="en-US" dirty="0"/>
           </a:p>
           <a:p>
             <a:pPr marL="0" indent="0">
@@ -13940,13 +13424,6 @@
   <p:clrMapOvr>
     <a:masterClrMapping/>
   </p:clrMapOvr>
-  <p:timing>
-    <p:tnLst>
-      <p:par>
-        <p:cTn id="1" dur="indefinite" restart="never" nodeType="tmRoot"/>
-      </p:par>
-    </p:tnLst>
-  </p:timing>
 </p:sld>
 </file>
 
@@ -13985,18 +13462,9 @@
           <a:lstStyle/>
           <a:p>
             <a:r>
-              <a:rPr lang="en-US" dirty="0" smtClean="0"/>
-              <a:t>Which </a:t>
-            </a:r>
-            <a:r>
-              <a:rPr lang="en-US" dirty="0" smtClean="0"/>
-              <a:t>HOF should </a:t>
-            </a:r>
-            <a:r>
-              <a:rPr lang="en-US" dirty="0" smtClean="0"/>
-              <a:t>I use?</a:t>
-            </a:r>
-            <a:endParaRPr lang="en-US" dirty="0"/>
+              <a:rPr lang="en-US" dirty="0"/>
+              <a:t>Which HOF should I use?</a:t>
+            </a:r>
           </a:p>
         </p:txBody>
       </p:sp>
@@ -14023,13 +13491,8 @@
           <a:p>
             <a:r>
               <a:rPr lang="en-US" dirty="0"/>
-              <a:t>Here's a </a:t>
-            </a:r>
-            <a:r>
-              <a:rPr lang="en-US" dirty="0" smtClean="0"/>
-              <a:t>recipe, followed by a video demonstration</a:t>
-            </a:r>
-            <a:endParaRPr lang="en-US" dirty="0"/>
+              <a:t>Here's a recipe, followed by a video demonstration</a:t>
+            </a:r>
           </a:p>
           <a:p>
             <a:endParaRPr lang="en-US" dirty="0"/>
@@ -14070,13 +13533,6 @@
   <p:clrMapOvr>
     <a:masterClrMapping/>
   </p:clrMapOvr>
-  <p:timing>
-    <p:tnLst>
-      <p:par>
-        <p:cTn id="1" dur="indefinite" restart="never" nodeType="tmRoot"/>
-      </p:par>
-    </p:tnLst>
-  </p:timing>
 </p:sld>
 </file>
 
@@ -14113,10 +13569,9 @@
           <a:lstStyle/>
           <a:p>
             <a:r>
-              <a:rPr lang="en-US" dirty="0" smtClean="0"/>
+              <a:rPr lang="en-US" dirty="0"/>
               <a:t>Learning Objectives</a:t>
             </a:r>
-            <a:endParaRPr lang="en-US" dirty="0"/>
           </a:p>
         </p:txBody>
       </p:sp>
@@ -14138,7 +13593,7 @@
           <a:lstStyle/>
           <a:p>
             <a:r>
-              <a:rPr lang="en-US" dirty="0" smtClean="0"/>
+              <a:rPr lang="en-US" dirty="0"/>
               <a:t>At the end of this lesson you should be able to:</a:t>
             </a:r>
           </a:p>
@@ -14146,54 +13601,29 @@
             <a:pPr lvl="1"/>
             <a:r>
               <a:rPr lang="en-US" dirty="0"/>
-              <a:t>Use </a:t>
-            </a:r>
-            <a:r>
-              <a:rPr lang="en-US" dirty="0" smtClean="0"/>
-              <a:t>the built-in HOFs for </a:t>
-            </a:r>
+              <a:t>Use the built-in HOFs for processing lists found in ISL.</a:t>
+            </a:r>
+          </a:p>
+          <a:p>
+            <a:pPr lvl="1"/>
             <a:r>
               <a:rPr lang="en-US" dirty="0"/>
-              <a:t>processing lists found in ISL.</a:t>
+              <a:t>Recognize the HOF that's appropriate for your function.</a:t>
             </a:r>
           </a:p>
           <a:p>
             <a:pPr lvl="1"/>
             <a:r>
               <a:rPr lang="en-US" dirty="0"/>
-              <a:t>Recognize the </a:t>
-            </a:r>
-            <a:r>
-              <a:rPr lang="en-US" dirty="0" smtClean="0"/>
-              <a:t>HOF that's </a:t>
-            </a:r>
+              <a:t>Follow a recipe for converting your use of a template into a use of a HOF.</a:t>
+            </a:r>
+          </a:p>
+          <a:p>
+            <a:pPr lvl="1"/>
             <a:r>
               <a:rPr lang="en-US" dirty="0"/>
-              <a:t>appropriate for your function.</a:t>
-            </a:r>
-          </a:p>
-          <a:p>
-            <a:pPr lvl="1"/>
-            <a:r>
-              <a:rPr lang="en-US" dirty="0"/>
-              <a:t>Follow a recipe for converting your </a:t>
-            </a:r>
-            <a:r>
-              <a:rPr lang="en-US" dirty="0" smtClean="0"/>
-              <a:t>use of a template into a use of a HOF.</a:t>
-            </a:r>
-          </a:p>
-          <a:p>
-            <a:pPr lvl="1"/>
-            <a:r>
-              <a:rPr lang="en-US" dirty="0" smtClean="0"/>
-              <a:t>Follow </a:t>
-            </a:r>
-            <a:r>
-              <a:rPr lang="en-US" dirty="0" smtClean="0"/>
-              <a:t>a recipe for defining a new function using  a HOF.</a:t>
-            </a:r>
-            <a:endParaRPr lang="en-US" dirty="0"/>
+              <a:t>Follow a recipe for defining a new function using  a HOF.</a:t>
+            </a:r>
           </a:p>
         </p:txBody>
       </p:sp>
@@ -14231,13 +13661,6 @@
   <p:clrMapOvr>
     <a:masterClrMapping/>
   </p:clrMapOvr>
-  <p:timing>
-    <p:tnLst>
-      <p:par>
-        <p:cTn id="1" dur="indefinite" restart="never" nodeType="tmRoot"/>
-      </p:par>
-    </p:tnLst>
-  </p:timing>
 </p:sld>
 </file>
 
@@ -14283,7 +13706,13 @@
                 <a:tableStyleId>{5C22544A-7EE6-4342-B048-85BDC9FD1C3A}</a:tableStyleId>
               </a:tblPr>
               <a:tblGrid>
-                <a:gridCol w="7315200"/>
+                <a:gridCol w="7315200">
+                  <a:extLst>
+                    <a:ext uri="{9D8B030D-6E8A-4147-A177-3AD203B41FA5}">
+                      <a16:colId xmlns:a16="http://schemas.microsoft.com/office/drawing/2014/main" val="20000"/>
+                    </a:ext>
+                  </a:extLst>
+                </a:gridCol>
               </a:tblGrid>
               <a:tr h="370840">
                 <a:tc>
@@ -14293,26 +13722,18 @@
                     <a:p>
                       <a:pPr algn="ctr"/>
                       <a:r>
-                        <a:rPr lang="en-US" sz="3600" dirty="0" smtClean="0"/>
-                        <a:t>Recipe for Using </a:t>
+                        <a:rPr lang="en-US" sz="3600" dirty="0"/>
+                        <a:t>Recipe for Using a Higher-Order Function to process a list</a:t>
                       </a:r>
-                      <a:r>
-                        <a:rPr lang="en-US" sz="3600" dirty="0" smtClean="0"/>
-                        <a:t>a Higher-Order </a:t>
-                      </a:r>
-                      <a:r>
-                        <a:rPr lang="en-US" sz="3600" dirty="0" smtClean="0"/>
-                        <a:t>Function </a:t>
-                      </a:r>
-                      <a:r>
-                        <a:rPr lang="en-US" sz="3600" dirty="0" smtClean="0"/>
-                        <a:t>to process a list</a:t>
-                      </a:r>
-                      <a:endParaRPr lang="en-US" sz="3600" dirty="0"/>
                     </a:p>
                   </a:txBody>
                   <a:tcPr/>
                 </a:tc>
+                <a:extLst>
+                  <a:ext uri="{0D108BD9-81ED-4DB2-BD59-A6C34878D82A}">
+                    <a16:rowId xmlns:a16="http://schemas.microsoft.com/office/drawing/2014/main" val="10000"/>
+                  </a:ext>
+                </a:extLst>
               </a:tr>
               <a:tr h="370840">
                 <a:tc>
@@ -14321,19 +13742,19 @@
                     <a:lstStyle/>
                     <a:p>
                       <a:r>
-                        <a:rPr lang="en-US" sz="2400" dirty="0" smtClean="0"/>
+                        <a:rPr lang="en-US" sz="2400" dirty="0"/>
                         <a:t>1. Write the contract,</a:t>
                       </a:r>
                       <a:r>
-                        <a:rPr lang="en-US" sz="2400" baseline="0" dirty="0" smtClean="0"/>
+                        <a:rPr lang="en-US" sz="2400" baseline="0" dirty="0"/>
                         <a:t> </a:t>
                       </a:r>
                       <a:r>
-                        <a:rPr lang="en-US" sz="2400" dirty="0" smtClean="0"/>
+                        <a:rPr lang="en-US" sz="2400" dirty="0"/>
                         <a:t>purpose statement, and examples for your function.  Does your function process a list?  Does it treat all members of the list in</a:t>
                       </a:r>
                       <a:r>
-                        <a:rPr lang="en-US" sz="2400" baseline="0" dirty="0" smtClean="0"/>
+                        <a:rPr lang="en-US" sz="2400" baseline="0" dirty="0"/>
                         <a:t> more or less the same way?</a:t>
                       </a:r>
                       <a:endParaRPr lang="en-US" sz="2400" dirty="0"/>
@@ -14341,6 +13762,11 @@
                   </a:txBody>
                   <a:tcPr/>
                 </a:tc>
+                <a:extLst>
+                  <a:ext uri="{0D108BD9-81ED-4DB2-BD59-A6C34878D82A}">
+                    <a16:rowId xmlns:a16="http://schemas.microsoft.com/office/drawing/2014/main" val="10001"/>
+                  </a:ext>
+                </a:extLst>
               </a:tr>
               <a:tr h="370840">
                 <a:tc>
@@ -14366,11 +13792,11 @@
                         <a:defRPr/>
                       </a:pPr>
                       <a:r>
-                        <a:rPr lang="en-US" sz="2400" dirty="0" smtClean="0"/>
+                        <a:rPr lang="en-US" sz="2400" dirty="0"/>
                         <a:t>2. C</a:t>
                       </a:r>
                       <a:r>
-                        <a:rPr lang="en-US" sz="2400" baseline="0" dirty="0" smtClean="0"/>
+                        <a:rPr lang="en-US" sz="2400" baseline="0" dirty="0"/>
                         <a:t>hoose a function from Chapter 18 whose contract matches yours.  What choices for X, Y, etc. match your contract?</a:t>
                       </a:r>
                       <a:endParaRPr lang="en-US" sz="2400" dirty="0"/>
@@ -14378,6 +13804,11 @@
                   </a:txBody>
                   <a:tcPr/>
                 </a:tc>
+                <a:extLst>
+                  <a:ext uri="{0D108BD9-81ED-4DB2-BD59-A6C34878D82A}">
+                    <a16:rowId xmlns:a16="http://schemas.microsoft.com/office/drawing/2014/main" val="10002"/>
+                  </a:ext>
+                </a:extLst>
               </a:tr>
               <a:tr h="370840">
                 <a:tc>
@@ -14403,11 +13834,11 @@
                         <a:defRPr/>
                       </a:pPr>
                       <a:r>
-                        <a:rPr lang="en-US" sz="2400" dirty="0" smtClean="0"/>
+                        <a:rPr lang="en-US" sz="2400" dirty="0"/>
                         <a:t>3. Create a copy of the pattern for the function. What</a:t>
                       </a:r>
                       <a:r>
-                        <a:rPr lang="en-US" sz="2400" baseline="0" dirty="0" smtClean="0"/>
+                        <a:rPr lang="en-US" sz="2400" baseline="0" dirty="0"/>
                         <a:t> is the contract for the combiner?  What is its purpose?</a:t>
                       </a:r>
                       <a:endParaRPr lang="en-US" sz="2400" dirty="0"/>
@@ -14415,6 +13846,11 @@
                   </a:txBody>
                   <a:tcPr/>
                 </a:tc>
+                <a:extLst>
+                  <a:ext uri="{0D108BD9-81ED-4DB2-BD59-A6C34878D82A}">
+                    <a16:rowId xmlns:a16="http://schemas.microsoft.com/office/drawing/2014/main" val="10003"/>
+                  </a:ext>
+                </a:extLst>
               </a:tr>
               <a:tr h="370840">
                 <a:tc>
@@ -14423,13 +13859,18 @@
                     <a:lstStyle/>
                     <a:p>
                       <a:r>
-                        <a:rPr lang="en-US" sz="2400" dirty="0" smtClean="0"/>
+                        <a:rPr lang="en-US" sz="2400" dirty="0"/>
                         <a:t>4.  Define the combiner function.</a:t>
                       </a:r>
                     </a:p>
                   </a:txBody>
                   <a:tcPr/>
                 </a:tc>
+                <a:extLst>
+                  <a:ext uri="{0D108BD9-81ED-4DB2-BD59-A6C34878D82A}">
+                    <a16:rowId xmlns:a16="http://schemas.microsoft.com/office/drawing/2014/main" val="10004"/>
+                  </a:ext>
+                </a:extLst>
               </a:tr>
               <a:tr h="370840">
                 <a:tc>
@@ -14438,13 +13879,18 @@
                     <a:lstStyle/>
                     <a:p>
                       <a:r>
-                        <a:rPr lang="en-US" sz="2400" dirty="0" smtClean="0"/>
+                        <a:rPr lang="en-US" sz="2400" dirty="0"/>
                         <a:t>5.  Test as usual.</a:t>
                       </a:r>
                     </a:p>
                   </a:txBody>
                   <a:tcPr/>
                 </a:tc>
+                <a:extLst>
+                  <a:ext uri="{0D108BD9-81ED-4DB2-BD59-A6C34878D82A}">
+                    <a16:rowId xmlns:a16="http://schemas.microsoft.com/office/drawing/2014/main" val="10005"/>
+                  </a:ext>
+                </a:extLst>
               </a:tr>
             </a:tbl>
           </a:graphicData>
@@ -14484,13 +13930,6 @@
   <p:clrMapOvr>
     <a:masterClrMapping/>
   </p:clrMapOvr>
-  <p:timing>
-    <p:tnLst>
-      <p:par>
-        <p:cTn id="1" dur="indefinite" restart="never" nodeType="tmRoot"/>
-      </p:par>
-    </p:tnLst>
-  </p:timing>
 </p:sld>
 </file>
 
@@ -14521,7 +13960,12 @@
             <p:ph type="title"/>
           </p:nvPr>
         </p:nvSpPr>
-        <p:spPr/>
+        <p:spPr>
+          <a:xfrm>
+            <a:off x="457200" y="242270"/>
+            <a:ext cx="8229600" cy="1143000"/>
+          </a:xfrm>
+        </p:spPr>
         <p:txBody>
           <a:bodyPr>
             <a:normAutofit fontScale="90000"/>
@@ -14529,18 +13973,9 @@
           <a:lstStyle/>
           <a:p>
             <a:r>
-              <a:rPr lang="en-US" dirty="0" smtClean="0"/>
-              <a:t>Video Demonstration: Using </a:t>
-            </a:r>
-            <a:r>
-              <a:rPr lang="en-US" dirty="0" smtClean="0"/>
-              <a:t>an HOF (part </a:t>
-            </a:r>
-            <a:r>
-              <a:rPr lang="en-US" dirty="0" smtClean="0"/>
-              <a:t>1)</a:t>
-            </a:r>
-            <a:endParaRPr lang="en-US" dirty="0"/>
+              <a:rPr lang="en-US" dirty="0"/>
+              <a:t>Video Demonstration: Using an HOF (part 1)</a:t>
+            </a:r>
           </a:p>
         </p:txBody>
       </p:sp>
@@ -14633,13 +14068,7 @@
               <a:rPr lang="en-US" sz="2400" dirty="0">
                 <a:hlinkClick r:id="rId5"/>
               </a:rPr>
-              <a:t>YouTube </a:t>
-            </a:r>
-            <a:r>
-              <a:rPr lang="en-US" sz="2400" dirty="0" smtClean="0">
-                <a:hlinkClick r:id="rId5"/>
-              </a:rPr>
-              <a:t>link</a:t>
+              <a:t>YouTube link</a:t>
             </a:r>
             <a:endParaRPr lang="en-US" sz="2400" dirty="0"/>
           </a:p>
@@ -14692,7 +14121,7 @@
           <a:p>
             <a:pPr algn="ctr"/>
             <a:r>
-              <a:rPr lang="en-US" dirty="0" smtClean="0">
+              <a:rPr lang="en-US" dirty="0">
                 <a:solidFill>
                   <a:schemeClr val="tx1"/>
                 </a:solidFill>
@@ -14700,7 +14129,7 @@
               <a:t>Remember: We don't write </a:t>
             </a:r>
             <a:r>
-              <a:rPr lang="en-US" b="1" dirty="0" err="1" smtClean="0">
+              <a:rPr lang="en-US" b="1" dirty="0" err="1">
                 <a:solidFill>
                   <a:schemeClr val="tx1"/>
                 </a:solidFill>
@@ -14708,7 +14137,7 @@
               <a:t>ListOf</a:t>
             </a:r>
             <a:r>
-              <a:rPr lang="en-US" b="1" dirty="0" smtClean="0">
+              <a:rPr lang="en-US" b="1" dirty="0">
                 <a:solidFill>
                   <a:schemeClr val="tx1"/>
                 </a:solidFill>
@@ -14716,7 +14145,7 @@
               <a:t>&lt;X&gt; </a:t>
             </a:r>
             <a:r>
-              <a:rPr lang="en-US" dirty="0" smtClean="0">
+              <a:rPr lang="en-US" dirty="0">
                 <a:solidFill>
                   <a:schemeClr val="tx1"/>
                 </a:solidFill>
@@ -14724,7 +14153,7 @@
               <a:t>any more; we write </a:t>
             </a:r>
             <a:r>
-              <a:rPr lang="en-US" b="1" dirty="0" err="1" smtClean="0">
+              <a:rPr lang="en-US" b="1" dirty="0" err="1">
                 <a:solidFill>
                   <a:schemeClr val="tx1"/>
                 </a:solidFill>
@@ -14732,18 +14161,13 @@
               <a:t>ListOfX</a:t>
             </a:r>
             <a:r>
-              <a:rPr lang="en-US" dirty="0" smtClean="0">
+              <a:rPr lang="en-US" dirty="0">
                 <a:solidFill>
                   <a:schemeClr val="tx1"/>
                 </a:solidFill>
               </a:rPr>
               <a:t> instead.  </a:t>
             </a:r>
-            <a:endParaRPr lang="en-US" dirty="0">
-              <a:solidFill>
-                <a:schemeClr val="tx1"/>
-              </a:solidFill>
-            </a:endParaRPr>
           </a:p>
         </p:txBody>
       </p:sp>
@@ -14757,13 +14181,6 @@
   <p:clrMapOvr>
     <a:masterClrMapping/>
   </p:clrMapOvr>
-  <p:timing>
-    <p:tnLst>
-      <p:par>
-        <p:cTn id="1" dur="indefinite" restart="never" nodeType="tmRoot"/>
-      </p:par>
-    </p:tnLst>
-  </p:timing>
 </p:sld>
 </file>
 
@@ -14802,18 +14219,9 @@
           <a:lstStyle/>
           <a:p>
             <a:r>
-              <a:rPr lang="en-US" dirty="0" smtClean="0"/>
-              <a:t>Video Demonstration: Using </a:t>
-            </a:r>
-            <a:r>
-              <a:rPr lang="en-US" dirty="0" smtClean="0"/>
-              <a:t>an HOF </a:t>
-            </a:r>
-            <a:r>
-              <a:rPr lang="en-US" dirty="0" smtClean="0"/>
-              <a:t>(part 2)</a:t>
-            </a:r>
-            <a:endParaRPr lang="en-US" dirty="0"/>
+              <a:rPr lang="en-US" dirty="0"/>
+              <a:t>Video Demonstration: Using an HOF (part 2)</a:t>
+            </a:r>
           </a:p>
         </p:txBody>
       </p:sp>
@@ -14859,8 +14267,8 @@
         </p:blipFill>
         <p:spPr>
           <a:xfrm>
-            <a:off x="914400" y="1905000"/>
-            <a:ext cx="7315200" cy="4114800"/>
+            <a:off x="838200" y="1752600"/>
+            <a:ext cx="7450667" cy="4191000"/>
           </a:xfrm>
           <a:prstGeom prst="rect">
             <a:avLst/>
@@ -14903,7 +14311,7 @@
           <a:lstStyle/>
           <a:p>
             <a:r>
-              <a:rPr lang="en-US" sz="2400" dirty="0" smtClean="0">
+              <a:rPr lang="en-US" sz="2400" dirty="0">
                 <a:hlinkClick r:id="rId4"/>
               </a:rPr>
               <a:t>YouTube link</a:t>
@@ -15038,10 +14446,9 @@
           <a:lstStyle/>
           <a:p>
             <a:r>
-              <a:rPr lang="en-US" dirty="0" smtClean="0"/>
+              <a:rPr lang="en-US" dirty="0"/>
               <a:t>Summary</a:t>
             </a:r>
-            <a:endParaRPr lang="en-US" dirty="0"/>
           </a:p>
         </p:txBody>
       </p:sp>
@@ -15063,7 +14470,7 @@
           <a:lstStyle/>
           <a:p>
             <a:r>
-              <a:rPr lang="en-US" dirty="0" smtClean="0"/>
+              <a:rPr lang="en-US" dirty="0"/>
               <a:t>You should now be able to:</a:t>
             </a:r>
           </a:p>
@@ -15071,51 +14478,22 @@
             <a:pPr lvl="1"/>
             <a:r>
               <a:rPr lang="en-US" dirty="0"/>
-              <a:t>Use pre-built </a:t>
-            </a:r>
-            <a:r>
-              <a:rPr lang="en-US" dirty="0" smtClean="0"/>
-              <a:t>HOFs for </a:t>
-            </a:r>
+              <a:t>Use pre-built HOFs for processing lists found in ISL.</a:t>
+            </a:r>
+          </a:p>
+          <a:p>
+            <a:pPr lvl="1"/>
             <a:r>
               <a:rPr lang="en-US" dirty="0"/>
-              <a:t>processing lists found in ISL.</a:t>
+              <a:t>Recognize the pre-built HOF that's appropriate for your function.</a:t>
             </a:r>
           </a:p>
           <a:p>
             <a:pPr lvl="1"/>
             <a:r>
               <a:rPr lang="en-US" dirty="0"/>
-              <a:t>Recognize the pre-built </a:t>
-            </a:r>
-            <a:r>
-              <a:rPr lang="en-US" dirty="0" smtClean="0"/>
-              <a:t>HOF that's </a:t>
-            </a:r>
-            <a:r>
-              <a:rPr lang="en-US" dirty="0"/>
-              <a:t>appropriate for your function.</a:t>
-            </a:r>
-          </a:p>
-          <a:p>
-            <a:pPr lvl="1"/>
-            <a:r>
-              <a:rPr lang="en-US" dirty="0"/>
-              <a:t>Follow </a:t>
-            </a:r>
-            <a:r>
-              <a:rPr lang="en-US" dirty="0" smtClean="0"/>
-              <a:t>the </a:t>
-            </a:r>
-            <a:r>
-              <a:rPr lang="en-US" dirty="0"/>
-              <a:t>recipe for converting your </a:t>
-            </a:r>
-            <a:r>
-              <a:rPr lang="en-US" dirty="0" smtClean="0"/>
-              <a:t>use of a template into a use of an HOF</a:t>
-            </a:r>
-            <a:endParaRPr lang="en-US" dirty="0"/>
+              <a:t>Follow the recipe for converting your use of a template into a use of an HOF</a:t>
+            </a:r>
           </a:p>
         </p:txBody>
       </p:sp>
@@ -15153,13 +14531,6 @@
   <p:clrMapOvr>
     <a:masterClrMapping/>
   </p:clrMapOvr>
-  <p:timing>
-    <p:tnLst>
-      <p:par>
-        <p:cTn id="1" dur="indefinite" restart="never" nodeType="tmRoot"/>
-      </p:par>
-    </p:tnLst>
-  </p:timing>
 </p:sld>
 </file>
 
@@ -15196,64 +14567,54 @@
           <a:lstStyle/>
           <a:p>
             <a:r>
-              <a:rPr lang="en-US" dirty="0" smtClean="0"/>
+              <a:rPr lang="en-US" dirty="0"/>
               <a:t>Next Steps</a:t>
             </a:r>
+          </a:p>
+        </p:txBody>
+      </p:sp>
+      <p:sp>
+        <p:nvSpPr>
+          <p:cNvPr id="3" name="Content Placeholder 2"/>
+          <p:cNvSpPr>
+            <a:spLocks noGrp="1"/>
+          </p:cNvSpPr>
+          <p:nvPr>
+            <p:ph idx="1"/>
+          </p:nvPr>
+        </p:nvSpPr>
+        <p:spPr/>
+        <p:txBody>
+          <a:bodyPr/>
+          <a:lstStyle/>
+          <a:p>
+            <a:r>
+              <a:rPr lang="en-US" dirty="0"/>
+              <a:t>Study 05-4-sets.rkt in the Examples folder.</a:t>
+            </a:r>
+          </a:p>
+          <a:p>
+            <a:r>
+              <a:rPr lang="en-US" dirty="0"/>
+              <a:t>If you have questions about this lesson, ask them on the </a:t>
+            </a:r>
+            <a:r>
+              <a:rPr lang="en-US"/>
+              <a:t>Discussion Board.</a:t>
+            </a:r>
             <a:endParaRPr lang="en-US" dirty="0"/>
           </a:p>
-        </p:txBody>
-      </p:sp>
-      <p:sp>
-        <p:nvSpPr>
-          <p:cNvPr id="3" name="Content Placeholder 2"/>
-          <p:cNvSpPr>
-            <a:spLocks noGrp="1"/>
-          </p:cNvSpPr>
-          <p:nvPr>
-            <p:ph idx="1"/>
-          </p:nvPr>
-        </p:nvSpPr>
-        <p:spPr/>
-        <p:txBody>
-          <a:bodyPr/>
-          <a:lstStyle/>
-          <a:p>
-            <a:r>
-              <a:rPr lang="en-US" dirty="0" smtClean="0"/>
-              <a:t>Study 05-4-sets.rkt in the Examples folder.</a:t>
-            </a:r>
-          </a:p>
-          <a:p>
-            <a:r>
-              <a:rPr lang="en-US" dirty="0" smtClean="0"/>
-              <a:t>If you have questions about this lesson, ask them on the </a:t>
-            </a:r>
-            <a:r>
-              <a:rPr lang="en-US" smtClean="0"/>
-              <a:t>Discussion Board.</a:t>
-            </a:r>
-            <a:endParaRPr lang="en-US" dirty="0" smtClean="0"/>
-          </a:p>
-          <a:p>
-            <a:r>
-              <a:rPr lang="en-US" dirty="0" smtClean="0"/>
+          <a:p>
+            <a:r>
+              <a:rPr lang="en-US" dirty="0"/>
               <a:t>Do Guided Practice 5.5</a:t>
             </a:r>
           </a:p>
           <a:p>
             <a:r>
-              <a:rPr lang="en-US" dirty="0" smtClean="0"/>
-              <a:t>Do Problem Set </a:t>
-            </a:r>
-            <a:r>
               <a:rPr lang="en-US" dirty="0"/>
-              <a:t>5</a:t>
-            </a:r>
-            <a:r>
-              <a:rPr lang="en-US" dirty="0" smtClean="0"/>
-              <a:t>.</a:t>
-            </a:r>
-            <a:endParaRPr lang="en-US" dirty="0"/>
+              <a:t>Do Problem Set 5.</a:t>
+            </a:r>
           </a:p>
         </p:txBody>
       </p:sp>
@@ -15291,13 +14652,6 @@
   <p:clrMapOvr>
     <a:masterClrMapping/>
   </p:clrMapOvr>
-  <p:timing>
-    <p:tnLst>
-      <p:par>
-        <p:cTn id="1" dur="indefinite" restart="never" nodeType="tmRoot"/>
-      </p:par>
-    </p:tnLst>
-  </p:timing>
 </p:sld>
 </file>
 
@@ -15334,10 +14688,9 @@
           <a:lstStyle/>
           <a:p>
             <a:r>
-              <a:rPr lang="en-US" dirty="0" smtClean="0"/>
+              <a:rPr lang="en-US" dirty="0"/>
               <a:t>Introduction</a:t>
             </a:r>
-            <a:endParaRPr lang="en-US" dirty="0"/>
           </a:p>
         </p:txBody>
       </p:sp>
@@ -15363,16 +14716,12 @@
               <a:t>There are many ways to generalize functions built using the </a:t>
             </a:r>
             <a:r>
-              <a:rPr lang="en-US" b="1" dirty="0" err="1" smtClean="0"/>
+              <a:rPr lang="en-US" b="1" dirty="0" err="1"/>
               <a:t>ListOfX</a:t>
             </a:r>
             <a:r>
-              <a:rPr lang="en-US" dirty="0" smtClean="0"/>
-              <a:t> </a:t>
-            </a:r>
-            <a:r>
               <a:rPr lang="en-US" dirty="0"/>
-              <a:t>template.  The textbook refers to these as </a:t>
+              <a:t> template.  The textbook refers to these as </a:t>
             </a:r>
             <a:r>
               <a:rPr lang="en-US" i="1" dirty="0"/>
@@ -15382,43 +14731,40 @@
               <a:rPr lang="en-US" dirty="0"/>
               <a:t>.  </a:t>
             </a:r>
-            <a:endParaRPr lang="en-US" dirty="0" smtClean="0"/>
-          </a:p>
-          <a:p>
-            <a:r>
-              <a:rPr lang="en-US" dirty="0" smtClean="0"/>
+          </a:p>
+          <a:p>
+            <a:r>
+              <a:rPr lang="en-US" dirty="0"/>
               <a:t>We prefer the word </a:t>
             </a:r>
             <a:r>
-              <a:rPr lang="en-US" i="1" dirty="0" smtClean="0"/>
+              <a:rPr lang="en-US" i="1" dirty="0"/>
               <a:t>generalization</a:t>
             </a:r>
             <a:r>
-              <a:rPr lang="en-US" dirty="0" smtClean="0"/>
+              <a:rPr lang="en-US" dirty="0"/>
               <a:t>, since abstraction can mean many things.</a:t>
             </a:r>
           </a:p>
           <a:p>
             <a:r>
-              <a:rPr lang="en-US" dirty="0" smtClean="0"/>
+              <a:rPr lang="en-US" dirty="0"/>
               <a:t>Chapter 18 of </a:t>
             </a:r>
             <a:r>
-              <a:rPr lang="en-US" dirty="0" err="1" smtClean="0"/>
+              <a:rPr lang="en-US" dirty="0" err="1"/>
               <a:t>HtDP</a:t>
             </a:r>
             <a:r>
-              <a:rPr lang="en-US" dirty="0" smtClean="0"/>
+              <a:rPr lang="en-US" dirty="0"/>
               <a:t>/2e gives a helpful list of the built-in list abstractions in ISL.  </a:t>
             </a:r>
-            <a:endParaRPr lang="en-US" dirty="0"/>
-          </a:p>
-          <a:p>
-            <a:r>
-              <a:rPr lang="en-US" dirty="0" smtClean="0"/>
+          </a:p>
+          <a:p>
+            <a:r>
+              <a:rPr lang="en-US" dirty="0"/>
               <a:t>We've seen most of these before, but let's look at them all together.</a:t>
             </a:r>
-            <a:endParaRPr lang="en-US" dirty="0"/>
           </a:p>
         </p:txBody>
       </p:sp>
@@ -15456,13 +14802,6 @@
   <p:clrMapOvr>
     <a:masterClrMapping/>
   </p:clrMapOvr>
-  <p:timing>
-    <p:tnLst>
-      <p:par>
-        <p:cTn id="1" dur="indefinite" restart="never" nodeType="tmRoot"/>
-      </p:par>
-    </p:tnLst>
-  </p:timing>
 </p:sld>
 </file>
 
@@ -15506,269 +14845,265 @@
           <a:lstStyle/>
           <a:p>
             <a:r>
-              <a:rPr lang="en-US" sz="2000" b="1" dirty="0" smtClean="0">
+              <a:rPr lang="en-US" sz="2000" b="1" dirty="0">
                 <a:latin typeface="Consolas" pitchFamily="49" charset="0"/>
                 <a:cs typeface="Consolas" pitchFamily="49" charset="0"/>
               </a:rPr>
               <a:t>;; map : (X -&gt; Y) </a:t>
             </a:r>
             <a:r>
-              <a:rPr lang="en-US" sz="2000" b="1" dirty="0" err="1" smtClean="0">
+              <a:rPr lang="en-US" sz="2000" b="1" dirty="0" err="1">
                 <a:latin typeface="Consolas" pitchFamily="49" charset="0"/>
                 <a:cs typeface="Consolas" pitchFamily="49" charset="0"/>
               </a:rPr>
               <a:t>ListOfX</a:t>
             </a:r>
             <a:r>
-              <a:rPr lang="en-US" sz="2000" b="1" dirty="0" smtClean="0">
+              <a:rPr lang="en-US" sz="2000" b="1" dirty="0">
                 <a:latin typeface="Consolas" pitchFamily="49" charset="0"/>
                 <a:cs typeface="Consolas" pitchFamily="49" charset="0"/>
               </a:rPr>
               <a:t> -&gt; </a:t>
             </a:r>
             <a:r>
-              <a:rPr lang="en-US" sz="2000" b="1" dirty="0" err="1" smtClean="0">
+              <a:rPr lang="en-US" sz="2000" b="1" dirty="0" err="1">
                 <a:latin typeface="Consolas" pitchFamily="49" charset="0"/>
                 <a:cs typeface="Consolas" pitchFamily="49" charset="0"/>
               </a:rPr>
               <a:t>ListOfY</a:t>
-            </a:r>
-            <a:endParaRPr lang="en-US" sz="2000" b="1" dirty="0" smtClean="0">
-              <a:latin typeface="Consolas" pitchFamily="49" charset="0"/>
-              <a:cs typeface="Consolas" pitchFamily="49" charset="0"/>
-            </a:endParaRPr>
-          </a:p>
-          <a:p>
-            <a:r>
-              <a:rPr lang="en-US" sz="2000" b="1" dirty="0" smtClean="0">
-                <a:latin typeface="Consolas" pitchFamily="49" charset="0"/>
-                <a:cs typeface="Consolas" pitchFamily="49" charset="0"/>
-              </a:rPr>
-              <a:t>;; construct a list by applying f to each item of the given ;; list. </a:t>
-            </a:r>
-          </a:p>
-          <a:p>
-            <a:r>
-              <a:rPr lang="en-US" sz="2000" b="1" dirty="0" smtClean="0">
-                <a:latin typeface="Consolas" pitchFamily="49" charset="0"/>
-                <a:cs typeface="Consolas" pitchFamily="49" charset="0"/>
-              </a:rPr>
-              <a:t>;; that is, (map f (list x_1 ... </a:t>
-            </a:r>
-            <a:r>
-              <a:rPr lang="en-US" sz="2000" b="1" dirty="0" err="1" smtClean="0">
-                <a:latin typeface="Consolas" pitchFamily="49" charset="0"/>
-                <a:cs typeface="Consolas" pitchFamily="49" charset="0"/>
-              </a:rPr>
-              <a:t>x_n</a:t>
-            </a:r>
-            <a:r>
-              <a:rPr lang="en-US" sz="2000" b="1" dirty="0" smtClean="0">
-                <a:latin typeface="Consolas" pitchFamily="49" charset="0"/>
-                <a:cs typeface="Consolas" pitchFamily="49" charset="0"/>
-              </a:rPr>
-              <a:t>)) </a:t>
-            </a:r>
-          </a:p>
-          <a:p>
-            <a:r>
-              <a:rPr lang="en-US" sz="2000" b="1" dirty="0" smtClean="0">
-                <a:latin typeface="Consolas" pitchFamily="49" charset="0"/>
-                <a:cs typeface="Consolas" pitchFamily="49" charset="0"/>
-              </a:rPr>
-              <a:t>;;            = (list (f x_1) ... (f </a:t>
-            </a:r>
-            <a:r>
-              <a:rPr lang="en-US" sz="2000" b="1" dirty="0" err="1" smtClean="0">
-                <a:latin typeface="Consolas" pitchFamily="49" charset="0"/>
-                <a:cs typeface="Consolas" pitchFamily="49" charset="0"/>
-              </a:rPr>
-              <a:t>x_n</a:t>
-            </a:r>
-            <a:r>
-              <a:rPr lang="en-US" sz="2000" b="1" dirty="0" smtClean="0">
-                <a:latin typeface="Consolas" pitchFamily="49" charset="0"/>
-                <a:cs typeface="Consolas" pitchFamily="49" charset="0"/>
-              </a:rPr>
-              <a:t>)) </a:t>
-            </a:r>
-          </a:p>
-          <a:p>
-            <a:r>
-              <a:rPr lang="en-US" sz="2000" b="1" dirty="0" smtClean="0">
-                <a:latin typeface="Consolas" pitchFamily="49" charset="0"/>
-                <a:cs typeface="Consolas" pitchFamily="49" charset="0"/>
-              </a:rPr>
-              <a:t>(define (map f </a:t>
-            </a:r>
-            <a:r>
-              <a:rPr lang="en-US" sz="2000" b="1" dirty="0" err="1" smtClean="0">
-                <a:latin typeface="Consolas" pitchFamily="49" charset="0"/>
-                <a:cs typeface="Consolas" pitchFamily="49" charset="0"/>
-              </a:rPr>
-              <a:t>alox</a:t>
-            </a:r>
-            <a:r>
-              <a:rPr lang="en-US" sz="2000" b="1" dirty="0" smtClean="0">
-                <a:latin typeface="Consolas" pitchFamily="49" charset="0"/>
-                <a:cs typeface="Consolas" pitchFamily="49" charset="0"/>
-              </a:rPr>
-              <a:t>) ...) </a:t>
-            </a:r>
-          </a:p>
-          <a:p>
-            <a:endParaRPr lang="en-US" sz="2000" b="1" dirty="0" smtClean="0">
-              <a:latin typeface="Consolas" pitchFamily="49" charset="0"/>
-              <a:cs typeface="Consolas" pitchFamily="49" charset="0"/>
-            </a:endParaRPr>
-          </a:p>
-          <a:p>
-            <a:r>
-              <a:rPr lang="en-US" sz="2000" b="1" dirty="0" smtClean="0">
-                <a:latin typeface="Consolas" pitchFamily="49" charset="0"/>
-                <a:cs typeface="Consolas" pitchFamily="49" charset="0"/>
-              </a:rPr>
-              <a:t>;; </a:t>
-            </a:r>
-            <a:r>
-              <a:rPr lang="en-US" sz="2000" b="1" dirty="0" err="1" smtClean="0">
-                <a:latin typeface="Consolas" pitchFamily="49" charset="0"/>
-                <a:cs typeface="Consolas" pitchFamily="49" charset="0"/>
-              </a:rPr>
-              <a:t>foldr</a:t>
-            </a:r>
-            <a:r>
-              <a:rPr lang="en-US" sz="2000" b="1" dirty="0" smtClean="0">
-                <a:latin typeface="Consolas" pitchFamily="49" charset="0"/>
-                <a:cs typeface="Consolas" pitchFamily="49" charset="0"/>
-              </a:rPr>
-              <a:t> : (X Y -&gt; Y) Y </a:t>
-            </a:r>
-            <a:r>
-              <a:rPr lang="en-US" sz="2000" b="1" dirty="0" err="1" smtClean="0">
-                <a:latin typeface="Consolas" pitchFamily="49" charset="0"/>
-                <a:cs typeface="Consolas" pitchFamily="49" charset="0"/>
-              </a:rPr>
-              <a:t>ListOfX</a:t>
-            </a:r>
-            <a:r>
-              <a:rPr lang="en-US" sz="2000" b="1" dirty="0" smtClean="0">
-                <a:latin typeface="Consolas" pitchFamily="49" charset="0"/>
-                <a:cs typeface="Consolas" pitchFamily="49" charset="0"/>
-              </a:rPr>
-              <a:t> -&gt; Y</a:t>
-            </a:r>
-          </a:p>
-          <a:p>
-            <a:r>
-              <a:rPr lang="en-US" sz="2000" b="1" dirty="0" smtClean="0">
-                <a:latin typeface="Consolas" pitchFamily="49" charset="0"/>
-                <a:cs typeface="Consolas" pitchFamily="49" charset="0"/>
-              </a:rPr>
-              <a:t>;; apply f on the elements of the given list from right to ;; left, starting with base. </a:t>
-            </a:r>
-          </a:p>
-          <a:p>
-            <a:r>
-              <a:rPr lang="en-US" sz="2000" b="1" dirty="0" smtClean="0">
-                <a:latin typeface="Consolas" pitchFamily="49" charset="0"/>
-                <a:cs typeface="Consolas" pitchFamily="49" charset="0"/>
-              </a:rPr>
-              <a:t>;; (</a:t>
-            </a:r>
-            <a:r>
-              <a:rPr lang="en-US" sz="2000" b="1" dirty="0" err="1" smtClean="0">
-                <a:latin typeface="Consolas" pitchFamily="49" charset="0"/>
-                <a:cs typeface="Consolas" pitchFamily="49" charset="0"/>
-              </a:rPr>
-              <a:t>foldr</a:t>
-            </a:r>
-            <a:r>
-              <a:rPr lang="en-US" sz="2000" b="1" dirty="0" smtClean="0">
-                <a:latin typeface="Consolas" pitchFamily="49" charset="0"/>
-                <a:cs typeface="Consolas" pitchFamily="49" charset="0"/>
-              </a:rPr>
-              <a:t> f base (list x_1 ... </a:t>
-            </a:r>
-            <a:r>
-              <a:rPr lang="en-US" sz="2000" b="1" dirty="0" err="1" smtClean="0">
-                <a:latin typeface="Consolas" pitchFamily="49" charset="0"/>
-                <a:cs typeface="Consolas" pitchFamily="49" charset="0"/>
-              </a:rPr>
-              <a:t>x_n</a:t>
-            </a:r>
-            <a:r>
-              <a:rPr lang="en-US" sz="2000" b="1" dirty="0" smtClean="0">
-                <a:latin typeface="Consolas" pitchFamily="49" charset="0"/>
-                <a:cs typeface="Consolas" pitchFamily="49" charset="0"/>
-              </a:rPr>
-              <a:t>)) </a:t>
-            </a:r>
-          </a:p>
-          <a:p>
-            <a:r>
-              <a:rPr lang="en-US" sz="2000" b="1" dirty="0" smtClean="0">
-                <a:latin typeface="Consolas" pitchFamily="49" charset="0"/>
-                <a:cs typeface="Consolas" pitchFamily="49" charset="0"/>
-              </a:rPr>
-              <a:t>;;   = (f x_1 ... (f </a:t>
-            </a:r>
-            <a:r>
-              <a:rPr lang="en-US" sz="2000" b="1" dirty="0" err="1" smtClean="0">
-                <a:latin typeface="Consolas" pitchFamily="49" charset="0"/>
-                <a:cs typeface="Consolas" pitchFamily="49" charset="0"/>
-              </a:rPr>
-              <a:t>x_n</a:t>
-            </a:r>
-            <a:r>
-              <a:rPr lang="en-US" sz="2000" b="1" dirty="0" smtClean="0">
-                <a:latin typeface="Consolas" pitchFamily="49" charset="0"/>
-                <a:cs typeface="Consolas" pitchFamily="49" charset="0"/>
-              </a:rPr>
-              <a:t> base)) </a:t>
-            </a:r>
-          </a:p>
-          <a:p>
-            <a:r>
-              <a:rPr lang="en-US" sz="2000" b="1" dirty="0" smtClean="0">
-                <a:latin typeface="Consolas" pitchFamily="49" charset="0"/>
-                <a:cs typeface="Consolas" pitchFamily="49" charset="0"/>
-              </a:rPr>
-              <a:t>(define (</a:t>
-            </a:r>
-            <a:r>
-              <a:rPr lang="en-US" sz="2000" b="1" dirty="0" err="1" smtClean="0">
-                <a:latin typeface="Consolas" pitchFamily="49" charset="0"/>
-                <a:cs typeface="Consolas" pitchFamily="49" charset="0"/>
-              </a:rPr>
-              <a:t>foldr</a:t>
-            </a:r>
-            <a:r>
-              <a:rPr lang="en-US" sz="2000" b="1" dirty="0" smtClean="0">
-                <a:latin typeface="Consolas" pitchFamily="49" charset="0"/>
-                <a:cs typeface="Consolas" pitchFamily="49" charset="0"/>
-              </a:rPr>
-              <a:t> f base </a:t>
-            </a:r>
-            <a:r>
-              <a:rPr lang="en-US" sz="2000" b="1" dirty="0" err="1" smtClean="0">
-                <a:latin typeface="Consolas" pitchFamily="49" charset="0"/>
-                <a:cs typeface="Consolas" pitchFamily="49" charset="0"/>
-              </a:rPr>
-              <a:t>alox</a:t>
-            </a:r>
-            <a:r>
-              <a:rPr lang="en-US" sz="2000" b="1" dirty="0" smtClean="0">
-                <a:latin typeface="Consolas" pitchFamily="49" charset="0"/>
-                <a:cs typeface="Consolas" pitchFamily="49" charset="0"/>
-              </a:rPr>
-              <a:t>) ...) </a:t>
             </a:r>
             <a:endParaRPr lang="en-US" sz="2000" b="1" dirty="0">
               <a:latin typeface="Consolas" pitchFamily="49" charset="0"/>
               <a:cs typeface="Consolas" pitchFamily="49" charset="0"/>
             </a:endParaRPr>
           </a:p>
+          <a:p>
+            <a:r>
+              <a:rPr lang="en-US" sz="2000" b="1" dirty="0">
+                <a:latin typeface="Consolas" pitchFamily="49" charset="0"/>
+                <a:cs typeface="Consolas" pitchFamily="49" charset="0"/>
+              </a:rPr>
+              <a:t>;; construct a list by applying f to each item of the given ;; list. </a:t>
+            </a:r>
+          </a:p>
+          <a:p>
+            <a:r>
+              <a:rPr lang="en-US" sz="2000" b="1" dirty="0">
+                <a:latin typeface="Consolas" pitchFamily="49" charset="0"/>
+                <a:cs typeface="Consolas" pitchFamily="49" charset="0"/>
+              </a:rPr>
+              <a:t>;; that is, (map f (list x_1 ... </a:t>
+            </a:r>
+            <a:r>
+              <a:rPr lang="en-US" sz="2000" b="1" dirty="0" err="1">
+                <a:latin typeface="Consolas" pitchFamily="49" charset="0"/>
+                <a:cs typeface="Consolas" pitchFamily="49" charset="0"/>
+              </a:rPr>
+              <a:t>x_n</a:t>
+            </a:r>
+            <a:r>
+              <a:rPr lang="en-US" sz="2000" b="1" dirty="0">
+                <a:latin typeface="Consolas" pitchFamily="49" charset="0"/>
+                <a:cs typeface="Consolas" pitchFamily="49" charset="0"/>
+              </a:rPr>
+              <a:t>)) </a:t>
+            </a:r>
+          </a:p>
+          <a:p>
+            <a:r>
+              <a:rPr lang="en-US" sz="2000" b="1" dirty="0">
+                <a:latin typeface="Consolas" pitchFamily="49" charset="0"/>
+                <a:cs typeface="Consolas" pitchFamily="49" charset="0"/>
+              </a:rPr>
+              <a:t>;;            = (list (f x_1) ... (f </a:t>
+            </a:r>
+            <a:r>
+              <a:rPr lang="en-US" sz="2000" b="1" dirty="0" err="1">
+                <a:latin typeface="Consolas" pitchFamily="49" charset="0"/>
+                <a:cs typeface="Consolas" pitchFamily="49" charset="0"/>
+              </a:rPr>
+              <a:t>x_n</a:t>
+            </a:r>
+            <a:r>
+              <a:rPr lang="en-US" sz="2000" b="1" dirty="0">
+                <a:latin typeface="Consolas" pitchFamily="49" charset="0"/>
+                <a:cs typeface="Consolas" pitchFamily="49" charset="0"/>
+              </a:rPr>
+              <a:t>)) </a:t>
+            </a:r>
+          </a:p>
+          <a:p>
+            <a:r>
+              <a:rPr lang="en-US" sz="2000" b="1" dirty="0">
+                <a:latin typeface="Consolas" pitchFamily="49" charset="0"/>
+                <a:cs typeface="Consolas" pitchFamily="49" charset="0"/>
+              </a:rPr>
+              <a:t>(define (map f </a:t>
+            </a:r>
+            <a:r>
+              <a:rPr lang="en-US" sz="2000" b="1" dirty="0" err="1">
+                <a:latin typeface="Consolas" pitchFamily="49" charset="0"/>
+                <a:cs typeface="Consolas" pitchFamily="49" charset="0"/>
+              </a:rPr>
+              <a:t>alox</a:t>
+            </a:r>
+            <a:r>
+              <a:rPr lang="en-US" sz="2000" b="1" dirty="0">
+                <a:latin typeface="Consolas" pitchFamily="49" charset="0"/>
+                <a:cs typeface="Consolas" pitchFamily="49" charset="0"/>
+              </a:rPr>
+              <a:t>) ...) </a:t>
+            </a:r>
+          </a:p>
+          <a:p>
+            <a:endParaRPr lang="en-US" sz="2000" b="1" dirty="0">
+              <a:latin typeface="Consolas" pitchFamily="49" charset="0"/>
+              <a:cs typeface="Consolas" pitchFamily="49" charset="0"/>
+            </a:endParaRPr>
+          </a:p>
+          <a:p>
+            <a:r>
+              <a:rPr lang="en-US" sz="2000" b="1" dirty="0">
+                <a:latin typeface="Consolas" pitchFamily="49" charset="0"/>
+                <a:cs typeface="Consolas" pitchFamily="49" charset="0"/>
+              </a:rPr>
+              <a:t>;; </a:t>
+            </a:r>
+            <a:r>
+              <a:rPr lang="en-US" sz="2000" b="1" dirty="0" err="1">
+                <a:latin typeface="Consolas" pitchFamily="49" charset="0"/>
+                <a:cs typeface="Consolas" pitchFamily="49" charset="0"/>
+              </a:rPr>
+              <a:t>foldr</a:t>
+            </a:r>
+            <a:r>
+              <a:rPr lang="en-US" sz="2000" b="1" dirty="0">
+                <a:latin typeface="Consolas" pitchFamily="49" charset="0"/>
+                <a:cs typeface="Consolas" pitchFamily="49" charset="0"/>
+              </a:rPr>
+              <a:t> : (X Y -&gt; Y) Y </a:t>
+            </a:r>
+            <a:r>
+              <a:rPr lang="en-US" sz="2000" b="1" dirty="0" err="1">
+                <a:latin typeface="Consolas" pitchFamily="49" charset="0"/>
+                <a:cs typeface="Consolas" pitchFamily="49" charset="0"/>
+              </a:rPr>
+              <a:t>ListOfX</a:t>
+            </a:r>
+            <a:r>
+              <a:rPr lang="en-US" sz="2000" b="1" dirty="0">
+                <a:latin typeface="Consolas" pitchFamily="49" charset="0"/>
+                <a:cs typeface="Consolas" pitchFamily="49" charset="0"/>
+              </a:rPr>
+              <a:t> -&gt; Y</a:t>
+            </a:r>
+          </a:p>
+          <a:p>
+            <a:r>
+              <a:rPr lang="en-US" sz="2000" b="1" dirty="0">
+                <a:latin typeface="Consolas" pitchFamily="49" charset="0"/>
+                <a:cs typeface="Consolas" pitchFamily="49" charset="0"/>
+              </a:rPr>
+              <a:t>;; apply f on the elements of the given list from right to ;; left, starting with base. </a:t>
+            </a:r>
+          </a:p>
+          <a:p>
+            <a:r>
+              <a:rPr lang="en-US" sz="2000" b="1" dirty="0">
+                <a:latin typeface="Consolas" pitchFamily="49" charset="0"/>
+                <a:cs typeface="Consolas" pitchFamily="49" charset="0"/>
+              </a:rPr>
+              <a:t>;; (</a:t>
+            </a:r>
+            <a:r>
+              <a:rPr lang="en-US" sz="2000" b="1" dirty="0" err="1">
+                <a:latin typeface="Consolas" pitchFamily="49" charset="0"/>
+                <a:cs typeface="Consolas" pitchFamily="49" charset="0"/>
+              </a:rPr>
+              <a:t>foldr</a:t>
+            </a:r>
+            <a:r>
+              <a:rPr lang="en-US" sz="2000" b="1" dirty="0">
+                <a:latin typeface="Consolas" pitchFamily="49" charset="0"/>
+                <a:cs typeface="Consolas" pitchFamily="49" charset="0"/>
+              </a:rPr>
+              <a:t> f base (list x_1 ... </a:t>
+            </a:r>
+            <a:r>
+              <a:rPr lang="en-US" sz="2000" b="1" dirty="0" err="1">
+                <a:latin typeface="Consolas" pitchFamily="49" charset="0"/>
+                <a:cs typeface="Consolas" pitchFamily="49" charset="0"/>
+              </a:rPr>
+              <a:t>x_n</a:t>
+            </a:r>
+            <a:r>
+              <a:rPr lang="en-US" sz="2000" b="1" dirty="0">
+                <a:latin typeface="Consolas" pitchFamily="49" charset="0"/>
+                <a:cs typeface="Consolas" pitchFamily="49" charset="0"/>
+              </a:rPr>
+              <a:t>)) </a:t>
+            </a:r>
+          </a:p>
+          <a:p>
+            <a:r>
+              <a:rPr lang="en-US" sz="2000" b="1" dirty="0">
+                <a:latin typeface="Consolas" pitchFamily="49" charset="0"/>
+                <a:cs typeface="Consolas" pitchFamily="49" charset="0"/>
+              </a:rPr>
+              <a:t>;;   = (f x_1 ... (f </a:t>
+            </a:r>
+            <a:r>
+              <a:rPr lang="en-US" sz="2000" b="1" dirty="0" err="1">
+                <a:latin typeface="Consolas" pitchFamily="49" charset="0"/>
+                <a:cs typeface="Consolas" pitchFamily="49" charset="0"/>
+              </a:rPr>
+              <a:t>x_n</a:t>
+            </a:r>
+            <a:r>
+              <a:rPr lang="en-US" sz="2000" b="1" dirty="0">
+                <a:latin typeface="Consolas" pitchFamily="49" charset="0"/>
+                <a:cs typeface="Consolas" pitchFamily="49" charset="0"/>
+              </a:rPr>
+              <a:t> base)) </a:t>
+            </a:r>
+          </a:p>
+          <a:p>
+            <a:r>
+              <a:rPr lang="en-US" sz="2000" b="1" dirty="0">
+                <a:latin typeface="Consolas" pitchFamily="49" charset="0"/>
+                <a:cs typeface="Consolas" pitchFamily="49" charset="0"/>
+              </a:rPr>
+              <a:t>(define (</a:t>
+            </a:r>
+            <a:r>
+              <a:rPr lang="en-US" sz="2000" b="1" dirty="0" err="1">
+                <a:latin typeface="Consolas" pitchFamily="49" charset="0"/>
+                <a:cs typeface="Consolas" pitchFamily="49" charset="0"/>
+              </a:rPr>
+              <a:t>foldr</a:t>
+            </a:r>
+            <a:r>
+              <a:rPr lang="en-US" sz="2000" b="1" dirty="0">
+                <a:latin typeface="Consolas" pitchFamily="49" charset="0"/>
+                <a:cs typeface="Consolas" pitchFamily="49" charset="0"/>
+              </a:rPr>
+              <a:t> f base </a:t>
+            </a:r>
+            <a:r>
+              <a:rPr lang="en-US" sz="2000" b="1" dirty="0" err="1">
+                <a:latin typeface="Consolas" pitchFamily="49" charset="0"/>
+                <a:cs typeface="Consolas" pitchFamily="49" charset="0"/>
+              </a:rPr>
+              <a:t>alox</a:t>
+            </a:r>
+            <a:r>
+              <a:rPr lang="en-US" sz="2000" b="1" dirty="0">
+                <a:latin typeface="Consolas" pitchFamily="49" charset="0"/>
+                <a:cs typeface="Consolas" pitchFamily="49" charset="0"/>
+              </a:rPr>
+              <a:t>) ...) </a:t>
+            </a:r>
+          </a:p>
         </p:txBody>
       </p:sp>
       <p:sp>
@@ -15789,29 +15124,16 @@
           <a:lstStyle/>
           <a:p>
             <a:r>
-              <a:rPr lang="en-US" dirty="0" smtClean="0"/>
-              <a:t>Pre-built </a:t>
-            </a:r>
-            <a:r>
-              <a:rPr lang="en-US" dirty="0" smtClean="0"/>
-              <a:t>HOFs for lists</a:t>
-            </a:r>
-            <a:r>
-              <a:rPr lang="en-US" dirty="0" smtClean="0"/>
-              <a:t> </a:t>
-            </a:r>
-            <a:r>
-              <a:rPr lang="en-US" dirty="0" smtClean="0"/>
-              <a:t>(1)</a:t>
+              <a:rPr lang="en-US" dirty="0"/>
+              <a:t>Pre-built HOFs for lists (1)</a:t>
             </a:r>
             <a:br>
-              <a:rPr lang="en-US" dirty="0" smtClean="0"/>
+              <a:rPr lang="en-US" dirty="0"/>
             </a:br>
             <a:r>
-              <a:rPr lang="en-US" dirty="0" smtClean="0"/>
+              <a:rPr lang="en-US" dirty="0"/>
               <a:t>(Chapter 18)</a:t>
             </a:r>
-            <a:endParaRPr lang="en-US" dirty="0"/>
           </a:p>
         </p:txBody>
       </p:sp>
@@ -15875,10 +15197,9 @@
           <a:lstStyle/>
           <a:p>
             <a:r>
-              <a:rPr lang="en-US" sz="2400" dirty="0" smtClean="0"/>
+              <a:rPr lang="en-US" sz="2400" dirty="0"/>
               <a:t>The book doesn't use the GIVEN/RETURNS form for purpose statements.  But you still need to do so for the functions you write!</a:t>
             </a:r>
-            <a:endParaRPr lang="en-US" sz="2400" dirty="0"/>
           </a:p>
         </p:txBody>
       </p:sp>
@@ -15892,13 +15213,6 @@
   <p:clrMapOvr>
     <a:masterClrMapping/>
   </p:clrMapOvr>
-  <p:timing>
-    <p:tnLst>
-      <p:par>
-        <p:cTn id="1" dur="indefinite" restart="never" nodeType="tmRoot"/>
-      </p:par>
-    </p:tnLst>
-  </p:timing>
 </p:sld>
 </file>
 
@@ -15942,55 +15256,55 @@
           <a:lstStyle/>
           <a:p>
             <a:r>
-              <a:rPr lang="en-US" sz="2000" b="1" dirty="0" smtClean="0">
+              <a:rPr lang="en-US" sz="2000" b="1" dirty="0">
                 <a:latin typeface="Consolas" pitchFamily="49" charset="0"/>
                 <a:cs typeface="Consolas" pitchFamily="49" charset="0"/>
               </a:rPr>
               <a:t>;; build-list : </a:t>
             </a:r>
             <a:r>
-              <a:rPr lang="en-US" sz="2000" b="1" dirty="0" err="1" smtClean="0">
+              <a:rPr lang="en-US" sz="2000" b="1" dirty="0" err="1">
                 <a:latin typeface="Consolas" pitchFamily="49" charset="0"/>
                 <a:cs typeface="Consolas" pitchFamily="49" charset="0"/>
               </a:rPr>
               <a:t>NonNegInt</a:t>
             </a:r>
             <a:r>
-              <a:rPr lang="en-US" sz="2000" b="1" dirty="0" smtClean="0">
+              <a:rPr lang="en-US" sz="2000" b="1" dirty="0">
                 <a:latin typeface="Consolas" pitchFamily="49" charset="0"/>
                 <a:cs typeface="Consolas" pitchFamily="49" charset="0"/>
               </a:rPr>
               <a:t> (</a:t>
             </a:r>
             <a:r>
-              <a:rPr lang="en-US" sz="2000" b="1" dirty="0" err="1" smtClean="0">
+              <a:rPr lang="en-US" sz="2000" b="1" dirty="0" err="1">
                 <a:latin typeface="Consolas" pitchFamily="49" charset="0"/>
                 <a:cs typeface="Consolas" pitchFamily="49" charset="0"/>
               </a:rPr>
               <a:t>NonNegInt</a:t>
             </a:r>
             <a:r>
-              <a:rPr lang="en-US" sz="2000" b="1" dirty="0" smtClean="0">
+              <a:rPr lang="en-US" sz="2000" b="1" dirty="0">
                 <a:latin typeface="Consolas" pitchFamily="49" charset="0"/>
                 <a:cs typeface="Consolas" pitchFamily="49" charset="0"/>
               </a:rPr>
               <a:t> -&gt; X) -&gt; </a:t>
             </a:r>
             <a:r>
-              <a:rPr lang="en-US" sz="2000" b="1" dirty="0" err="1" smtClean="0">
+              <a:rPr lang="en-US" sz="2000" b="1" dirty="0" err="1">
                 <a:latin typeface="Consolas" pitchFamily="49" charset="0"/>
                 <a:cs typeface="Consolas" pitchFamily="49" charset="0"/>
               </a:rPr>
               <a:t>ListOfX</a:t>
             </a:r>
-            <a:endParaRPr lang="en-US" sz="2000" b="1" dirty="0" smtClean="0">
+            <a:endParaRPr lang="en-US" sz="2000" b="1" dirty="0">
               <a:latin typeface="Consolas" pitchFamily="49" charset="0"/>
               <a:cs typeface="Consolas" pitchFamily="49" charset="0"/>
             </a:endParaRPr>
           </a:p>
           <a:p>
             <a:r>
-              <a:rPr lang="en-US" sz="2000" b="1" dirty="0" smtClean="0">
+              <a:rPr lang="en-US" sz="2000" b="1" dirty="0">
                 <a:latin typeface="Consolas" pitchFamily="49" charset="0"/>
                 <a:cs typeface="Consolas" pitchFamily="49" charset="0"/>
               </a:rPr>
@@ -15999,7 +15313,7 @@
           </a:p>
           <a:p>
             <a:r>
-              <a:rPr lang="en-US" sz="2000" b="1" dirty="0" smtClean="0">
+              <a:rPr lang="en-US" sz="2000" b="1" dirty="0">
                 <a:latin typeface="Consolas" pitchFamily="49" charset="0"/>
                 <a:cs typeface="Consolas" pitchFamily="49" charset="0"/>
               </a:rPr>
@@ -16007,42 +15321,42 @@
             </a:r>
           </a:p>
           <a:p>
-            <a:endParaRPr lang="en-US" sz="2000" b="1" dirty="0" smtClean="0">
+            <a:endParaRPr lang="en-US" sz="2000" b="1" dirty="0">
               <a:latin typeface="Consolas" pitchFamily="49" charset="0"/>
               <a:cs typeface="Consolas" pitchFamily="49" charset="0"/>
             </a:endParaRPr>
           </a:p>
           <a:p>
             <a:r>
-              <a:rPr lang="en-US" sz="2000" b="1" dirty="0" smtClean="0">
+              <a:rPr lang="en-US" sz="2000" b="1" dirty="0">
                 <a:latin typeface="Consolas" pitchFamily="49" charset="0"/>
                 <a:cs typeface="Consolas" pitchFamily="49" charset="0"/>
               </a:rPr>
               <a:t>;; filter : (X -&gt; Boolean) </a:t>
             </a:r>
             <a:r>
-              <a:rPr lang="en-US" sz="2000" b="1" dirty="0" err="1" smtClean="0">
+              <a:rPr lang="en-US" sz="2000" b="1" dirty="0" err="1">
                 <a:latin typeface="Consolas" pitchFamily="49" charset="0"/>
                 <a:cs typeface="Consolas" pitchFamily="49" charset="0"/>
               </a:rPr>
               <a:t>ListOfX</a:t>
             </a:r>
             <a:r>
-              <a:rPr lang="en-US" sz="2000" b="1" dirty="0" smtClean="0">
+              <a:rPr lang="en-US" sz="2000" b="1" dirty="0">
                 <a:latin typeface="Consolas" pitchFamily="49" charset="0"/>
                 <a:cs typeface="Consolas" pitchFamily="49" charset="0"/>
               </a:rPr>
               <a:t> -&gt; </a:t>
             </a:r>
             <a:r>
-              <a:rPr lang="en-US" sz="2000" b="1" dirty="0" err="1" smtClean="0">
+              <a:rPr lang="en-US" sz="2000" b="1" dirty="0" err="1">
                 <a:latin typeface="Consolas" pitchFamily="49" charset="0"/>
                 <a:cs typeface="Consolas" pitchFamily="49" charset="0"/>
               </a:rPr>
               <a:t>ListOfX</a:t>
             </a:r>
             <a:r>
-              <a:rPr lang="en-US" sz="2000" b="1" dirty="0" smtClean="0">
+              <a:rPr lang="en-US" sz="2000" b="1" dirty="0">
                 <a:latin typeface="Consolas" pitchFamily="49" charset="0"/>
                 <a:cs typeface="Consolas" pitchFamily="49" charset="0"/>
               </a:rPr>
@@ -16051,21 +15365,21 @@
           </a:p>
           <a:p>
             <a:r>
-              <a:rPr lang="en-US" sz="2000" b="1" dirty="0" smtClean="0">
+              <a:rPr lang="en-US" sz="2000" b="1" dirty="0">
                 <a:latin typeface="Consolas" pitchFamily="49" charset="0"/>
                 <a:cs typeface="Consolas" pitchFamily="49" charset="0"/>
               </a:rPr>
               <a:t>;; construct the list from all items on </a:t>
             </a:r>
             <a:r>
-              <a:rPr lang="en-US" sz="2000" b="1" dirty="0" err="1" smtClean="0">
+              <a:rPr lang="en-US" sz="2000" b="1" dirty="0" err="1">
                 <a:latin typeface="Consolas" pitchFamily="49" charset="0"/>
                 <a:cs typeface="Consolas" pitchFamily="49" charset="0"/>
               </a:rPr>
               <a:t>alox</a:t>
             </a:r>
             <a:r>
-              <a:rPr lang="en-US" sz="2000" b="1" dirty="0" smtClean="0">
+              <a:rPr lang="en-US" sz="2000" b="1" dirty="0">
                 <a:latin typeface="Consolas" pitchFamily="49" charset="0"/>
                 <a:cs typeface="Consolas" pitchFamily="49" charset="0"/>
               </a:rPr>
@@ -16074,7 +15388,7 @@
           </a:p>
           <a:p>
             <a:r>
-              <a:rPr lang="en-US" sz="2000" b="1" dirty="0" smtClean="0">
+              <a:rPr lang="en-US" sz="2000" b="1" dirty="0">
                 <a:latin typeface="Consolas" pitchFamily="49" charset="0"/>
                 <a:cs typeface="Consolas" pitchFamily="49" charset="0"/>
               </a:rPr>
@@ -16083,21 +15397,21 @@
           </a:p>
           <a:p>
             <a:r>
-              <a:rPr lang="en-US" sz="2000" b="1" dirty="0" smtClean="0">
+              <a:rPr lang="en-US" sz="2000" b="1" dirty="0">
                 <a:latin typeface="Consolas" pitchFamily="49" charset="0"/>
                 <a:cs typeface="Consolas" pitchFamily="49" charset="0"/>
               </a:rPr>
               <a:t>(define (filter p </a:t>
             </a:r>
             <a:r>
-              <a:rPr lang="en-US" sz="2000" b="1" dirty="0" err="1" smtClean="0">
+              <a:rPr lang="en-US" sz="2000" b="1" dirty="0" err="1">
                 <a:latin typeface="Consolas" pitchFamily="49" charset="0"/>
                 <a:cs typeface="Consolas" pitchFamily="49" charset="0"/>
               </a:rPr>
               <a:t>alox</a:t>
             </a:r>
             <a:r>
-              <a:rPr lang="en-US" sz="2000" b="1" dirty="0" smtClean="0">
+              <a:rPr lang="en-US" sz="2000" b="1" dirty="0">
                 <a:latin typeface="Consolas" pitchFamily="49" charset="0"/>
                 <a:cs typeface="Consolas" pitchFamily="49" charset="0"/>
               </a:rPr>
@@ -16106,7 +15420,7 @@
           </a:p>
           <a:p>
             <a:r>
-              <a:rPr lang="en-US" sz="2000" b="1" dirty="0" smtClean="0">
+              <a:rPr lang="en-US" sz="2000" b="1" dirty="0">
                 <a:latin typeface="Consolas" pitchFamily="49" charset="0"/>
                 <a:cs typeface="Consolas" pitchFamily="49" charset="0"/>
               </a:rPr>
@@ -16114,7 +15428,7 @@
             </a:r>
           </a:p>
           <a:p>
-            <a:endParaRPr lang="en-US" sz="2000" b="1" dirty="0" smtClean="0">
+            <a:endParaRPr lang="en-US" sz="2000" b="1" dirty="0">
               <a:latin typeface="Consolas" pitchFamily="49" charset="0"/>
               <a:cs typeface="Consolas" pitchFamily="49" charset="0"/>
             </a:endParaRPr>
@@ -16139,25 +15453,16 @@
           <a:lstStyle/>
           <a:p>
             <a:r>
-              <a:rPr lang="en-US" dirty="0" smtClean="0"/>
-              <a:t>Pre-built </a:t>
-            </a:r>
-            <a:r>
-              <a:rPr lang="en-US" dirty="0" smtClean="0"/>
-              <a:t>HOFs for lists (2</a:t>
-            </a:r>
-            <a:r>
-              <a:rPr lang="en-US" dirty="0" smtClean="0"/>
-              <a:t>)</a:t>
+              <a:rPr lang="en-US" dirty="0"/>
+              <a:t>Pre-built HOFs for lists (2)</a:t>
             </a:r>
             <a:br>
-              <a:rPr lang="en-US" dirty="0" smtClean="0"/>
+              <a:rPr lang="en-US" dirty="0"/>
             </a:br>
             <a:r>
-              <a:rPr lang="en-US" dirty="0" smtClean="0"/>
+              <a:rPr lang="en-US" dirty="0"/>
               <a:t>(Chapter 18)</a:t>
             </a:r>
-            <a:endParaRPr lang="en-US" dirty="0"/>
           </a:p>
         </p:txBody>
       </p:sp>
@@ -16195,13 +15500,6 @@
   <p:clrMapOvr>
     <a:masterClrMapping/>
   </p:clrMapOvr>
-  <p:timing>
-    <p:tnLst>
-      <p:par>
-        <p:cTn id="1" dur="indefinite" restart="never" nodeType="tmRoot"/>
-      </p:par>
-    </p:tnLst>
-  </p:timing>
 </p:sld>
 </file>
 
@@ -16243,42 +15541,42 @@
           </a:bodyPr>
           <a:lstStyle/>
           <a:p>
-            <a:endParaRPr lang="en-US" b="1" dirty="0" smtClean="0">
+            <a:endParaRPr lang="en-US" b="1" dirty="0">
               <a:latin typeface="Consolas" pitchFamily="49" charset="0"/>
               <a:cs typeface="Consolas" pitchFamily="49" charset="0"/>
             </a:endParaRPr>
           </a:p>
           <a:p>
             <a:r>
-              <a:rPr lang="en-US" b="1" dirty="0" smtClean="0">
+              <a:rPr lang="en-US" b="1" dirty="0">
                 <a:latin typeface="Consolas" pitchFamily="49" charset="0"/>
                 <a:cs typeface="Consolas" pitchFamily="49" charset="0"/>
               </a:rPr>
               <a:t>;; </a:t>
             </a:r>
             <a:r>
-              <a:rPr lang="en-US" b="1" dirty="0" err="1" smtClean="0">
+              <a:rPr lang="en-US" b="1" dirty="0" err="1">
                 <a:latin typeface="Consolas" pitchFamily="49" charset="0"/>
                 <a:cs typeface="Consolas" pitchFamily="49" charset="0"/>
               </a:rPr>
               <a:t>andmap</a:t>
             </a:r>
             <a:r>
-              <a:rPr lang="en-US" b="1" dirty="0" smtClean="0">
+              <a:rPr lang="en-US" b="1" dirty="0">
                 <a:latin typeface="Consolas" pitchFamily="49" charset="0"/>
                 <a:cs typeface="Consolas" pitchFamily="49" charset="0"/>
               </a:rPr>
               <a:t> : (X -&gt; Boolean) </a:t>
             </a:r>
             <a:r>
-              <a:rPr lang="en-US" b="1" dirty="0" err="1" smtClean="0">
+              <a:rPr lang="en-US" b="1" dirty="0" err="1">
                 <a:latin typeface="Consolas" pitchFamily="49" charset="0"/>
                 <a:cs typeface="Consolas" pitchFamily="49" charset="0"/>
               </a:rPr>
               <a:t>ListOfX</a:t>
             </a:r>
             <a:r>
-              <a:rPr lang="en-US" b="1" dirty="0" smtClean="0">
+              <a:rPr lang="en-US" b="1" dirty="0">
                 <a:latin typeface="Consolas" pitchFamily="49" charset="0"/>
                 <a:cs typeface="Consolas" pitchFamily="49" charset="0"/>
               </a:rPr>
@@ -16287,21 +15585,21 @@
           </a:p>
           <a:p>
             <a:r>
-              <a:rPr lang="en-US" b="1" dirty="0" smtClean="0">
+              <a:rPr lang="en-US" b="1" dirty="0">
                 <a:latin typeface="Consolas" pitchFamily="49" charset="0"/>
                 <a:cs typeface="Consolas" pitchFamily="49" charset="0"/>
               </a:rPr>
               <a:t>;; determine whether p holds for every item on </a:t>
             </a:r>
             <a:r>
-              <a:rPr lang="en-US" b="1" dirty="0" err="1" smtClean="0">
+              <a:rPr lang="en-US" b="1" dirty="0" err="1">
                 <a:latin typeface="Consolas" pitchFamily="49" charset="0"/>
                 <a:cs typeface="Consolas" pitchFamily="49" charset="0"/>
               </a:rPr>
               <a:t>alox</a:t>
             </a:r>
             <a:r>
-              <a:rPr lang="en-US" b="1" dirty="0" smtClean="0">
+              <a:rPr lang="en-US" b="1" dirty="0">
                 <a:latin typeface="Consolas" pitchFamily="49" charset="0"/>
                 <a:cs typeface="Consolas" pitchFamily="49" charset="0"/>
               </a:rPr>
@@ -16310,35 +15608,35 @@
           </a:p>
           <a:p>
             <a:r>
-              <a:rPr lang="en-US" b="1" dirty="0" smtClean="0">
+              <a:rPr lang="en-US" b="1" dirty="0">
                 <a:latin typeface="Consolas" pitchFamily="49" charset="0"/>
                 <a:cs typeface="Consolas" pitchFamily="49" charset="0"/>
               </a:rPr>
               <a:t>;; that is, (</a:t>
             </a:r>
             <a:r>
-              <a:rPr lang="en-US" b="1" dirty="0" err="1" smtClean="0">
+              <a:rPr lang="en-US" b="1" dirty="0" err="1">
                 <a:latin typeface="Consolas" pitchFamily="49" charset="0"/>
                 <a:cs typeface="Consolas" pitchFamily="49" charset="0"/>
               </a:rPr>
               <a:t>andmap</a:t>
             </a:r>
             <a:r>
-              <a:rPr lang="en-US" b="1" dirty="0" smtClean="0">
+              <a:rPr lang="en-US" b="1" dirty="0">
                 <a:latin typeface="Consolas" pitchFamily="49" charset="0"/>
                 <a:cs typeface="Consolas" pitchFamily="49" charset="0"/>
               </a:rPr>
               <a:t> p (list x_1 ... </a:t>
             </a:r>
             <a:r>
-              <a:rPr lang="en-US" b="1" dirty="0" err="1" smtClean="0">
+              <a:rPr lang="en-US" b="1" dirty="0" err="1">
                 <a:latin typeface="Consolas" pitchFamily="49" charset="0"/>
                 <a:cs typeface="Consolas" pitchFamily="49" charset="0"/>
               </a:rPr>
               <a:t>x_n</a:t>
             </a:r>
             <a:r>
-              <a:rPr lang="en-US" b="1" dirty="0" smtClean="0">
+              <a:rPr lang="en-US" b="1" dirty="0">
                 <a:latin typeface="Consolas" pitchFamily="49" charset="0"/>
                 <a:cs typeface="Consolas" pitchFamily="49" charset="0"/>
               </a:rPr>
@@ -16347,21 +15645,21 @@
           </a:p>
           <a:p>
             <a:r>
-              <a:rPr lang="en-US" b="1" dirty="0" smtClean="0">
+              <a:rPr lang="en-US" b="1" dirty="0">
                 <a:latin typeface="Consolas" pitchFamily="49" charset="0"/>
                 <a:cs typeface="Consolas" pitchFamily="49" charset="0"/>
               </a:rPr>
               <a:t>;;           = (and (p x_1) ... (p </a:t>
             </a:r>
             <a:r>
-              <a:rPr lang="en-US" b="1" dirty="0" err="1" smtClean="0">
+              <a:rPr lang="en-US" b="1" dirty="0" err="1">
                 <a:latin typeface="Consolas" pitchFamily="49" charset="0"/>
                 <a:cs typeface="Consolas" pitchFamily="49" charset="0"/>
               </a:rPr>
               <a:t>x_n</a:t>
             </a:r>
             <a:r>
-              <a:rPr lang="en-US" b="1" dirty="0" smtClean="0">
+              <a:rPr lang="en-US" b="1" dirty="0">
                 <a:latin typeface="Consolas" pitchFamily="49" charset="0"/>
                 <a:cs typeface="Consolas" pitchFamily="49" charset="0"/>
               </a:rPr>
@@ -16370,35 +15668,35 @@
           </a:p>
           <a:p>
             <a:r>
-              <a:rPr lang="en-US" b="1" dirty="0" smtClean="0">
+              <a:rPr lang="en-US" b="1" dirty="0">
                 <a:latin typeface="Consolas" pitchFamily="49" charset="0"/>
                 <a:cs typeface="Consolas" pitchFamily="49" charset="0"/>
               </a:rPr>
               <a:t>(define (</a:t>
             </a:r>
             <a:r>
-              <a:rPr lang="en-US" b="1" dirty="0" err="1" smtClean="0">
+              <a:rPr lang="en-US" b="1" dirty="0" err="1">
                 <a:latin typeface="Consolas" pitchFamily="49" charset="0"/>
                 <a:cs typeface="Consolas" pitchFamily="49" charset="0"/>
               </a:rPr>
               <a:t>andmap</a:t>
             </a:r>
             <a:r>
-              <a:rPr lang="en-US" b="1" dirty="0" smtClean="0">
+              <a:rPr lang="en-US" b="1" dirty="0">
                 <a:latin typeface="Consolas" pitchFamily="49" charset="0"/>
                 <a:cs typeface="Consolas" pitchFamily="49" charset="0"/>
               </a:rPr>
               <a:t> p </a:t>
             </a:r>
             <a:r>
-              <a:rPr lang="en-US" b="1" dirty="0" err="1" smtClean="0">
+              <a:rPr lang="en-US" b="1" dirty="0" err="1">
                 <a:latin typeface="Consolas" pitchFamily="49" charset="0"/>
                 <a:cs typeface="Consolas" pitchFamily="49" charset="0"/>
               </a:rPr>
               <a:t>alox</a:t>
             </a:r>
             <a:r>
-              <a:rPr lang="en-US" b="1" dirty="0" smtClean="0">
+              <a:rPr lang="en-US" b="1" dirty="0">
                 <a:latin typeface="Consolas" pitchFamily="49" charset="0"/>
                 <a:cs typeface="Consolas" pitchFamily="49" charset="0"/>
               </a:rPr>
@@ -16406,42 +15704,42 @@
             </a:r>
           </a:p>
           <a:p>
-            <a:endParaRPr lang="en-US" b="1" dirty="0" smtClean="0">
+            <a:endParaRPr lang="en-US" b="1" dirty="0">
               <a:latin typeface="Consolas" pitchFamily="49" charset="0"/>
               <a:cs typeface="Consolas" pitchFamily="49" charset="0"/>
             </a:endParaRPr>
           </a:p>
           <a:p>
             <a:r>
-              <a:rPr lang="en-US" b="1" dirty="0" smtClean="0">
+              <a:rPr lang="en-US" b="1" dirty="0">
                 <a:latin typeface="Consolas" pitchFamily="49" charset="0"/>
                 <a:cs typeface="Consolas" pitchFamily="49" charset="0"/>
               </a:rPr>
               <a:t>;; </a:t>
             </a:r>
             <a:r>
-              <a:rPr lang="en-US" b="1" dirty="0" err="1" smtClean="0">
+              <a:rPr lang="en-US" b="1" dirty="0" err="1">
                 <a:latin typeface="Consolas" pitchFamily="49" charset="0"/>
                 <a:cs typeface="Consolas" pitchFamily="49" charset="0"/>
               </a:rPr>
               <a:t>ormap</a:t>
             </a:r>
             <a:r>
-              <a:rPr lang="en-US" b="1" dirty="0" smtClean="0">
+              <a:rPr lang="en-US" b="1" dirty="0">
                 <a:latin typeface="Consolas" pitchFamily="49" charset="0"/>
                 <a:cs typeface="Consolas" pitchFamily="49" charset="0"/>
               </a:rPr>
               <a:t> : (X -&gt; Boolean) </a:t>
             </a:r>
             <a:r>
-              <a:rPr lang="en-US" b="1" dirty="0" err="1" smtClean="0">
+              <a:rPr lang="en-US" b="1" dirty="0" err="1">
                 <a:latin typeface="Consolas" pitchFamily="49" charset="0"/>
                 <a:cs typeface="Consolas" pitchFamily="49" charset="0"/>
               </a:rPr>
               <a:t>ListOfX</a:t>
             </a:r>
             <a:r>
-              <a:rPr lang="en-US" b="1" dirty="0" smtClean="0">
+              <a:rPr lang="en-US" b="1" dirty="0">
                 <a:latin typeface="Consolas" pitchFamily="49" charset="0"/>
                 <a:cs typeface="Consolas" pitchFamily="49" charset="0"/>
               </a:rPr>
@@ -16450,21 +15748,21 @@
           </a:p>
           <a:p>
             <a:r>
-              <a:rPr lang="en-US" b="1" dirty="0" smtClean="0">
+              <a:rPr lang="en-US" b="1" dirty="0">
                 <a:latin typeface="Consolas" pitchFamily="49" charset="0"/>
                 <a:cs typeface="Consolas" pitchFamily="49" charset="0"/>
               </a:rPr>
               <a:t>;; determine whether p holds for at least one item on </a:t>
             </a:r>
             <a:r>
-              <a:rPr lang="en-US" b="1" dirty="0" err="1" smtClean="0">
+              <a:rPr lang="en-US" b="1" dirty="0" err="1">
                 <a:latin typeface="Consolas" pitchFamily="49" charset="0"/>
                 <a:cs typeface="Consolas" pitchFamily="49" charset="0"/>
               </a:rPr>
               <a:t>alox</a:t>
             </a:r>
             <a:r>
-              <a:rPr lang="en-US" b="1" dirty="0" smtClean="0">
+              <a:rPr lang="en-US" b="1" dirty="0">
                 <a:latin typeface="Consolas" pitchFamily="49" charset="0"/>
                 <a:cs typeface="Consolas" pitchFamily="49" charset="0"/>
               </a:rPr>
@@ -16473,35 +15771,35 @@
           </a:p>
           <a:p>
             <a:r>
-              <a:rPr lang="en-US" b="1" dirty="0" smtClean="0">
+              <a:rPr lang="en-US" b="1" dirty="0">
                 <a:latin typeface="Consolas" pitchFamily="49" charset="0"/>
                 <a:cs typeface="Consolas" pitchFamily="49" charset="0"/>
               </a:rPr>
               <a:t>;; that is, (</a:t>
             </a:r>
             <a:r>
-              <a:rPr lang="en-US" b="1" dirty="0" err="1" smtClean="0">
+              <a:rPr lang="en-US" b="1" dirty="0" err="1">
                 <a:latin typeface="Consolas" pitchFamily="49" charset="0"/>
                 <a:cs typeface="Consolas" pitchFamily="49" charset="0"/>
               </a:rPr>
               <a:t>ormap</a:t>
             </a:r>
             <a:r>
-              <a:rPr lang="en-US" b="1" dirty="0" smtClean="0">
+              <a:rPr lang="en-US" b="1" dirty="0">
                 <a:latin typeface="Consolas" pitchFamily="49" charset="0"/>
                 <a:cs typeface="Consolas" pitchFamily="49" charset="0"/>
               </a:rPr>
               <a:t> p (list x_1 ... </a:t>
             </a:r>
             <a:r>
-              <a:rPr lang="en-US" b="1" dirty="0" err="1" smtClean="0">
+              <a:rPr lang="en-US" b="1" dirty="0" err="1">
                 <a:latin typeface="Consolas" pitchFamily="49" charset="0"/>
                 <a:cs typeface="Consolas" pitchFamily="49" charset="0"/>
               </a:rPr>
               <a:t>x_n</a:t>
             </a:r>
             <a:r>
-              <a:rPr lang="en-US" b="1" dirty="0" smtClean="0">
+              <a:rPr lang="en-US" b="1" dirty="0">
                 <a:latin typeface="Consolas" pitchFamily="49" charset="0"/>
                 <a:cs typeface="Consolas" pitchFamily="49" charset="0"/>
               </a:rPr>
@@ -16510,21 +15808,21 @@
           </a:p>
           <a:p>
             <a:r>
-              <a:rPr lang="en-US" b="1" dirty="0" smtClean="0">
+              <a:rPr lang="en-US" b="1" dirty="0">
                 <a:latin typeface="Consolas" pitchFamily="49" charset="0"/>
                 <a:cs typeface="Consolas" pitchFamily="49" charset="0"/>
               </a:rPr>
               <a:t>;;           = (or (p x_1) ... (p </a:t>
             </a:r>
             <a:r>
-              <a:rPr lang="en-US" b="1" dirty="0" err="1" smtClean="0">
+              <a:rPr lang="en-US" b="1" dirty="0" err="1">
                 <a:latin typeface="Consolas" pitchFamily="49" charset="0"/>
                 <a:cs typeface="Consolas" pitchFamily="49" charset="0"/>
               </a:rPr>
               <a:t>x_n</a:t>
             </a:r>
             <a:r>
-              <a:rPr lang="en-US" b="1" dirty="0" smtClean="0">
+              <a:rPr lang="en-US" b="1" dirty="0">
                 <a:latin typeface="Consolas" pitchFamily="49" charset="0"/>
                 <a:cs typeface="Consolas" pitchFamily="49" charset="0"/>
               </a:rPr>
@@ -16533,35 +15831,35 @@
           </a:p>
           <a:p>
             <a:r>
-              <a:rPr lang="en-US" b="1" dirty="0" smtClean="0">
+              <a:rPr lang="en-US" b="1" dirty="0">
                 <a:latin typeface="Consolas" pitchFamily="49" charset="0"/>
                 <a:cs typeface="Consolas" pitchFamily="49" charset="0"/>
               </a:rPr>
               <a:t>(define (</a:t>
             </a:r>
             <a:r>
-              <a:rPr lang="en-US" b="1" dirty="0" err="1" smtClean="0">
+              <a:rPr lang="en-US" b="1" dirty="0" err="1">
                 <a:latin typeface="Consolas" pitchFamily="49" charset="0"/>
                 <a:cs typeface="Consolas" pitchFamily="49" charset="0"/>
               </a:rPr>
               <a:t>ormap</a:t>
             </a:r>
             <a:r>
-              <a:rPr lang="en-US" b="1" dirty="0" smtClean="0">
+              <a:rPr lang="en-US" b="1" dirty="0">
                 <a:latin typeface="Consolas" pitchFamily="49" charset="0"/>
                 <a:cs typeface="Consolas" pitchFamily="49" charset="0"/>
               </a:rPr>
               <a:t> p </a:t>
             </a:r>
             <a:r>
-              <a:rPr lang="en-US" b="1" dirty="0" err="1" smtClean="0">
+              <a:rPr lang="en-US" b="1" dirty="0" err="1">
                 <a:latin typeface="Consolas" pitchFamily="49" charset="0"/>
                 <a:cs typeface="Consolas" pitchFamily="49" charset="0"/>
               </a:rPr>
               <a:t>alox</a:t>
             </a:r>
             <a:r>
-              <a:rPr lang="en-US" b="1" dirty="0" smtClean="0">
+              <a:rPr lang="en-US" b="1" dirty="0">
                 <a:latin typeface="Consolas" pitchFamily="49" charset="0"/>
                 <a:cs typeface="Consolas" pitchFamily="49" charset="0"/>
               </a:rPr>
@@ -16588,25 +15886,16 @@
           <a:lstStyle/>
           <a:p>
             <a:r>
-              <a:rPr lang="en-US" dirty="0" smtClean="0"/>
-              <a:t>Pre-built </a:t>
-            </a:r>
-            <a:r>
-              <a:rPr lang="en-US" dirty="0" smtClean="0"/>
-              <a:t>HOFs for lists (3</a:t>
-            </a:r>
-            <a:r>
-              <a:rPr lang="en-US" dirty="0" smtClean="0"/>
-              <a:t>)</a:t>
+              <a:rPr lang="en-US" dirty="0"/>
+              <a:t>Pre-built HOFs for lists (3)</a:t>
             </a:r>
             <a:br>
-              <a:rPr lang="en-US" dirty="0" smtClean="0"/>
+              <a:rPr lang="en-US" dirty="0"/>
             </a:br>
             <a:r>
-              <a:rPr lang="en-US" dirty="0" smtClean="0"/>
+              <a:rPr lang="en-US" dirty="0"/>
               <a:t>(Chapter 18)</a:t>
             </a:r>
-            <a:endParaRPr lang="en-US" dirty="0"/>
           </a:p>
         </p:txBody>
       </p:sp>
@@ -16644,13 +15933,6 @@
   <p:clrMapOvr>
     <a:masterClrMapping/>
   </p:clrMapOvr>
-  <p:timing>
-    <p:tnLst>
-      <p:par>
-        <p:cTn id="1" dur="indefinite" restart="never" nodeType="tmRoot"/>
-      </p:par>
-    </p:tnLst>
-  </p:timing>
 </p:sld>
 </file>
 
@@ -16687,10 +15969,9 @@
           <a:lstStyle/>
           <a:p>
             <a:r>
-              <a:rPr lang="en-US" dirty="0" smtClean="0"/>
+              <a:rPr lang="en-US" dirty="0"/>
               <a:t>Which of these should I use?</a:t>
             </a:r>
-            <a:endParaRPr lang="en-US" dirty="0"/>
           </a:p>
         </p:txBody>
       </p:sp>
@@ -16710,10 +15991,9 @@
           <a:lstStyle/>
           <a:p>
             <a:r>
-              <a:rPr lang="en-US" dirty="0" smtClean="0"/>
+              <a:rPr lang="en-US" dirty="0"/>
               <a:t>We can write a recipe to help you decide which of these functions to use, if any.</a:t>
             </a:r>
-            <a:endParaRPr lang="en-US" dirty="0"/>
           </a:p>
         </p:txBody>
       </p:sp>
@@ -16751,13 +16031,6 @@
   <p:clrMapOvr>
     <a:masterClrMapping/>
   </p:clrMapOvr>
-  <p:timing>
-    <p:tnLst>
-      <p:par>
-        <p:cTn id="1" dur="indefinite" restart="never" nodeType="tmRoot"/>
-      </p:par>
-    </p:tnLst>
-  </p:timing>
 </p:sld>
 </file>
 
@@ -16803,7 +16076,13 @@
                 <a:tableStyleId>{5C22544A-7EE6-4342-B048-85BDC9FD1C3A}</a:tableStyleId>
               </a:tblPr>
               <a:tblGrid>
-                <a:gridCol w="7315200"/>
+                <a:gridCol w="7315200">
+                  <a:extLst>
+                    <a:ext uri="{9D8B030D-6E8A-4147-A177-3AD203B41FA5}">
+                      <a16:colId xmlns:a16="http://schemas.microsoft.com/office/drawing/2014/main" val="20000"/>
+                    </a:ext>
+                  </a:extLst>
+                </a:gridCol>
               </a:tblGrid>
               <a:tr h="446434">
                 <a:tc>
@@ -16813,30 +16092,31 @@
                     <a:p>
                       <a:pPr algn="ctr"/>
                       <a:r>
-                        <a:rPr lang="en-US" sz="2400" dirty="0" smtClean="0"/>
+                        <a:rPr lang="en-US" sz="2400" dirty="0"/>
                         <a:t>Recipe for Rewriting</a:t>
                       </a:r>
                       <a:r>
-                        <a:rPr lang="en-US" sz="2400" baseline="0" dirty="0" smtClean="0"/>
+                        <a:rPr lang="en-US" sz="2400" baseline="0" dirty="0"/>
                         <a:t> your function to use</a:t>
                       </a:r>
                       <a:r>
-                        <a:rPr lang="en-US" sz="2400" dirty="0" smtClean="0"/>
+                        <a:rPr lang="en-US" sz="2400" dirty="0"/>
                         <a:t> the Pre-Built</a:t>
                       </a:r>
                       <a:r>
-                        <a:rPr lang="en-US" sz="2400" baseline="0" dirty="0" smtClean="0"/>
-                        <a:t> </a:t>
-                      </a:r>
-                      <a:r>
-                        <a:rPr lang="en-US" sz="2400" baseline="0" dirty="0" smtClean="0"/>
-                        <a:t>HOFs for lists</a:t>
+                        <a:rPr lang="en-US" sz="2400" baseline="0" dirty="0"/>
+                        <a:t> HOFs for lists</a:t>
                       </a:r>
                       <a:endParaRPr lang="en-US" sz="2400" dirty="0"/>
                     </a:p>
                   </a:txBody>
                   <a:tcPr/>
                 </a:tc>
+                <a:extLst>
+                  <a:ext uri="{0D108BD9-81ED-4DB2-BD59-A6C34878D82A}">
+                    <a16:rowId xmlns:a16="http://schemas.microsoft.com/office/drawing/2014/main" val="10000"/>
+                  </a:ext>
+                </a:extLst>
               </a:tr>
               <a:tr h="770558">
                 <a:tc>
@@ -16845,11 +16125,11 @@
                     <a:lstStyle/>
                     <a:p>
                       <a:r>
-                        <a:rPr lang="en-US" sz="2400" dirty="0" smtClean="0"/>
+                        <a:rPr lang="en-US" sz="2400" dirty="0"/>
                         <a:t>1.</a:t>
                       </a:r>
                       <a:r>
-                        <a:rPr lang="en-US" sz="2400" baseline="0" dirty="0" smtClean="0"/>
+                        <a:rPr lang="en-US" sz="2400" baseline="0" dirty="0"/>
                         <a:t> Start with your function definition, written using the template for some list data.</a:t>
                       </a:r>
                       <a:endParaRPr lang="en-US" sz="2400" dirty="0"/>
@@ -16857,6 +16137,11 @@
                   </a:txBody>
                   <a:tcPr/>
                 </a:tc>
+                <a:extLst>
+                  <a:ext uri="{0D108BD9-81ED-4DB2-BD59-A6C34878D82A}">
+                    <a16:rowId xmlns:a16="http://schemas.microsoft.com/office/drawing/2014/main" val="10001"/>
+                  </a:ext>
+                </a:extLst>
               </a:tr>
               <a:tr h="770558">
                 <a:tc>
@@ -16865,22 +16150,23 @@
                     <a:lstStyle/>
                     <a:p>
                       <a:r>
-                        <a:rPr lang="en-US" sz="2400" dirty="0" smtClean="0"/>
+                        <a:rPr lang="en-US" sz="2400" dirty="0"/>
                         <a:t>2. Determine whether</a:t>
                       </a:r>
                       <a:r>
-                        <a:rPr lang="en-US" sz="2400" baseline="0" dirty="0" smtClean="0"/>
-                        <a:t> the function is a candidate for using one of the built-in </a:t>
-                      </a:r>
-                      <a:r>
-                        <a:rPr lang="en-US" sz="2400" baseline="0" dirty="0" smtClean="0"/>
-                        <a:t>HOFs</a:t>
+                        <a:rPr lang="en-US" sz="2400" baseline="0" dirty="0"/>
+                        <a:t> the function is a candidate for using one of the built-in HOFs</a:t>
                       </a:r>
                       <a:endParaRPr lang="en-US" sz="2400" dirty="0"/>
                     </a:p>
                   </a:txBody>
                   <a:tcPr/>
                 </a:tc>
+                <a:extLst>
+                  <a:ext uri="{0D108BD9-81ED-4DB2-BD59-A6C34878D82A}">
+                    <a16:rowId xmlns:a16="http://schemas.microsoft.com/office/drawing/2014/main" val="10002"/>
+                  </a:ext>
+                </a:extLst>
               </a:tr>
               <a:tr h="446434">
                 <a:tc>
@@ -16889,22 +16175,18 @@
                     <a:lstStyle/>
                     <a:p>
                       <a:r>
-                        <a:rPr lang="en-US" sz="2400" dirty="0" smtClean="0"/>
-                        <a:t>3. Determine which built-in </a:t>
+                        <a:rPr lang="en-US" sz="2400" dirty="0"/>
+                        <a:t>3. Determine which built-in HOF is appropriate</a:t>
                       </a:r>
-                      <a:r>
-                        <a:rPr lang="en-US" sz="2400" dirty="0" smtClean="0"/>
-                        <a:t>HOF is </a:t>
-                      </a:r>
-                      <a:r>
-                        <a:rPr lang="en-US" sz="2400" dirty="0" smtClean="0"/>
-                        <a:t>appropriate</a:t>
-                      </a:r>
-                      <a:endParaRPr lang="en-US" sz="2400" dirty="0"/>
                     </a:p>
                   </a:txBody>
                   <a:tcPr/>
                 </a:tc>
+                <a:extLst>
+                  <a:ext uri="{0D108BD9-81ED-4DB2-BD59-A6C34878D82A}">
+                    <a16:rowId xmlns:a16="http://schemas.microsoft.com/office/drawing/2014/main" val="10003"/>
+                  </a:ext>
+                </a:extLst>
               </a:tr>
               <a:tr h="770558">
                 <a:tc>
@@ -16913,11 +16195,11 @@
                     <a:lstStyle/>
                     <a:p>
                       <a:r>
-                        <a:rPr lang="en-US" sz="2400" dirty="0" smtClean="0"/>
+                        <a:rPr lang="en-US" sz="2400" dirty="0"/>
                         <a:t>4. Rewrite your function using the built-in</a:t>
                       </a:r>
                       <a:r>
-                        <a:rPr lang="en-US" sz="2400" baseline="0" dirty="0" smtClean="0"/>
+                        <a:rPr lang="en-US" sz="2400" baseline="0" dirty="0"/>
                         <a:t> abstraction.  The new strategy is "Use HOF ..."</a:t>
                       </a:r>
                       <a:endParaRPr lang="en-US" sz="2400" dirty="0"/>
@@ -16925,6 +16207,11 @@
                   </a:txBody>
                   <a:tcPr/>
                 </a:tc>
+                <a:extLst>
+                  <a:ext uri="{0D108BD9-81ED-4DB2-BD59-A6C34878D82A}">
+                    <a16:rowId xmlns:a16="http://schemas.microsoft.com/office/drawing/2014/main" val="10004"/>
+                  </a:ext>
+                </a:extLst>
               </a:tr>
               <a:tr h="770558">
                 <a:tc>
@@ -16933,14 +16220,18 @@
                     <a:lstStyle/>
                     <a:p>
                       <a:r>
-                        <a:rPr lang="en-US" sz="2400" dirty="0" smtClean="0"/>
+                        <a:rPr lang="en-US" sz="2400" dirty="0"/>
                         <a:t>5. Comment out the old definition.  Do not change the contract, purpose statement, examples, or tests.</a:t>
                       </a:r>
-                      <a:endParaRPr lang="en-US" sz="2400" dirty="0"/>
                     </a:p>
                   </a:txBody>
                   <a:tcPr/>
                 </a:tc>
+                <a:extLst>
+                  <a:ext uri="{0D108BD9-81ED-4DB2-BD59-A6C34878D82A}">
+                    <a16:rowId xmlns:a16="http://schemas.microsoft.com/office/drawing/2014/main" val="10005"/>
+                  </a:ext>
+                </a:extLst>
               </a:tr>
             </a:tbl>
           </a:graphicData>
@@ -16964,18 +16255,9 @@
           <a:lstStyle/>
           <a:p>
             <a:r>
-              <a:rPr lang="en-US" dirty="0" smtClean="0"/>
-              <a:t>Recipe for Rewriting Your Function to Use the Pre-Built </a:t>
-            </a:r>
-            <a:r>
-              <a:rPr lang="en-US" dirty="0" smtClean="0"/>
-              <a:t>HOFs for </a:t>
-            </a:r>
-            <a:r>
-              <a:rPr lang="en-US" dirty="0" smtClean="0"/>
-              <a:t>lists</a:t>
-            </a:r>
-            <a:endParaRPr lang="en-US" dirty="0"/>
+              <a:rPr lang="en-US" dirty="0"/>
+              <a:t>Recipe for Rewriting Your Function to Use the Pre-Built HOFs for lists</a:t>
+            </a:r>
           </a:p>
         </p:txBody>
       </p:sp>
@@ -17013,13 +16295,6 @@
   <p:clrMapOvr>
     <a:masterClrMapping/>
   </p:clrMapOvr>
-  <p:timing>
-    <p:tnLst>
-      <p:par>
-        <p:cTn id="1" dur="indefinite" restart="never" nodeType="tmRoot"/>
-      </p:par>
-    </p:tnLst>
-  </p:timing>
 </p:sld>
 </file>
 
